--- a/Projectboard/Projectboard/bin/Debug/requirements/templatedossier.pptx
+++ b/Projectboard/Projectboard/bin/Debug/requirements/templatedossier.pptx
@@ -5,13 +5,12 @@
     <p:sldMasterId id="2147483648" r:id="rId1"/>
   </p:sldMasterIdLst>
   <p:notesMasterIdLst>
-    <p:notesMasterId r:id="rId6"/>
+    <p:notesMasterId r:id="rId5"/>
   </p:notesMasterIdLst>
   <p:sldIdLst>
     <p:sldId id="268" r:id="rId2"/>
-    <p:sldId id="271" r:id="rId3"/>
-    <p:sldId id="269" r:id="rId4"/>
-    <p:sldId id="266" r:id="rId5"/>
+    <p:sldId id="266" r:id="rId3"/>
+    <p:sldId id="267" r:id="rId4"/>
   </p:sldIdLst>
   <p:sldSz cx="13004800" cy="9753600"/>
   <p:notesSz cx="6864350" cy="9996488"/>
@@ -1042,281 +1041,6 @@
 </file>
 
 <file path=ppt/notesSlides/notesSlide3.xml><?xml version="1.0" encoding="utf-8"?>
-<p:notes xmlns:a="http://schemas.openxmlformats.org/drawingml/2006/main" xmlns:r="http://schemas.openxmlformats.org/officeDocument/2006/relationships" xmlns:p="http://schemas.openxmlformats.org/presentationml/2006/main">
-  <p:cSld>
-    <p:spTree>
-      <p:nvGrpSpPr>
-        <p:cNvPr id="1" name=""/>
-        <p:cNvGrpSpPr/>
-        <p:nvPr/>
-      </p:nvGrpSpPr>
-      <p:grpSpPr>
-        <a:xfrm>
-          <a:off x="0" y="0"/>
-          <a:ext cx="0" cy="0"/>
-          <a:chOff x="0" y="0"/>
-          <a:chExt cx="0" cy="0"/>
-        </a:xfrm>
-      </p:grpSpPr>
-      <p:sp>
-        <p:nvSpPr>
-          <p:cNvPr id="2" name="Folienbildplatzhalter 1"/>
-          <p:cNvSpPr>
-            <a:spLocks noGrp="1" noRot="1" noChangeAspect="1"/>
-          </p:cNvSpPr>
-          <p:nvPr>
-            <p:ph type="sldImg"/>
-          </p:nvPr>
-        </p:nvSpPr>
-        <p:spPr/>
-      </p:sp>
-      <p:sp>
-        <p:nvSpPr>
-          <p:cNvPr id="3" name="Notizenplatzhalter 2"/>
-          <p:cNvSpPr>
-            <a:spLocks noGrp="1"/>
-          </p:cNvSpPr>
-          <p:nvPr>
-            <p:ph type="body" idx="1"/>
-          </p:nvPr>
-        </p:nvSpPr>
-        <p:spPr/>
-        <p:txBody>
-          <a:bodyPr/>
-          <a:lstStyle/>
-          <a:p>
-            <a:r>
-              <a:rPr lang="de-DE" sz="2500" dirty="0"/>
-              <a:t>Projekt-Name</a:t>
-            </a:r>
-          </a:p>
-          <a:p>
-            <a:r>
-              <a:rPr lang="de-DE" sz="2500" dirty="0"/>
-              <a:t>Ergebnis</a:t>
-            </a:r>
-          </a:p>
-          <a:p>
-            <a:r>
-              <a:rPr lang="de-DE" sz="2500" dirty="0"/>
-              <a:t>Strategie/Risiko</a:t>
-            </a:r>
-          </a:p>
-          <a:p>
-            <a:r>
-              <a:rPr lang="de-DE" sz="2500" dirty="0"/>
-              <a:t>Teilprojekte</a:t>
-            </a:r>
-          </a:p>
-          <a:p>
-            <a:r>
-              <a:rPr lang="de-DE" sz="2500" dirty="0"/>
-              <a:t>Personalbedarf</a:t>
-            </a:r>
-          </a:p>
-          <a:p>
-            <a:r>
-              <a:rPr lang="de-DE" sz="2500" dirty="0"/>
-              <a:t>Personalkosten</a:t>
-            </a:r>
-          </a:p>
-          <a:p>
-            <a:r>
-              <a:rPr lang="de-DE" sz="2500" dirty="0"/>
-              <a:t>Sonstige Kosten</a:t>
-            </a:r>
-          </a:p>
-          <a:p>
-            <a:r>
-              <a:rPr lang="de-DE" sz="2500" dirty="0"/>
-              <a:t>Gesamtkosten</a:t>
-            </a:r>
-          </a:p>
-          <a:p>
-            <a:r>
-              <a:rPr lang="de-DE" sz="2500" dirty="0"/>
-              <a:t>Fortschritt Personalkosten</a:t>
-            </a:r>
-          </a:p>
-          <a:p>
-            <a:r>
-              <a:rPr lang="de-DE" sz="2500" dirty="0"/>
-              <a:t>Fortschritt Sonstige Kosten</a:t>
-            </a:r>
-          </a:p>
-          <a:p>
-            <a:r>
-              <a:rPr lang="de-DE" sz="2500" dirty="0"/>
-              <a:t>Fortschritt Gesamtkosten</a:t>
-            </a:r>
-          </a:p>
-          <a:p>
-            <a:r>
-              <a:rPr lang="de-DE" sz="2500" dirty="0"/>
-              <a:t>Fortschritt Rolle(…)</a:t>
-            </a:r>
-          </a:p>
-          <a:p>
-            <a:r>
-              <a:rPr lang="de-DE" sz="2500" dirty="0"/>
-              <a:t>Fortschritt Kostenart(…)</a:t>
-            </a:r>
-          </a:p>
-          <a:p>
-            <a:endParaRPr lang="de-DE" sz="2500" dirty="0"/>
-          </a:p>
-          <a:p>
-            <a:r>
-              <a:rPr lang="de-DE" sz="2500" dirty="0"/>
-              <a:t>Soll-Ist1 Personalkosten</a:t>
-            </a:r>
-          </a:p>
-          <a:p>
-            <a:pPr defTabSz="481706">
-              <a:lnSpc>
-                <a:spcPts val="3688"/>
-              </a:lnSpc>
-              <a:defRPr/>
-            </a:pPr>
-            <a:r>
-              <a:rPr lang="de-DE" sz="2500" dirty="0"/>
-              <a:t>Soll-Ist2 Personalkosten</a:t>
-            </a:r>
-          </a:p>
-          <a:p>
-            <a:endParaRPr lang="de-DE" sz="2500" dirty="0"/>
-          </a:p>
-          <a:p>
-            <a:r>
-              <a:rPr lang="de-DE" sz="2500" dirty="0"/>
-              <a:t>Soll-Ist1 Sonstige Kosten</a:t>
-            </a:r>
-          </a:p>
-          <a:p>
-            <a:pPr defTabSz="481706">
-              <a:lnSpc>
-                <a:spcPts val="3688"/>
-              </a:lnSpc>
-              <a:defRPr/>
-            </a:pPr>
-            <a:r>
-              <a:rPr lang="de-DE" sz="2500" dirty="0"/>
-              <a:t>Soll-Ist2 Sonstige Kosten</a:t>
-            </a:r>
-          </a:p>
-          <a:p>
-            <a:endParaRPr lang="de-DE" sz="2500" dirty="0"/>
-          </a:p>
-          <a:p>
-            <a:r>
-              <a:rPr lang="de-DE" sz="2500" dirty="0"/>
-              <a:t>Soll-Ist1 Gesamtkosten</a:t>
-            </a:r>
-          </a:p>
-          <a:p>
-            <a:pPr defTabSz="481706">
-              <a:lnSpc>
-                <a:spcPts val="3688"/>
-              </a:lnSpc>
-              <a:defRPr/>
-            </a:pPr>
-            <a:r>
-              <a:rPr lang="de-DE" sz="2500" dirty="0"/>
-              <a:t>Soll-Ist2 Gesamtkosten</a:t>
-            </a:r>
-          </a:p>
-          <a:p>
-            <a:endParaRPr lang="de-DE" sz="2500" dirty="0"/>
-          </a:p>
-          <a:p>
-            <a:r>
-              <a:rPr lang="de-DE" sz="2500" dirty="0"/>
-              <a:t>Soll-Ist1 Rolle (…)</a:t>
-            </a:r>
-          </a:p>
-          <a:p>
-            <a:pPr defTabSz="481706">
-              <a:lnSpc>
-                <a:spcPts val="3688"/>
-              </a:lnSpc>
-              <a:defRPr/>
-            </a:pPr>
-            <a:r>
-              <a:rPr lang="de-DE" sz="2500" dirty="0"/>
-              <a:t>Soll-Ist2 Rolle (…)</a:t>
-            </a:r>
-          </a:p>
-          <a:p>
-            <a:endParaRPr lang="de-DE" sz="2500" dirty="0"/>
-          </a:p>
-          <a:p>
-            <a:r>
-              <a:rPr lang="de-DE" sz="2500" dirty="0"/>
-              <a:t>Soll-Ist1 Kostenart (…)</a:t>
-            </a:r>
-          </a:p>
-          <a:p>
-            <a:pPr defTabSz="481706">
-              <a:lnSpc>
-                <a:spcPts val="3688"/>
-              </a:lnSpc>
-              <a:defRPr/>
-            </a:pPr>
-            <a:r>
-              <a:rPr lang="de-DE" sz="2500" dirty="0"/>
-              <a:t>Soll-Ist2 Kostenart (…)</a:t>
-            </a:r>
-          </a:p>
-          <a:p>
-            <a:endParaRPr lang="de-DE" sz="2500" dirty="0"/>
-          </a:p>
-          <a:p>
-            <a:r>
-              <a:rPr lang="de-DE" sz="2500" dirty="0"/>
-              <a:t>Ampel-Farbe</a:t>
-            </a:r>
-          </a:p>
-          <a:p>
-            <a:r>
-              <a:rPr lang="de-DE" sz="2500" dirty="0"/>
-              <a:t>Beschreibung</a:t>
-            </a:r>
-          </a:p>
-          <a:p>
-            <a:r>
-              <a:rPr lang="de-DE" sz="2500" dirty="0"/>
-              <a:t>Stand:</a:t>
-            </a:r>
-          </a:p>
-          <a:p>
-            <a:r>
-              <a:rPr lang="de-DE" sz="2500" dirty="0"/>
-              <a:t>Laufzeit:</a:t>
-            </a:r>
-          </a:p>
-          <a:p>
-            <a:r>
-              <a:rPr lang="de-DE" sz="2500" dirty="0"/>
-              <a:t>Verantwortlich:</a:t>
-            </a:r>
-            <a:endParaRPr lang="de-DE" dirty="0"/>
-          </a:p>
-        </p:txBody>
-      </p:sp>
-    </p:spTree>
-    <p:extLst>
-      <p:ext uri="{BB962C8B-B14F-4D97-AF65-F5344CB8AC3E}">
-        <p14:creationId xmlns:p14="http://schemas.microsoft.com/office/powerpoint/2010/main" val="1822032258"/>
-      </p:ext>
-    </p:extLst>
-  </p:cSld>
-  <p:clrMapOvr>
-    <a:masterClrMapping/>
-  </p:clrMapOvr>
-</p:notes>
-</file>
-
-<file path=ppt/notesSlides/notesSlide4.xml><?xml version="1.0" encoding="utf-8"?>
 <p:notes xmlns:a="http://schemas.openxmlformats.org/drawingml/2006/main" xmlns:r="http://schemas.openxmlformats.org/officeDocument/2006/relationships" xmlns:p="http://schemas.openxmlformats.org/presentationml/2006/main">
   <p:cSld>
     <p:spTree>
@@ -2419,10 +2143,104 @@
           <a:lstStyle/>
           <a:p>
             <a:r>
-              <a:rPr lang="de-DE" sz="4400" dirty="0" smtClean="0"/>
-              <a:t>Projekt-Name</a:t>
+              <a:rPr lang="de-DE" sz="4400" dirty="0"/>
+              <a:t>Aktueller Planungstand Termine</a:t>
             </a:r>
             <a:endParaRPr lang="de-DE" dirty="0"/>
+          </a:p>
+        </p:txBody>
+      </p:sp>
+      <p:sp>
+        <p:nvSpPr>
+          <p:cNvPr id="8" name="Rechteck 7"/>
+          <p:cNvSpPr/>
+          <p:nvPr/>
+        </p:nvSpPr>
+        <p:spPr bwMode="auto">
+          <a:xfrm>
+            <a:off x="453728" y="1708448"/>
+            <a:ext cx="12097344" cy="1627156"/>
+          </a:xfrm>
+          <a:prstGeom prst="rect">
+            <a:avLst/>
+          </a:prstGeom>
+          <a:solidFill>
+            <a:srgbClr val="FFFFFF"/>
+          </a:solidFill>
+          <a:ln w="38100" cap="flat" cmpd="sng" algn="ctr">
+            <a:solidFill>
+              <a:schemeClr val="accent1">
+                <a:lumMod val="75000"/>
+              </a:schemeClr>
+            </a:solidFill>
+            <a:prstDash val="solid"/>
+            <a:miter lim="0"/>
+            <a:headEnd type="none" w="med" len="med"/>
+            <a:tailEnd type="none" w="med" len="med"/>
+          </a:ln>
+          <a:effectLst>
+            <a:innerShdw blurRad="63500" dist="50800" dir="18900000">
+              <a:prstClr val="black">
+                <a:alpha val="50000"/>
+              </a:prstClr>
+            </a:innerShdw>
+            <a:softEdge rad="12700"/>
+          </a:effectLst>
+          <a:extLst/>
+        </p:spPr>
+        <p:txBody>
+          <a:bodyPr vert="horz" wrap="square" lIns="50800" tIns="50800" rIns="50800" bIns="50800" numCol="1" rtlCol="0" anchor="ctr" anchorCtr="0" compatLnSpc="1">
+            <a:prstTxWarp prst="textNoShape">
+              <a:avLst/>
+            </a:prstTxWarp>
+          </a:bodyPr>
+          <a:lstStyle/>
+          <a:p>
+            <a:pPr marL="342900" marR="0" indent="0" algn="ctr" defTabSz="584200" rtl="0" eaLnBrk="1" fontAlgn="base" latinLnBrk="0" hangingPunct="0">
+              <a:lnSpc>
+                <a:spcPct val="100000"/>
+              </a:lnSpc>
+              <a:spcBef>
+                <a:spcPct val="0"/>
+              </a:spcBef>
+              <a:spcAft>
+                <a:spcPct val="0"/>
+              </a:spcAft>
+              <a:buClrTx/>
+              <a:buSzTx/>
+              <a:buFontTx/>
+              <a:buNone/>
+              <a:tabLst/>
+            </a:pPr>
+            <a:r>
+              <a:rPr kumimoji="0" lang="de-DE" sz="1400" b="0" i="0" u="none" strike="noStrike" cap="none" normalizeH="0" baseline="0" dirty="0" smtClean="0">
+                <a:ln>
+                  <a:noFill/>
+                </a:ln>
+                <a:solidFill>
+                  <a:schemeClr val="bg2"/>
+                </a:solidFill>
+                <a:effectLst/>
+                <a:latin typeface="Gill Sans Light" charset="0"/>
+                <a:ea typeface="Gill Sans Light" charset="0"/>
+                <a:cs typeface="Gill Sans Light" charset="0"/>
+                <a:sym typeface="Gill Sans Light" charset="0"/>
+              </a:rPr>
+              <a:t>Projekt-Grafik</a:t>
+            </a:r>
+            <a:endParaRPr kumimoji="0" lang="de-DE" sz="1800" b="0" i="0" u="none" strike="noStrike" cap="none" normalizeH="0" baseline="0" dirty="0" smtClean="0">
+              <a:ln>
+                <a:noFill/>
+              </a:ln>
+              <a:solidFill>
+                <a:schemeClr val="bg2"/>
+              </a:solidFill>
+              <a:effectLst/>
+              <a:latin typeface="Gill Sans Light" charset="0"/>
+              <a:ea typeface="Gill Sans Light" charset="0"/>
+              <a:cs typeface="Gill Sans Light" charset="0"/>
+              <a:sym typeface="Gill Sans Light" charset="0"/>
+            </a:endParaRPr>
           </a:p>
         </p:txBody>
       </p:sp>
@@ -2626,69 +2444,796 @@
           </a:p>
         </p:txBody>
       </p:sp>
-      <p:sp>
-        <p:nvSpPr>
-          <p:cNvPr id="7" name="Rechteck 6"/>
-          <p:cNvSpPr/>
-          <p:nvPr/>
-        </p:nvSpPr>
-        <p:spPr bwMode="auto">
-          <a:xfrm>
-            <a:off x="525736" y="1780456"/>
-            <a:ext cx="11881320" cy="6336704"/>
-          </a:xfrm>
-          <a:prstGeom prst="rect">
-            <a:avLst/>
-          </a:prstGeom>
-          <a:solidFill>
-            <a:srgbClr val="FFFFFF"/>
-          </a:solidFill>
-          <a:ln w="38100" cap="flat" cmpd="sng" algn="ctr">
-            <a:solidFill>
-              <a:schemeClr val="accent1">
-                <a:lumMod val="75000"/>
-              </a:schemeClr>
-            </a:solidFill>
-            <a:prstDash val="solid"/>
-            <a:miter lim="0"/>
-            <a:headEnd type="none" w="med" len="med"/>
-            <a:tailEnd type="none" w="med" len="med"/>
-          </a:ln>
-          <a:effectLst>
-            <a:innerShdw blurRad="63500" dist="50800" dir="18900000">
-              <a:prstClr val="black">
-                <a:alpha val="50000"/>
-              </a:prstClr>
-            </a:innerShdw>
-            <a:softEdge rad="12700"/>
-          </a:effectLst>
-          <a:extLst/>
-        </p:spPr>
-        <p:txBody>
-          <a:bodyPr vert="horz" wrap="square" lIns="50800" tIns="50800" rIns="50800" bIns="50800" numCol="1" rtlCol="0" anchor="ctr" anchorCtr="0" compatLnSpc="1">
-            <a:prstTxWarp prst="textNoShape">
-              <a:avLst/>
-            </a:prstTxWarp>
-          </a:bodyPr>
-          <a:lstStyle/>
-          <a:p>
-            <a:pPr marL="342900"/>
-            <a:r>
-              <a:rPr lang="de-DE" sz="2400" dirty="0" smtClean="0">
-                <a:solidFill>
-                  <a:schemeClr val="bg2"/>
-                </a:solidFill>
-              </a:rPr>
-              <a:t>Vergleich mit Vorlage</a:t>
-            </a:r>
-            <a:endParaRPr lang="de-DE" sz="2400" dirty="0">
-              <a:solidFill>
-                <a:schemeClr val="bg2"/>
-              </a:solidFill>
-            </a:endParaRPr>
-          </a:p>
-        </p:txBody>
-      </p:sp>
+      <p:graphicFrame>
+        <p:nvGraphicFramePr>
+          <p:cNvPr id="16" name="Tabelle 15" title="Tabelle Projektziele"/>
+          <p:cNvGraphicFramePr>
+            <a:graphicFrameLocks noGrp="1"/>
+          </p:cNvGraphicFramePr>
+          <p:nvPr>
+            <p:extLst>
+              <p:ext uri="{D42A27DB-BD31-4B8C-83A1-F6EECF244321}">
+                <p14:modId xmlns:p14="http://schemas.microsoft.com/office/powerpoint/2010/main" val="2604316324"/>
+              </p:ext>
+            </p:extLst>
+          </p:nvPr>
+        </p:nvGraphicFramePr>
+        <p:xfrm>
+          <a:off x="453728" y="3508649"/>
+          <a:ext cx="12097344" cy="648072"/>
+        </p:xfrm>
+        <a:graphic>
+          <a:graphicData uri="http://schemas.openxmlformats.org/drawingml/2006/table">
+            <a:tbl>
+              <a:tblPr firstRow="1" bandRow="1">
+                <a:tableStyleId>{5A111915-BE36-4E01-A7E5-04B1672EAD32}</a:tableStyleId>
+              </a:tblPr>
+              <a:tblGrid>
+                <a:gridCol w="576064"/>
+                <a:gridCol w="1872208"/>
+                <a:gridCol w="1080120"/>
+                <a:gridCol w="8568952"/>
+              </a:tblGrid>
+              <a:tr h="388843">
+                <a:tc>
+                  <a:txBody>
+                    <a:bodyPr/>
+                    <a:lstStyle>
+                      <a:lvl1pPr marL="0" algn="l" defTabSz="914400" rtl="0" eaLnBrk="1" latinLnBrk="0" hangingPunct="1">
+                        <a:defRPr sz="1800" b="1" kern="1200">
+                          <a:solidFill>
+                            <a:schemeClr val="lt1"/>
+                          </a:solidFill>
+                          <a:latin typeface="Gill Sans Light"/>
+                          <a:ea typeface="ヒラギノ角ゴ ProN W3"/>
+                          <a:cs typeface="ヒラギノ角ゴ ProN W3"/>
+                        </a:defRPr>
+                      </a:lvl1pPr>
+                      <a:lvl2pPr marL="457200" algn="l" defTabSz="914400" rtl="0" eaLnBrk="1" latinLnBrk="0" hangingPunct="1">
+                        <a:defRPr sz="1800" b="1" kern="1200">
+                          <a:solidFill>
+                            <a:schemeClr val="lt1"/>
+                          </a:solidFill>
+                          <a:latin typeface="Gill Sans Light"/>
+                          <a:ea typeface="ヒラギノ角ゴ ProN W3"/>
+                          <a:cs typeface="ヒラギノ角ゴ ProN W3"/>
+                        </a:defRPr>
+                      </a:lvl2pPr>
+                      <a:lvl3pPr marL="914400" algn="l" defTabSz="914400" rtl="0" eaLnBrk="1" latinLnBrk="0" hangingPunct="1">
+                        <a:defRPr sz="1800" b="1" kern="1200">
+                          <a:solidFill>
+                            <a:schemeClr val="lt1"/>
+                          </a:solidFill>
+                          <a:latin typeface="Gill Sans Light"/>
+                          <a:ea typeface="ヒラギノ角ゴ ProN W3"/>
+                          <a:cs typeface="ヒラギノ角ゴ ProN W3"/>
+                        </a:defRPr>
+                      </a:lvl3pPr>
+                      <a:lvl4pPr marL="1371600" algn="l" defTabSz="914400" rtl="0" eaLnBrk="1" latinLnBrk="0" hangingPunct="1">
+                        <a:defRPr sz="1800" b="1" kern="1200">
+                          <a:solidFill>
+                            <a:schemeClr val="lt1"/>
+                          </a:solidFill>
+                          <a:latin typeface="Gill Sans Light"/>
+                          <a:ea typeface="ヒラギノ角ゴ ProN W3"/>
+                          <a:cs typeface="ヒラギノ角ゴ ProN W3"/>
+                        </a:defRPr>
+                      </a:lvl4pPr>
+                      <a:lvl5pPr marL="1828800" algn="l" defTabSz="914400" rtl="0" eaLnBrk="1" latinLnBrk="0" hangingPunct="1">
+                        <a:defRPr sz="1800" b="1" kern="1200">
+                          <a:solidFill>
+                            <a:schemeClr val="lt1"/>
+                          </a:solidFill>
+                          <a:latin typeface="Gill Sans Light"/>
+                          <a:ea typeface="ヒラギノ角ゴ ProN W3"/>
+                          <a:cs typeface="ヒラギノ角ゴ ProN W3"/>
+                        </a:defRPr>
+                      </a:lvl5pPr>
+                      <a:lvl6pPr marL="2286000" algn="l" defTabSz="914400" rtl="0" eaLnBrk="1" latinLnBrk="0" hangingPunct="1">
+                        <a:defRPr sz="1800" b="1" kern="1200">
+                          <a:solidFill>
+                            <a:schemeClr val="lt1"/>
+                          </a:solidFill>
+                          <a:latin typeface="Gill Sans Light"/>
+                          <a:ea typeface="ヒラギノ角ゴ ProN W3"/>
+                          <a:cs typeface="ヒラギノ角ゴ ProN W3"/>
+                        </a:defRPr>
+                      </a:lvl6pPr>
+                      <a:lvl7pPr marL="2743200" algn="l" defTabSz="914400" rtl="0" eaLnBrk="1" latinLnBrk="0" hangingPunct="1">
+                        <a:defRPr sz="1800" b="1" kern="1200">
+                          <a:solidFill>
+                            <a:schemeClr val="lt1"/>
+                          </a:solidFill>
+                          <a:latin typeface="Gill Sans Light"/>
+                          <a:ea typeface="ヒラギノ角ゴ ProN W3"/>
+                          <a:cs typeface="ヒラギノ角ゴ ProN W3"/>
+                        </a:defRPr>
+                      </a:lvl7pPr>
+                      <a:lvl8pPr marL="3200400" algn="l" defTabSz="914400" rtl="0" eaLnBrk="1" latinLnBrk="0" hangingPunct="1">
+                        <a:defRPr sz="1800" b="1" kern="1200">
+                          <a:solidFill>
+                            <a:schemeClr val="lt1"/>
+                          </a:solidFill>
+                          <a:latin typeface="Gill Sans Light"/>
+                          <a:ea typeface="ヒラギノ角ゴ ProN W3"/>
+                          <a:cs typeface="ヒラギノ角ゴ ProN W3"/>
+                        </a:defRPr>
+                      </a:lvl8pPr>
+                      <a:lvl9pPr marL="3657600" algn="l" defTabSz="914400" rtl="0" eaLnBrk="1" latinLnBrk="0" hangingPunct="1">
+                        <a:defRPr sz="1800" b="1" kern="1200">
+                          <a:solidFill>
+                            <a:schemeClr val="lt1"/>
+                          </a:solidFill>
+                          <a:latin typeface="Gill Sans Light"/>
+                          <a:ea typeface="ヒラギノ角ゴ ProN W3"/>
+                          <a:cs typeface="ヒラギノ角ゴ ProN W3"/>
+                        </a:defRPr>
+                      </a:lvl9pPr>
+                    </a:lstStyle>
+                    <a:p>
+                      <a:r>
+                        <a:rPr lang="de-DE" sz="1400" dirty="0" smtClean="0"/>
+                        <a:t>ID</a:t>
+                      </a:r>
+                      <a:endParaRPr lang="de-DE" sz="1400" dirty="0">
+                        <a:solidFill>
+                          <a:srgbClr val="FFFFFF"/>
+                        </a:solidFill>
+                      </a:endParaRPr>
+                    </a:p>
+                  </a:txBody>
+                  <a:tcPr/>
+                </a:tc>
+                <a:tc>
+                  <a:txBody>
+                    <a:bodyPr/>
+                    <a:lstStyle>
+                      <a:lvl1pPr marL="0" algn="l" defTabSz="914400" rtl="0" eaLnBrk="1" latinLnBrk="0" hangingPunct="1">
+                        <a:defRPr sz="1800" b="1" kern="1200">
+                          <a:solidFill>
+                            <a:schemeClr val="lt1"/>
+                          </a:solidFill>
+                          <a:latin typeface="Gill Sans Light"/>
+                          <a:ea typeface="ヒラギノ角ゴ ProN W3"/>
+                          <a:cs typeface="ヒラギノ角ゴ ProN W3"/>
+                        </a:defRPr>
+                      </a:lvl1pPr>
+                      <a:lvl2pPr marL="457200" algn="l" defTabSz="914400" rtl="0" eaLnBrk="1" latinLnBrk="0" hangingPunct="1">
+                        <a:defRPr sz="1800" b="1" kern="1200">
+                          <a:solidFill>
+                            <a:schemeClr val="lt1"/>
+                          </a:solidFill>
+                          <a:latin typeface="Gill Sans Light"/>
+                          <a:ea typeface="ヒラギノ角ゴ ProN W3"/>
+                          <a:cs typeface="ヒラギノ角ゴ ProN W3"/>
+                        </a:defRPr>
+                      </a:lvl2pPr>
+                      <a:lvl3pPr marL="914400" algn="l" defTabSz="914400" rtl="0" eaLnBrk="1" latinLnBrk="0" hangingPunct="1">
+                        <a:defRPr sz="1800" b="1" kern="1200">
+                          <a:solidFill>
+                            <a:schemeClr val="lt1"/>
+                          </a:solidFill>
+                          <a:latin typeface="Gill Sans Light"/>
+                          <a:ea typeface="ヒラギノ角ゴ ProN W3"/>
+                          <a:cs typeface="ヒラギノ角ゴ ProN W3"/>
+                        </a:defRPr>
+                      </a:lvl3pPr>
+                      <a:lvl4pPr marL="1371600" algn="l" defTabSz="914400" rtl="0" eaLnBrk="1" latinLnBrk="0" hangingPunct="1">
+                        <a:defRPr sz="1800" b="1" kern="1200">
+                          <a:solidFill>
+                            <a:schemeClr val="lt1"/>
+                          </a:solidFill>
+                          <a:latin typeface="Gill Sans Light"/>
+                          <a:ea typeface="ヒラギノ角ゴ ProN W3"/>
+                          <a:cs typeface="ヒラギノ角ゴ ProN W3"/>
+                        </a:defRPr>
+                      </a:lvl4pPr>
+                      <a:lvl5pPr marL="1828800" algn="l" defTabSz="914400" rtl="0" eaLnBrk="1" latinLnBrk="0" hangingPunct="1">
+                        <a:defRPr sz="1800" b="1" kern="1200">
+                          <a:solidFill>
+                            <a:schemeClr val="lt1"/>
+                          </a:solidFill>
+                          <a:latin typeface="Gill Sans Light"/>
+                          <a:ea typeface="ヒラギノ角ゴ ProN W3"/>
+                          <a:cs typeface="ヒラギノ角ゴ ProN W3"/>
+                        </a:defRPr>
+                      </a:lvl5pPr>
+                      <a:lvl6pPr marL="2286000" algn="l" defTabSz="914400" rtl="0" eaLnBrk="1" latinLnBrk="0" hangingPunct="1">
+                        <a:defRPr sz="1800" b="1" kern="1200">
+                          <a:solidFill>
+                            <a:schemeClr val="lt1"/>
+                          </a:solidFill>
+                          <a:latin typeface="Gill Sans Light"/>
+                          <a:ea typeface="ヒラギノ角ゴ ProN W3"/>
+                          <a:cs typeface="ヒラギノ角ゴ ProN W3"/>
+                        </a:defRPr>
+                      </a:lvl6pPr>
+                      <a:lvl7pPr marL="2743200" algn="l" defTabSz="914400" rtl="0" eaLnBrk="1" latinLnBrk="0" hangingPunct="1">
+                        <a:defRPr sz="1800" b="1" kern="1200">
+                          <a:solidFill>
+                            <a:schemeClr val="lt1"/>
+                          </a:solidFill>
+                          <a:latin typeface="Gill Sans Light"/>
+                          <a:ea typeface="ヒラギノ角ゴ ProN W3"/>
+                          <a:cs typeface="ヒラギノ角ゴ ProN W3"/>
+                        </a:defRPr>
+                      </a:lvl7pPr>
+                      <a:lvl8pPr marL="3200400" algn="l" defTabSz="914400" rtl="0" eaLnBrk="1" latinLnBrk="0" hangingPunct="1">
+                        <a:defRPr sz="1800" b="1" kern="1200">
+                          <a:solidFill>
+                            <a:schemeClr val="lt1"/>
+                          </a:solidFill>
+                          <a:latin typeface="Gill Sans Light"/>
+                          <a:ea typeface="ヒラギノ角ゴ ProN W3"/>
+                          <a:cs typeface="ヒラギノ角ゴ ProN W3"/>
+                        </a:defRPr>
+                      </a:lvl8pPr>
+                      <a:lvl9pPr marL="3657600" algn="l" defTabSz="914400" rtl="0" eaLnBrk="1" latinLnBrk="0" hangingPunct="1">
+                        <a:defRPr sz="1800" b="1" kern="1200">
+                          <a:solidFill>
+                            <a:schemeClr val="lt1"/>
+                          </a:solidFill>
+                          <a:latin typeface="Gill Sans Light"/>
+                          <a:ea typeface="ヒラギノ角ゴ ProN W3"/>
+                          <a:cs typeface="ヒラギノ角ゴ ProN W3"/>
+                        </a:defRPr>
+                      </a:lvl9pPr>
+                    </a:lstStyle>
+                    <a:p>
+                      <a:r>
+                        <a:rPr lang="de-DE" sz="1400" kern="1200" dirty="0" smtClean="0"/>
+                        <a:t>Ergebnis</a:t>
+                      </a:r>
+                      <a:endParaRPr lang="de-DE" sz="1400" b="1" kern="1200" dirty="0">
+                        <a:solidFill>
+                          <a:srgbClr val="FFFFFF"/>
+                        </a:solidFill>
+                        <a:latin typeface="+mn-lt"/>
+                        <a:ea typeface="+mn-ea"/>
+                        <a:cs typeface="+mn-cs"/>
+                      </a:endParaRPr>
+                    </a:p>
+                  </a:txBody>
+                  <a:tcPr/>
+                </a:tc>
+                <a:tc>
+                  <a:txBody>
+                    <a:bodyPr/>
+                    <a:lstStyle/>
+                    <a:p>
+                      <a:r>
+                        <a:rPr lang="de-DE" sz="1400" kern="1200" dirty="0" smtClean="0"/>
+                        <a:t>Datum</a:t>
+                      </a:r>
+                      <a:endParaRPr lang="de-DE" sz="1400" b="1" kern="1200" dirty="0">
+                        <a:solidFill>
+                          <a:schemeClr val="lt1"/>
+                        </a:solidFill>
+                        <a:latin typeface="Gill Sans Light"/>
+                        <a:ea typeface="ヒラギノ角ゴ ProN W3"/>
+                        <a:cs typeface="ヒラギノ角ゴ ProN W3"/>
+                      </a:endParaRPr>
+                    </a:p>
+                  </a:txBody>
+                  <a:tcPr/>
+                </a:tc>
+                <a:tc>
+                  <a:txBody>
+                    <a:bodyPr/>
+                    <a:lstStyle>
+                      <a:lvl1pPr marL="0" algn="l" defTabSz="914400" rtl="0" eaLnBrk="1" latinLnBrk="0" hangingPunct="1">
+                        <a:defRPr sz="1800" b="1" kern="1200">
+                          <a:solidFill>
+                            <a:schemeClr val="lt1"/>
+                          </a:solidFill>
+                          <a:latin typeface="Gill Sans Light"/>
+                          <a:ea typeface="ヒラギノ角ゴ ProN W3"/>
+                          <a:cs typeface="ヒラギノ角ゴ ProN W3"/>
+                        </a:defRPr>
+                      </a:lvl1pPr>
+                      <a:lvl2pPr marL="457200" algn="l" defTabSz="914400" rtl="0" eaLnBrk="1" latinLnBrk="0" hangingPunct="1">
+                        <a:defRPr sz="1800" b="1" kern="1200">
+                          <a:solidFill>
+                            <a:schemeClr val="lt1"/>
+                          </a:solidFill>
+                          <a:latin typeface="Gill Sans Light"/>
+                          <a:ea typeface="ヒラギノ角ゴ ProN W3"/>
+                          <a:cs typeface="ヒラギノ角ゴ ProN W3"/>
+                        </a:defRPr>
+                      </a:lvl2pPr>
+                      <a:lvl3pPr marL="914400" algn="l" defTabSz="914400" rtl="0" eaLnBrk="1" latinLnBrk="0" hangingPunct="1">
+                        <a:defRPr sz="1800" b="1" kern="1200">
+                          <a:solidFill>
+                            <a:schemeClr val="lt1"/>
+                          </a:solidFill>
+                          <a:latin typeface="Gill Sans Light"/>
+                          <a:ea typeface="ヒラギノ角ゴ ProN W3"/>
+                          <a:cs typeface="ヒラギノ角ゴ ProN W3"/>
+                        </a:defRPr>
+                      </a:lvl3pPr>
+                      <a:lvl4pPr marL="1371600" algn="l" defTabSz="914400" rtl="0" eaLnBrk="1" latinLnBrk="0" hangingPunct="1">
+                        <a:defRPr sz="1800" b="1" kern="1200">
+                          <a:solidFill>
+                            <a:schemeClr val="lt1"/>
+                          </a:solidFill>
+                          <a:latin typeface="Gill Sans Light"/>
+                          <a:ea typeface="ヒラギノ角ゴ ProN W3"/>
+                          <a:cs typeface="ヒラギノ角ゴ ProN W3"/>
+                        </a:defRPr>
+                      </a:lvl4pPr>
+                      <a:lvl5pPr marL="1828800" algn="l" defTabSz="914400" rtl="0" eaLnBrk="1" latinLnBrk="0" hangingPunct="1">
+                        <a:defRPr sz="1800" b="1" kern="1200">
+                          <a:solidFill>
+                            <a:schemeClr val="lt1"/>
+                          </a:solidFill>
+                          <a:latin typeface="Gill Sans Light"/>
+                          <a:ea typeface="ヒラギノ角ゴ ProN W3"/>
+                          <a:cs typeface="ヒラギノ角ゴ ProN W3"/>
+                        </a:defRPr>
+                      </a:lvl5pPr>
+                      <a:lvl6pPr marL="2286000" algn="l" defTabSz="914400" rtl="0" eaLnBrk="1" latinLnBrk="0" hangingPunct="1">
+                        <a:defRPr sz="1800" b="1" kern="1200">
+                          <a:solidFill>
+                            <a:schemeClr val="lt1"/>
+                          </a:solidFill>
+                          <a:latin typeface="Gill Sans Light"/>
+                          <a:ea typeface="ヒラギノ角ゴ ProN W3"/>
+                          <a:cs typeface="ヒラギノ角ゴ ProN W3"/>
+                        </a:defRPr>
+                      </a:lvl6pPr>
+                      <a:lvl7pPr marL="2743200" algn="l" defTabSz="914400" rtl="0" eaLnBrk="1" latinLnBrk="0" hangingPunct="1">
+                        <a:defRPr sz="1800" b="1" kern="1200">
+                          <a:solidFill>
+                            <a:schemeClr val="lt1"/>
+                          </a:solidFill>
+                          <a:latin typeface="Gill Sans Light"/>
+                          <a:ea typeface="ヒラギノ角ゴ ProN W3"/>
+                          <a:cs typeface="ヒラギノ角ゴ ProN W3"/>
+                        </a:defRPr>
+                      </a:lvl7pPr>
+                      <a:lvl8pPr marL="3200400" algn="l" defTabSz="914400" rtl="0" eaLnBrk="1" latinLnBrk="0" hangingPunct="1">
+                        <a:defRPr sz="1800" b="1" kern="1200">
+                          <a:solidFill>
+                            <a:schemeClr val="lt1"/>
+                          </a:solidFill>
+                          <a:latin typeface="Gill Sans Light"/>
+                          <a:ea typeface="ヒラギノ角ゴ ProN W3"/>
+                          <a:cs typeface="ヒラギノ角ゴ ProN W3"/>
+                        </a:defRPr>
+                      </a:lvl8pPr>
+                      <a:lvl9pPr marL="3657600" algn="l" defTabSz="914400" rtl="0" eaLnBrk="1" latinLnBrk="0" hangingPunct="1">
+                        <a:defRPr sz="1800" b="1" kern="1200">
+                          <a:solidFill>
+                            <a:schemeClr val="lt1"/>
+                          </a:solidFill>
+                          <a:latin typeface="Gill Sans Light"/>
+                          <a:ea typeface="ヒラギノ角ゴ ProN W3"/>
+                          <a:cs typeface="ヒラギノ角ゴ ProN W3"/>
+                        </a:defRPr>
+                      </a:lvl9pPr>
+                    </a:lstStyle>
+                    <a:p>
+                      <a:r>
+                        <a:rPr lang="de-DE" sz="1400" kern="1200" dirty="0" smtClean="0"/>
+                        <a:t>Erläuterung</a:t>
+                      </a:r>
+                      <a:r>
+                        <a:rPr lang="de-DE" sz="1400" dirty="0" smtClean="0"/>
+                        <a:t> </a:t>
+                      </a:r>
+                      <a:r>
+                        <a:rPr lang="de-DE" sz="1400" kern="1200" dirty="0" smtClean="0"/>
+                        <a:t>der</a:t>
+                      </a:r>
+                      <a:r>
+                        <a:rPr lang="de-DE" sz="1400" baseline="0" dirty="0" smtClean="0"/>
+                        <a:t> </a:t>
+                      </a:r>
+                      <a:r>
+                        <a:rPr lang="de-DE" sz="1400" kern="1200" dirty="0" smtClean="0"/>
+                        <a:t>Projektleitung</a:t>
+                      </a:r>
+                      <a:endParaRPr lang="de-DE" sz="1400" b="1" kern="1200" dirty="0">
+                        <a:solidFill>
+                          <a:srgbClr val="FFFFFF"/>
+                        </a:solidFill>
+                        <a:latin typeface="+mn-lt"/>
+                        <a:ea typeface="+mn-ea"/>
+                        <a:cs typeface="+mn-cs"/>
+                      </a:endParaRPr>
+                    </a:p>
+                  </a:txBody>
+                  <a:tcPr/>
+                </a:tc>
+              </a:tr>
+              <a:tr h="259229">
+                <a:tc>
+                  <a:txBody>
+                    <a:bodyPr/>
+                    <a:lstStyle>
+                      <a:lvl1pPr marL="0" algn="l" defTabSz="914400" rtl="0" eaLnBrk="1" latinLnBrk="0" hangingPunct="1">
+                        <a:defRPr sz="1800" kern="1200">
+                          <a:solidFill>
+                            <a:schemeClr val="dk1"/>
+                          </a:solidFill>
+                          <a:latin typeface="Gill Sans Light"/>
+                          <a:ea typeface="ヒラギノ角ゴ ProN W3"/>
+                          <a:cs typeface="ヒラギノ角ゴ ProN W3"/>
+                        </a:defRPr>
+                      </a:lvl1pPr>
+                      <a:lvl2pPr marL="457200" algn="l" defTabSz="914400" rtl="0" eaLnBrk="1" latinLnBrk="0" hangingPunct="1">
+                        <a:defRPr sz="1800" kern="1200">
+                          <a:solidFill>
+                            <a:schemeClr val="dk1"/>
+                          </a:solidFill>
+                          <a:latin typeface="Gill Sans Light"/>
+                          <a:ea typeface="ヒラギノ角ゴ ProN W3"/>
+                          <a:cs typeface="ヒラギノ角ゴ ProN W3"/>
+                        </a:defRPr>
+                      </a:lvl2pPr>
+                      <a:lvl3pPr marL="914400" algn="l" defTabSz="914400" rtl="0" eaLnBrk="1" latinLnBrk="0" hangingPunct="1">
+                        <a:defRPr sz="1800" kern="1200">
+                          <a:solidFill>
+                            <a:schemeClr val="dk1"/>
+                          </a:solidFill>
+                          <a:latin typeface="Gill Sans Light"/>
+                          <a:ea typeface="ヒラギノ角ゴ ProN W3"/>
+                          <a:cs typeface="ヒラギノ角ゴ ProN W3"/>
+                        </a:defRPr>
+                      </a:lvl3pPr>
+                      <a:lvl4pPr marL="1371600" algn="l" defTabSz="914400" rtl="0" eaLnBrk="1" latinLnBrk="0" hangingPunct="1">
+                        <a:defRPr sz="1800" kern="1200">
+                          <a:solidFill>
+                            <a:schemeClr val="dk1"/>
+                          </a:solidFill>
+                          <a:latin typeface="Gill Sans Light"/>
+                          <a:ea typeface="ヒラギノ角ゴ ProN W3"/>
+                          <a:cs typeface="ヒラギノ角ゴ ProN W3"/>
+                        </a:defRPr>
+                      </a:lvl4pPr>
+                      <a:lvl5pPr marL="1828800" algn="l" defTabSz="914400" rtl="0" eaLnBrk="1" latinLnBrk="0" hangingPunct="1">
+                        <a:defRPr sz="1800" kern="1200">
+                          <a:solidFill>
+                            <a:schemeClr val="dk1"/>
+                          </a:solidFill>
+                          <a:latin typeface="Gill Sans Light"/>
+                          <a:ea typeface="ヒラギノ角ゴ ProN W3"/>
+                          <a:cs typeface="ヒラギノ角ゴ ProN W3"/>
+                        </a:defRPr>
+                      </a:lvl5pPr>
+                      <a:lvl6pPr marL="2286000" algn="l" defTabSz="914400" rtl="0" eaLnBrk="1" latinLnBrk="0" hangingPunct="1">
+                        <a:defRPr sz="1800" kern="1200">
+                          <a:solidFill>
+                            <a:schemeClr val="dk1"/>
+                          </a:solidFill>
+                          <a:latin typeface="Gill Sans Light"/>
+                          <a:ea typeface="ヒラギノ角ゴ ProN W3"/>
+                          <a:cs typeface="ヒラギノ角ゴ ProN W3"/>
+                        </a:defRPr>
+                      </a:lvl6pPr>
+                      <a:lvl7pPr marL="2743200" algn="l" defTabSz="914400" rtl="0" eaLnBrk="1" latinLnBrk="0" hangingPunct="1">
+                        <a:defRPr sz="1800" kern="1200">
+                          <a:solidFill>
+                            <a:schemeClr val="dk1"/>
+                          </a:solidFill>
+                          <a:latin typeface="Gill Sans Light"/>
+                          <a:ea typeface="ヒラギノ角ゴ ProN W3"/>
+                          <a:cs typeface="ヒラギノ角ゴ ProN W3"/>
+                        </a:defRPr>
+                      </a:lvl7pPr>
+                      <a:lvl8pPr marL="3200400" algn="l" defTabSz="914400" rtl="0" eaLnBrk="1" latinLnBrk="0" hangingPunct="1">
+                        <a:defRPr sz="1800" kern="1200">
+                          <a:solidFill>
+                            <a:schemeClr val="dk1"/>
+                          </a:solidFill>
+                          <a:latin typeface="Gill Sans Light"/>
+                          <a:ea typeface="ヒラギノ角ゴ ProN W3"/>
+                          <a:cs typeface="ヒラギノ角ゴ ProN W3"/>
+                        </a:defRPr>
+                      </a:lvl8pPr>
+                      <a:lvl9pPr marL="3657600" algn="l" defTabSz="914400" rtl="0" eaLnBrk="1" latinLnBrk="0" hangingPunct="1">
+                        <a:defRPr sz="1800" kern="1200">
+                          <a:solidFill>
+                            <a:schemeClr val="dk1"/>
+                          </a:solidFill>
+                          <a:latin typeface="Gill Sans Light"/>
+                          <a:ea typeface="ヒラギノ角ゴ ProN W3"/>
+                          <a:cs typeface="ヒラギノ角ゴ ProN W3"/>
+                        </a:defRPr>
+                      </a:lvl9pPr>
+                    </a:lstStyle>
+                    <a:p>
+                      <a:pPr marL="0" algn="l" defTabSz="914400" rtl="0" eaLnBrk="1" latinLnBrk="0" hangingPunct="1"/>
+                      <a:r>
+                        <a:rPr lang="de-DE" sz="1100" kern="1200" dirty="0" smtClean="0">
+                          <a:solidFill>
+                            <a:schemeClr val="bg1"/>
+                          </a:solidFill>
+                          <a:latin typeface="+mn-lt"/>
+                          <a:ea typeface="+mn-ea"/>
+                          <a:cs typeface="+mn-cs"/>
+                        </a:rPr>
+                        <a:t>1</a:t>
+                      </a:r>
+                      <a:endParaRPr lang="de-DE" sz="1100" kern="1200" dirty="0">
+                        <a:solidFill>
+                          <a:schemeClr val="bg1"/>
+                        </a:solidFill>
+                        <a:latin typeface="+mn-lt"/>
+                        <a:ea typeface="+mn-ea"/>
+                        <a:cs typeface="+mn-cs"/>
+                      </a:endParaRPr>
+                    </a:p>
+                  </a:txBody>
+                  <a:tcPr/>
+                </a:tc>
+                <a:tc>
+                  <a:txBody>
+                    <a:bodyPr/>
+                    <a:lstStyle>
+                      <a:lvl1pPr marL="0" algn="l" defTabSz="914400" rtl="0" eaLnBrk="1" latinLnBrk="0" hangingPunct="1">
+                        <a:defRPr sz="1800" kern="1200">
+                          <a:solidFill>
+                            <a:schemeClr val="dk1"/>
+                          </a:solidFill>
+                          <a:latin typeface="Gill Sans Light"/>
+                          <a:ea typeface="ヒラギノ角ゴ ProN W3"/>
+                          <a:cs typeface="ヒラギノ角ゴ ProN W3"/>
+                        </a:defRPr>
+                      </a:lvl1pPr>
+                      <a:lvl2pPr marL="457200" algn="l" defTabSz="914400" rtl="0" eaLnBrk="1" latinLnBrk="0" hangingPunct="1">
+                        <a:defRPr sz="1800" kern="1200">
+                          <a:solidFill>
+                            <a:schemeClr val="dk1"/>
+                          </a:solidFill>
+                          <a:latin typeface="Gill Sans Light"/>
+                          <a:ea typeface="ヒラギノ角ゴ ProN W3"/>
+                          <a:cs typeface="ヒラギノ角ゴ ProN W3"/>
+                        </a:defRPr>
+                      </a:lvl2pPr>
+                      <a:lvl3pPr marL="914400" algn="l" defTabSz="914400" rtl="0" eaLnBrk="1" latinLnBrk="0" hangingPunct="1">
+                        <a:defRPr sz="1800" kern="1200">
+                          <a:solidFill>
+                            <a:schemeClr val="dk1"/>
+                          </a:solidFill>
+                          <a:latin typeface="Gill Sans Light"/>
+                          <a:ea typeface="ヒラギノ角ゴ ProN W3"/>
+                          <a:cs typeface="ヒラギノ角ゴ ProN W3"/>
+                        </a:defRPr>
+                      </a:lvl3pPr>
+                      <a:lvl4pPr marL="1371600" algn="l" defTabSz="914400" rtl="0" eaLnBrk="1" latinLnBrk="0" hangingPunct="1">
+                        <a:defRPr sz="1800" kern="1200">
+                          <a:solidFill>
+                            <a:schemeClr val="dk1"/>
+                          </a:solidFill>
+                          <a:latin typeface="Gill Sans Light"/>
+                          <a:ea typeface="ヒラギノ角ゴ ProN W3"/>
+                          <a:cs typeface="ヒラギノ角ゴ ProN W3"/>
+                        </a:defRPr>
+                      </a:lvl4pPr>
+                      <a:lvl5pPr marL="1828800" algn="l" defTabSz="914400" rtl="0" eaLnBrk="1" latinLnBrk="0" hangingPunct="1">
+                        <a:defRPr sz="1800" kern="1200">
+                          <a:solidFill>
+                            <a:schemeClr val="dk1"/>
+                          </a:solidFill>
+                          <a:latin typeface="Gill Sans Light"/>
+                          <a:ea typeface="ヒラギノ角ゴ ProN W3"/>
+                          <a:cs typeface="ヒラギノ角ゴ ProN W3"/>
+                        </a:defRPr>
+                      </a:lvl5pPr>
+                      <a:lvl6pPr marL="2286000" algn="l" defTabSz="914400" rtl="0" eaLnBrk="1" latinLnBrk="0" hangingPunct="1">
+                        <a:defRPr sz="1800" kern="1200">
+                          <a:solidFill>
+                            <a:schemeClr val="dk1"/>
+                          </a:solidFill>
+                          <a:latin typeface="Gill Sans Light"/>
+                          <a:ea typeface="ヒラギノ角ゴ ProN W3"/>
+                          <a:cs typeface="ヒラギノ角ゴ ProN W3"/>
+                        </a:defRPr>
+                      </a:lvl6pPr>
+                      <a:lvl7pPr marL="2743200" algn="l" defTabSz="914400" rtl="0" eaLnBrk="1" latinLnBrk="0" hangingPunct="1">
+                        <a:defRPr sz="1800" kern="1200">
+                          <a:solidFill>
+                            <a:schemeClr val="dk1"/>
+                          </a:solidFill>
+                          <a:latin typeface="Gill Sans Light"/>
+                          <a:ea typeface="ヒラギノ角ゴ ProN W3"/>
+                          <a:cs typeface="ヒラギノ角ゴ ProN W3"/>
+                        </a:defRPr>
+                      </a:lvl7pPr>
+                      <a:lvl8pPr marL="3200400" algn="l" defTabSz="914400" rtl="0" eaLnBrk="1" latinLnBrk="0" hangingPunct="1">
+                        <a:defRPr sz="1800" kern="1200">
+                          <a:solidFill>
+                            <a:schemeClr val="dk1"/>
+                          </a:solidFill>
+                          <a:latin typeface="Gill Sans Light"/>
+                          <a:ea typeface="ヒラギノ角ゴ ProN W3"/>
+                          <a:cs typeface="ヒラギノ角ゴ ProN W3"/>
+                        </a:defRPr>
+                      </a:lvl8pPr>
+                      <a:lvl9pPr marL="3657600" algn="l" defTabSz="914400" rtl="0" eaLnBrk="1" latinLnBrk="0" hangingPunct="1">
+                        <a:defRPr sz="1800" kern="1200">
+                          <a:solidFill>
+                            <a:schemeClr val="dk1"/>
+                          </a:solidFill>
+                          <a:latin typeface="Gill Sans Light"/>
+                          <a:ea typeface="ヒラギノ角ゴ ProN W3"/>
+                          <a:cs typeface="ヒラギノ角ゴ ProN W3"/>
+                        </a:defRPr>
+                      </a:lvl9pPr>
+                    </a:lstStyle>
+                    <a:p>
+                      <a:pPr marL="0" algn="l" defTabSz="914400" rtl="0" eaLnBrk="1" latinLnBrk="0" hangingPunct="1"/>
+                      <a:r>
+                        <a:rPr lang="de-DE" sz="1100" kern="1200" dirty="0" smtClean="0">
+                          <a:solidFill>
+                            <a:schemeClr val="bg1"/>
+                          </a:solidFill>
+                          <a:latin typeface="+mn-lt"/>
+                          <a:ea typeface="+mn-ea"/>
+                          <a:cs typeface="+mn-cs"/>
+                        </a:rPr>
+                        <a:t>Lastenheft</a:t>
+                      </a:r>
+                      <a:endParaRPr lang="de-DE" sz="1100" kern="1200" dirty="0">
+                        <a:solidFill>
+                          <a:schemeClr val="bg1"/>
+                        </a:solidFill>
+                        <a:latin typeface="+mn-lt"/>
+                        <a:ea typeface="+mn-ea"/>
+                        <a:cs typeface="+mn-cs"/>
+                      </a:endParaRPr>
+                    </a:p>
+                  </a:txBody>
+                  <a:tcPr/>
+                </a:tc>
+                <a:tc>
+                  <a:txBody>
+                    <a:bodyPr/>
+                    <a:lstStyle/>
+                    <a:p>
+                      <a:r>
+                        <a:rPr lang="de-DE" sz="1100" dirty="0" smtClean="0">
+                          <a:solidFill>
+                            <a:schemeClr val="bg1"/>
+                          </a:solidFill>
+                        </a:rPr>
+                        <a:t>14.12.2013</a:t>
+                      </a:r>
+                      <a:endParaRPr lang="de-DE" sz="1100" dirty="0">
+                        <a:solidFill>
+                          <a:schemeClr val="bg1"/>
+                        </a:solidFill>
+                      </a:endParaRPr>
+                    </a:p>
+                  </a:txBody>
+                  <a:tcPr/>
+                </a:tc>
+                <a:tc>
+                  <a:txBody>
+                    <a:bodyPr/>
+                    <a:lstStyle>
+                      <a:lvl1pPr marL="0" algn="l" defTabSz="914400" rtl="0" eaLnBrk="1" latinLnBrk="0" hangingPunct="1">
+                        <a:defRPr sz="1800" kern="1200">
+                          <a:solidFill>
+                            <a:schemeClr val="dk1"/>
+                          </a:solidFill>
+                          <a:latin typeface="Gill Sans Light"/>
+                          <a:ea typeface="ヒラギノ角ゴ ProN W3"/>
+                          <a:cs typeface="ヒラギノ角ゴ ProN W3"/>
+                        </a:defRPr>
+                      </a:lvl1pPr>
+                      <a:lvl2pPr marL="457200" algn="l" defTabSz="914400" rtl="0" eaLnBrk="1" latinLnBrk="0" hangingPunct="1">
+                        <a:defRPr sz="1800" kern="1200">
+                          <a:solidFill>
+                            <a:schemeClr val="dk1"/>
+                          </a:solidFill>
+                          <a:latin typeface="Gill Sans Light"/>
+                          <a:ea typeface="ヒラギノ角ゴ ProN W3"/>
+                          <a:cs typeface="ヒラギノ角ゴ ProN W3"/>
+                        </a:defRPr>
+                      </a:lvl2pPr>
+                      <a:lvl3pPr marL="914400" algn="l" defTabSz="914400" rtl="0" eaLnBrk="1" latinLnBrk="0" hangingPunct="1">
+                        <a:defRPr sz="1800" kern="1200">
+                          <a:solidFill>
+                            <a:schemeClr val="dk1"/>
+                          </a:solidFill>
+                          <a:latin typeface="Gill Sans Light"/>
+                          <a:ea typeface="ヒラギノ角ゴ ProN W3"/>
+                          <a:cs typeface="ヒラギノ角ゴ ProN W3"/>
+                        </a:defRPr>
+                      </a:lvl3pPr>
+                      <a:lvl4pPr marL="1371600" algn="l" defTabSz="914400" rtl="0" eaLnBrk="1" latinLnBrk="0" hangingPunct="1">
+                        <a:defRPr sz="1800" kern="1200">
+                          <a:solidFill>
+                            <a:schemeClr val="dk1"/>
+                          </a:solidFill>
+                          <a:latin typeface="Gill Sans Light"/>
+                          <a:ea typeface="ヒラギノ角ゴ ProN W3"/>
+                          <a:cs typeface="ヒラギノ角ゴ ProN W3"/>
+                        </a:defRPr>
+                      </a:lvl4pPr>
+                      <a:lvl5pPr marL="1828800" algn="l" defTabSz="914400" rtl="0" eaLnBrk="1" latinLnBrk="0" hangingPunct="1">
+                        <a:defRPr sz="1800" kern="1200">
+                          <a:solidFill>
+                            <a:schemeClr val="dk1"/>
+                          </a:solidFill>
+                          <a:latin typeface="Gill Sans Light"/>
+                          <a:ea typeface="ヒラギノ角ゴ ProN W3"/>
+                          <a:cs typeface="ヒラギノ角ゴ ProN W3"/>
+                        </a:defRPr>
+                      </a:lvl5pPr>
+                      <a:lvl6pPr marL="2286000" algn="l" defTabSz="914400" rtl="0" eaLnBrk="1" latinLnBrk="0" hangingPunct="1">
+                        <a:defRPr sz="1800" kern="1200">
+                          <a:solidFill>
+                            <a:schemeClr val="dk1"/>
+                          </a:solidFill>
+                          <a:latin typeface="Gill Sans Light"/>
+                          <a:ea typeface="ヒラギノ角ゴ ProN W3"/>
+                          <a:cs typeface="ヒラギノ角ゴ ProN W3"/>
+                        </a:defRPr>
+                      </a:lvl6pPr>
+                      <a:lvl7pPr marL="2743200" algn="l" defTabSz="914400" rtl="0" eaLnBrk="1" latinLnBrk="0" hangingPunct="1">
+                        <a:defRPr sz="1800" kern="1200">
+                          <a:solidFill>
+                            <a:schemeClr val="dk1"/>
+                          </a:solidFill>
+                          <a:latin typeface="Gill Sans Light"/>
+                          <a:ea typeface="ヒラギノ角ゴ ProN W3"/>
+                          <a:cs typeface="ヒラギノ角ゴ ProN W3"/>
+                        </a:defRPr>
+                      </a:lvl7pPr>
+                      <a:lvl8pPr marL="3200400" algn="l" defTabSz="914400" rtl="0" eaLnBrk="1" latinLnBrk="0" hangingPunct="1">
+                        <a:defRPr sz="1800" kern="1200">
+                          <a:solidFill>
+                            <a:schemeClr val="dk1"/>
+                          </a:solidFill>
+                          <a:latin typeface="Gill Sans Light"/>
+                          <a:ea typeface="ヒラギノ角ゴ ProN W3"/>
+                          <a:cs typeface="ヒラギノ角ゴ ProN W3"/>
+                        </a:defRPr>
+                      </a:lvl8pPr>
+                      <a:lvl9pPr marL="3657600" algn="l" defTabSz="914400" rtl="0" eaLnBrk="1" latinLnBrk="0" hangingPunct="1">
+                        <a:defRPr sz="1800" kern="1200">
+                          <a:solidFill>
+                            <a:schemeClr val="dk1"/>
+                          </a:solidFill>
+                          <a:latin typeface="Gill Sans Light"/>
+                          <a:ea typeface="ヒラギノ角ゴ ProN W3"/>
+                          <a:cs typeface="ヒラギノ角ゴ ProN W3"/>
+                        </a:defRPr>
+                      </a:lvl9pPr>
+                    </a:lstStyle>
+                    <a:p>
+                      <a:pPr marL="0" algn="l" defTabSz="914400" rtl="0" eaLnBrk="1" latinLnBrk="0" hangingPunct="1"/>
+                      <a:r>
+                        <a:rPr lang="de-DE" sz="1100" kern="1200" dirty="0" smtClean="0">
+                          <a:solidFill>
+                            <a:schemeClr val="bg1"/>
+                          </a:solidFill>
+                          <a:latin typeface="+mn-lt"/>
+                          <a:ea typeface="+mn-ea"/>
+                          <a:cs typeface="+mn-cs"/>
+                        </a:rPr>
+                        <a:t>Erläuterung</a:t>
+                      </a:r>
+                      <a:endParaRPr lang="de-DE" sz="1100" kern="1200" dirty="0">
+                        <a:solidFill>
+                          <a:schemeClr val="bg1"/>
+                        </a:solidFill>
+                        <a:latin typeface="+mn-lt"/>
+                        <a:ea typeface="+mn-ea"/>
+                        <a:cs typeface="+mn-cs"/>
+                      </a:endParaRPr>
+                    </a:p>
+                  </a:txBody>
+                  <a:tcPr/>
+                </a:tc>
+              </a:tr>
+            </a:tbl>
+          </a:graphicData>
+        </a:graphic>
+      </p:graphicFrame>
     </p:spTree>
     <p:extLst>
       <p:ext uri="{BB962C8B-B14F-4D97-AF65-F5344CB8AC3E}">
@@ -2748,9 +3293,103 @@
           <a:p>
             <a:r>
               <a:rPr lang="de-DE" sz="4400" dirty="0" smtClean="0"/>
-              <a:t>Projekt-Name</a:t>
+              <a:t>Plan Veränderungen</a:t>
             </a:r>
             <a:endParaRPr lang="de-DE" dirty="0"/>
+          </a:p>
+        </p:txBody>
+      </p:sp>
+      <p:sp>
+        <p:nvSpPr>
+          <p:cNvPr id="8" name="Rechteck 7"/>
+          <p:cNvSpPr/>
+          <p:nvPr/>
+        </p:nvSpPr>
+        <p:spPr bwMode="auto">
+          <a:xfrm>
+            <a:off x="453728" y="1708448"/>
+            <a:ext cx="12097344" cy="1627156"/>
+          </a:xfrm>
+          <a:prstGeom prst="rect">
+            <a:avLst/>
+          </a:prstGeom>
+          <a:solidFill>
+            <a:srgbClr val="FFFFFF"/>
+          </a:solidFill>
+          <a:ln w="38100" cap="flat" cmpd="sng" algn="ctr">
+            <a:solidFill>
+              <a:schemeClr val="accent1">
+                <a:lumMod val="75000"/>
+              </a:schemeClr>
+            </a:solidFill>
+            <a:prstDash val="solid"/>
+            <a:miter lim="0"/>
+            <a:headEnd type="none" w="med" len="med"/>
+            <a:tailEnd type="none" w="med" len="med"/>
+          </a:ln>
+          <a:effectLst>
+            <a:innerShdw blurRad="63500" dist="50800" dir="18900000">
+              <a:prstClr val="black">
+                <a:alpha val="50000"/>
+              </a:prstClr>
+            </a:innerShdw>
+            <a:softEdge rad="12700"/>
+          </a:effectLst>
+          <a:extLst/>
+        </p:spPr>
+        <p:txBody>
+          <a:bodyPr vert="horz" wrap="square" lIns="50800" tIns="50800" rIns="50800" bIns="50800" numCol="1" rtlCol="0" anchor="ctr" anchorCtr="0" compatLnSpc="1">
+            <a:prstTxWarp prst="textNoShape">
+              <a:avLst/>
+            </a:prstTxWarp>
+          </a:bodyPr>
+          <a:lstStyle/>
+          <a:p>
+            <a:pPr marL="342900" marR="0" indent="0" algn="ctr" defTabSz="584200" rtl="0" eaLnBrk="1" fontAlgn="base" latinLnBrk="0" hangingPunct="0">
+              <a:lnSpc>
+                <a:spcPct val="100000"/>
+              </a:lnSpc>
+              <a:spcBef>
+                <a:spcPct val="0"/>
+              </a:spcBef>
+              <a:spcAft>
+                <a:spcPct val="0"/>
+              </a:spcAft>
+              <a:buClrTx/>
+              <a:buSzTx/>
+              <a:buFontTx/>
+              <a:buNone/>
+              <a:tabLst/>
+            </a:pPr>
+            <a:r>
+              <a:rPr kumimoji="0" lang="de-DE" sz="1400" b="0" i="0" u="none" strike="noStrike" cap="none" normalizeH="0" baseline="0" dirty="0" smtClean="0">
+                <a:ln>
+                  <a:noFill/>
+                </a:ln>
+                <a:solidFill>
+                  <a:schemeClr val="bg2"/>
+                </a:solidFill>
+                <a:effectLst/>
+                <a:latin typeface="Gill Sans Light" charset="0"/>
+                <a:ea typeface="Gill Sans Light" charset="0"/>
+                <a:cs typeface="Gill Sans Light" charset="0"/>
+                <a:sym typeface="Gill Sans Light" charset="0"/>
+              </a:rPr>
+              <a:t>Projekt-Grafik</a:t>
+            </a:r>
+            <a:endParaRPr kumimoji="0" lang="de-DE" sz="1800" b="0" i="0" u="none" strike="noStrike" cap="none" normalizeH="0" baseline="0" dirty="0" smtClean="0">
+              <a:ln>
+                <a:noFill/>
+              </a:ln>
+              <a:solidFill>
+                <a:schemeClr val="bg2"/>
+              </a:solidFill>
+              <a:effectLst/>
+              <a:latin typeface="Gill Sans Light" charset="0"/>
+              <a:ea typeface="Gill Sans Light" charset="0"/>
+              <a:cs typeface="Gill Sans Light" charset="0"/>
+              <a:sym typeface="Gill Sans Light" charset="0"/>
+            </a:endParaRPr>
           </a:p>
         </p:txBody>
       </p:sp>
@@ -2954,1448 +3593,6 @@
           </a:p>
         </p:txBody>
       </p:sp>
-      <p:sp>
-        <p:nvSpPr>
-          <p:cNvPr id="7" name="Rechteck 6"/>
-          <p:cNvSpPr/>
-          <p:nvPr/>
-        </p:nvSpPr>
-        <p:spPr bwMode="auto">
-          <a:xfrm>
-            <a:off x="525736" y="1780456"/>
-            <a:ext cx="11881320" cy="6336704"/>
-          </a:xfrm>
-          <a:prstGeom prst="rect">
-            <a:avLst/>
-          </a:prstGeom>
-          <a:solidFill>
-            <a:srgbClr val="FFFFFF"/>
-          </a:solidFill>
-          <a:ln w="38100" cap="flat" cmpd="sng" algn="ctr">
-            <a:solidFill>
-              <a:schemeClr val="accent1">
-                <a:lumMod val="75000"/>
-              </a:schemeClr>
-            </a:solidFill>
-            <a:prstDash val="solid"/>
-            <a:miter lim="0"/>
-            <a:headEnd type="none" w="med" len="med"/>
-            <a:tailEnd type="none" w="med" len="med"/>
-          </a:ln>
-          <a:effectLst>
-            <a:innerShdw blurRad="63500" dist="50800" dir="18900000">
-              <a:prstClr val="black">
-                <a:alpha val="50000"/>
-              </a:prstClr>
-            </a:innerShdw>
-            <a:softEdge rad="12700"/>
-          </a:effectLst>
-          <a:extLst/>
-        </p:spPr>
-        <p:txBody>
-          <a:bodyPr vert="horz" wrap="square" lIns="50800" tIns="50800" rIns="50800" bIns="50800" numCol="1" rtlCol="0" anchor="ctr" anchorCtr="0" compatLnSpc="1">
-            <a:prstTxWarp prst="textNoShape">
-              <a:avLst/>
-            </a:prstTxWarp>
-          </a:bodyPr>
-          <a:lstStyle/>
-          <a:p>
-            <a:pPr marL="342900"/>
-            <a:r>
-              <a:rPr lang="de-DE" sz="2400" dirty="0" smtClean="0">
-                <a:solidFill>
-                  <a:schemeClr val="bg2"/>
-                </a:solidFill>
-              </a:rPr>
-              <a:t>Vergleich mit letztem Stand</a:t>
-            </a:r>
-            <a:endParaRPr lang="de-DE" sz="2400" dirty="0">
-              <a:solidFill>
-                <a:schemeClr val="bg2"/>
-              </a:solidFill>
-            </a:endParaRPr>
-          </a:p>
-        </p:txBody>
-      </p:sp>
-    </p:spTree>
-    <p:extLst>
-      <p:ext uri="{BB962C8B-B14F-4D97-AF65-F5344CB8AC3E}">
-        <p14:creationId xmlns:p14="http://schemas.microsoft.com/office/powerpoint/2010/main" val="1024910355"/>
-      </p:ext>
-    </p:extLst>
-  </p:cSld>
-  <p:clrMapOvr>
-    <a:masterClrMapping/>
-  </p:clrMapOvr>
-  <p:timing>
-    <p:tnLst>
-      <p:par>
-        <p:cTn id="1" dur="indefinite" restart="never" nodeType="tmRoot"/>
-      </p:par>
-    </p:tnLst>
-  </p:timing>
-</p:sld>
-</file>
-
-<file path=ppt/slides/slide3.xml><?xml version="1.0" encoding="utf-8"?>
-<p:sld xmlns:a="http://schemas.openxmlformats.org/drawingml/2006/main" xmlns:r="http://schemas.openxmlformats.org/officeDocument/2006/relationships" xmlns:p="http://schemas.openxmlformats.org/presentationml/2006/main">
-  <p:cSld>
-    <p:spTree>
-      <p:nvGrpSpPr>
-        <p:cNvPr id="1" name=""/>
-        <p:cNvGrpSpPr/>
-        <p:nvPr/>
-      </p:nvGrpSpPr>
-      <p:grpSpPr>
-        <a:xfrm>
-          <a:off x="0" y="0"/>
-          <a:ext cx="0" cy="0"/>
-          <a:chOff x="0" y="0"/>
-          <a:chExt cx="0" cy="0"/>
-        </a:xfrm>
-      </p:grpSpPr>
-      <p:sp>
-        <p:nvSpPr>
-          <p:cNvPr id="2" name="Titel 1"/>
-          <p:cNvSpPr>
-            <a:spLocks noGrp="1"/>
-          </p:cNvSpPr>
-          <p:nvPr>
-            <p:ph type="title"/>
-          </p:nvPr>
-        </p:nvSpPr>
-        <p:spPr>
-          <a:xfrm>
-            <a:off x="650875" y="390525"/>
-            <a:ext cx="11703050" cy="1245915"/>
-          </a:xfrm>
-        </p:spPr>
-        <p:txBody>
-          <a:bodyPr/>
-          <a:lstStyle/>
-          <a:p>
-            <a:r>
-              <a:rPr lang="de-DE" sz="4400" dirty="0"/>
-              <a:t>Aktueller Planungstand Termine</a:t>
-            </a:r>
-            <a:endParaRPr lang="de-DE" dirty="0"/>
-          </a:p>
-        </p:txBody>
-      </p:sp>
-      <p:sp>
-        <p:nvSpPr>
-          <p:cNvPr id="10" name="Rechteck 9"/>
-          <p:cNvSpPr/>
-          <p:nvPr/>
-        </p:nvSpPr>
-        <p:spPr bwMode="auto">
-          <a:xfrm>
-            <a:off x="453728" y="8929194"/>
-            <a:ext cx="3478120" cy="340094"/>
-          </a:xfrm>
-          <a:prstGeom prst="rect">
-            <a:avLst/>
-          </a:prstGeom>
-          <a:solidFill>
-            <a:srgbClr val="FFFFFF"/>
-          </a:solidFill>
-          <a:ln w="38100" cap="flat" cmpd="sng" algn="ctr">
-            <a:solidFill>
-              <a:schemeClr val="accent1">
-                <a:lumMod val="75000"/>
-              </a:schemeClr>
-            </a:solidFill>
-            <a:prstDash val="solid"/>
-            <a:miter lim="0"/>
-            <a:headEnd type="none" w="med" len="med"/>
-            <a:tailEnd type="none" w="med" len="med"/>
-          </a:ln>
-          <a:effectLst>
-            <a:innerShdw blurRad="63500" dist="50800" dir="18900000">
-              <a:prstClr val="black">
-                <a:alpha val="50000"/>
-              </a:prstClr>
-            </a:innerShdw>
-            <a:softEdge rad="12700"/>
-          </a:effectLst>
-          <a:extLst/>
-        </p:spPr>
-        <p:txBody>
-          <a:bodyPr vert="horz" wrap="square" lIns="0" tIns="50800" rIns="50800" bIns="50800" numCol="1" rtlCol="0" anchor="ctr" anchorCtr="0" compatLnSpc="1">
-            <a:prstTxWarp prst="textNoShape">
-              <a:avLst/>
-            </a:prstTxWarp>
-          </a:bodyPr>
-          <a:lstStyle/>
-          <a:p>
-            <a:pPr marL="342900" algn="l"/>
-            <a:r>
-              <a:rPr lang="de-DE" sz="1400" dirty="0">
-                <a:solidFill>
-                  <a:schemeClr val="bg2"/>
-                </a:solidFill>
-              </a:rPr>
-              <a:t>Stand</a:t>
-            </a:r>
-            <a:r>
-              <a:rPr lang="de-DE" sz="1400" dirty="0" smtClean="0">
-                <a:solidFill>
-                  <a:schemeClr val="bg2"/>
-                </a:solidFill>
-              </a:rPr>
-              <a:t>:</a:t>
-            </a:r>
-            <a:endParaRPr lang="de-DE" sz="1400" dirty="0">
-              <a:solidFill>
-                <a:schemeClr val="bg2"/>
-              </a:solidFill>
-            </a:endParaRPr>
-          </a:p>
-        </p:txBody>
-      </p:sp>
-      <p:sp>
-        <p:nvSpPr>
-          <p:cNvPr id="14" name="Rechteck 13"/>
-          <p:cNvSpPr/>
-          <p:nvPr/>
-        </p:nvSpPr>
-        <p:spPr bwMode="auto">
-          <a:xfrm>
-            <a:off x="9216968" y="8929194"/>
-            <a:ext cx="3478120" cy="340094"/>
-          </a:xfrm>
-          <a:prstGeom prst="rect">
-            <a:avLst/>
-          </a:prstGeom>
-          <a:solidFill>
-            <a:srgbClr val="FFFFFF"/>
-          </a:solidFill>
-          <a:ln w="38100" cap="flat" cmpd="sng" algn="ctr">
-            <a:solidFill>
-              <a:schemeClr val="accent1">
-                <a:lumMod val="75000"/>
-              </a:schemeClr>
-            </a:solidFill>
-            <a:prstDash val="solid"/>
-            <a:miter lim="0"/>
-            <a:headEnd type="none" w="med" len="med"/>
-            <a:tailEnd type="none" w="med" len="med"/>
-          </a:ln>
-          <a:effectLst>
-            <a:innerShdw blurRad="63500" dist="50800" dir="18900000">
-              <a:prstClr val="black">
-                <a:alpha val="50000"/>
-              </a:prstClr>
-            </a:innerShdw>
-            <a:softEdge rad="12700"/>
-          </a:effectLst>
-          <a:extLst/>
-        </p:spPr>
-        <p:txBody>
-          <a:bodyPr vert="horz" wrap="square" lIns="0" tIns="50800" rIns="50800" bIns="50800" numCol="1" rtlCol="0" anchor="ctr" anchorCtr="0" compatLnSpc="1">
-            <a:prstTxWarp prst="textNoShape">
-              <a:avLst/>
-            </a:prstTxWarp>
-          </a:bodyPr>
-          <a:lstStyle/>
-          <a:p>
-            <a:pPr marL="342900" algn="l"/>
-            <a:r>
-              <a:rPr lang="de-DE" sz="1400" dirty="0">
-                <a:solidFill>
-                  <a:schemeClr val="bg2"/>
-                </a:solidFill>
-              </a:rPr>
-              <a:t>Verantwortlich:</a:t>
-            </a:r>
-          </a:p>
-        </p:txBody>
-      </p:sp>
-      <p:sp>
-        <p:nvSpPr>
-          <p:cNvPr id="15" name="Rechteck 14"/>
-          <p:cNvSpPr/>
-          <p:nvPr/>
-        </p:nvSpPr>
-        <p:spPr bwMode="auto">
-          <a:xfrm>
-            <a:off x="4835348" y="8929194"/>
-            <a:ext cx="3478120" cy="340094"/>
-          </a:xfrm>
-          <a:prstGeom prst="rect">
-            <a:avLst/>
-          </a:prstGeom>
-          <a:solidFill>
-            <a:srgbClr val="FFFFFF"/>
-          </a:solidFill>
-          <a:ln w="38100" cap="flat" cmpd="sng" algn="ctr">
-            <a:solidFill>
-              <a:schemeClr val="accent1">
-                <a:lumMod val="75000"/>
-              </a:schemeClr>
-            </a:solidFill>
-            <a:prstDash val="solid"/>
-            <a:miter lim="0"/>
-            <a:headEnd type="none" w="med" len="med"/>
-            <a:tailEnd type="none" w="med" len="med"/>
-          </a:ln>
-          <a:effectLst>
-            <a:innerShdw blurRad="63500" dist="50800" dir="18900000">
-              <a:prstClr val="black">
-                <a:alpha val="50000"/>
-              </a:prstClr>
-            </a:innerShdw>
-            <a:softEdge rad="12700"/>
-          </a:effectLst>
-          <a:extLst/>
-        </p:spPr>
-        <p:txBody>
-          <a:bodyPr vert="horz" wrap="square" lIns="0" tIns="50800" rIns="50800" bIns="50800" numCol="1" rtlCol="0" anchor="ctr" anchorCtr="0" compatLnSpc="1">
-            <a:prstTxWarp prst="textNoShape">
-              <a:avLst/>
-            </a:prstTxWarp>
-          </a:bodyPr>
-          <a:lstStyle/>
-          <a:p>
-            <a:pPr marL="342900" algn="l"/>
-            <a:r>
-              <a:rPr lang="de-DE" sz="1400" dirty="0">
-                <a:solidFill>
-                  <a:schemeClr val="bg2"/>
-                </a:solidFill>
-              </a:rPr>
-              <a:t>Laufzeit</a:t>
-            </a:r>
-            <a:r>
-              <a:rPr lang="de-DE" sz="1400" dirty="0" smtClean="0">
-                <a:solidFill>
-                  <a:schemeClr val="bg2"/>
-                </a:solidFill>
-              </a:rPr>
-              <a:t>:</a:t>
-            </a:r>
-            <a:endParaRPr lang="de-DE" sz="1400" dirty="0">
-              <a:solidFill>
-                <a:schemeClr val="bg2"/>
-              </a:solidFill>
-            </a:endParaRPr>
-          </a:p>
-        </p:txBody>
-      </p:sp>
-      <p:graphicFrame>
-        <p:nvGraphicFramePr>
-          <p:cNvPr id="16" name="Tabelle 15" title="Tabelle Projektziele"/>
-          <p:cNvGraphicFramePr>
-            <a:graphicFrameLocks noGrp="1"/>
-          </p:cNvGraphicFramePr>
-          <p:nvPr>
-            <p:extLst>
-              <p:ext uri="{D42A27DB-BD31-4B8C-83A1-F6EECF244321}">
-                <p14:modId xmlns:p14="http://schemas.microsoft.com/office/powerpoint/2010/main" val="3596492479"/>
-              </p:ext>
-            </p:extLst>
-          </p:nvPr>
-        </p:nvGraphicFramePr>
-        <p:xfrm>
-          <a:off x="597744" y="3796680"/>
-          <a:ext cx="12097344" cy="648072"/>
-        </p:xfrm>
-        <a:graphic>
-          <a:graphicData uri="http://schemas.openxmlformats.org/drawingml/2006/table">
-            <a:tbl>
-              <a:tblPr firstRow="1" bandRow="1">
-                <a:tableStyleId>{5A111915-BE36-4E01-A7E5-04B1672EAD32}</a:tableStyleId>
-              </a:tblPr>
-              <a:tblGrid>
-                <a:gridCol w="576064"/>
-                <a:gridCol w="1872208"/>
-                <a:gridCol w="1080120"/>
-                <a:gridCol w="8568952"/>
-              </a:tblGrid>
-              <a:tr h="388843">
-                <a:tc>
-                  <a:txBody>
-                    <a:bodyPr/>
-                    <a:lstStyle>
-                      <a:lvl1pPr marL="0" algn="l" defTabSz="914400" rtl="0" eaLnBrk="1" latinLnBrk="0" hangingPunct="1">
-                        <a:defRPr sz="1800" b="1" kern="1200">
-                          <a:solidFill>
-                            <a:schemeClr val="lt1"/>
-                          </a:solidFill>
-                          <a:latin typeface="Gill Sans Light"/>
-                          <a:ea typeface="ヒラギノ角ゴ ProN W3"/>
-                          <a:cs typeface="ヒラギノ角ゴ ProN W3"/>
-                        </a:defRPr>
-                      </a:lvl1pPr>
-                      <a:lvl2pPr marL="457200" algn="l" defTabSz="914400" rtl="0" eaLnBrk="1" latinLnBrk="0" hangingPunct="1">
-                        <a:defRPr sz="1800" b="1" kern="1200">
-                          <a:solidFill>
-                            <a:schemeClr val="lt1"/>
-                          </a:solidFill>
-                          <a:latin typeface="Gill Sans Light"/>
-                          <a:ea typeface="ヒラギノ角ゴ ProN W3"/>
-                          <a:cs typeface="ヒラギノ角ゴ ProN W3"/>
-                        </a:defRPr>
-                      </a:lvl2pPr>
-                      <a:lvl3pPr marL="914400" algn="l" defTabSz="914400" rtl="0" eaLnBrk="1" latinLnBrk="0" hangingPunct="1">
-                        <a:defRPr sz="1800" b="1" kern="1200">
-                          <a:solidFill>
-                            <a:schemeClr val="lt1"/>
-                          </a:solidFill>
-                          <a:latin typeface="Gill Sans Light"/>
-                          <a:ea typeface="ヒラギノ角ゴ ProN W3"/>
-                          <a:cs typeface="ヒラギノ角ゴ ProN W3"/>
-                        </a:defRPr>
-                      </a:lvl3pPr>
-                      <a:lvl4pPr marL="1371600" algn="l" defTabSz="914400" rtl="0" eaLnBrk="1" latinLnBrk="0" hangingPunct="1">
-                        <a:defRPr sz="1800" b="1" kern="1200">
-                          <a:solidFill>
-                            <a:schemeClr val="lt1"/>
-                          </a:solidFill>
-                          <a:latin typeface="Gill Sans Light"/>
-                          <a:ea typeface="ヒラギノ角ゴ ProN W3"/>
-                          <a:cs typeface="ヒラギノ角ゴ ProN W3"/>
-                        </a:defRPr>
-                      </a:lvl4pPr>
-                      <a:lvl5pPr marL="1828800" algn="l" defTabSz="914400" rtl="0" eaLnBrk="1" latinLnBrk="0" hangingPunct="1">
-                        <a:defRPr sz="1800" b="1" kern="1200">
-                          <a:solidFill>
-                            <a:schemeClr val="lt1"/>
-                          </a:solidFill>
-                          <a:latin typeface="Gill Sans Light"/>
-                          <a:ea typeface="ヒラギノ角ゴ ProN W3"/>
-                          <a:cs typeface="ヒラギノ角ゴ ProN W3"/>
-                        </a:defRPr>
-                      </a:lvl5pPr>
-                      <a:lvl6pPr marL="2286000" algn="l" defTabSz="914400" rtl="0" eaLnBrk="1" latinLnBrk="0" hangingPunct="1">
-                        <a:defRPr sz="1800" b="1" kern="1200">
-                          <a:solidFill>
-                            <a:schemeClr val="lt1"/>
-                          </a:solidFill>
-                          <a:latin typeface="Gill Sans Light"/>
-                          <a:ea typeface="ヒラギノ角ゴ ProN W3"/>
-                          <a:cs typeface="ヒラギノ角ゴ ProN W3"/>
-                        </a:defRPr>
-                      </a:lvl6pPr>
-                      <a:lvl7pPr marL="2743200" algn="l" defTabSz="914400" rtl="0" eaLnBrk="1" latinLnBrk="0" hangingPunct="1">
-                        <a:defRPr sz="1800" b="1" kern="1200">
-                          <a:solidFill>
-                            <a:schemeClr val="lt1"/>
-                          </a:solidFill>
-                          <a:latin typeface="Gill Sans Light"/>
-                          <a:ea typeface="ヒラギノ角ゴ ProN W3"/>
-                          <a:cs typeface="ヒラギノ角ゴ ProN W3"/>
-                        </a:defRPr>
-                      </a:lvl7pPr>
-                      <a:lvl8pPr marL="3200400" algn="l" defTabSz="914400" rtl="0" eaLnBrk="1" latinLnBrk="0" hangingPunct="1">
-                        <a:defRPr sz="1800" b="1" kern="1200">
-                          <a:solidFill>
-                            <a:schemeClr val="lt1"/>
-                          </a:solidFill>
-                          <a:latin typeface="Gill Sans Light"/>
-                          <a:ea typeface="ヒラギノ角ゴ ProN W3"/>
-                          <a:cs typeface="ヒラギノ角ゴ ProN W3"/>
-                        </a:defRPr>
-                      </a:lvl8pPr>
-                      <a:lvl9pPr marL="3657600" algn="l" defTabSz="914400" rtl="0" eaLnBrk="1" latinLnBrk="0" hangingPunct="1">
-                        <a:defRPr sz="1800" b="1" kern="1200">
-                          <a:solidFill>
-                            <a:schemeClr val="lt1"/>
-                          </a:solidFill>
-                          <a:latin typeface="Gill Sans Light"/>
-                          <a:ea typeface="ヒラギノ角ゴ ProN W3"/>
-                          <a:cs typeface="ヒラギノ角ゴ ProN W3"/>
-                        </a:defRPr>
-                      </a:lvl9pPr>
-                    </a:lstStyle>
-                    <a:p>
-                      <a:r>
-                        <a:rPr lang="de-DE" sz="1400" dirty="0" smtClean="0"/>
-                        <a:t>ID</a:t>
-                      </a:r>
-                      <a:endParaRPr lang="de-DE" sz="1400" dirty="0">
-                        <a:solidFill>
-                          <a:srgbClr val="FFFFFF"/>
-                        </a:solidFill>
-                      </a:endParaRPr>
-                    </a:p>
-                  </a:txBody>
-                  <a:tcPr/>
-                </a:tc>
-                <a:tc>
-                  <a:txBody>
-                    <a:bodyPr/>
-                    <a:lstStyle>
-                      <a:lvl1pPr marL="0" algn="l" defTabSz="914400" rtl="0" eaLnBrk="1" latinLnBrk="0" hangingPunct="1">
-                        <a:defRPr sz="1800" b="1" kern="1200">
-                          <a:solidFill>
-                            <a:schemeClr val="lt1"/>
-                          </a:solidFill>
-                          <a:latin typeface="Gill Sans Light"/>
-                          <a:ea typeface="ヒラギノ角ゴ ProN W3"/>
-                          <a:cs typeface="ヒラギノ角ゴ ProN W3"/>
-                        </a:defRPr>
-                      </a:lvl1pPr>
-                      <a:lvl2pPr marL="457200" algn="l" defTabSz="914400" rtl="0" eaLnBrk="1" latinLnBrk="0" hangingPunct="1">
-                        <a:defRPr sz="1800" b="1" kern="1200">
-                          <a:solidFill>
-                            <a:schemeClr val="lt1"/>
-                          </a:solidFill>
-                          <a:latin typeface="Gill Sans Light"/>
-                          <a:ea typeface="ヒラギノ角ゴ ProN W3"/>
-                          <a:cs typeface="ヒラギノ角ゴ ProN W3"/>
-                        </a:defRPr>
-                      </a:lvl2pPr>
-                      <a:lvl3pPr marL="914400" algn="l" defTabSz="914400" rtl="0" eaLnBrk="1" latinLnBrk="0" hangingPunct="1">
-                        <a:defRPr sz="1800" b="1" kern="1200">
-                          <a:solidFill>
-                            <a:schemeClr val="lt1"/>
-                          </a:solidFill>
-                          <a:latin typeface="Gill Sans Light"/>
-                          <a:ea typeface="ヒラギノ角ゴ ProN W3"/>
-                          <a:cs typeface="ヒラギノ角ゴ ProN W3"/>
-                        </a:defRPr>
-                      </a:lvl3pPr>
-                      <a:lvl4pPr marL="1371600" algn="l" defTabSz="914400" rtl="0" eaLnBrk="1" latinLnBrk="0" hangingPunct="1">
-                        <a:defRPr sz="1800" b="1" kern="1200">
-                          <a:solidFill>
-                            <a:schemeClr val="lt1"/>
-                          </a:solidFill>
-                          <a:latin typeface="Gill Sans Light"/>
-                          <a:ea typeface="ヒラギノ角ゴ ProN W3"/>
-                          <a:cs typeface="ヒラギノ角ゴ ProN W3"/>
-                        </a:defRPr>
-                      </a:lvl4pPr>
-                      <a:lvl5pPr marL="1828800" algn="l" defTabSz="914400" rtl="0" eaLnBrk="1" latinLnBrk="0" hangingPunct="1">
-                        <a:defRPr sz="1800" b="1" kern="1200">
-                          <a:solidFill>
-                            <a:schemeClr val="lt1"/>
-                          </a:solidFill>
-                          <a:latin typeface="Gill Sans Light"/>
-                          <a:ea typeface="ヒラギノ角ゴ ProN W3"/>
-                          <a:cs typeface="ヒラギノ角ゴ ProN W3"/>
-                        </a:defRPr>
-                      </a:lvl5pPr>
-                      <a:lvl6pPr marL="2286000" algn="l" defTabSz="914400" rtl="0" eaLnBrk="1" latinLnBrk="0" hangingPunct="1">
-                        <a:defRPr sz="1800" b="1" kern="1200">
-                          <a:solidFill>
-                            <a:schemeClr val="lt1"/>
-                          </a:solidFill>
-                          <a:latin typeface="Gill Sans Light"/>
-                          <a:ea typeface="ヒラギノ角ゴ ProN W3"/>
-                          <a:cs typeface="ヒラギノ角ゴ ProN W3"/>
-                        </a:defRPr>
-                      </a:lvl6pPr>
-                      <a:lvl7pPr marL="2743200" algn="l" defTabSz="914400" rtl="0" eaLnBrk="1" latinLnBrk="0" hangingPunct="1">
-                        <a:defRPr sz="1800" b="1" kern="1200">
-                          <a:solidFill>
-                            <a:schemeClr val="lt1"/>
-                          </a:solidFill>
-                          <a:latin typeface="Gill Sans Light"/>
-                          <a:ea typeface="ヒラギノ角ゴ ProN W3"/>
-                          <a:cs typeface="ヒラギノ角ゴ ProN W3"/>
-                        </a:defRPr>
-                      </a:lvl7pPr>
-                      <a:lvl8pPr marL="3200400" algn="l" defTabSz="914400" rtl="0" eaLnBrk="1" latinLnBrk="0" hangingPunct="1">
-                        <a:defRPr sz="1800" b="1" kern="1200">
-                          <a:solidFill>
-                            <a:schemeClr val="lt1"/>
-                          </a:solidFill>
-                          <a:latin typeface="Gill Sans Light"/>
-                          <a:ea typeface="ヒラギノ角ゴ ProN W3"/>
-                          <a:cs typeface="ヒラギノ角ゴ ProN W3"/>
-                        </a:defRPr>
-                      </a:lvl8pPr>
-                      <a:lvl9pPr marL="3657600" algn="l" defTabSz="914400" rtl="0" eaLnBrk="1" latinLnBrk="0" hangingPunct="1">
-                        <a:defRPr sz="1800" b="1" kern="1200">
-                          <a:solidFill>
-                            <a:schemeClr val="lt1"/>
-                          </a:solidFill>
-                          <a:latin typeface="Gill Sans Light"/>
-                          <a:ea typeface="ヒラギノ角ゴ ProN W3"/>
-                          <a:cs typeface="ヒラギノ角ゴ ProN W3"/>
-                        </a:defRPr>
-                      </a:lvl9pPr>
-                    </a:lstStyle>
-                    <a:p>
-                      <a:r>
-                        <a:rPr lang="de-DE" sz="1400" kern="1200" dirty="0" smtClean="0"/>
-                        <a:t>Ergebnis</a:t>
-                      </a:r>
-                      <a:endParaRPr lang="de-DE" sz="1400" b="1" kern="1200" dirty="0">
-                        <a:solidFill>
-                          <a:srgbClr val="FFFFFF"/>
-                        </a:solidFill>
-                        <a:latin typeface="+mn-lt"/>
-                        <a:ea typeface="+mn-ea"/>
-                        <a:cs typeface="+mn-cs"/>
-                      </a:endParaRPr>
-                    </a:p>
-                  </a:txBody>
-                  <a:tcPr/>
-                </a:tc>
-                <a:tc>
-                  <a:txBody>
-                    <a:bodyPr/>
-                    <a:lstStyle/>
-                    <a:p>
-                      <a:r>
-                        <a:rPr lang="de-DE" sz="1400" kern="1200" dirty="0" smtClean="0"/>
-                        <a:t>Datum</a:t>
-                      </a:r>
-                      <a:endParaRPr lang="de-DE" sz="1400" b="1" kern="1200" dirty="0">
-                        <a:solidFill>
-                          <a:schemeClr val="lt1"/>
-                        </a:solidFill>
-                        <a:latin typeface="Gill Sans Light"/>
-                        <a:ea typeface="ヒラギノ角ゴ ProN W3"/>
-                        <a:cs typeface="ヒラギノ角ゴ ProN W3"/>
-                      </a:endParaRPr>
-                    </a:p>
-                  </a:txBody>
-                  <a:tcPr/>
-                </a:tc>
-                <a:tc>
-                  <a:txBody>
-                    <a:bodyPr/>
-                    <a:lstStyle>
-                      <a:lvl1pPr marL="0" algn="l" defTabSz="914400" rtl="0" eaLnBrk="1" latinLnBrk="0" hangingPunct="1">
-                        <a:defRPr sz="1800" b="1" kern="1200">
-                          <a:solidFill>
-                            <a:schemeClr val="lt1"/>
-                          </a:solidFill>
-                          <a:latin typeface="Gill Sans Light"/>
-                          <a:ea typeface="ヒラギノ角ゴ ProN W3"/>
-                          <a:cs typeface="ヒラギノ角ゴ ProN W3"/>
-                        </a:defRPr>
-                      </a:lvl1pPr>
-                      <a:lvl2pPr marL="457200" algn="l" defTabSz="914400" rtl="0" eaLnBrk="1" latinLnBrk="0" hangingPunct="1">
-                        <a:defRPr sz="1800" b="1" kern="1200">
-                          <a:solidFill>
-                            <a:schemeClr val="lt1"/>
-                          </a:solidFill>
-                          <a:latin typeface="Gill Sans Light"/>
-                          <a:ea typeface="ヒラギノ角ゴ ProN W3"/>
-                          <a:cs typeface="ヒラギノ角ゴ ProN W3"/>
-                        </a:defRPr>
-                      </a:lvl2pPr>
-                      <a:lvl3pPr marL="914400" algn="l" defTabSz="914400" rtl="0" eaLnBrk="1" latinLnBrk="0" hangingPunct="1">
-                        <a:defRPr sz="1800" b="1" kern="1200">
-                          <a:solidFill>
-                            <a:schemeClr val="lt1"/>
-                          </a:solidFill>
-                          <a:latin typeface="Gill Sans Light"/>
-                          <a:ea typeface="ヒラギノ角ゴ ProN W3"/>
-                          <a:cs typeface="ヒラギノ角ゴ ProN W3"/>
-                        </a:defRPr>
-                      </a:lvl3pPr>
-                      <a:lvl4pPr marL="1371600" algn="l" defTabSz="914400" rtl="0" eaLnBrk="1" latinLnBrk="0" hangingPunct="1">
-                        <a:defRPr sz="1800" b="1" kern="1200">
-                          <a:solidFill>
-                            <a:schemeClr val="lt1"/>
-                          </a:solidFill>
-                          <a:latin typeface="Gill Sans Light"/>
-                          <a:ea typeface="ヒラギノ角ゴ ProN W3"/>
-                          <a:cs typeface="ヒラギノ角ゴ ProN W3"/>
-                        </a:defRPr>
-                      </a:lvl4pPr>
-                      <a:lvl5pPr marL="1828800" algn="l" defTabSz="914400" rtl="0" eaLnBrk="1" latinLnBrk="0" hangingPunct="1">
-                        <a:defRPr sz="1800" b="1" kern="1200">
-                          <a:solidFill>
-                            <a:schemeClr val="lt1"/>
-                          </a:solidFill>
-                          <a:latin typeface="Gill Sans Light"/>
-                          <a:ea typeface="ヒラギノ角ゴ ProN W3"/>
-                          <a:cs typeface="ヒラギノ角ゴ ProN W3"/>
-                        </a:defRPr>
-                      </a:lvl5pPr>
-                      <a:lvl6pPr marL="2286000" algn="l" defTabSz="914400" rtl="0" eaLnBrk="1" latinLnBrk="0" hangingPunct="1">
-                        <a:defRPr sz="1800" b="1" kern="1200">
-                          <a:solidFill>
-                            <a:schemeClr val="lt1"/>
-                          </a:solidFill>
-                          <a:latin typeface="Gill Sans Light"/>
-                          <a:ea typeface="ヒラギノ角ゴ ProN W3"/>
-                          <a:cs typeface="ヒラギノ角ゴ ProN W3"/>
-                        </a:defRPr>
-                      </a:lvl6pPr>
-                      <a:lvl7pPr marL="2743200" algn="l" defTabSz="914400" rtl="0" eaLnBrk="1" latinLnBrk="0" hangingPunct="1">
-                        <a:defRPr sz="1800" b="1" kern="1200">
-                          <a:solidFill>
-                            <a:schemeClr val="lt1"/>
-                          </a:solidFill>
-                          <a:latin typeface="Gill Sans Light"/>
-                          <a:ea typeface="ヒラギノ角ゴ ProN W3"/>
-                          <a:cs typeface="ヒラギノ角ゴ ProN W3"/>
-                        </a:defRPr>
-                      </a:lvl7pPr>
-                      <a:lvl8pPr marL="3200400" algn="l" defTabSz="914400" rtl="0" eaLnBrk="1" latinLnBrk="0" hangingPunct="1">
-                        <a:defRPr sz="1800" b="1" kern="1200">
-                          <a:solidFill>
-                            <a:schemeClr val="lt1"/>
-                          </a:solidFill>
-                          <a:latin typeface="Gill Sans Light"/>
-                          <a:ea typeface="ヒラギノ角ゴ ProN W3"/>
-                          <a:cs typeface="ヒラギノ角ゴ ProN W3"/>
-                        </a:defRPr>
-                      </a:lvl8pPr>
-                      <a:lvl9pPr marL="3657600" algn="l" defTabSz="914400" rtl="0" eaLnBrk="1" latinLnBrk="0" hangingPunct="1">
-                        <a:defRPr sz="1800" b="1" kern="1200">
-                          <a:solidFill>
-                            <a:schemeClr val="lt1"/>
-                          </a:solidFill>
-                          <a:latin typeface="Gill Sans Light"/>
-                          <a:ea typeface="ヒラギノ角ゴ ProN W3"/>
-                          <a:cs typeface="ヒラギノ角ゴ ProN W3"/>
-                        </a:defRPr>
-                      </a:lvl9pPr>
-                    </a:lstStyle>
-                    <a:p>
-                      <a:r>
-                        <a:rPr lang="de-DE" sz="1400" kern="1200" dirty="0" smtClean="0"/>
-                        <a:t>Erläuterung</a:t>
-                      </a:r>
-                      <a:r>
-                        <a:rPr lang="de-DE" sz="1400" dirty="0" smtClean="0"/>
-                        <a:t> </a:t>
-                      </a:r>
-                      <a:r>
-                        <a:rPr lang="de-DE" sz="1400" kern="1200" dirty="0" smtClean="0"/>
-                        <a:t>der</a:t>
-                      </a:r>
-                      <a:r>
-                        <a:rPr lang="de-DE" sz="1400" baseline="0" dirty="0" smtClean="0"/>
-                        <a:t> </a:t>
-                      </a:r>
-                      <a:r>
-                        <a:rPr lang="de-DE" sz="1400" kern="1200" dirty="0" smtClean="0"/>
-                        <a:t>Projektleitung</a:t>
-                      </a:r>
-                      <a:endParaRPr lang="de-DE" sz="1400" b="1" kern="1200" dirty="0">
-                        <a:solidFill>
-                          <a:srgbClr val="FFFFFF"/>
-                        </a:solidFill>
-                        <a:latin typeface="+mn-lt"/>
-                        <a:ea typeface="+mn-ea"/>
-                        <a:cs typeface="+mn-cs"/>
-                      </a:endParaRPr>
-                    </a:p>
-                  </a:txBody>
-                  <a:tcPr/>
-                </a:tc>
-              </a:tr>
-              <a:tr h="259229">
-                <a:tc>
-                  <a:txBody>
-                    <a:bodyPr/>
-                    <a:lstStyle>
-                      <a:lvl1pPr marL="0" algn="l" defTabSz="914400" rtl="0" eaLnBrk="1" latinLnBrk="0" hangingPunct="1">
-                        <a:defRPr sz="1800" kern="1200">
-                          <a:solidFill>
-                            <a:schemeClr val="dk1"/>
-                          </a:solidFill>
-                          <a:latin typeface="Gill Sans Light"/>
-                          <a:ea typeface="ヒラギノ角ゴ ProN W3"/>
-                          <a:cs typeface="ヒラギノ角ゴ ProN W3"/>
-                        </a:defRPr>
-                      </a:lvl1pPr>
-                      <a:lvl2pPr marL="457200" algn="l" defTabSz="914400" rtl="0" eaLnBrk="1" latinLnBrk="0" hangingPunct="1">
-                        <a:defRPr sz="1800" kern="1200">
-                          <a:solidFill>
-                            <a:schemeClr val="dk1"/>
-                          </a:solidFill>
-                          <a:latin typeface="Gill Sans Light"/>
-                          <a:ea typeface="ヒラギノ角ゴ ProN W3"/>
-                          <a:cs typeface="ヒラギノ角ゴ ProN W3"/>
-                        </a:defRPr>
-                      </a:lvl2pPr>
-                      <a:lvl3pPr marL="914400" algn="l" defTabSz="914400" rtl="0" eaLnBrk="1" latinLnBrk="0" hangingPunct="1">
-                        <a:defRPr sz="1800" kern="1200">
-                          <a:solidFill>
-                            <a:schemeClr val="dk1"/>
-                          </a:solidFill>
-                          <a:latin typeface="Gill Sans Light"/>
-                          <a:ea typeface="ヒラギノ角ゴ ProN W3"/>
-                          <a:cs typeface="ヒラギノ角ゴ ProN W3"/>
-                        </a:defRPr>
-                      </a:lvl3pPr>
-                      <a:lvl4pPr marL="1371600" algn="l" defTabSz="914400" rtl="0" eaLnBrk="1" latinLnBrk="0" hangingPunct="1">
-                        <a:defRPr sz="1800" kern="1200">
-                          <a:solidFill>
-                            <a:schemeClr val="dk1"/>
-                          </a:solidFill>
-                          <a:latin typeface="Gill Sans Light"/>
-                          <a:ea typeface="ヒラギノ角ゴ ProN W3"/>
-                          <a:cs typeface="ヒラギノ角ゴ ProN W3"/>
-                        </a:defRPr>
-                      </a:lvl4pPr>
-                      <a:lvl5pPr marL="1828800" algn="l" defTabSz="914400" rtl="0" eaLnBrk="1" latinLnBrk="0" hangingPunct="1">
-                        <a:defRPr sz="1800" kern="1200">
-                          <a:solidFill>
-                            <a:schemeClr val="dk1"/>
-                          </a:solidFill>
-                          <a:latin typeface="Gill Sans Light"/>
-                          <a:ea typeface="ヒラギノ角ゴ ProN W3"/>
-                          <a:cs typeface="ヒラギノ角ゴ ProN W3"/>
-                        </a:defRPr>
-                      </a:lvl5pPr>
-                      <a:lvl6pPr marL="2286000" algn="l" defTabSz="914400" rtl="0" eaLnBrk="1" latinLnBrk="0" hangingPunct="1">
-                        <a:defRPr sz="1800" kern="1200">
-                          <a:solidFill>
-                            <a:schemeClr val="dk1"/>
-                          </a:solidFill>
-                          <a:latin typeface="Gill Sans Light"/>
-                          <a:ea typeface="ヒラギノ角ゴ ProN W3"/>
-                          <a:cs typeface="ヒラギノ角ゴ ProN W3"/>
-                        </a:defRPr>
-                      </a:lvl6pPr>
-                      <a:lvl7pPr marL="2743200" algn="l" defTabSz="914400" rtl="0" eaLnBrk="1" latinLnBrk="0" hangingPunct="1">
-                        <a:defRPr sz="1800" kern="1200">
-                          <a:solidFill>
-                            <a:schemeClr val="dk1"/>
-                          </a:solidFill>
-                          <a:latin typeface="Gill Sans Light"/>
-                          <a:ea typeface="ヒラギノ角ゴ ProN W3"/>
-                          <a:cs typeface="ヒラギノ角ゴ ProN W3"/>
-                        </a:defRPr>
-                      </a:lvl7pPr>
-                      <a:lvl8pPr marL="3200400" algn="l" defTabSz="914400" rtl="0" eaLnBrk="1" latinLnBrk="0" hangingPunct="1">
-                        <a:defRPr sz="1800" kern="1200">
-                          <a:solidFill>
-                            <a:schemeClr val="dk1"/>
-                          </a:solidFill>
-                          <a:latin typeface="Gill Sans Light"/>
-                          <a:ea typeface="ヒラギノ角ゴ ProN W3"/>
-                          <a:cs typeface="ヒラギノ角ゴ ProN W3"/>
-                        </a:defRPr>
-                      </a:lvl8pPr>
-                      <a:lvl9pPr marL="3657600" algn="l" defTabSz="914400" rtl="0" eaLnBrk="1" latinLnBrk="0" hangingPunct="1">
-                        <a:defRPr sz="1800" kern="1200">
-                          <a:solidFill>
-                            <a:schemeClr val="dk1"/>
-                          </a:solidFill>
-                          <a:latin typeface="Gill Sans Light"/>
-                          <a:ea typeface="ヒラギノ角ゴ ProN W3"/>
-                          <a:cs typeface="ヒラギノ角ゴ ProN W3"/>
-                        </a:defRPr>
-                      </a:lvl9pPr>
-                    </a:lstStyle>
-                    <a:p>
-                      <a:pPr marL="0" algn="l" defTabSz="914400" rtl="0" eaLnBrk="1" latinLnBrk="0" hangingPunct="1"/>
-                      <a:r>
-                        <a:rPr lang="de-DE" sz="1100" kern="1200" dirty="0" smtClean="0">
-                          <a:solidFill>
-                            <a:schemeClr val="bg1"/>
-                          </a:solidFill>
-                          <a:latin typeface="+mn-lt"/>
-                          <a:ea typeface="+mn-ea"/>
-                          <a:cs typeface="+mn-cs"/>
-                        </a:rPr>
-                        <a:t>1</a:t>
-                      </a:r>
-                      <a:endParaRPr lang="de-DE" sz="1100" kern="1200" dirty="0">
-                        <a:solidFill>
-                          <a:schemeClr val="bg1"/>
-                        </a:solidFill>
-                        <a:latin typeface="+mn-lt"/>
-                        <a:ea typeface="+mn-ea"/>
-                        <a:cs typeface="+mn-cs"/>
-                      </a:endParaRPr>
-                    </a:p>
-                  </a:txBody>
-                  <a:tcPr/>
-                </a:tc>
-                <a:tc>
-                  <a:txBody>
-                    <a:bodyPr/>
-                    <a:lstStyle>
-                      <a:lvl1pPr marL="0" algn="l" defTabSz="914400" rtl="0" eaLnBrk="1" latinLnBrk="0" hangingPunct="1">
-                        <a:defRPr sz="1800" kern="1200">
-                          <a:solidFill>
-                            <a:schemeClr val="dk1"/>
-                          </a:solidFill>
-                          <a:latin typeface="Gill Sans Light"/>
-                          <a:ea typeface="ヒラギノ角ゴ ProN W3"/>
-                          <a:cs typeface="ヒラギノ角ゴ ProN W3"/>
-                        </a:defRPr>
-                      </a:lvl1pPr>
-                      <a:lvl2pPr marL="457200" algn="l" defTabSz="914400" rtl="0" eaLnBrk="1" latinLnBrk="0" hangingPunct="1">
-                        <a:defRPr sz="1800" kern="1200">
-                          <a:solidFill>
-                            <a:schemeClr val="dk1"/>
-                          </a:solidFill>
-                          <a:latin typeface="Gill Sans Light"/>
-                          <a:ea typeface="ヒラギノ角ゴ ProN W3"/>
-                          <a:cs typeface="ヒラギノ角ゴ ProN W3"/>
-                        </a:defRPr>
-                      </a:lvl2pPr>
-                      <a:lvl3pPr marL="914400" algn="l" defTabSz="914400" rtl="0" eaLnBrk="1" latinLnBrk="0" hangingPunct="1">
-                        <a:defRPr sz="1800" kern="1200">
-                          <a:solidFill>
-                            <a:schemeClr val="dk1"/>
-                          </a:solidFill>
-                          <a:latin typeface="Gill Sans Light"/>
-                          <a:ea typeface="ヒラギノ角ゴ ProN W3"/>
-                          <a:cs typeface="ヒラギノ角ゴ ProN W3"/>
-                        </a:defRPr>
-                      </a:lvl3pPr>
-                      <a:lvl4pPr marL="1371600" algn="l" defTabSz="914400" rtl="0" eaLnBrk="1" latinLnBrk="0" hangingPunct="1">
-                        <a:defRPr sz="1800" kern="1200">
-                          <a:solidFill>
-                            <a:schemeClr val="dk1"/>
-                          </a:solidFill>
-                          <a:latin typeface="Gill Sans Light"/>
-                          <a:ea typeface="ヒラギノ角ゴ ProN W3"/>
-                          <a:cs typeface="ヒラギノ角ゴ ProN W3"/>
-                        </a:defRPr>
-                      </a:lvl4pPr>
-                      <a:lvl5pPr marL="1828800" algn="l" defTabSz="914400" rtl="0" eaLnBrk="1" latinLnBrk="0" hangingPunct="1">
-                        <a:defRPr sz="1800" kern="1200">
-                          <a:solidFill>
-                            <a:schemeClr val="dk1"/>
-                          </a:solidFill>
-                          <a:latin typeface="Gill Sans Light"/>
-                          <a:ea typeface="ヒラギノ角ゴ ProN W3"/>
-                          <a:cs typeface="ヒラギノ角ゴ ProN W3"/>
-                        </a:defRPr>
-                      </a:lvl5pPr>
-                      <a:lvl6pPr marL="2286000" algn="l" defTabSz="914400" rtl="0" eaLnBrk="1" latinLnBrk="0" hangingPunct="1">
-                        <a:defRPr sz="1800" kern="1200">
-                          <a:solidFill>
-                            <a:schemeClr val="dk1"/>
-                          </a:solidFill>
-                          <a:latin typeface="Gill Sans Light"/>
-                          <a:ea typeface="ヒラギノ角ゴ ProN W3"/>
-                          <a:cs typeface="ヒラギノ角ゴ ProN W3"/>
-                        </a:defRPr>
-                      </a:lvl6pPr>
-                      <a:lvl7pPr marL="2743200" algn="l" defTabSz="914400" rtl="0" eaLnBrk="1" latinLnBrk="0" hangingPunct="1">
-                        <a:defRPr sz="1800" kern="1200">
-                          <a:solidFill>
-                            <a:schemeClr val="dk1"/>
-                          </a:solidFill>
-                          <a:latin typeface="Gill Sans Light"/>
-                          <a:ea typeface="ヒラギノ角ゴ ProN W3"/>
-                          <a:cs typeface="ヒラギノ角ゴ ProN W3"/>
-                        </a:defRPr>
-                      </a:lvl7pPr>
-                      <a:lvl8pPr marL="3200400" algn="l" defTabSz="914400" rtl="0" eaLnBrk="1" latinLnBrk="0" hangingPunct="1">
-                        <a:defRPr sz="1800" kern="1200">
-                          <a:solidFill>
-                            <a:schemeClr val="dk1"/>
-                          </a:solidFill>
-                          <a:latin typeface="Gill Sans Light"/>
-                          <a:ea typeface="ヒラギノ角ゴ ProN W3"/>
-                          <a:cs typeface="ヒラギノ角ゴ ProN W3"/>
-                        </a:defRPr>
-                      </a:lvl8pPr>
-                      <a:lvl9pPr marL="3657600" algn="l" defTabSz="914400" rtl="0" eaLnBrk="1" latinLnBrk="0" hangingPunct="1">
-                        <a:defRPr sz="1800" kern="1200">
-                          <a:solidFill>
-                            <a:schemeClr val="dk1"/>
-                          </a:solidFill>
-                          <a:latin typeface="Gill Sans Light"/>
-                          <a:ea typeface="ヒラギノ角ゴ ProN W3"/>
-                          <a:cs typeface="ヒラギノ角ゴ ProN W3"/>
-                        </a:defRPr>
-                      </a:lvl9pPr>
-                    </a:lstStyle>
-                    <a:p>
-                      <a:pPr marL="0" algn="l" defTabSz="914400" rtl="0" eaLnBrk="1" latinLnBrk="0" hangingPunct="1"/>
-                      <a:r>
-                        <a:rPr lang="de-DE" sz="1100" kern="1200" dirty="0" smtClean="0">
-                          <a:solidFill>
-                            <a:schemeClr val="bg1"/>
-                          </a:solidFill>
-                          <a:latin typeface="+mn-lt"/>
-                          <a:ea typeface="+mn-ea"/>
-                          <a:cs typeface="+mn-cs"/>
-                        </a:rPr>
-                        <a:t>Lastenheft</a:t>
-                      </a:r>
-                      <a:endParaRPr lang="de-DE" sz="1100" kern="1200" dirty="0">
-                        <a:solidFill>
-                          <a:schemeClr val="bg1"/>
-                        </a:solidFill>
-                        <a:latin typeface="+mn-lt"/>
-                        <a:ea typeface="+mn-ea"/>
-                        <a:cs typeface="+mn-cs"/>
-                      </a:endParaRPr>
-                    </a:p>
-                  </a:txBody>
-                  <a:tcPr/>
-                </a:tc>
-                <a:tc>
-                  <a:txBody>
-                    <a:bodyPr/>
-                    <a:lstStyle/>
-                    <a:p>
-                      <a:r>
-                        <a:rPr lang="de-DE" sz="1100" dirty="0" smtClean="0">
-                          <a:solidFill>
-                            <a:schemeClr val="bg1"/>
-                          </a:solidFill>
-                        </a:rPr>
-                        <a:t>14.12.2013</a:t>
-                      </a:r>
-                      <a:endParaRPr lang="de-DE" sz="1100" dirty="0">
-                        <a:solidFill>
-                          <a:schemeClr val="bg1"/>
-                        </a:solidFill>
-                      </a:endParaRPr>
-                    </a:p>
-                  </a:txBody>
-                  <a:tcPr/>
-                </a:tc>
-                <a:tc>
-                  <a:txBody>
-                    <a:bodyPr/>
-                    <a:lstStyle>
-                      <a:lvl1pPr marL="0" algn="l" defTabSz="914400" rtl="0" eaLnBrk="1" latinLnBrk="0" hangingPunct="1">
-                        <a:defRPr sz="1800" kern="1200">
-                          <a:solidFill>
-                            <a:schemeClr val="dk1"/>
-                          </a:solidFill>
-                          <a:latin typeface="Gill Sans Light"/>
-                          <a:ea typeface="ヒラギノ角ゴ ProN W3"/>
-                          <a:cs typeface="ヒラギノ角ゴ ProN W3"/>
-                        </a:defRPr>
-                      </a:lvl1pPr>
-                      <a:lvl2pPr marL="457200" algn="l" defTabSz="914400" rtl="0" eaLnBrk="1" latinLnBrk="0" hangingPunct="1">
-                        <a:defRPr sz="1800" kern="1200">
-                          <a:solidFill>
-                            <a:schemeClr val="dk1"/>
-                          </a:solidFill>
-                          <a:latin typeface="Gill Sans Light"/>
-                          <a:ea typeface="ヒラギノ角ゴ ProN W3"/>
-                          <a:cs typeface="ヒラギノ角ゴ ProN W3"/>
-                        </a:defRPr>
-                      </a:lvl2pPr>
-                      <a:lvl3pPr marL="914400" algn="l" defTabSz="914400" rtl="0" eaLnBrk="1" latinLnBrk="0" hangingPunct="1">
-                        <a:defRPr sz="1800" kern="1200">
-                          <a:solidFill>
-                            <a:schemeClr val="dk1"/>
-                          </a:solidFill>
-                          <a:latin typeface="Gill Sans Light"/>
-                          <a:ea typeface="ヒラギノ角ゴ ProN W3"/>
-                          <a:cs typeface="ヒラギノ角ゴ ProN W3"/>
-                        </a:defRPr>
-                      </a:lvl3pPr>
-                      <a:lvl4pPr marL="1371600" algn="l" defTabSz="914400" rtl="0" eaLnBrk="1" latinLnBrk="0" hangingPunct="1">
-                        <a:defRPr sz="1800" kern="1200">
-                          <a:solidFill>
-                            <a:schemeClr val="dk1"/>
-                          </a:solidFill>
-                          <a:latin typeface="Gill Sans Light"/>
-                          <a:ea typeface="ヒラギノ角ゴ ProN W3"/>
-                          <a:cs typeface="ヒラギノ角ゴ ProN W3"/>
-                        </a:defRPr>
-                      </a:lvl4pPr>
-                      <a:lvl5pPr marL="1828800" algn="l" defTabSz="914400" rtl="0" eaLnBrk="1" latinLnBrk="0" hangingPunct="1">
-                        <a:defRPr sz="1800" kern="1200">
-                          <a:solidFill>
-                            <a:schemeClr val="dk1"/>
-                          </a:solidFill>
-                          <a:latin typeface="Gill Sans Light"/>
-                          <a:ea typeface="ヒラギノ角ゴ ProN W3"/>
-                          <a:cs typeface="ヒラギノ角ゴ ProN W3"/>
-                        </a:defRPr>
-                      </a:lvl5pPr>
-                      <a:lvl6pPr marL="2286000" algn="l" defTabSz="914400" rtl="0" eaLnBrk="1" latinLnBrk="0" hangingPunct="1">
-                        <a:defRPr sz="1800" kern="1200">
-                          <a:solidFill>
-                            <a:schemeClr val="dk1"/>
-                          </a:solidFill>
-                          <a:latin typeface="Gill Sans Light"/>
-                          <a:ea typeface="ヒラギノ角ゴ ProN W3"/>
-                          <a:cs typeface="ヒラギノ角ゴ ProN W3"/>
-                        </a:defRPr>
-                      </a:lvl6pPr>
-                      <a:lvl7pPr marL="2743200" algn="l" defTabSz="914400" rtl="0" eaLnBrk="1" latinLnBrk="0" hangingPunct="1">
-                        <a:defRPr sz="1800" kern="1200">
-                          <a:solidFill>
-                            <a:schemeClr val="dk1"/>
-                          </a:solidFill>
-                          <a:latin typeface="Gill Sans Light"/>
-                          <a:ea typeface="ヒラギノ角ゴ ProN W3"/>
-                          <a:cs typeface="ヒラギノ角ゴ ProN W3"/>
-                        </a:defRPr>
-                      </a:lvl7pPr>
-                      <a:lvl8pPr marL="3200400" algn="l" defTabSz="914400" rtl="0" eaLnBrk="1" latinLnBrk="0" hangingPunct="1">
-                        <a:defRPr sz="1800" kern="1200">
-                          <a:solidFill>
-                            <a:schemeClr val="dk1"/>
-                          </a:solidFill>
-                          <a:latin typeface="Gill Sans Light"/>
-                          <a:ea typeface="ヒラギノ角ゴ ProN W3"/>
-                          <a:cs typeface="ヒラギノ角ゴ ProN W3"/>
-                        </a:defRPr>
-                      </a:lvl8pPr>
-                      <a:lvl9pPr marL="3657600" algn="l" defTabSz="914400" rtl="0" eaLnBrk="1" latinLnBrk="0" hangingPunct="1">
-                        <a:defRPr sz="1800" kern="1200">
-                          <a:solidFill>
-                            <a:schemeClr val="dk1"/>
-                          </a:solidFill>
-                          <a:latin typeface="Gill Sans Light"/>
-                          <a:ea typeface="ヒラギノ角ゴ ProN W3"/>
-                          <a:cs typeface="ヒラギノ角ゴ ProN W3"/>
-                        </a:defRPr>
-                      </a:lvl9pPr>
-                    </a:lstStyle>
-                    <a:p>
-                      <a:pPr marL="0" algn="l" defTabSz="914400" rtl="0" eaLnBrk="1" latinLnBrk="0" hangingPunct="1"/>
-                      <a:r>
-                        <a:rPr lang="de-DE" sz="1100" kern="1200" dirty="0" smtClean="0">
-                          <a:solidFill>
-                            <a:schemeClr val="bg1"/>
-                          </a:solidFill>
-                          <a:latin typeface="+mn-lt"/>
-                          <a:ea typeface="+mn-ea"/>
-                          <a:cs typeface="+mn-cs"/>
-                        </a:rPr>
-                        <a:t>Erläuterung</a:t>
-                      </a:r>
-                      <a:endParaRPr lang="de-DE" sz="1100" kern="1200" dirty="0">
-                        <a:solidFill>
-                          <a:schemeClr val="bg1"/>
-                        </a:solidFill>
-                        <a:latin typeface="+mn-lt"/>
-                        <a:ea typeface="+mn-ea"/>
-                        <a:cs typeface="+mn-cs"/>
-                      </a:endParaRPr>
-                    </a:p>
-                  </a:txBody>
-                  <a:tcPr/>
-                </a:tc>
-              </a:tr>
-            </a:tbl>
-          </a:graphicData>
-        </a:graphic>
-      </p:graphicFrame>
-      <p:sp>
-        <p:nvSpPr>
-          <p:cNvPr id="7" name="Rechteck 6"/>
-          <p:cNvSpPr/>
-          <p:nvPr/>
-        </p:nvSpPr>
-        <p:spPr bwMode="auto">
-          <a:xfrm>
-            <a:off x="820394" y="1636440"/>
-            <a:ext cx="11881320" cy="1800200"/>
-          </a:xfrm>
-          <a:prstGeom prst="rect">
-            <a:avLst/>
-          </a:prstGeom>
-          <a:solidFill>
-            <a:srgbClr val="FFFFFF"/>
-          </a:solidFill>
-          <a:ln w="38100" cap="flat" cmpd="sng" algn="ctr">
-            <a:solidFill>
-              <a:schemeClr val="accent1">
-                <a:lumMod val="75000"/>
-              </a:schemeClr>
-            </a:solidFill>
-            <a:prstDash val="solid"/>
-            <a:miter lim="0"/>
-            <a:headEnd type="none" w="med" len="med"/>
-            <a:tailEnd type="none" w="med" len="med"/>
-          </a:ln>
-          <a:effectLst>
-            <a:innerShdw blurRad="63500" dist="50800" dir="18900000">
-              <a:prstClr val="black">
-                <a:alpha val="50000"/>
-              </a:prstClr>
-            </a:innerShdw>
-            <a:softEdge rad="12700"/>
-          </a:effectLst>
-          <a:extLst/>
-        </p:spPr>
-        <p:txBody>
-          <a:bodyPr vert="horz" wrap="square" lIns="50800" tIns="50800" rIns="50800" bIns="50800" numCol="1" rtlCol="0" anchor="ctr" anchorCtr="0" compatLnSpc="1">
-            <a:prstTxWarp prst="textNoShape">
-              <a:avLst/>
-            </a:prstTxWarp>
-          </a:bodyPr>
-          <a:lstStyle/>
-          <a:p>
-            <a:pPr marL="342900"/>
-            <a:r>
-              <a:rPr lang="de-DE" sz="2400" dirty="0"/>
-              <a:t>Projekt-Grafik</a:t>
-            </a:r>
-            <a:endParaRPr lang="de-DE" sz="2400" dirty="0">
-              <a:solidFill>
-                <a:schemeClr val="bg2"/>
-              </a:solidFill>
-            </a:endParaRPr>
-          </a:p>
-        </p:txBody>
-      </p:sp>
-    </p:spTree>
-    <p:extLst>
-      <p:ext uri="{BB962C8B-B14F-4D97-AF65-F5344CB8AC3E}">
-        <p14:creationId xmlns:p14="http://schemas.microsoft.com/office/powerpoint/2010/main" val="3998323964"/>
-      </p:ext>
-    </p:extLst>
-  </p:cSld>
-  <p:clrMapOvr>
-    <a:masterClrMapping/>
-  </p:clrMapOvr>
-  <p:timing>
-    <p:tnLst>
-      <p:par>
-        <p:cTn id="1" dur="indefinite" restart="never" nodeType="tmRoot"/>
-      </p:par>
-    </p:tnLst>
-  </p:timing>
-</p:sld>
-</file>
-
-<file path=ppt/slides/slide4.xml><?xml version="1.0" encoding="utf-8"?>
-<p:sld xmlns:a="http://schemas.openxmlformats.org/drawingml/2006/main" xmlns:r="http://schemas.openxmlformats.org/officeDocument/2006/relationships" xmlns:p="http://schemas.openxmlformats.org/presentationml/2006/main">
-  <p:cSld>
-    <p:spTree>
-      <p:nvGrpSpPr>
-        <p:cNvPr id="1" name=""/>
-        <p:cNvGrpSpPr/>
-        <p:nvPr/>
-      </p:nvGrpSpPr>
-      <p:grpSpPr>
-        <a:xfrm>
-          <a:off x="0" y="0"/>
-          <a:ext cx="0" cy="0"/>
-          <a:chOff x="0" y="0"/>
-          <a:chExt cx="0" cy="0"/>
-        </a:xfrm>
-      </p:grpSpPr>
-      <p:sp>
-        <p:nvSpPr>
-          <p:cNvPr id="2" name="Titel 1"/>
-          <p:cNvSpPr>
-            <a:spLocks noGrp="1"/>
-          </p:cNvSpPr>
-          <p:nvPr>
-            <p:ph type="title"/>
-          </p:nvPr>
-        </p:nvSpPr>
-        <p:spPr>
-          <a:xfrm>
-            <a:off x="650875" y="390525"/>
-            <a:ext cx="11703050" cy="1245915"/>
-          </a:xfrm>
-        </p:spPr>
-        <p:txBody>
-          <a:bodyPr/>
-          <a:lstStyle/>
-          <a:p>
-            <a:r>
-              <a:rPr lang="de-DE" sz="4400" dirty="0" smtClean="0"/>
-              <a:t>Plan Veränderungen</a:t>
-            </a:r>
-            <a:endParaRPr lang="de-DE" dirty="0"/>
-          </a:p>
-        </p:txBody>
-      </p:sp>
-      <p:sp>
-        <p:nvSpPr>
-          <p:cNvPr id="10" name="Rechteck 9"/>
-          <p:cNvSpPr/>
-          <p:nvPr/>
-        </p:nvSpPr>
-        <p:spPr bwMode="auto">
-          <a:xfrm>
-            <a:off x="453728" y="8929194"/>
-            <a:ext cx="3478120" cy="340094"/>
-          </a:xfrm>
-          <a:prstGeom prst="rect">
-            <a:avLst/>
-          </a:prstGeom>
-          <a:solidFill>
-            <a:srgbClr val="FFFFFF"/>
-          </a:solidFill>
-          <a:ln w="38100" cap="flat" cmpd="sng" algn="ctr">
-            <a:solidFill>
-              <a:schemeClr val="accent1">
-                <a:lumMod val="75000"/>
-              </a:schemeClr>
-            </a:solidFill>
-            <a:prstDash val="solid"/>
-            <a:miter lim="0"/>
-            <a:headEnd type="none" w="med" len="med"/>
-            <a:tailEnd type="none" w="med" len="med"/>
-          </a:ln>
-          <a:effectLst>
-            <a:innerShdw blurRad="63500" dist="50800" dir="18900000">
-              <a:prstClr val="black">
-                <a:alpha val="50000"/>
-              </a:prstClr>
-            </a:innerShdw>
-            <a:softEdge rad="12700"/>
-          </a:effectLst>
-          <a:extLst/>
-        </p:spPr>
-        <p:txBody>
-          <a:bodyPr vert="horz" wrap="square" lIns="0" tIns="50800" rIns="50800" bIns="50800" numCol="1" rtlCol="0" anchor="ctr" anchorCtr="0" compatLnSpc="1">
-            <a:prstTxWarp prst="textNoShape">
-              <a:avLst/>
-            </a:prstTxWarp>
-          </a:bodyPr>
-          <a:lstStyle/>
-          <a:p>
-            <a:pPr marL="342900" algn="l"/>
-            <a:r>
-              <a:rPr lang="de-DE" sz="1400" dirty="0">
-                <a:solidFill>
-                  <a:schemeClr val="bg2"/>
-                </a:solidFill>
-              </a:rPr>
-              <a:t>Stand</a:t>
-            </a:r>
-            <a:r>
-              <a:rPr lang="de-DE" sz="1400" dirty="0" smtClean="0">
-                <a:solidFill>
-                  <a:schemeClr val="bg2"/>
-                </a:solidFill>
-              </a:rPr>
-              <a:t>:</a:t>
-            </a:r>
-            <a:endParaRPr lang="de-DE" sz="1400" dirty="0">
-              <a:solidFill>
-                <a:schemeClr val="bg2"/>
-              </a:solidFill>
-            </a:endParaRPr>
-          </a:p>
-        </p:txBody>
-      </p:sp>
-      <p:sp>
-        <p:nvSpPr>
-          <p:cNvPr id="14" name="Rechteck 13"/>
-          <p:cNvSpPr/>
-          <p:nvPr/>
-        </p:nvSpPr>
-        <p:spPr bwMode="auto">
-          <a:xfrm>
-            <a:off x="9216968" y="8929194"/>
-            <a:ext cx="3478120" cy="340094"/>
-          </a:xfrm>
-          <a:prstGeom prst="rect">
-            <a:avLst/>
-          </a:prstGeom>
-          <a:solidFill>
-            <a:srgbClr val="FFFFFF"/>
-          </a:solidFill>
-          <a:ln w="38100" cap="flat" cmpd="sng" algn="ctr">
-            <a:solidFill>
-              <a:schemeClr val="accent1">
-                <a:lumMod val="75000"/>
-              </a:schemeClr>
-            </a:solidFill>
-            <a:prstDash val="solid"/>
-            <a:miter lim="0"/>
-            <a:headEnd type="none" w="med" len="med"/>
-            <a:tailEnd type="none" w="med" len="med"/>
-          </a:ln>
-          <a:effectLst>
-            <a:innerShdw blurRad="63500" dist="50800" dir="18900000">
-              <a:prstClr val="black">
-                <a:alpha val="50000"/>
-              </a:prstClr>
-            </a:innerShdw>
-            <a:softEdge rad="12700"/>
-          </a:effectLst>
-          <a:extLst/>
-        </p:spPr>
-        <p:txBody>
-          <a:bodyPr vert="horz" wrap="square" lIns="0" tIns="50800" rIns="50800" bIns="50800" numCol="1" rtlCol="0" anchor="ctr" anchorCtr="0" compatLnSpc="1">
-            <a:prstTxWarp prst="textNoShape">
-              <a:avLst/>
-            </a:prstTxWarp>
-          </a:bodyPr>
-          <a:lstStyle/>
-          <a:p>
-            <a:pPr marL="342900" algn="l"/>
-            <a:r>
-              <a:rPr lang="de-DE" sz="1400" dirty="0">
-                <a:solidFill>
-                  <a:schemeClr val="bg2"/>
-                </a:solidFill>
-              </a:rPr>
-              <a:t>Verantwortlich:</a:t>
-            </a:r>
-          </a:p>
-        </p:txBody>
-      </p:sp>
-      <p:sp>
-        <p:nvSpPr>
-          <p:cNvPr id="15" name="Rechteck 14"/>
-          <p:cNvSpPr/>
-          <p:nvPr/>
-        </p:nvSpPr>
-        <p:spPr bwMode="auto">
-          <a:xfrm>
-            <a:off x="4835348" y="8929194"/>
-            <a:ext cx="3478120" cy="340094"/>
-          </a:xfrm>
-          <a:prstGeom prst="rect">
-            <a:avLst/>
-          </a:prstGeom>
-          <a:solidFill>
-            <a:srgbClr val="FFFFFF"/>
-          </a:solidFill>
-          <a:ln w="38100" cap="flat" cmpd="sng" algn="ctr">
-            <a:solidFill>
-              <a:schemeClr val="accent1">
-                <a:lumMod val="75000"/>
-              </a:schemeClr>
-            </a:solidFill>
-            <a:prstDash val="solid"/>
-            <a:miter lim="0"/>
-            <a:headEnd type="none" w="med" len="med"/>
-            <a:tailEnd type="none" w="med" len="med"/>
-          </a:ln>
-          <a:effectLst>
-            <a:innerShdw blurRad="63500" dist="50800" dir="18900000">
-              <a:prstClr val="black">
-                <a:alpha val="50000"/>
-              </a:prstClr>
-            </a:innerShdw>
-            <a:softEdge rad="12700"/>
-          </a:effectLst>
-          <a:extLst/>
-        </p:spPr>
-        <p:txBody>
-          <a:bodyPr vert="horz" wrap="square" lIns="0" tIns="50800" rIns="50800" bIns="50800" numCol="1" rtlCol="0" anchor="ctr" anchorCtr="0" compatLnSpc="1">
-            <a:prstTxWarp prst="textNoShape">
-              <a:avLst/>
-            </a:prstTxWarp>
-          </a:bodyPr>
-          <a:lstStyle/>
-          <a:p>
-            <a:pPr marL="342900" algn="l"/>
-            <a:r>
-              <a:rPr lang="de-DE" sz="1400" dirty="0">
-                <a:solidFill>
-                  <a:schemeClr val="bg2"/>
-                </a:solidFill>
-              </a:rPr>
-              <a:t>Laufzeit</a:t>
-            </a:r>
-            <a:r>
-              <a:rPr lang="de-DE" sz="1400" dirty="0" smtClean="0">
-                <a:solidFill>
-                  <a:schemeClr val="bg2"/>
-                </a:solidFill>
-              </a:rPr>
-              <a:t>:</a:t>
-            </a:r>
-            <a:endParaRPr lang="de-DE" sz="1400" dirty="0">
-              <a:solidFill>
-                <a:schemeClr val="bg2"/>
-              </a:solidFill>
-            </a:endParaRPr>
-          </a:p>
-        </p:txBody>
-      </p:sp>
       <p:graphicFrame>
         <p:nvGraphicFramePr>
           <p:cNvPr id="16" name="Tabelle 15" title="Tabelle Veränderungen"/>
@@ -4405,13 +3602,13 @@
           <p:nvPr>
             <p:extLst>
               <p:ext uri="{D42A27DB-BD31-4B8C-83A1-F6EECF244321}">
-                <p14:modId xmlns:p14="http://schemas.microsoft.com/office/powerpoint/2010/main" val="2264475514"/>
+                <p14:modId xmlns:p14="http://schemas.microsoft.com/office/powerpoint/2010/main" val="2153915106"/>
               </p:ext>
             </p:extLst>
           </p:nvPr>
         </p:nvGraphicFramePr>
         <p:xfrm>
-          <a:off x="453728" y="3811379"/>
+          <a:off x="453730" y="3508649"/>
           <a:ext cx="12097341" cy="777389"/>
         </p:xfrm>
         <a:graphic>
@@ -4768,6 +3965,14 @@
                         </a:rPr>
                         <a:t>Ampel</a:t>
                       </a:r>
+                      <a:endParaRPr lang="de-DE" sz="1400" b="1" kern="1200" dirty="0" smtClean="0">
+                        <a:solidFill>
+                          <a:schemeClr val="bg1"/>
+                        </a:solidFill>
+                        <a:latin typeface="+mn-lt"/>
+                        <a:ea typeface="+mn-ea"/>
+                        <a:cs typeface="+mn-cs"/>
+                      </a:endParaRPr>
                     </a:p>
                   </a:txBody>
                   <a:tcPr>
@@ -4803,7 +4008,11 @@
                       </a:pPr>
                       <a:r>
                         <a:rPr lang="de-DE" sz="1400" kern="1200" dirty="0" smtClean="0"/>
-                        <a:t>Letzter Stand</a:t>
+                        <a:t>Letzter </a:t>
+                      </a:r>
+                      <a:r>
+                        <a:rPr lang="de-DE" sz="1400" kern="1200" dirty="0" smtClean="0"/>
+                        <a:t>Stand</a:t>
                       </a:r>
                     </a:p>
                     <a:p>
@@ -4873,6 +4082,14 @@
                         </a:rPr>
                         <a:t>Ampel </a:t>
                       </a:r>
+                      <a:endParaRPr lang="de-DE" sz="1400" b="1" kern="1200" dirty="0" smtClean="0">
+                        <a:solidFill>
+                          <a:schemeClr val="bg1"/>
+                        </a:solidFill>
+                        <a:latin typeface="+mn-lt"/>
+                        <a:ea typeface="+mn-ea"/>
+                        <a:cs typeface="+mn-cs"/>
+                      </a:endParaRPr>
                     </a:p>
                   </a:txBody>
                   <a:tcPr/>
@@ -5451,6 +4668,11 @@
                         </a:rPr>
                         <a:t>14.12.2013</a:t>
                       </a:r>
+                      <a:endParaRPr lang="de-DE" sz="1100" dirty="0" smtClean="0">
+                        <a:solidFill>
+                          <a:schemeClr val="bg1"/>
+                        </a:solidFill>
+                      </a:endParaRPr>
                     </a:p>
                   </a:txBody>
                   <a:tcPr/>
@@ -5630,16 +4852,81 @@
           </a:graphicData>
         </a:graphic>
       </p:graphicFrame>
+    </p:spTree>
+    <p:extLst>
+      <p:ext uri="{BB962C8B-B14F-4D97-AF65-F5344CB8AC3E}">
+        <p14:creationId xmlns:p14="http://schemas.microsoft.com/office/powerpoint/2010/main" val="1490325428"/>
+      </p:ext>
+    </p:extLst>
+  </p:cSld>
+  <p:clrMapOvr>
+    <a:masterClrMapping/>
+  </p:clrMapOvr>
+  <p:timing>
+    <p:tnLst>
+      <p:par>
+        <p:cTn id="1" dur="indefinite" restart="never" nodeType="tmRoot"/>
+      </p:par>
+    </p:tnLst>
+  </p:timing>
+</p:sld>
+</file>
+
+<file path=ppt/slides/slide3.xml><?xml version="1.0" encoding="utf-8"?>
+<p:sld xmlns:a="http://schemas.openxmlformats.org/drawingml/2006/main" xmlns:r="http://schemas.openxmlformats.org/officeDocument/2006/relationships" xmlns:p="http://schemas.openxmlformats.org/presentationml/2006/main">
+  <p:cSld>
+    <p:spTree>
+      <p:nvGrpSpPr>
+        <p:cNvPr id="1" name=""/>
+        <p:cNvGrpSpPr/>
+        <p:nvPr/>
+      </p:nvGrpSpPr>
+      <p:grpSpPr>
+        <a:xfrm>
+          <a:off x="0" y="0"/>
+          <a:ext cx="0" cy="0"/>
+          <a:chOff x="0" y="0"/>
+          <a:chExt cx="0" cy="0"/>
+        </a:xfrm>
+      </p:grpSpPr>
       <p:sp>
         <p:nvSpPr>
-          <p:cNvPr id="7" name="Rechteck 6"/>
+          <p:cNvPr id="2" name="Titel 1"/>
+          <p:cNvSpPr>
+            <a:spLocks noGrp="1"/>
+          </p:cNvSpPr>
+          <p:nvPr>
+            <p:ph type="title"/>
+          </p:nvPr>
+        </p:nvSpPr>
+        <p:spPr>
+          <a:xfrm>
+            <a:off x="650875" y="390525"/>
+            <a:ext cx="11703050" cy="1245915"/>
+          </a:xfrm>
+        </p:spPr>
+        <p:txBody>
+          <a:bodyPr/>
+          <a:lstStyle/>
+          <a:p>
+            <a:r>
+              <a:rPr lang="de-DE" sz="4400" dirty="0" smtClean="0"/>
+              <a:t>Projekt-Name</a:t>
+            </a:r>
+            <a:endParaRPr lang="de-DE" dirty="0"/>
+          </a:p>
+        </p:txBody>
+      </p:sp>
+      <p:sp>
+        <p:nvSpPr>
+          <p:cNvPr id="8" name="Rechteck 7"/>
           <p:cNvSpPr/>
           <p:nvPr/>
         </p:nvSpPr>
         <p:spPr bwMode="auto">
           <a:xfrm>
-            <a:off x="820394" y="1636440"/>
-            <a:ext cx="11881320" cy="1800200"/>
+            <a:off x="453728" y="1492424"/>
+            <a:ext cx="8136904" cy="3240360"/>
           </a:xfrm>
           <a:prstGeom prst="rect">
             <a:avLst/>
@@ -5676,12 +4963,118 @@
           </a:bodyPr>
           <a:lstStyle/>
           <a:p>
-            <a:pPr marL="342900"/>
-            <a:r>
-              <a:rPr lang="de-DE" sz="2400" dirty="0"/>
-              <a:t>Projekt-Grafik</a:t>
-            </a:r>
-            <a:endParaRPr lang="de-DE" sz="2400" dirty="0">
+            <a:pPr marL="342900" marR="0" indent="0" algn="ctr" defTabSz="584200" rtl="0" eaLnBrk="1" fontAlgn="base" latinLnBrk="0" hangingPunct="0">
+              <a:lnSpc>
+                <a:spcPct val="100000"/>
+              </a:lnSpc>
+              <a:spcBef>
+                <a:spcPct val="0"/>
+              </a:spcBef>
+              <a:spcAft>
+                <a:spcPct val="0"/>
+              </a:spcAft>
+              <a:buClrTx/>
+              <a:buSzTx/>
+              <a:buFontTx/>
+              <a:buNone/>
+              <a:tabLst/>
+            </a:pPr>
+            <a:r>
+              <a:rPr kumimoji="0" lang="de-DE" sz="1400" b="0" i="0" u="none" strike="noStrike" cap="none" normalizeH="0" baseline="0" dirty="0" smtClean="0">
+                <a:ln>
+                  <a:noFill/>
+                </a:ln>
+                <a:solidFill>
+                  <a:schemeClr val="bg2"/>
+                </a:solidFill>
+                <a:effectLst/>
+                <a:latin typeface="Gill Sans Light" charset="0"/>
+                <a:ea typeface="Gill Sans Light" charset="0"/>
+                <a:cs typeface="Gill Sans Light" charset="0"/>
+                <a:sym typeface="Gill Sans Light" charset="0"/>
+              </a:rPr>
+              <a:t>Ergebnis</a:t>
+            </a:r>
+            <a:endParaRPr kumimoji="0" lang="de-DE" sz="1800" b="0" i="0" u="none" strike="noStrike" cap="none" normalizeH="0" baseline="0" dirty="0" smtClean="0">
+              <a:ln>
+                <a:noFill/>
+              </a:ln>
+              <a:solidFill>
+                <a:schemeClr val="bg2"/>
+              </a:solidFill>
+              <a:effectLst/>
+              <a:latin typeface="Gill Sans Light" charset="0"/>
+              <a:ea typeface="Gill Sans Light" charset="0"/>
+              <a:cs typeface="Gill Sans Light" charset="0"/>
+              <a:sym typeface="Gill Sans Light" charset="0"/>
+            </a:endParaRPr>
+          </a:p>
+        </p:txBody>
+      </p:sp>
+      <p:sp>
+        <p:nvSpPr>
+          <p:cNvPr id="10" name="Rechteck 9"/>
+          <p:cNvSpPr/>
+          <p:nvPr/>
+        </p:nvSpPr>
+        <p:spPr bwMode="auto">
+          <a:xfrm>
+            <a:off x="453728" y="8909248"/>
+            <a:ext cx="3478120" cy="340094"/>
+          </a:xfrm>
+          <a:prstGeom prst="rect">
+            <a:avLst/>
+          </a:prstGeom>
+          <a:solidFill>
+            <a:srgbClr val="FFFFFF"/>
+          </a:solidFill>
+          <a:ln w="38100" cap="flat" cmpd="sng" algn="ctr">
+            <a:solidFill>
+              <a:schemeClr val="accent1">
+                <a:lumMod val="75000"/>
+              </a:schemeClr>
+            </a:solidFill>
+            <a:prstDash val="solid"/>
+            <a:miter lim="0"/>
+            <a:headEnd type="none" w="med" len="med"/>
+            <a:tailEnd type="none" w="med" len="med"/>
+          </a:ln>
+          <a:effectLst>
+            <a:innerShdw blurRad="63500" dist="50800" dir="18900000">
+              <a:prstClr val="black">
+                <a:alpha val="50000"/>
+              </a:prstClr>
+            </a:innerShdw>
+            <a:softEdge rad="12700"/>
+          </a:effectLst>
+          <a:extLst/>
+        </p:spPr>
+        <p:txBody>
+          <a:bodyPr vert="horz" wrap="square" lIns="0" tIns="50800" rIns="50800" bIns="50800" numCol="1" rtlCol="0" anchor="ctr" anchorCtr="0" compatLnSpc="1">
+            <a:prstTxWarp prst="textNoShape">
+              <a:avLst/>
+            </a:prstTxWarp>
+          </a:bodyPr>
+          <a:lstStyle/>
+          <a:p>
+            <a:pPr marL="342900" algn="l"/>
+            <a:r>
+              <a:rPr lang="de-DE" sz="1400" dirty="0">
+                <a:solidFill>
+                  <a:schemeClr val="bg2"/>
+                </a:solidFill>
+              </a:rPr>
+              <a:t>Stand</a:t>
+            </a:r>
+            <a:r>
+              <a:rPr lang="de-DE" sz="1400" dirty="0" smtClean="0">
+                <a:solidFill>
+                  <a:schemeClr val="bg2"/>
+                </a:solidFill>
+              </a:rPr>
+              <a:t>:</a:t>
+            </a:r>
+            <a:endParaRPr lang="de-DE" sz="1400" dirty="0">
               <a:solidFill>
                 <a:schemeClr val="bg2"/>
               </a:solidFill>
@@ -5689,10 +5082,899 @@
           </a:p>
         </p:txBody>
       </p:sp>
+      <p:sp>
+        <p:nvSpPr>
+          <p:cNvPr id="14" name="Rechteck 13"/>
+          <p:cNvSpPr/>
+          <p:nvPr/>
+        </p:nvSpPr>
+        <p:spPr bwMode="auto">
+          <a:xfrm>
+            <a:off x="9216968" y="8909248"/>
+            <a:ext cx="3478120" cy="340094"/>
+          </a:xfrm>
+          <a:prstGeom prst="rect">
+            <a:avLst/>
+          </a:prstGeom>
+          <a:solidFill>
+            <a:srgbClr val="FFFFFF"/>
+          </a:solidFill>
+          <a:ln w="38100" cap="flat" cmpd="sng" algn="ctr">
+            <a:solidFill>
+              <a:schemeClr val="accent1">
+                <a:lumMod val="75000"/>
+              </a:schemeClr>
+            </a:solidFill>
+            <a:prstDash val="solid"/>
+            <a:miter lim="0"/>
+            <a:headEnd type="none" w="med" len="med"/>
+            <a:tailEnd type="none" w="med" len="med"/>
+          </a:ln>
+          <a:effectLst>
+            <a:innerShdw blurRad="63500" dist="50800" dir="18900000">
+              <a:prstClr val="black">
+                <a:alpha val="50000"/>
+              </a:prstClr>
+            </a:innerShdw>
+            <a:softEdge rad="12700"/>
+          </a:effectLst>
+          <a:extLst/>
+        </p:spPr>
+        <p:txBody>
+          <a:bodyPr vert="horz" wrap="square" lIns="0" tIns="50800" rIns="50800" bIns="50800" numCol="1" rtlCol="0" anchor="ctr" anchorCtr="0" compatLnSpc="1">
+            <a:prstTxWarp prst="textNoShape">
+              <a:avLst/>
+            </a:prstTxWarp>
+          </a:bodyPr>
+          <a:lstStyle/>
+          <a:p>
+            <a:pPr marL="342900" algn="l"/>
+            <a:r>
+              <a:rPr lang="de-DE" sz="1400" dirty="0">
+                <a:solidFill>
+                  <a:schemeClr val="bg2"/>
+                </a:solidFill>
+              </a:rPr>
+              <a:t>Verantwortlich:</a:t>
+            </a:r>
+          </a:p>
+        </p:txBody>
+      </p:sp>
+      <p:sp>
+        <p:nvSpPr>
+          <p:cNvPr id="15" name="Rechteck 14"/>
+          <p:cNvSpPr/>
+          <p:nvPr/>
+        </p:nvSpPr>
+        <p:spPr bwMode="auto">
+          <a:xfrm>
+            <a:off x="4835348" y="8909248"/>
+            <a:ext cx="3478120" cy="340094"/>
+          </a:xfrm>
+          <a:prstGeom prst="rect">
+            <a:avLst/>
+          </a:prstGeom>
+          <a:solidFill>
+            <a:srgbClr val="FFFFFF"/>
+          </a:solidFill>
+          <a:ln w="38100" cap="flat" cmpd="sng" algn="ctr">
+            <a:solidFill>
+              <a:schemeClr val="accent1">
+                <a:lumMod val="75000"/>
+              </a:schemeClr>
+            </a:solidFill>
+            <a:prstDash val="solid"/>
+            <a:miter lim="0"/>
+            <a:headEnd type="none" w="med" len="med"/>
+            <a:tailEnd type="none" w="med" len="med"/>
+          </a:ln>
+          <a:effectLst>
+            <a:innerShdw blurRad="63500" dist="50800" dir="18900000">
+              <a:prstClr val="black">
+                <a:alpha val="50000"/>
+              </a:prstClr>
+            </a:innerShdw>
+            <a:softEdge rad="12700"/>
+          </a:effectLst>
+          <a:extLst/>
+        </p:spPr>
+        <p:txBody>
+          <a:bodyPr vert="horz" wrap="square" lIns="0" tIns="50800" rIns="50800" bIns="50800" numCol="1" rtlCol="0" anchor="ctr" anchorCtr="0" compatLnSpc="1">
+            <a:prstTxWarp prst="textNoShape">
+              <a:avLst/>
+            </a:prstTxWarp>
+          </a:bodyPr>
+          <a:lstStyle/>
+          <a:p>
+            <a:pPr marL="342900" algn="l"/>
+            <a:r>
+              <a:rPr lang="de-DE" sz="1400" dirty="0">
+                <a:solidFill>
+                  <a:schemeClr val="bg2"/>
+                </a:solidFill>
+              </a:rPr>
+              <a:t>Laufzeit</a:t>
+            </a:r>
+            <a:r>
+              <a:rPr lang="de-DE" sz="1400" dirty="0" smtClean="0">
+                <a:solidFill>
+                  <a:schemeClr val="bg2"/>
+                </a:solidFill>
+              </a:rPr>
+              <a:t>:</a:t>
+            </a:r>
+            <a:endParaRPr lang="de-DE" sz="1400" dirty="0">
+              <a:solidFill>
+                <a:schemeClr val="bg2"/>
+              </a:solidFill>
+            </a:endParaRPr>
+          </a:p>
+        </p:txBody>
+      </p:sp>
+      <p:sp>
+        <p:nvSpPr>
+          <p:cNvPr id="18" name="Rechteck 17"/>
+          <p:cNvSpPr/>
+          <p:nvPr/>
+        </p:nvSpPr>
+        <p:spPr bwMode="auto">
+          <a:xfrm>
+            <a:off x="8662640" y="1492424"/>
+            <a:ext cx="4032448" cy="3240360"/>
+          </a:xfrm>
+          <a:prstGeom prst="rect">
+            <a:avLst/>
+          </a:prstGeom>
+          <a:solidFill>
+            <a:srgbClr val="FFFFFF"/>
+          </a:solidFill>
+          <a:ln w="38100" cap="flat" cmpd="sng" algn="ctr">
+            <a:solidFill>
+              <a:schemeClr val="accent1">
+                <a:lumMod val="75000"/>
+              </a:schemeClr>
+            </a:solidFill>
+            <a:prstDash val="solid"/>
+            <a:miter lim="0"/>
+            <a:headEnd type="none" w="med" len="med"/>
+            <a:tailEnd type="none" w="med" len="med"/>
+          </a:ln>
+          <a:effectLst>
+            <a:innerShdw blurRad="63500" dist="50800" dir="18900000">
+              <a:prstClr val="black">
+                <a:alpha val="50000"/>
+              </a:prstClr>
+            </a:innerShdw>
+            <a:softEdge rad="12700"/>
+          </a:effectLst>
+          <a:extLst/>
+        </p:spPr>
+        <p:txBody>
+          <a:bodyPr vert="horz" wrap="square" lIns="50800" tIns="50800" rIns="50800" bIns="50800" numCol="1" rtlCol="0" anchor="ctr" anchorCtr="0" compatLnSpc="1">
+            <a:prstTxWarp prst="textNoShape">
+              <a:avLst/>
+            </a:prstTxWarp>
+          </a:bodyPr>
+          <a:lstStyle/>
+          <a:p>
+            <a:pPr marL="342900"/>
+            <a:r>
+              <a:rPr lang="de-DE" sz="1400" dirty="0">
+                <a:solidFill>
+                  <a:schemeClr val="bg2"/>
+                </a:solidFill>
+                <a:sym typeface="Noteworthy Bold" charset="0"/>
+              </a:rPr>
+              <a:t>Teilprojekte</a:t>
+            </a:r>
+            <a:endParaRPr lang="de-DE" sz="1400" dirty="0">
+              <a:solidFill>
+                <a:schemeClr val="bg2"/>
+              </a:solidFill>
+            </a:endParaRPr>
+          </a:p>
+        </p:txBody>
+      </p:sp>
+      <p:sp>
+        <p:nvSpPr>
+          <p:cNvPr id="19" name="Rechteck 18"/>
+          <p:cNvSpPr/>
+          <p:nvPr/>
+        </p:nvSpPr>
+        <p:spPr bwMode="auto">
+          <a:xfrm>
+            <a:off x="4558184" y="4804792"/>
+            <a:ext cx="4032448" cy="2756373"/>
+          </a:xfrm>
+          <a:prstGeom prst="rect">
+            <a:avLst/>
+          </a:prstGeom>
+          <a:solidFill>
+            <a:srgbClr val="FFFFFF"/>
+          </a:solidFill>
+          <a:ln w="38100" cap="flat" cmpd="sng" algn="ctr">
+            <a:solidFill>
+              <a:schemeClr val="accent1">
+                <a:lumMod val="75000"/>
+              </a:schemeClr>
+            </a:solidFill>
+            <a:prstDash val="solid"/>
+            <a:miter lim="0"/>
+            <a:headEnd type="none" w="med" len="med"/>
+            <a:tailEnd type="none" w="med" len="med"/>
+          </a:ln>
+          <a:effectLst>
+            <a:innerShdw blurRad="63500" dist="50800" dir="18900000">
+              <a:prstClr val="black">
+                <a:alpha val="50000"/>
+              </a:prstClr>
+            </a:innerShdw>
+            <a:softEdge rad="12700"/>
+          </a:effectLst>
+          <a:extLst/>
+        </p:spPr>
+        <p:txBody>
+          <a:bodyPr vert="horz" wrap="square" lIns="50800" tIns="50800" rIns="50800" bIns="50800" numCol="1" rtlCol="0" anchor="ctr" anchorCtr="0" compatLnSpc="1">
+            <a:prstTxWarp prst="textNoShape">
+              <a:avLst/>
+            </a:prstTxWarp>
+          </a:bodyPr>
+          <a:lstStyle/>
+          <a:p>
+            <a:r>
+              <a:rPr lang="de-DE" sz="1400" dirty="0" smtClean="0">
+                <a:solidFill>
+                  <a:schemeClr val="bg2"/>
+                </a:solidFill>
+                <a:sym typeface="Noteworthy Bold" charset="0"/>
+              </a:rPr>
+              <a:t>Sonstige </a:t>
+            </a:r>
+            <a:r>
+              <a:rPr lang="de-DE" sz="1400" dirty="0">
+                <a:solidFill>
+                  <a:schemeClr val="bg2"/>
+                </a:solidFill>
+                <a:sym typeface="Noteworthy Bold" charset="0"/>
+              </a:rPr>
+              <a:t>Kosten</a:t>
+            </a:r>
+          </a:p>
+        </p:txBody>
+      </p:sp>
+      <p:sp>
+        <p:nvSpPr>
+          <p:cNvPr id="20" name="Rechteck 19"/>
+          <p:cNvSpPr/>
+          <p:nvPr/>
+        </p:nvSpPr>
+        <p:spPr bwMode="auto">
+          <a:xfrm>
+            <a:off x="453728" y="4805237"/>
+            <a:ext cx="4032448" cy="2756373"/>
+          </a:xfrm>
+          <a:prstGeom prst="rect">
+            <a:avLst/>
+          </a:prstGeom>
+          <a:solidFill>
+            <a:srgbClr val="FFFFFF"/>
+          </a:solidFill>
+          <a:ln w="38100" cap="flat" cmpd="sng" algn="ctr">
+            <a:solidFill>
+              <a:schemeClr val="accent1">
+                <a:lumMod val="75000"/>
+              </a:schemeClr>
+            </a:solidFill>
+            <a:prstDash val="solid"/>
+            <a:miter lim="0"/>
+            <a:headEnd type="none" w="med" len="med"/>
+            <a:tailEnd type="none" w="med" len="med"/>
+          </a:ln>
+          <a:effectLst>
+            <a:innerShdw blurRad="63500" dist="50800" dir="18900000">
+              <a:prstClr val="black">
+                <a:alpha val="50000"/>
+              </a:prstClr>
+            </a:innerShdw>
+            <a:softEdge rad="12700"/>
+          </a:effectLst>
+          <a:extLst/>
+        </p:spPr>
+        <p:txBody>
+          <a:bodyPr vert="horz" wrap="square" lIns="50800" tIns="50800" rIns="50800" bIns="50800" numCol="1" rtlCol="0" anchor="ctr" anchorCtr="0" compatLnSpc="1">
+            <a:prstTxWarp prst="textNoShape">
+              <a:avLst/>
+            </a:prstTxWarp>
+          </a:bodyPr>
+          <a:lstStyle/>
+          <a:p>
+            <a:r>
+              <a:rPr lang="de-DE" sz="1400" dirty="0" smtClean="0">
+                <a:solidFill>
+                  <a:schemeClr val="bg2"/>
+                </a:solidFill>
+                <a:sym typeface="Noteworthy Bold" charset="0"/>
+              </a:rPr>
+              <a:t>Personalkosten</a:t>
+            </a:r>
+            <a:endParaRPr lang="de-DE" sz="1400" dirty="0">
+              <a:solidFill>
+                <a:schemeClr val="bg2"/>
+              </a:solidFill>
+              <a:sym typeface="Noteworthy Bold" charset="0"/>
+            </a:endParaRPr>
+          </a:p>
+        </p:txBody>
+      </p:sp>
+      <p:sp>
+        <p:nvSpPr>
+          <p:cNvPr id="11" name="Rechteck 10"/>
+          <p:cNvSpPr/>
+          <p:nvPr/>
+        </p:nvSpPr>
+        <p:spPr bwMode="auto">
+          <a:xfrm>
+            <a:off x="8659422" y="4805237"/>
+            <a:ext cx="4032448" cy="2756373"/>
+          </a:xfrm>
+          <a:prstGeom prst="rect">
+            <a:avLst/>
+          </a:prstGeom>
+          <a:solidFill>
+            <a:srgbClr val="FFFFFF"/>
+          </a:solidFill>
+          <a:ln w="38100" cap="flat" cmpd="sng" algn="ctr">
+            <a:solidFill>
+              <a:schemeClr val="accent1">
+                <a:lumMod val="75000"/>
+              </a:schemeClr>
+            </a:solidFill>
+            <a:prstDash val="solid"/>
+            <a:miter lim="0"/>
+            <a:headEnd type="none" w="med" len="med"/>
+            <a:tailEnd type="none" w="med" len="med"/>
+          </a:ln>
+          <a:effectLst>
+            <a:innerShdw blurRad="63500" dist="50800" dir="18900000">
+              <a:prstClr val="black">
+                <a:alpha val="50000"/>
+              </a:prstClr>
+            </a:innerShdw>
+            <a:softEdge rad="12700"/>
+          </a:effectLst>
+          <a:extLst/>
+        </p:spPr>
+        <p:txBody>
+          <a:bodyPr vert="horz" wrap="square" lIns="50800" tIns="50800" rIns="50800" bIns="50800" numCol="1" rtlCol="0" anchor="ctr" anchorCtr="0" compatLnSpc="1">
+            <a:prstTxWarp prst="textNoShape">
+              <a:avLst/>
+            </a:prstTxWarp>
+          </a:bodyPr>
+          <a:lstStyle/>
+          <a:p>
+            <a:r>
+              <a:rPr lang="de-DE" sz="1400" dirty="0">
+                <a:solidFill>
+                  <a:schemeClr val="bg2"/>
+                </a:solidFill>
+                <a:sym typeface="Noteworthy Bold" charset="0"/>
+              </a:rPr>
+              <a:t>Soll-Ist1 Gesamtkosten</a:t>
+            </a:r>
+          </a:p>
+        </p:txBody>
+      </p:sp>
+      <p:sp>
+        <p:nvSpPr>
+          <p:cNvPr id="12" name="Textfeld 11"/>
+          <p:cNvSpPr txBox="1"/>
+          <p:nvPr/>
+        </p:nvSpPr>
+        <p:spPr>
+          <a:xfrm>
+            <a:off x="6296842" y="7562190"/>
+            <a:ext cx="6527748" cy="215444"/>
+          </a:xfrm>
+          <a:prstGeom prst="rect">
+            <a:avLst/>
+          </a:prstGeom>
+          <a:noFill/>
+        </p:spPr>
+        <p:txBody>
+          <a:bodyPr wrap="none" rtlCol="0">
+            <a:spAutoFit/>
+          </a:bodyPr>
+          <a:lstStyle/>
+          <a:p>
+            <a:r>
+              <a:rPr lang="de-DE" sz="800" dirty="0" smtClean="0"/>
+              <a:t>Werte sind auf ganze Zahlen gerundet – deswegen kann es zu kleinen Unterschieden zwischen Detail- und Summenbetrachtung kommen </a:t>
+            </a:r>
+            <a:endParaRPr lang="de-DE" sz="800" dirty="0"/>
+          </a:p>
+        </p:txBody>
+      </p:sp>
+      <p:graphicFrame>
+        <p:nvGraphicFramePr>
+          <p:cNvPr id="13" name="Tabelle 12" title="Tabelle Projektstatus"/>
+          <p:cNvGraphicFramePr>
+            <a:graphicFrameLocks noGrp="1"/>
+          </p:cNvGraphicFramePr>
+          <p:nvPr>
+            <p:extLst>
+              <p:ext uri="{D42A27DB-BD31-4B8C-83A1-F6EECF244321}">
+                <p14:modId xmlns:p14="http://schemas.microsoft.com/office/powerpoint/2010/main" val="2622992023"/>
+              </p:ext>
+            </p:extLst>
+          </p:nvPr>
+        </p:nvGraphicFramePr>
+        <p:xfrm>
+          <a:off x="453728" y="7829128"/>
+          <a:ext cx="12241360" cy="805300"/>
+        </p:xfrm>
+        <a:graphic>
+          <a:graphicData uri="http://schemas.openxmlformats.org/drawingml/2006/table">
+            <a:tbl>
+              <a:tblPr firstRow="1" bandRow="1">
+                <a:tableStyleId>{5A111915-BE36-4E01-A7E5-04B1672EAD32}</a:tableStyleId>
+              </a:tblPr>
+              <a:tblGrid>
+                <a:gridCol w="510057"/>
+                <a:gridCol w="11731303"/>
+              </a:tblGrid>
+              <a:tr h="360040">
+                <a:tc>
+                  <a:txBody>
+                    <a:bodyPr/>
+                    <a:lstStyle>
+                      <a:lvl1pPr marL="0" algn="l" defTabSz="914400" rtl="0" eaLnBrk="1" latinLnBrk="0" hangingPunct="1">
+                        <a:defRPr sz="1800" b="1" kern="1200">
+                          <a:solidFill>
+                            <a:schemeClr val="lt1"/>
+                          </a:solidFill>
+                          <a:latin typeface="Gill Sans Light"/>
+                          <a:ea typeface="ヒラギノ角ゴ ProN W3"/>
+                          <a:cs typeface="ヒラギノ角ゴ ProN W3"/>
+                        </a:defRPr>
+                      </a:lvl1pPr>
+                      <a:lvl2pPr marL="457200" algn="l" defTabSz="914400" rtl="0" eaLnBrk="1" latinLnBrk="0" hangingPunct="1">
+                        <a:defRPr sz="1800" b="1" kern="1200">
+                          <a:solidFill>
+                            <a:schemeClr val="lt1"/>
+                          </a:solidFill>
+                          <a:latin typeface="Gill Sans Light"/>
+                          <a:ea typeface="ヒラギノ角ゴ ProN W3"/>
+                          <a:cs typeface="ヒラギノ角ゴ ProN W3"/>
+                        </a:defRPr>
+                      </a:lvl2pPr>
+                      <a:lvl3pPr marL="914400" algn="l" defTabSz="914400" rtl="0" eaLnBrk="1" latinLnBrk="0" hangingPunct="1">
+                        <a:defRPr sz="1800" b="1" kern="1200">
+                          <a:solidFill>
+                            <a:schemeClr val="lt1"/>
+                          </a:solidFill>
+                          <a:latin typeface="Gill Sans Light"/>
+                          <a:ea typeface="ヒラギノ角ゴ ProN W3"/>
+                          <a:cs typeface="ヒラギノ角ゴ ProN W3"/>
+                        </a:defRPr>
+                      </a:lvl3pPr>
+                      <a:lvl4pPr marL="1371600" algn="l" defTabSz="914400" rtl="0" eaLnBrk="1" latinLnBrk="0" hangingPunct="1">
+                        <a:defRPr sz="1800" b="1" kern="1200">
+                          <a:solidFill>
+                            <a:schemeClr val="lt1"/>
+                          </a:solidFill>
+                          <a:latin typeface="Gill Sans Light"/>
+                          <a:ea typeface="ヒラギノ角ゴ ProN W3"/>
+                          <a:cs typeface="ヒラギノ角ゴ ProN W3"/>
+                        </a:defRPr>
+                      </a:lvl4pPr>
+                      <a:lvl5pPr marL="1828800" algn="l" defTabSz="914400" rtl="0" eaLnBrk="1" latinLnBrk="0" hangingPunct="1">
+                        <a:defRPr sz="1800" b="1" kern="1200">
+                          <a:solidFill>
+                            <a:schemeClr val="lt1"/>
+                          </a:solidFill>
+                          <a:latin typeface="Gill Sans Light"/>
+                          <a:ea typeface="ヒラギノ角ゴ ProN W3"/>
+                          <a:cs typeface="ヒラギノ角ゴ ProN W3"/>
+                        </a:defRPr>
+                      </a:lvl5pPr>
+                      <a:lvl6pPr marL="2286000" algn="l" defTabSz="914400" rtl="0" eaLnBrk="1" latinLnBrk="0" hangingPunct="1">
+                        <a:defRPr sz="1800" b="1" kern="1200">
+                          <a:solidFill>
+                            <a:schemeClr val="lt1"/>
+                          </a:solidFill>
+                          <a:latin typeface="Gill Sans Light"/>
+                          <a:ea typeface="ヒラギノ角ゴ ProN W3"/>
+                          <a:cs typeface="ヒラギノ角ゴ ProN W3"/>
+                        </a:defRPr>
+                      </a:lvl6pPr>
+                      <a:lvl7pPr marL="2743200" algn="l" defTabSz="914400" rtl="0" eaLnBrk="1" latinLnBrk="0" hangingPunct="1">
+                        <a:defRPr sz="1800" b="1" kern="1200">
+                          <a:solidFill>
+                            <a:schemeClr val="lt1"/>
+                          </a:solidFill>
+                          <a:latin typeface="Gill Sans Light"/>
+                          <a:ea typeface="ヒラギノ角ゴ ProN W3"/>
+                          <a:cs typeface="ヒラギノ角ゴ ProN W3"/>
+                        </a:defRPr>
+                      </a:lvl7pPr>
+                      <a:lvl8pPr marL="3200400" algn="l" defTabSz="914400" rtl="0" eaLnBrk="1" latinLnBrk="0" hangingPunct="1">
+                        <a:defRPr sz="1800" b="1" kern="1200">
+                          <a:solidFill>
+                            <a:schemeClr val="lt1"/>
+                          </a:solidFill>
+                          <a:latin typeface="Gill Sans Light"/>
+                          <a:ea typeface="ヒラギノ角ゴ ProN W3"/>
+                          <a:cs typeface="ヒラギノ角ゴ ProN W3"/>
+                        </a:defRPr>
+                      </a:lvl8pPr>
+                      <a:lvl9pPr marL="3657600" algn="l" defTabSz="914400" rtl="0" eaLnBrk="1" latinLnBrk="0" hangingPunct="1">
+                        <a:defRPr sz="1800" b="1" kern="1200">
+                          <a:solidFill>
+                            <a:schemeClr val="lt1"/>
+                          </a:solidFill>
+                          <a:latin typeface="Gill Sans Light"/>
+                          <a:ea typeface="ヒラギノ角ゴ ProN W3"/>
+                          <a:cs typeface="ヒラギノ角ゴ ProN W3"/>
+                        </a:defRPr>
+                      </a:lvl9pPr>
+                    </a:lstStyle>
+                    <a:p>
+                      <a:endParaRPr lang="de-DE" dirty="0">
+                        <a:solidFill>
+                          <a:srgbClr val="FFFFFF"/>
+                        </a:solidFill>
+                      </a:endParaRPr>
+                    </a:p>
+                  </a:txBody>
+                  <a:tcPr/>
+                </a:tc>
+                <a:tc>
+                  <a:txBody>
+                    <a:bodyPr/>
+                    <a:lstStyle>
+                      <a:lvl1pPr marL="0" algn="l" defTabSz="914400" rtl="0" eaLnBrk="1" latinLnBrk="0" hangingPunct="1">
+                        <a:defRPr sz="1800" b="1" kern="1200">
+                          <a:solidFill>
+                            <a:schemeClr val="lt1"/>
+                          </a:solidFill>
+                          <a:latin typeface="Gill Sans Light"/>
+                          <a:ea typeface="ヒラギノ角ゴ ProN W3"/>
+                          <a:cs typeface="ヒラギノ角ゴ ProN W3"/>
+                        </a:defRPr>
+                      </a:lvl1pPr>
+                      <a:lvl2pPr marL="457200" algn="l" defTabSz="914400" rtl="0" eaLnBrk="1" latinLnBrk="0" hangingPunct="1">
+                        <a:defRPr sz="1800" b="1" kern="1200">
+                          <a:solidFill>
+                            <a:schemeClr val="lt1"/>
+                          </a:solidFill>
+                          <a:latin typeface="Gill Sans Light"/>
+                          <a:ea typeface="ヒラギノ角ゴ ProN W3"/>
+                          <a:cs typeface="ヒラギノ角ゴ ProN W3"/>
+                        </a:defRPr>
+                      </a:lvl2pPr>
+                      <a:lvl3pPr marL="914400" algn="l" defTabSz="914400" rtl="0" eaLnBrk="1" latinLnBrk="0" hangingPunct="1">
+                        <a:defRPr sz="1800" b="1" kern="1200">
+                          <a:solidFill>
+                            <a:schemeClr val="lt1"/>
+                          </a:solidFill>
+                          <a:latin typeface="Gill Sans Light"/>
+                          <a:ea typeface="ヒラギノ角ゴ ProN W3"/>
+                          <a:cs typeface="ヒラギノ角ゴ ProN W3"/>
+                        </a:defRPr>
+                      </a:lvl3pPr>
+                      <a:lvl4pPr marL="1371600" algn="l" defTabSz="914400" rtl="0" eaLnBrk="1" latinLnBrk="0" hangingPunct="1">
+                        <a:defRPr sz="1800" b="1" kern="1200">
+                          <a:solidFill>
+                            <a:schemeClr val="lt1"/>
+                          </a:solidFill>
+                          <a:latin typeface="Gill Sans Light"/>
+                          <a:ea typeface="ヒラギノ角ゴ ProN W3"/>
+                          <a:cs typeface="ヒラギノ角ゴ ProN W3"/>
+                        </a:defRPr>
+                      </a:lvl4pPr>
+                      <a:lvl5pPr marL="1828800" algn="l" defTabSz="914400" rtl="0" eaLnBrk="1" latinLnBrk="0" hangingPunct="1">
+                        <a:defRPr sz="1800" b="1" kern="1200">
+                          <a:solidFill>
+                            <a:schemeClr val="lt1"/>
+                          </a:solidFill>
+                          <a:latin typeface="Gill Sans Light"/>
+                          <a:ea typeface="ヒラギノ角ゴ ProN W3"/>
+                          <a:cs typeface="ヒラギノ角ゴ ProN W3"/>
+                        </a:defRPr>
+                      </a:lvl5pPr>
+                      <a:lvl6pPr marL="2286000" algn="l" defTabSz="914400" rtl="0" eaLnBrk="1" latinLnBrk="0" hangingPunct="1">
+                        <a:defRPr sz="1800" b="1" kern="1200">
+                          <a:solidFill>
+                            <a:schemeClr val="lt1"/>
+                          </a:solidFill>
+                          <a:latin typeface="Gill Sans Light"/>
+                          <a:ea typeface="ヒラギノ角ゴ ProN W3"/>
+                          <a:cs typeface="ヒラギノ角ゴ ProN W3"/>
+                        </a:defRPr>
+                      </a:lvl6pPr>
+                      <a:lvl7pPr marL="2743200" algn="l" defTabSz="914400" rtl="0" eaLnBrk="1" latinLnBrk="0" hangingPunct="1">
+                        <a:defRPr sz="1800" b="1" kern="1200">
+                          <a:solidFill>
+                            <a:schemeClr val="lt1"/>
+                          </a:solidFill>
+                          <a:latin typeface="Gill Sans Light"/>
+                          <a:ea typeface="ヒラギノ角ゴ ProN W3"/>
+                          <a:cs typeface="ヒラギノ角ゴ ProN W3"/>
+                        </a:defRPr>
+                      </a:lvl7pPr>
+                      <a:lvl8pPr marL="3200400" algn="l" defTabSz="914400" rtl="0" eaLnBrk="1" latinLnBrk="0" hangingPunct="1">
+                        <a:defRPr sz="1800" b="1" kern="1200">
+                          <a:solidFill>
+                            <a:schemeClr val="lt1"/>
+                          </a:solidFill>
+                          <a:latin typeface="Gill Sans Light"/>
+                          <a:ea typeface="ヒラギノ角ゴ ProN W3"/>
+                          <a:cs typeface="ヒラギノ角ゴ ProN W3"/>
+                        </a:defRPr>
+                      </a:lvl8pPr>
+                      <a:lvl9pPr marL="3657600" algn="l" defTabSz="914400" rtl="0" eaLnBrk="1" latinLnBrk="0" hangingPunct="1">
+                        <a:defRPr sz="1800" b="1" kern="1200">
+                          <a:solidFill>
+                            <a:schemeClr val="lt1"/>
+                          </a:solidFill>
+                          <a:latin typeface="Gill Sans Light"/>
+                          <a:ea typeface="ヒラギノ角ゴ ProN W3"/>
+                          <a:cs typeface="ヒラギノ角ゴ ProN W3"/>
+                        </a:defRPr>
+                      </a:lvl9pPr>
+                    </a:lstStyle>
+                    <a:p>
+                      <a:r>
+                        <a:rPr lang="de-DE" sz="1800" kern="1200" dirty="0" smtClean="0"/>
+                        <a:t>Aktuelle Gesamt-Einschätzung</a:t>
+                      </a:r>
+                      <a:r>
+                        <a:rPr lang="de-DE" sz="1800" kern="1200" baseline="0" dirty="0" smtClean="0"/>
+                        <a:t> des Projekts</a:t>
+                      </a:r>
+                      <a:endParaRPr lang="de-DE" sz="1800" b="1" kern="1200" dirty="0">
+                        <a:solidFill>
+                          <a:srgbClr val="FFFFFF"/>
+                        </a:solidFill>
+                        <a:latin typeface="+mn-lt"/>
+                        <a:ea typeface="+mn-ea"/>
+                        <a:cs typeface="+mn-cs"/>
+                      </a:endParaRPr>
+                    </a:p>
+                  </a:txBody>
+                  <a:tcPr/>
+                </a:tc>
+              </a:tr>
+              <a:tr h="439540">
+                <a:tc>
+                  <a:txBody>
+                    <a:bodyPr/>
+                    <a:lstStyle>
+                      <a:lvl1pPr marL="0" algn="l" defTabSz="914400" rtl="0" eaLnBrk="1" latinLnBrk="0" hangingPunct="1">
+                        <a:defRPr sz="1800" kern="1200">
+                          <a:solidFill>
+                            <a:schemeClr val="dk1"/>
+                          </a:solidFill>
+                          <a:latin typeface="Gill Sans Light"/>
+                          <a:ea typeface="ヒラギノ角ゴ ProN W3"/>
+                          <a:cs typeface="ヒラギノ角ゴ ProN W3"/>
+                        </a:defRPr>
+                      </a:lvl1pPr>
+                      <a:lvl2pPr marL="457200" algn="l" defTabSz="914400" rtl="0" eaLnBrk="1" latinLnBrk="0" hangingPunct="1">
+                        <a:defRPr sz="1800" kern="1200">
+                          <a:solidFill>
+                            <a:schemeClr val="dk1"/>
+                          </a:solidFill>
+                          <a:latin typeface="Gill Sans Light"/>
+                          <a:ea typeface="ヒラギノ角ゴ ProN W3"/>
+                          <a:cs typeface="ヒラギノ角ゴ ProN W3"/>
+                        </a:defRPr>
+                      </a:lvl2pPr>
+                      <a:lvl3pPr marL="914400" algn="l" defTabSz="914400" rtl="0" eaLnBrk="1" latinLnBrk="0" hangingPunct="1">
+                        <a:defRPr sz="1800" kern="1200">
+                          <a:solidFill>
+                            <a:schemeClr val="dk1"/>
+                          </a:solidFill>
+                          <a:latin typeface="Gill Sans Light"/>
+                          <a:ea typeface="ヒラギノ角ゴ ProN W3"/>
+                          <a:cs typeface="ヒラギノ角ゴ ProN W3"/>
+                        </a:defRPr>
+                      </a:lvl3pPr>
+                      <a:lvl4pPr marL="1371600" algn="l" defTabSz="914400" rtl="0" eaLnBrk="1" latinLnBrk="0" hangingPunct="1">
+                        <a:defRPr sz="1800" kern="1200">
+                          <a:solidFill>
+                            <a:schemeClr val="dk1"/>
+                          </a:solidFill>
+                          <a:latin typeface="Gill Sans Light"/>
+                          <a:ea typeface="ヒラギノ角ゴ ProN W3"/>
+                          <a:cs typeface="ヒラギノ角ゴ ProN W3"/>
+                        </a:defRPr>
+                      </a:lvl4pPr>
+                      <a:lvl5pPr marL="1828800" algn="l" defTabSz="914400" rtl="0" eaLnBrk="1" latinLnBrk="0" hangingPunct="1">
+                        <a:defRPr sz="1800" kern="1200">
+                          <a:solidFill>
+                            <a:schemeClr val="dk1"/>
+                          </a:solidFill>
+                          <a:latin typeface="Gill Sans Light"/>
+                          <a:ea typeface="ヒラギノ角ゴ ProN W3"/>
+                          <a:cs typeface="ヒラギノ角ゴ ProN W3"/>
+                        </a:defRPr>
+                      </a:lvl5pPr>
+                      <a:lvl6pPr marL="2286000" algn="l" defTabSz="914400" rtl="0" eaLnBrk="1" latinLnBrk="0" hangingPunct="1">
+                        <a:defRPr sz="1800" kern="1200">
+                          <a:solidFill>
+                            <a:schemeClr val="dk1"/>
+                          </a:solidFill>
+                          <a:latin typeface="Gill Sans Light"/>
+                          <a:ea typeface="ヒラギノ角ゴ ProN W3"/>
+                          <a:cs typeface="ヒラギノ角ゴ ProN W3"/>
+                        </a:defRPr>
+                      </a:lvl6pPr>
+                      <a:lvl7pPr marL="2743200" algn="l" defTabSz="914400" rtl="0" eaLnBrk="1" latinLnBrk="0" hangingPunct="1">
+                        <a:defRPr sz="1800" kern="1200">
+                          <a:solidFill>
+                            <a:schemeClr val="dk1"/>
+                          </a:solidFill>
+                          <a:latin typeface="Gill Sans Light"/>
+                          <a:ea typeface="ヒラギノ角ゴ ProN W3"/>
+                          <a:cs typeface="ヒラギノ角ゴ ProN W3"/>
+                        </a:defRPr>
+                      </a:lvl7pPr>
+                      <a:lvl8pPr marL="3200400" algn="l" defTabSz="914400" rtl="0" eaLnBrk="1" latinLnBrk="0" hangingPunct="1">
+                        <a:defRPr sz="1800" kern="1200">
+                          <a:solidFill>
+                            <a:schemeClr val="dk1"/>
+                          </a:solidFill>
+                          <a:latin typeface="Gill Sans Light"/>
+                          <a:ea typeface="ヒラギノ角ゴ ProN W3"/>
+                          <a:cs typeface="ヒラギノ角ゴ ProN W3"/>
+                        </a:defRPr>
+                      </a:lvl8pPr>
+                      <a:lvl9pPr marL="3657600" algn="l" defTabSz="914400" rtl="0" eaLnBrk="1" latinLnBrk="0" hangingPunct="1">
+                        <a:defRPr sz="1800" kern="1200">
+                          <a:solidFill>
+                            <a:schemeClr val="dk1"/>
+                          </a:solidFill>
+                          <a:latin typeface="Gill Sans Light"/>
+                          <a:ea typeface="ヒラギノ角ゴ ProN W3"/>
+                          <a:cs typeface="ヒラギノ角ゴ ProN W3"/>
+                        </a:defRPr>
+                      </a:lvl9pPr>
+                    </a:lstStyle>
+                    <a:p>
+                      <a:endParaRPr lang="de-DE" sz="1000" dirty="0">
+                        <a:solidFill>
+                          <a:schemeClr val="bg1"/>
+                        </a:solidFill>
+                      </a:endParaRPr>
+                    </a:p>
+                  </a:txBody>
+                  <a:tcPr/>
+                </a:tc>
+                <a:tc>
+                  <a:txBody>
+                    <a:bodyPr/>
+                    <a:lstStyle>
+                      <a:lvl1pPr marL="0" algn="l" defTabSz="914400" rtl="0" eaLnBrk="1" latinLnBrk="0" hangingPunct="1">
+                        <a:defRPr sz="1800" kern="1200">
+                          <a:solidFill>
+                            <a:schemeClr val="dk1"/>
+                          </a:solidFill>
+                          <a:latin typeface="Gill Sans Light"/>
+                          <a:ea typeface="ヒラギノ角ゴ ProN W3"/>
+                          <a:cs typeface="ヒラギノ角ゴ ProN W3"/>
+                        </a:defRPr>
+                      </a:lvl1pPr>
+                      <a:lvl2pPr marL="457200" algn="l" defTabSz="914400" rtl="0" eaLnBrk="1" latinLnBrk="0" hangingPunct="1">
+                        <a:defRPr sz="1800" kern="1200">
+                          <a:solidFill>
+                            <a:schemeClr val="dk1"/>
+                          </a:solidFill>
+                          <a:latin typeface="Gill Sans Light"/>
+                          <a:ea typeface="ヒラギノ角ゴ ProN W3"/>
+                          <a:cs typeface="ヒラギノ角ゴ ProN W3"/>
+                        </a:defRPr>
+                      </a:lvl2pPr>
+                      <a:lvl3pPr marL="914400" algn="l" defTabSz="914400" rtl="0" eaLnBrk="1" latinLnBrk="0" hangingPunct="1">
+                        <a:defRPr sz="1800" kern="1200">
+                          <a:solidFill>
+                            <a:schemeClr val="dk1"/>
+                          </a:solidFill>
+                          <a:latin typeface="Gill Sans Light"/>
+                          <a:ea typeface="ヒラギノ角ゴ ProN W3"/>
+                          <a:cs typeface="ヒラギノ角ゴ ProN W3"/>
+                        </a:defRPr>
+                      </a:lvl3pPr>
+                      <a:lvl4pPr marL="1371600" algn="l" defTabSz="914400" rtl="0" eaLnBrk="1" latinLnBrk="0" hangingPunct="1">
+                        <a:defRPr sz="1800" kern="1200">
+                          <a:solidFill>
+                            <a:schemeClr val="dk1"/>
+                          </a:solidFill>
+                          <a:latin typeface="Gill Sans Light"/>
+                          <a:ea typeface="ヒラギノ角ゴ ProN W3"/>
+                          <a:cs typeface="ヒラギノ角ゴ ProN W3"/>
+                        </a:defRPr>
+                      </a:lvl4pPr>
+                      <a:lvl5pPr marL="1828800" algn="l" defTabSz="914400" rtl="0" eaLnBrk="1" latinLnBrk="0" hangingPunct="1">
+                        <a:defRPr sz="1800" kern="1200">
+                          <a:solidFill>
+                            <a:schemeClr val="dk1"/>
+                          </a:solidFill>
+                          <a:latin typeface="Gill Sans Light"/>
+                          <a:ea typeface="ヒラギノ角ゴ ProN W3"/>
+                          <a:cs typeface="ヒラギノ角ゴ ProN W3"/>
+                        </a:defRPr>
+                      </a:lvl5pPr>
+                      <a:lvl6pPr marL="2286000" algn="l" defTabSz="914400" rtl="0" eaLnBrk="1" latinLnBrk="0" hangingPunct="1">
+                        <a:defRPr sz="1800" kern="1200">
+                          <a:solidFill>
+                            <a:schemeClr val="dk1"/>
+                          </a:solidFill>
+                          <a:latin typeface="Gill Sans Light"/>
+                          <a:ea typeface="ヒラギノ角ゴ ProN W3"/>
+                          <a:cs typeface="ヒラギノ角ゴ ProN W3"/>
+                        </a:defRPr>
+                      </a:lvl6pPr>
+                      <a:lvl7pPr marL="2743200" algn="l" defTabSz="914400" rtl="0" eaLnBrk="1" latinLnBrk="0" hangingPunct="1">
+                        <a:defRPr sz="1800" kern="1200">
+                          <a:solidFill>
+                            <a:schemeClr val="dk1"/>
+                          </a:solidFill>
+                          <a:latin typeface="Gill Sans Light"/>
+                          <a:ea typeface="ヒラギノ角ゴ ProN W3"/>
+                          <a:cs typeface="ヒラギノ角ゴ ProN W3"/>
+                        </a:defRPr>
+                      </a:lvl7pPr>
+                      <a:lvl8pPr marL="3200400" algn="l" defTabSz="914400" rtl="0" eaLnBrk="1" latinLnBrk="0" hangingPunct="1">
+                        <a:defRPr sz="1800" kern="1200">
+                          <a:solidFill>
+                            <a:schemeClr val="dk1"/>
+                          </a:solidFill>
+                          <a:latin typeface="Gill Sans Light"/>
+                          <a:ea typeface="ヒラギノ角ゴ ProN W3"/>
+                          <a:cs typeface="ヒラギノ角ゴ ProN W3"/>
+                        </a:defRPr>
+                      </a:lvl8pPr>
+                      <a:lvl9pPr marL="3657600" algn="l" defTabSz="914400" rtl="0" eaLnBrk="1" latinLnBrk="0" hangingPunct="1">
+                        <a:defRPr sz="1800" kern="1200">
+                          <a:solidFill>
+                            <a:schemeClr val="dk1"/>
+                          </a:solidFill>
+                          <a:latin typeface="Gill Sans Light"/>
+                          <a:ea typeface="ヒラギノ角ゴ ProN W3"/>
+                          <a:cs typeface="ヒラギノ角ゴ ProN W3"/>
+                        </a:defRPr>
+                      </a:lvl9pPr>
+                    </a:lstStyle>
+                    <a:p>
+                      <a:r>
+                        <a:rPr lang="de-DE" sz="1100" dirty="0" smtClean="0">
+                          <a:solidFill>
+                            <a:schemeClr val="bg1"/>
+                          </a:solidFill>
+                          <a:latin typeface="+mn-lt"/>
+                        </a:rPr>
+                        <a:t>Erläuterung</a:t>
+                      </a:r>
+                      <a:endParaRPr lang="de-DE" sz="1100" dirty="0">
+                        <a:solidFill>
+                          <a:schemeClr val="bg1"/>
+                        </a:solidFill>
+                        <a:latin typeface="+mn-lt"/>
+                      </a:endParaRPr>
+                    </a:p>
+                  </a:txBody>
+                  <a:tcPr/>
+                </a:tc>
+              </a:tr>
+            </a:tbl>
+          </a:graphicData>
+        </a:graphic>
+      </p:graphicFrame>
     </p:spTree>
     <p:extLst>
       <p:ext uri="{BB962C8B-B14F-4D97-AF65-F5344CB8AC3E}">
-        <p14:creationId xmlns:p14="http://schemas.microsoft.com/office/powerpoint/2010/main" val="1490325428"/>
+        <p14:creationId xmlns:p14="http://schemas.microsoft.com/office/powerpoint/2010/main" val="2618628142"/>
       </p:ext>
     </p:extLst>
   </p:cSld>

--- a/Projectboard/Projectboard/bin/Debug/requirements/templatedossier.pptx
+++ b/Projectboard/Projectboard/bin/Debug/requirements/templatedossier.pptx
@@ -3965,14 +3965,6 @@
                         </a:rPr>
                         <a:t>Ampel</a:t>
                       </a:r>
-                      <a:endParaRPr lang="de-DE" sz="1400" b="1" kern="1200" dirty="0" smtClean="0">
-                        <a:solidFill>
-                          <a:schemeClr val="bg1"/>
-                        </a:solidFill>
-                        <a:latin typeface="+mn-lt"/>
-                        <a:ea typeface="+mn-ea"/>
-                        <a:cs typeface="+mn-cs"/>
-                      </a:endParaRPr>
                     </a:p>
                   </a:txBody>
                   <a:tcPr>
@@ -4008,11 +4000,7 @@
                       </a:pPr>
                       <a:r>
                         <a:rPr lang="de-DE" sz="1400" kern="1200" dirty="0" smtClean="0"/>
-                        <a:t>Letzter </a:t>
-                      </a:r>
-                      <a:r>
-                        <a:rPr lang="de-DE" sz="1400" kern="1200" dirty="0" smtClean="0"/>
-                        <a:t>Stand</a:t>
+                        <a:t>Letzter Stand</a:t>
                       </a:r>
                     </a:p>
                     <a:p>
@@ -4082,14 +4070,6 @@
                         </a:rPr>
                         <a:t>Ampel </a:t>
                       </a:r>
-                      <a:endParaRPr lang="de-DE" sz="1400" b="1" kern="1200" dirty="0" smtClean="0">
-                        <a:solidFill>
-                          <a:schemeClr val="bg1"/>
-                        </a:solidFill>
-                        <a:latin typeface="+mn-lt"/>
-                        <a:ea typeface="+mn-ea"/>
-                        <a:cs typeface="+mn-cs"/>
-                      </a:endParaRPr>
                     </a:p>
                   </a:txBody>
                   <a:tcPr/>
@@ -4668,11 +4648,6 @@
                         </a:rPr>
                         <a:t>14.12.2013</a:t>
                       </a:r>
-                      <a:endParaRPr lang="de-DE" sz="1100" dirty="0" smtClean="0">
-                        <a:solidFill>
-                          <a:schemeClr val="bg1"/>
-                        </a:solidFill>
-                      </a:endParaRPr>
                     </a:p>
                   </a:txBody>
                   <a:tcPr/>

--- a/Projectboard/Projectboard/bin/Debug/requirements/templatedossier.pptx
+++ b/Projectboard/Projectboard/bin/Debug/requirements/templatedossier.pptx
@@ -5,12 +5,13 @@
     <p:sldMasterId id="2147483648" r:id="rId1"/>
   </p:sldMasterIdLst>
   <p:notesMasterIdLst>
-    <p:notesMasterId r:id="rId5"/>
+    <p:notesMasterId r:id="rId6"/>
   </p:notesMasterIdLst>
   <p:sldIdLst>
     <p:sldId id="268" r:id="rId2"/>
     <p:sldId id="266" r:id="rId3"/>
-    <p:sldId id="267" r:id="rId4"/>
+    <p:sldId id="269" r:id="rId4"/>
+    <p:sldId id="267" r:id="rId5"/>
   </p:sldIdLst>
   <p:sldSz cx="13004800" cy="9753600"/>
   <p:notesSz cx="6864350" cy="9996488"/>
@@ -1041,6 +1042,281 @@
 </file>
 
 <file path=ppt/notesSlides/notesSlide3.xml><?xml version="1.0" encoding="utf-8"?>
+<p:notes xmlns:a="http://schemas.openxmlformats.org/drawingml/2006/main" xmlns:r="http://schemas.openxmlformats.org/officeDocument/2006/relationships" xmlns:p="http://schemas.openxmlformats.org/presentationml/2006/main">
+  <p:cSld>
+    <p:spTree>
+      <p:nvGrpSpPr>
+        <p:cNvPr id="1" name=""/>
+        <p:cNvGrpSpPr/>
+        <p:nvPr/>
+      </p:nvGrpSpPr>
+      <p:grpSpPr>
+        <a:xfrm>
+          <a:off x="0" y="0"/>
+          <a:ext cx="0" cy="0"/>
+          <a:chOff x="0" y="0"/>
+          <a:chExt cx="0" cy="0"/>
+        </a:xfrm>
+      </p:grpSpPr>
+      <p:sp>
+        <p:nvSpPr>
+          <p:cNvPr id="2" name="Folienbildplatzhalter 1"/>
+          <p:cNvSpPr>
+            <a:spLocks noGrp="1" noRot="1" noChangeAspect="1"/>
+          </p:cNvSpPr>
+          <p:nvPr>
+            <p:ph type="sldImg"/>
+          </p:nvPr>
+        </p:nvSpPr>
+        <p:spPr/>
+      </p:sp>
+      <p:sp>
+        <p:nvSpPr>
+          <p:cNvPr id="3" name="Notizenplatzhalter 2"/>
+          <p:cNvSpPr>
+            <a:spLocks noGrp="1"/>
+          </p:cNvSpPr>
+          <p:nvPr>
+            <p:ph type="body" idx="1"/>
+          </p:nvPr>
+        </p:nvSpPr>
+        <p:spPr/>
+        <p:txBody>
+          <a:bodyPr/>
+          <a:lstStyle/>
+          <a:p>
+            <a:r>
+              <a:rPr lang="de-DE" sz="2500" dirty="0"/>
+              <a:t>Projekt-Name</a:t>
+            </a:r>
+          </a:p>
+          <a:p>
+            <a:r>
+              <a:rPr lang="de-DE" sz="2500" dirty="0"/>
+              <a:t>Ergebnis</a:t>
+            </a:r>
+          </a:p>
+          <a:p>
+            <a:r>
+              <a:rPr lang="de-DE" sz="2500" dirty="0"/>
+              <a:t>Strategie/Risiko</a:t>
+            </a:r>
+          </a:p>
+          <a:p>
+            <a:r>
+              <a:rPr lang="de-DE" sz="2500" dirty="0"/>
+              <a:t>Teilprojekte</a:t>
+            </a:r>
+          </a:p>
+          <a:p>
+            <a:r>
+              <a:rPr lang="de-DE" sz="2500" dirty="0"/>
+              <a:t>Personalbedarf</a:t>
+            </a:r>
+          </a:p>
+          <a:p>
+            <a:r>
+              <a:rPr lang="de-DE" sz="2500" dirty="0"/>
+              <a:t>Personalkosten</a:t>
+            </a:r>
+          </a:p>
+          <a:p>
+            <a:r>
+              <a:rPr lang="de-DE" sz="2500" dirty="0"/>
+              <a:t>Sonstige Kosten</a:t>
+            </a:r>
+          </a:p>
+          <a:p>
+            <a:r>
+              <a:rPr lang="de-DE" sz="2500" dirty="0"/>
+              <a:t>Gesamtkosten</a:t>
+            </a:r>
+          </a:p>
+          <a:p>
+            <a:r>
+              <a:rPr lang="de-DE" sz="2500" dirty="0"/>
+              <a:t>Fortschritt Personalkosten</a:t>
+            </a:r>
+          </a:p>
+          <a:p>
+            <a:r>
+              <a:rPr lang="de-DE" sz="2500" dirty="0"/>
+              <a:t>Fortschritt Sonstige Kosten</a:t>
+            </a:r>
+          </a:p>
+          <a:p>
+            <a:r>
+              <a:rPr lang="de-DE" sz="2500" dirty="0"/>
+              <a:t>Fortschritt Gesamtkosten</a:t>
+            </a:r>
+          </a:p>
+          <a:p>
+            <a:r>
+              <a:rPr lang="de-DE" sz="2500" dirty="0"/>
+              <a:t>Fortschritt Rolle(…)</a:t>
+            </a:r>
+          </a:p>
+          <a:p>
+            <a:r>
+              <a:rPr lang="de-DE" sz="2500" dirty="0"/>
+              <a:t>Fortschritt Kostenart(…)</a:t>
+            </a:r>
+          </a:p>
+          <a:p>
+            <a:endParaRPr lang="de-DE" sz="2500" dirty="0"/>
+          </a:p>
+          <a:p>
+            <a:r>
+              <a:rPr lang="de-DE" sz="2500" dirty="0"/>
+              <a:t>Soll-Ist1 Personalkosten</a:t>
+            </a:r>
+          </a:p>
+          <a:p>
+            <a:pPr defTabSz="481706">
+              <a:lnSpc>
+                <a:spcPts val="3688"/>
+              </a:lnSpc>
+              <a:defRPr/>
+            </a:pPr>
+            <a:r>
+              <a:rPr lang="de-DE" sz="2500" dirty="0"/>
+              <a:t>Soll-Ist2 Personalkosten</a:t>
+            </a:r>
+          </a:p>
+          <a:p>
+            <a:endParaRPr lang="de-DE" sz="2500" dirty="0"/>
+          </a:p>
+          <a:p>
+            <a:r>
+              <a:rPr lang="de-DE" sz="2500" dirty="0"/>
+              <a:t>Soll-Ist1 Sonstige Kosten</a:t>
+            </a:r>
+          </a:p>
+          <a:p>
+            <a:pPr defTabSz="481706">
+              <a:lnSpc>
+                <a:spcPts val="3688"/>
+              </a:lnSpc>
+              <a:defRPr/>
+            </a:pPr>
+            <a:r>
+              <a:rPr lang="de-DE" sz="2500" dirty="0"/>
+              <a:t>Soll-Ist2 Sonstige Kosten</a:t>
+            </a:r>
+          </a:p>
+          <a:p>
+            <a:endParaRPr lang="de-DE" sz="2500" dirty="0"/>
+          </a:p>
+          <a:p>
+            <a:r>
+              <a:rPr lang="de-DE" sz="2500" dirty="0"/>
+              <a:t>Soll-Ist1 Gesamtkosten</a:t>
+            </a:r>
+          </a:p>
+          <a:p>
+            <a:pPr defTabSz="481706">
+              <a:lnSpc>
+                <a:spcPts val="3688"/>
+              </a:lnSpc>
+              <a:defRPr/>
+            </a:pPr>
+            <a:r>
+              <a:rPr lang="de-DE" sz="2500" dirty="0"/>
+              <a:t>Soll-Ist2 Gesamtkosten</a:t>
+            </a:r>
+          </a:p>
+          <a:p>
+            <a:endParaRPr lang="de-DE" sz="2500" dirty="0"/>
+          </a:p>
+          <a:p>
+            <a:r>
+              <a:rPr lang="de-DE" sz="2500" dirty="0"/>
+              <a:t>Soll-Ist1 Rolle (…)</a:t>
+            </a:r>
+          </a:p>
+          <a:p>
+            <a:pPr defTabSz="481706">
+              <a:lnSpc>
+                <a:spcPts val="3688"/>
+              </a:lnSpc>
+              <a:defRPr/>
+            </a:pPr>
+            <a:r>
+              <a:rPr lang="de-DE" sz="2500" dirty="0"/>
+              <a:t>Soll-Ist2 Rolle (…)</a:t>
+            </a:r>
+          </a:p>
+          <a:p>
+            <a:endParaRPr lang="de-DE" sz="2500" dirty="0"/>
+          </a:p>
+          <a:p>
+            <a:r>
+              <a:rPr lang="de-DE" sz="2500" dirty="0"/>
+              <a:t>Soll-Ist1 Kostenart (…)</a:t>
+            </a:r>
+          </a:p>
+          <a:p>
+            <a:pPr defTabSz="481706">
+              <a:lnSpc>
+                <a:spcPts val="3688"/>
+              </a:lnSpc>
+              <a:defRPr/>
+            </a:pPr>
+            <a:r>
+              <a:rPr lang="de-DE" sz="2500" dirty="0"/>
+              <a:t>Soll-Ist2 Kostenart (…)</a:t>
+            </a:r>
+          </a:p>
+          <a:p>
+            <a:endParaRPr lang="de-DE" sz="2500" dirty="0"/>
+          </a:p>
+          <a:p>
+            <a:r>
+              <a:rPr lang="de-DE" sz="2500" dirty="0"/>
+              <a:t>Ampel-Farbe</a:t>
+            </a:r>
+          </a:p>
+          <a:p>
+            <a:r>
+              <a:rPr lang="de-DE" sz="2500" dirty="0"/>
+              <a:t>Beschreibung</a:t>
+            </a:r>
+          </a:p>
+          <a:p>
+            <a:r>
+              <a:rPr lang="de-DE" sz="2500" dirty="0"/>
+              <a:t>Stand:</a:t>
+            </a:r>
+          </a:p>
+          <a:p>
+            <a:r>
+              <a:rPr lang="de-DE" sz="2500" dirty="0"/>
+              <a:t>Laufzeit:</a:t>
+            </a:r>
+          </a:p>
+          <a:p>
+            <a:r>
+              <a:rPr lang="de-DE" sz="2500" dirty="0"/>
+              <a:t>Verantwortlich:</a:t>
+            </a:r>
+            <a:endParaRPr lang="de-DE" dirty="0"/>
+          </a:p>
+        </p:txBody>
+      </p:sp>
+    </p:spTree>
+    <p:extLst>
+      <p:ext uri="{BB962C8B-B14F-4D97-AF65-F5344CB8AC3E}">
+        <p14:creationId xmlns:p14="http://schemas.microsoft.com/office/powerpoint/2010/main" val="1822032258"/>
+      </p:ext>
+    </p:extLst>
+  </p:cSld>
+  <p:clrMapOvr>
+    <a:masterClrMapping/>
+  </p:clrMapOvr>
+</p:notes>
+</file>
+
+<file path=ppt/notesSlides/notesSlide4.xml><?xml version="1.0" encoding="utf-8"?>
 <p:notes xmlns:a="http://schemas.openxmlformats.org/drawingml/2006/main" xmlns:r="http://schemas.openxmlformats.org/officeDocument/2006/relationships" xmlns:p="http://schemas.openxmlformats.org/presentationml/2006/main">
   <p:cSld>
     <p:spTree>
@@ -4886,6 +5162,871 @@
           <a:p>
             <a:r>
               <a:rPr lang="de-DE" sz="4400" dirty="0" smtClean="0"/>
+              <a:t>Meilenstein Trend Analyse</a:t>
+            </a:r>
+            <a:endParaRPr lang="de-DE" dirty="0"/>
+          </a:p>
+        </p:txBody>
+      </p:sp>
+      <p:sp>
+        <p:nvSpPr>
+          <p:cNvPr id="8" name="Rechteck 7"/>
+          <p:cNvSpPr/>
+          <p:nvPr/>
+        </p:nvSpPr>
+        <p:spPr bwMode="auto">
+          <a:xfrm>
+            <a:off x="453728" y="1708448"/>
+            <a:ext cx="12097344" cy="5184576"/>
+          </a:xfrm>
+          <a:prstGeom prst="rect">
+            <a:avLst/>
+          </a:prstGeom>
+          <a:solidFill>
+            <a:srgbClr val="FFFFFF"/>
+          </a:solidFill>
+          <a:ln w="38100" cap="flat" cmpd="sng" algn="ctr">
+            <a:solidFill>
+              <a:schemeClr val="accent1">
+                <a:lumMod val="75000"/>
+              </a:schemeClr>
+            </a:solidFill>
+            <a:prstDash val="solid"/>
+            <a:miter lim="0"/>
+            <a:headEnd type="none" w="med" len="med"/>
+            <a:tailEnd type="none" w="med" len="med"/>
+          </a:ln>
+          <a:effectLst>
+            <a:innerShdw blurRad="63500" dist="50800" dir="18900000">
+              <a:prstClr val="black">
+                <a:alpha val="50000"/>
+              </a:prstClr>
+            </a:innerShdw>
+            <a:softEdge rad="12700"/>
+          </a:effectLst>
+          <a:extLst/>
+        </p:spPr>
+        <p:txBody>
+          <a:bodyPr vert="horz" wrap="square" lIns="50800" tIns="50800" rIns="50800" bIns="50800" numCol="1" rtlCol="0" anchor="ctr" anchorCtr="0" compatLnSpc="1">
+            <a:prstTxWarp prst="textNoShape">
+              <a:avLst/>
+            </a:prstTxWarp>
+          </a:bodyPr>
+          <a:lstStyle/>
+          <a:p>
+            <a:pPr marL="342900"/>
+            <a:r>
+              <a:rPr lang="de-DE" sz="1400" dirty="0"/>
+              <a:t>Meilenstein Trendanalyse</a:t>
+            </a:r>
+            <a:endParaRPr kumimoji="0" lang="de-DE" sz="1800" b="0" i="0" u="none" strike="noStrike" cap="none" normalizeH="0" baseline="0" dirty="0" smtClean="0">
+              <a:ln>
+                <a:noFill/>
+              </a:ln>
+              <a:solidFill>
+                <a:schemeClr val="bg2"/>
+              </a:solidFill>
+              <a:effectLst/>
+              <a:latin typeface="Gill Sans Light" charset="0"/>
+              <a:ea typeface="Gill Sans Light" charset="0"/>
+              <a:cs typeface="Gill Sans Light" charset="0"/>
+              <a:sym typeface="Gill Sans Light" charset="0"/>
+            </a:endParaRPr>
+          </a:p>
+        </p:txBody>
+      </p:sp>
+      <p:sp>
+        <p:nvSpPr>
+          <p:cNvPr id="10" name="Rechteck 9"/>
+          <p:cNvSpPr/>
+          <p:nvPr/>
+        </p:nvSpPr>
+        <p:spPr bwMode="auto">
+          <a:xfrm>
+            <a:off x="453728" y="8929194"/>
+            <a:ext cx="3478120" cy="340094"/>
+          </a:xfrm>
+          <a:prstGeom prst="rect">
+            <a:avLst/>
+          </a:prstGeom>
+          <a:solidFill>
+            <a:srgbClr val="FFFFFF"/>
+          </a:solidFill>
+          <a:ln w="38100" cap="flat" cmpd="sng" algn="ctr">
+            <a:solidFill>
+              <a:schemeClr val="accent1">
+                <a:lumMod val="75000"/>
+              </a:schemeClr>
+            </a:solidFill>
+            <a:prstDash val="solid"/>
+            <a:miter lim="0"/>
+            <a:headEnd type="none" w="med" len="med"/>
+            <a:tailEnd type="none" w="med" len="med"/>
+          </a:ln>
+          <a:effectLst>
+            <a:innerShdw blurRad="63500" dist="50800" dir="18900000">
+              <a:prstClr val="black">
+                <a:alpha val="50000"/>
+              </a:prstClr>
+            </a:innerShdw>
+            <a:softEdge rad="12700"/>
+          </a:effectLst>
+          <a:extLst/>
+        </p:spPr>
+        <p:txBody>
+          <a:bodyPr vert="horz" wrap="square" lIns="0" tIns="50800" rIns="50800" bIns="50800" numCol="1" rtlCol="0" anchor="ctr" anchorCtr="0" compatLnSpc="1">
+            <a:prstTxWarp prst="textNoShape">
+              <a:avLst/>
+            </a:prstTxWarp>
+          </a:bodyPr>
+          <a:lstStyle/>
+          <a:p>
+            <a:pPr marL="342900" algn="l"/>
+            <a:r>
+              <a:rPr lang="de-DE" sz="1400" dirty="0">
+                <a:solidFill>
+                  <a:schemeClr val="bg2"/>
+                </a:solidFill>
+              </a:rPr>
+              <a:t>Stand</a:t>
+            </a:r>
+            <a:r>
+              <a:rPr lang="de-DE" sz="1400" dirty="0" smtClean="0">
+                <a:solidFill>
+                  <a:schemeClr val="bg2"/>
+                </a:solidFill>
+              </a:rPr>
+              <a:t>:</a:t>
+            </a:r>
+            <a:endParaRPr lang="de-DE" sz="1400" dirty="0">
+              <a:solidFill>
+                <a:schemeClr val="bg2"/>
+              </a:solidFill>
+            </a:endParaRPr>
+          </a:p>
+        </p:txBody>
+      </p:sp>
+      <p:sp>
+        <p:nvSpPr>
+          <p:cNvPr id="14" name="Rechteck 13"/>
+          <p:cNvSpPr/>
+          <p:nvPr/>
+        </p:nvSpPr>
+        <p:spPr bwMode="auto">
+          <a:xfrm>
+            <a:off x="9216968" y="8929194"/>
+            <a:ext cx="3478120" cy="340094"/>
+          </a:xfrm>
+          <a:prstGeom prst="rect">
+            <a:avLst/>
+          </a:prstGeom>
+          <a:solidFill>
+            <a:srgbClr val="FFFFFF"/>
+          </a:solidFill>
+          <a:ln w="38100" cap="flat" cmpd="sng" algn="ctr">
+            <a:solidFill>
+              <a:schemeClr val="accent1">
+                <a:lumMod val="75000"/>
+              </a:schemeClr>
+            </a:solidFill>
+            <a:prstDash val="solid"/>
+            <a:miter lim="0"/>
+            <a:headEnd type="none" w="med" len="med"/>
+            <a:tailEnd type="none" w="med" len="med"/>
+          </a:ln>
+          <a:effectLst>
+            <a:innerShdw blurRad="63500" dist="50800" dir="18900000">
+              <a:prstClr val="black">
+                <a:alpha val="50000"/>
+              </a:prstClr>
+            </a:innerShdw>
+            <a:softEdge rad="12700"/>
+          </a:effectLst>
+          <a:extLst/>
+        </p:spPr>
+        <p:txBody>
+          <a:bodyPr vert="horz" wrap="square" lIns="0" tIns="50800" rIns="50800" bIns="50800" numCol="1" rtlCol="0" anchor="ctr" anchorCtr="0" compatLnSpc="1">
+            <a:prstTxWarp prst="textNoShape">
+              <a:avLst/>
+            </a:prstTxWarp>
+          </a:bodyPr>
+          <a:lstStyle/>
+          <a:p>
+            <a:pPr marL="342900" algn="l"/>
+            <a:r>
+              <a:rPr lang="de-DE" sz="1400" dirty="0">
+                <a:solidFill>
+                  <a:schemeClr val="bg2"/>
+                </a:solidFill>
+              </a:rPr>
+              <a:t>Verantwortlich:</a:t>
+            </a:r>
+          </a:p>
+        </p:txBody>
+      </p:sp>
+      <p:sp>
+        <p:nvSpPr>
+          <p:cNvPr id="15" name="Rechteck 14"/>
+          <p:cNvSpPr/>
+          <p:nvPr/>
+        </p:nvSpPr>
+        <p:spPr bwMode="auto">
+          <a:xfrm>
+            <a:off x="4835348" y="8929194"/>
+            <a:ext cx="3478120" cy="340094"/>
+          </a:xfrm>
+          <a:prstGeom prst="rect">
+            <a:avLst/>
+          </a:prstGeom>
+          <a:solidFill>
+            <a:srgbClr val="FFFFFF"/>
+          </a:solidFill>
+          <a:ln w="38100" cap="flat" cmpd="sng" algn="ctr">
+            <a:solidFill>
+              <a:schemeClr val="accent1">
+                <a:lumMod val="75000"/>
+              </a:schemeClr>
+            </a:solidFill>
+            <a:prstDash val="solid"/>
+            <a:miter lim="0"/>
+            <a:headEnd type="none" w="med" len="med"/>
+            <a:tailEnd type="none" w="med" len="med"/>
+          </a:ln>
+          <a:effectLst>
+            <a:innerShdw blurRad="63500" dist="50800" dir="18900000">
+              <a:prstClr val="black">
+                <a:alpha val="50000"/>
+              </a:prstClr>
+            </a:innerShdw>
+            <a:softEdge rad="12700"/>
+          </a:effectLst>
+          <a:extLst/>
+        </p:spPr>
+        <p:txBody>
+          <a:bodyPr vert="horz" wrap="square" lIns="0" tIns="50800" rIns="50800" bIns="50800" numCol="1" rtlCol="0" anchor="ctr" anchorCtr="0" compatLnSpc="1">
+            <a:prstTxWarp prst="textNoShape">
+              <a:avLst/>
+            </a:prstTxWarp>
+          </a:bodyPr>
+          <a:lstStyle/>
+          <a:p>
+            <a:pPr marL="342900" algn="l"/>
+            <a:r>
+              <a:rPr lang="de-DE" sz="1400" dirty="0">
+                <a:solidFill>
+                  <a:schemeClr val="bg2"/>
+                </a:solidFill>
+              </a:rPr>
+              <a:t>Laufzeit</a:t>
+            </a:r>
+            <a:r>
+              <a:rPr lang="de-DE" sz="1400" dirty="0" smtClean="0">
+                <a:solidFill>
+                  <a:schemeClr val="bg2"/>
+                </a:solidFill>
+              </a:rPr>
+              <a:t>:</a:t>
+            </a:r>
+            <a:endParaRPr lang="de-DE" sz="1400" dirty="0">
+              <a:solidFill>
+                <a:schemeClr val="bg2"/>
+              </a:solidFill>
+            </a:endParaRPr>
+          </a:p>
+        </p:txBody>
+      </p:sp>
+      <p:grpSp>
+        <p:nvGrpSpPr>
+          <p:cNvPr id="9" name="Gruppieren 8"/>
+          <p:cNvGrpSpPr/>
+          <p:nvPr/>
+        </p:nvGrpSpPr>
+        <p:grpSpPr>
+          <a:xfrm>
+            <a:off x="381720" y="7181056"/>
+            <a:ext cx="6140784" cy="553998"/>
+            <a:chOff x="3582064" y="7824700"/>
+            <a:chExt cx="6140784" cy="553998"/>
+          </a:xfrm>
+        </p:grpSpPr>
+        <p:sp>
+          <p:nvSpPr>
+            <p:cNvPr id="11" name="Textfeld 10"/>
+            <p:cNvSpPr txBox="1"/>
+            <p:nvPr/>
+          </p:nvSpPr>
+          <p:spPr>
+            <a:xfrm>
+              <a:off x="3582064" y="7824700"/>
+              <a:ext cx="6140784" cy="553998"/>
+            </a:xfrm>
+            <a:prstGeom prst="rect">
+              <a:avLst/>
+            </a:prstGeom>
+            <a:noFill/>
+          </p:spPr>
+          <p:txBody>
+            <a:bodyPr wrap="none" rtlCol="0">
+              <a:spAutoFit/>
+            </a:bodyPr>
+            <a:lstStyle/>
+            <a:p>
+              <a:pPr algn="l">
+                <a:lnSpc>
+                  <a:spcPct val="150000"/>
+                </a:lnSpc>
+              </a:pPr>
+              <a:r>
+                <a:rPr lang="de-DE" sz="1000" dirty="0" smtClean="0"/>
+                <a:t>Die Farbe gibt die „Ampelbewertung“ des Meilensteins zum entsprechenden Planungs-Zeitpunkt wieder: </a:t>
+              </a:r>
+            </a:p>
+            <a:p>
+              <a:pPr algn="l">
+                <a:lnSpc>
+                  <a:spcPct val="150000"/>
+                </a:lnSpc>
+              </a:pPr>
+              <a:r>
+                <a:rPr lang="de-DE" sz="1000" dirty="0" smtClean="0"/>
+                <a:t>grün, gelb, rot oder ohne Bewertung</a:t>
+              </a:r>
+              <a:endParaRPr lang="de-DE" sz="1000" dirty="0"/>
+            </a:p>
+          </p:txBody>
+        </p:sp>
+        <p:grpSp>
+          <p:nvGrpSpPr>
+            <p:cNvPr id="12" name="Gruppieren 11"/>
+            <p:cNvGrpSpPr/>
+            <p:nvPr/>
+          </p:nvGrpSpPr>
+          <p:grpSpPr>
+            <a:xfrm>
+              <a:off x="5967040" y="8154149"/>
+              <a:ext cx="774502" cy="144016"/>
+              <a:chOff x="10840466" y="7986146"/>
+              <a:chExt cx="774502" cy="144016"/>
+            </a:xfrm>
+          </p:grpSpPr>
+          <p:sp>
+            <p:nvSpPr>
+              <p:cNvPr id="13" name="Ellipse 12"/>
+              <p:cNvSpPr/>
+              <p:nvPr/>
+            </p:nvSpPr>
+            <p:spPr bwMode="auto">
+              <a:xfrm>
+                <a:off x="10840466" y="7986146"/>
+                <a:ext cx="144016" cy="144016"/>
+              </a:xfrm>
+              <a:prstGeom prst="ellipse">
+                <a:avLst/>
+              </a:prstGeom>
+              <a:solidFill>
+                <a:srgbClr val="00B050"/>
+              </a:solidFill>
+              <a:ln>
+                <a:noFill/>
+              </a:ln>
+              <a:effectLst/>
+              <a:extLst/>
+            </p:spPr>
+            <p:txBody>
+              <a:bodyPr vert="horz" wrap="square" lIns="50800" tIns="50800" rIns="50800" bIns="50800" numCol="1" rtlCol="0" anchor="ctr" anchorCtr="0" compatLnSpc="1">
+                <a:prstTxWarp prst="textNoShape">
+                  <a:avLst/>
+                </a:prstTxWarp>
+              </a:bodyPr>
+              <a:lstStyle/>
+              <a:p>
+                <a:pPr marL="342900" marR="0" indent="0" algn="ctr" defTabSz="584200" rtl="0" eaLnBrk="1" fontAlgn="base" latinLnBrk="0" hangingPunct="0">
+                  <a:lnSpc>
+                    <a:spcPct val="100000"/>
+                  </a:lnSpc>
+                  <a:spcBef>
+                    <a:spcPct val="0"/>
+                  </a:spcBef>
+                  <a:spcAft>
+                    <a:spcPct val="0"/>
+                  </a:spcAft>
+                  <a:buClrTx/>
+                  <a:buSzTx/>
+                  <a:buFontTx/>
+                  <a:buNone/>
+                  <a:tabLst/>
+                </a:pPr>
+                <a:endParaRPr kumimoji="0" lang="de-DE" sz="3600" b="0" i="0" u="none" strike="noStrike" cap="none" normalizeH="0" baseline="0" smtClean="0">
+                  <a:ln>
+                    <a:noFill/>
+                  </a:ln>
+                  <a:solidFill>
+                    <a:srgbClr val="414141"/>
+                  </a:solidFill>
+                  <a:effectLst/>
+                  <a:latin typeface="Gill Sans Light" charset="0"/>
+                  <a:ea typeface="Gill Sans Light" charset="0"/>
+                  <a:cs typeface="Gill Sans Light" charset="0"/>
+                  <a:sym typeface="Gill Sans Light" charset="0"/>
+                </a:endParaRPr>
+              </a:p>
+            </p:txBody>
+          </p:sp>
+          <p:sp>
+            <p:nvSpPr>
+              <p:cNvPr id="17" name="Ellipse 16"/>
+              <p:cNvSpPr/>
+              <p:nvPr/>
+            </p:nvSpPr>
+            <p:spPr bwMode="auto">
+              <a:xfrm>
+                <a:off x="11050628" y="7986146"/>
+                <a:ext cx="144016" cy="144016"/>
+              </a:xfrm>
+              <a:prstGeom prst="ellipse">
+                <a:avLst/>
+              </a:prstGeom>
+              <a:solidFill>
+                <a:srgbClr val="FFC000"/>
+              </a:solidFill>
+              <a:ln>
+                <a:noFill/>
+              </a:ln>
+              <a:effectLst/>
+              <a:extLst/>
+            </p:spPr>
+            <p:txBody>
+              <a:bodyPr vert="horz" wrap="square" lIns="50800" tIns="50800" rIns="50800" bIns="50800" numCol="1" rtlCol="0" anchor="ctr" anchorCtr="0" compatLnSpc="1">
+                <a:prstTxWarp prst="textNoShape">
+                  <a:avLst/>
+                </a:prstTxWarp>
+              </a:bodyPr>
+              <a:lstStyle/>
+              <a:p>
+                <a:pPr marL="342900" marR="0" indent="0" algn="ctr" defTabSz="584200" rtl="0" eaLnBrk="1" fontAlgn="base" latinLnBrk="0" hangingPunct="0">
+                  <a:lnSpc>
+                    <a:spcPct val="100000"/>
+                  </a:lnSpc>
+                  <a:spcBef>
+                    <a:spcPct val="0"/>
+                  </a:spcBef>
+                  <a:spcAft>
+                    <a:spcPct val="0"/>
+                  </a:spcAft>
+                  <a:buClrTx/>
+                  <a:buSzTx/>
+                  <a:buFontTx/>
+                  <a:buNone/>
+                  <a:tabLst/>
+                </a:pPr>
+                <a:endParaRPr kumimoji="0" lang="de-DE" sz="3600" b="0" i="0" u="none" strike="noStrike" cap="none" normalizeH="0" baseline="0" smtClean="0">
+                  <a:ln>
+                    <a:noFill/>
+                  </a:ln>
+                  <a:solidFill>
+                    <a:srgbClr val="414141"/>
+                  </a:solidFill>
+                  <a:effectLst/>
+                  <a:latin typeface="Gill Sans Light" charset="0"/>
+                  <a:ea typeface="Gill Sans Light" charset="0"/>
+                  <a:cs typeface="Gill Sans Light" charset="0"/>
+                  <a:sym typeface="Gill Sans Light" charset="0"/>
+                </a:endParaRPr>
+              </a:p>
+            </p:txBody>
+          </p:sp>
+          <p:sp>
+            <p:nvSpPr>
+              <p:cNvPr id="18" name="Ellipse 17"/>
+              <p:cNvSpPr/>
+              <p:nvPr/>
+            </p:nvSpPr>
+            <p:spPr bwMode="auto">
+              <a:xfrm>
+                <a:off x="11260790" y="7986146"/>
+                <a:ext cx="144016" cy="144016"/>
+              </a:xfrm>
+              <a:prstGeom prst="ellipse">
+                <a:avLst/>
+              </a:prstGeom>
+              <a:solidFill>
+                <a:srgbClr val="FF0000"/>
+              </a:solidFill>
+              <a:ln>
+                <a:noFill/>
+              </a:ln>
+              <a:effectLst/>
+              <a:extLst/>
+            </p:spPr>
+            <p:txBody>
+              <a:bodyPr vert="horz" wrap="square" lIns="50800" tIns="50800" rIns="50800" bIns="50800" numCol="1" rtlCol="0" anchor="ctr" anchorCtr="0" compatLnSpc="1">
+                <a:prstTxWarp prst="textNoShape">
+                  <a:avLst/>
+                </a:prstTxWarp>
+              </a:bodyPr>
+              <a:lstStyle/>
+              <a:p>
+                <a:pPr marL="342900" marR="0" indent="0" algn="ctr" defTabSz="584200" rtl="0" eaLnBrk="1" fontAlgn="base" latinLnBrk="0" hangingPunct="0">
+                  <a:lnSpc>
+                    <a:spcPct val="100000"/>
+                  </a:lnSpc>
+                  <a:spcBef>
+                    <a:spcPct val="0"/>
+                  </a:spcBef>
+                  <a:spcAft>
+                    <a:spcPct val="0"/>
+                  </a:spcAft>
+                  <a:buClrTx/>
+                  <a:buSzTx/>
+                  <a:buFontTx/>
+                  <a:buNone/>
+                  <a:tabLst/>
+                </a:pPr>
+                <a:endParaRPr kumimoji="0" lang="de-DE" sz="3600" b="0" i="0" u="none" strike="noStrike" cap="none" normalizeH="0" baseline="0" smtClean="0">
+                  <a:ln>
+                    <a:noFill/>
+                  </a:ln>
+                  <a:solidFill>
+                    <a:srgbClr val="414141"/>
+                  </a:solidFill>
+                  <a:effectLst/>
+                  <a:latin typeface="Gill Sans Light" charset="0"/>
+                  <a:ea typeface="Gill Sans Light" charset="0"/>
+                  <a:cs typeface="Gill Sans Light" charset="0"/>
+                  <a:sym typeface="Gill Sans Light" charset="0"/>
+                </a:endParaRPr>
+              </a:p>
+            </p:txBody>
+          </p:sp>
+          <p:sp>
+            <p:nvSpPr>
+              <p:cNvPr id="19" name="Ellipse 18"/>
+              <p:cNvSpPr/>
+              <p:nvPr/>
+            </p:nvSpPr>
+            <p:spPr bwMode="auto">
+              <a:xfrm>
+                <a:off x="11470952" y="7986146"/>
+                <a:ext cx="144016" cy="144016"/>
+              </a:xfrm>
+              <a:prstGeom prst="ellipse">
+                <a:avLst/>
+              </a:prstGeom>
+              <a:solidFill>
+                <a:schemeClr val="bg2">
+                  <a:lumMod val="60000"/>
+                  <a:lumOff val="40000"/>
+                </a:schemeClr>
+              </a:solidFill>
+              <a:ln>
+                <a:noFill/>
+              </a:ln>
+              <a:effectLst/>
+              <a:extLst/>
+            </p:spPr>
+            <p:txBody>
+              <a:bodyPr vert="horz" wrap="square" lIns="50800" tIns="50800" rIns="50800" bIns="50800" numCol="1" rtlCol="0" anchor="ctr" anchorCtr="0" compatLnSpc="1">
+                <a:prstTxWarp prst="textNoShape">
+                  <a:avLst/>
+                </a:prstTxWarp>
+              </a:bodyPr>
+              <a:lstStyle/>
+              <a:p>
+                <a:pPr marL="342900" marR="0" indent="0" algn="ctr" defTabSz="584200" rtl="0" eaLnBrk="1" fontAlgn="base" latinLnBrk="0" hangingPunct="0">
+                  <a:lnSpc>
+                    <a:spcPct val="100000"/>
+                  </a:lnSpc>
+                  <a:spcBef>
+                    <a:spcPct val="0"/>
+                  </a:spcBef>
+                  <a:spcAft>
+                    <a:spcPct val="0"/>
+                  </a:spcAft>
+                  <a:buClrTx/>
+                  <a:buSzTx/>
+                  <a:buFontTx/>
+                  <a:buNone/>
+                  <a:tabLst/>
+                </a:pPr>
+                <a:endParaRPr kumimoji="0" lang="de-DE" sz="3600" b="0" i="0" u="none" strike="noStrike" cap="none" normalizeH="0" baseline="0" smtClean="0">
+                  <a:ln>
+                    <a:noFill/>
+                  </a:ln>
+                  <a:solidFill>
+                    <a:srgbClr val="414141"/>
+                  </a:solidFill>
+                  <a:effectLst/>
+                  <a:latin typeface="Gill Sans Light" charset="0"/>
+                  <a:ea typeface="Gill Sans Light" charset="0"/>
+                  <a:cs typeface="Gill Sans Light" charset="0"/>
+                  <a:sym typeface="Gill Sans Light" charset="0"/>
+                </a:endParaRPr>
+              </a:p>
+            </p:txBody>
+          </p:sp>
+        </p:grpSp>
+      </p:grpSp>
+      <p:grpSp>
+        <p:nvGrpSpPr>
+          <p:cNvPr id="20" name="Gruppieren 19"/>
+          <p:cNvGrpSpPr/>
+          <p:nvPr/>
+        </p:nvGrpSpPr>
+        <p:grpSpPr>
+          <a:xfrm>
+            <a:off x="381720" y="7829128"/>
+            <a:ext cx="7348487" cy="784830"/>
+            <a:chOff x="2819400" y="8340221"/>
+            <a:chExt cx="7348487" cy="784830"/>
+          </a:xfrm>
+        </p:grpSpPr>
+        <p:sp>
+          <p:nvSpPr>
+            <p:cNvPr id="21" name="Textfeld 20"/>
+            <p:cNvSpPr txBox="1"/>
+            <p:nvPr/>
+          </p:nvSpPr>
+          <p:spPr>
+            <a:xfrm>
+              <a:off x="2819400" y="8340221"/>
+              <a:ext cx="7348487" cy="784830"/>
+            </a:xfrm>
+            <a:prstGeom prst="rect">
+              <a:avLst/>
+            </a:prstGeom>
+            <a:noFill/>
+          </p:spPr>
+          <p:txBody>
+            <a:bodyPr wrap="none" rtlCol="0">
+              <a:spAutoFit/>
+            </a:bodyPr>
+            <a:lstStyle/>
+            <a:p>
+              <a:pPr algn="l">
+                <a:lnSpc>
+                  <a:spcPct val="150000"/>
+                </a:lnSpc>
+              </a:pPr>
+              <a:r>
+                <a:rPr lang="de-DE" sz="1000" dirty="0" smtClean="0"/>
+                <a:t>Die Form gibt an, ob der Meilenstein zum jeweiligen Planungs-Stand bereits als abgeschlossen galt oder noch in der Zukunft lag</a:t>
+              </a:r>
+            </a:p>
+            <a:p>
+              <a:pPr marL="514350" lvl="1" indent="-171450" algn="l">
+                <a:lnSpc>
+                  <a:spcPct val="150000"/>
+                </a:lnSpc>
+                <a:buFontTx/>
+                <a:buChar char="-"/>
+              </a:pPr>
+              <a:r>
+                <a:rPr lang="de-DE" sz="1000" dirty="0" smtClean="0"/>
+                <a:t>Meilenstein gilt als abgeschlossen (Ergebnis mit der Ampel-Farbe bewertet)</a:t>
+              </a:r>
+            </a:p>
+            <a:p>
+              <a:pPr marL="514350" lvl="1" indent="-171450" algn="l">
+                <a:lnSpc>
+                  <a:spcPct val="150000"/>
+                </a:lnSpc>
+                <a:buFontTx/>
+                <a:buChar char="-"/>
+              </a:pPr>
+              <a:r>
+                <a:rPr lang="de-DE" sz="1000" dirty="0" smtClean="0"/>
+                <a:t>Meilenstein Prognose (Ergebnis mit der Ampel-Farbe prognostiziert)</a:t>
+              </a:r>
+              <a:endParaRPr lang="de-DE" sz="1000" dirty="0"/>
+            </a:p>
+          </p:txBody>
+        </p:sp>
+        <p:sp>
+          <p:nvSpPr>
+            <p:cNvPr id="22" name="Ellipse 21"/>
+            <p:cNvSpPr/>
+            <p:nvPr/>
+          </p:nvSpPr>
+          <p:spPr bwMode="auto">
+            <a:xfrm>
+              <a:off x="2902000" y="8881619"/>
+              <a:ext cx="144016" cy="144016"/>
+            </a:xfrm>
+            <a:prstGeom prst="ellipse">
+              <a:avLst/>
+            </a:prstGeom>
+            <a:solidFill>
+              <a:srgbClr val="00B050"/>
+            </a:solidFill>
+            <a:ln>
+              <a:noFill/>
+            </a:ln>
+            <a:effectLst/>
+            <a:extLst/>
+          </p:spPr>
+          <p:txBody>
+            <a:bodyPr vert="horz" wrap="square" lIns="50800" tIns="50800" rIns="50800" bIns="50800" numCol="1" rtlCol="0" anchor="ctr" anchorCtr="0" compatLnSpc="1">
+              <a:prstTxWarp prst="textNoShape">
+                <a:avLst/>
+              </a:prstTxWarp>
+            </a:bodyPr>
+            <a:lstStyle/>
+            <a:p>
+              <a:pPr marL="342900" marR="0" indent="0" algn="ctr" defTabSz="584200" rtl="0" eaLnBrk="1" fontAlgn="base" latinLnBrk="0" hangingPunct="0">
+                <a:lnSpc>
+                  <a:spcPct val="100000"/>
+                </a:lnSpc>
+                <a:spcBef>
+                  <a:spcPct val="0"/>
+                </a:spcBef>
+                <a:spcAft>
+                  <a:spcPct val="0"/>
+                </a:spcAft>
+                <a:buClrTx/>
+                <a:buSzTx/>
+                <a:buFontTx/>
+                <a:buNone/>
+                <a:tabLst/>
+              </a:pPr>
+              <a:endParaRPr kumimoji="0" lang="de-DE" sz="3600" b="0" i="0" u="none" strike="noStrike" cap="none" normalizeH="0" baseline="0" smtClean="0">
+                <a:ln>
+                  <a:noFill/>
+                </a:ln>
+                <a:solidFill>
+                  <a:srgbClr val="414141"/>
+                </a:solidFill>
+                <a:effectLst/>
+                <a:latin typeface="Gill Sans Light" charset="0"/>
+                <a:ea typeface="Gill Sans Light" charset="0"/>
+                <a:cs typeface="Gill Sans Light" charset="0"/>
+                <a:sym typeface="Gill Sans Light" charset="0"/>
+              </a:endParaRPr>
+            </a:p>
+          </p:txBody>
+        </p:sp>
+        <p:sp>
+          <p:nvSpPr>
+            <p:cNvPr id="23" name="Rechteck 22"/>
+            <p:cNvSpPr/>
+            <p:nvPr/>
+          </p:nvSpPr>
+          <p:spPr bwMode="auto">
+            <a:xfrm>
+              <a:off x="2902000" y="8649595"/>
+              <a:ext cx="144016" cy="144000"/>
+            </a:xfrm>
+            <a:prstGeom prst="rect">
+              <a:avLst/>
+            </a:prstGeom>
+            <a:solidFill>
+              <a:srgbClr val="00B050"/>
+            </a:solidFill>
+            <a:ln>
+              <a:noFill/>
+            </a:ln>
+            <a:effectLst/>
+            <a:extLst/>
+          </p:spPr>
+          <p:txBody>
+            <a:bodyPr vert="horz" wrap="square" lIns="50800" tIns="50800" rIns="50800" bIns="50800" numCol="1" rtlCol="0" anchor="ctr" anchorCtr="0" compatLnSpc="1">
+              <a:prstTxWarp prst="textNoShape">
+                <a:avLst/>
+              </a:prstTxWarp>
+            </a:bodyPr>
+            <a:lstStyle/>
+            <a:p>
+              <a:pPr marL="342900" marR="0" indent="0" algn="ctr" defTabSz="584200" rtl="0" eaLnBrk="1" fontAlgn="base" latinLnBrk="0" hangingPunct="0">
+                <a:lnSpc>
+                  <a:spcPct val="100000"/>
+                </a:lnSpc>
+                <a:spcBef>
+                  <a:spcPct val="0"/>
+                </a:spcBef>
+                <a:spcAft>
+                  <a:spcPct val="0"/>
+                </a:spcAft>
+                <a:buClrTx/>
+                <a:buSzTx/>
+                <a:buFontTx/>
+                <a:buNone/>
+                <a:tabLst/>
+              </a:pPr>
+              <a:endParaRPr kumimoji="0" lang="de-DE" sz="3600" b="0" i="0" u="none" strike="noStrike" cap="none" normalizeH="0" baseline="0" smtClean="0">
+                <a:ln>
+                  <a:noFill/>
+                </a:ln>
+                <a:solidFill>
+                  <a:srgbClr val="414141"/>
+                </a:solidFill>
+                <a:effectLst/>
+                <a:latin typeface="Gill Sans Light" charset="0"/>
+                <a:ea typeface="Gill Sans Light" charset="0"/>
+                <a:cs typeface="Gill Sans Light" charset="0"/>
+                <a:sym typeface="Gill Sans Light" charset="0"/>
+              </a:endParaRPr>
+            </a:p>
+          </p:txBody>
+        </p:sp>
+      </p:grpSp>
+    </p:spTree>
+    <p:extLst>
+      <p:ext uri="{BB962C8B-B14F-4D97-AF65-F5344CB8AC3E}">
+        <p14:creationId xmlns:p14="http://schemas.microsoft.com/office/powerpoint/2010/main" val="1546635085"/>
+      </p:ext>
+    </p:extLst>
+  </p:cSld>
+  <p:clrMapOvr>
+    <a:masterClrMapping/>
+  </p:clrMapOvr>
+  <p:timing>
+    <p:tnLst>
+      <p:par>
+        <p:cTn id="1" dur="indefinite" restart="never" nodeType="tmRoot"/>
+      </p:par>
+    </p:tnLst>
+  </p:timing>
+</p:sld>
+</file>
+
+<file path=ppt/slides/slide4.xml><?xml version="1.0" encoding="utf-8"?>
+<p:sld xmlns:a="http://schemas.openxmlformats.org/drawingml/2006/main" xmlns:r="http://schemas.openxmlformats.org/officeDocument/2006/relationships" xmlns:p="http://schemas.openxmlformats.org/presentationml/2006/main">
+  <p:cSld>
+    <p:spTree>
+      <p:nvGrpSpPr>
+        <p:cNvPr id="1" name=""/>
+        <p:cNvGrpSpPr/>
+        <p:nvPr/>
+      </p:nvGrpSpPr>
+      <p:grpSpPr>
+        <a:xfrm>
+          <a:off x="0" y="0"/>
+          <a:ext cx="0" cy="0"/>
+          <a:chOff x="0" y="0"/>
+          <a:chExt cx="0" cy="0"/>
+        </a:xfrm>
+      </p:grpSpPr>
+      <p:sp>
+        <p:nvSpPr>
+          <p:cNvPr id="2" name="Titel 1"/>
+          <p:cNvSpPr>
+            <a:spLocks noGrp="1"/>
+          </p:cNvSpPr>
+          <p:nvPr>
+            <p:ph type="title"/>
+          </p:nvPr>
+        </p:nvSpPr>
+        <p:spPr>
+          <a:xfrm>
+            <a:off x="650875" y="390525"/>
+            <a:ext cx="11703050" cy="1245915"/>
+          </a:xfrm>
+        </p:spPr>
+        <p:txBody>
+          <a:bodyPr/>
+          <a:lstStyle/>
+          <a:p>
+            <a:r>
+              <a:rPr lang="de-DE" sz="4400" dirty="0" smtClean="0"/>
               <a:t>Projekt-Name</a:t>
             </a:r>
             <a:endParaRPr lang="de-DE" dirty="0"/>
@@ -4901,7 +6042,7 @@
         <p:spPr bwMode="auto">
           <a:xfrm>
             <a:off x="453728" y="1492424"/>
-            <a:ext cx="8136904" cy="3240360"/>
+            <a:ext cx="6048672" cy="3240360"/>
           </a:xfrm>
           <a:prstGeom prst="rect">
             <a:avLst/>
@@ -5194,8 +6335,8 @@
         </p:nvSpPr>
         <p:spPr bwMode="auto">
           <a:xfrm>
-            <a:off x="8662640" y="1492424"/>
-            <a:ext cx="4032448" cy="3240360"/>
+            <a:off x="6646416" y="1492424"/>
+            <a:ext cx="6048672" cy="3240360"/>
           </a:xfrm>
           <a:prstGeom prst="rect">
             <a:avLst/>

--- a/Projectboard/Projectboard/bin/Debug/requirements/templatedossier.pptx
+++ b/Projectboard/Projectboard/bin/Debug/requirements/templatedossier.pptx
@@ -5,13 +5,15 @@
     <p:sldMasterId id="2147483648" r:id="rId1"/>
   </p:sldMasterIdLst>
   <p:notesMasterIdLst>
-    <p:notesMasterId r:id="rId6"/>
+    <p:notesMasterId r:id="rId8"/>
   </p:notesMasterIdLst>
   <p:sldIdLst>
     <p:sldId id="268" r:id="rId2"/>
     <p:sldId id="266" r:id="rId3"/>
     <p:sldId id="269" r:id="rId4"/>
-    <p:sldId id="267" r:id="rId5"/>
+    <p:sldId id="270" r:id="rId5"/>
+    <p:sldId id="271" r:id="rId6"/>
+    <p:sldId id="267" r:id="rId7"/>
   </p:sldIdLst>
   <p:sldSz cx="13004800" cy="9753600"/>
   <p:notesSz cx="6864350" cy="9996488"/>
@@ -1591,6 +1593,556 @@
 </p:notes>
 </file>
 
+<file path=ppt/notesSlides/notesSlide5.xml><?xml version="1.0" encoding="utf-8"?>
+<p:notes xmlns:a="http://schemas.openxmlformats.org/drawingml/2006/main" xmlns:r="http://schemas.openxmlformats.org/officeDocument/2006/relationships" xmlns:p="http://schemas.openxmlformats.org/presentationml/2006/main">
+  <p:cSld>
+    <p:spTree>
+      <p:nvGrpSpPr>
+        <p:cNvPr id="1" name=""/>
+        <p:cNvGrpSpPr/>
+        <p:nvPr/>
+      </p:nvGrpSpPr>
+      <p:grpSpPr>
+        <a:xfrm>
+          <a:off x="0" y="0"/>
+          <a:ext cx="0" cy="0"/>
+          <a:chOff x="0" y="0"/>
+          <a:chExt cx="0" cy="0"/>
+        </a:xfrm>
+      </p:grpSpPr>
+      <p:sp>
+        <p:nvSpPr>
+          <p:cNvPr id="2" name="Folienbildplatzhalter 1"/>
+          <p:cNvSpPr>
+            <a:spLocks noGrp="1" noRot="1" noChangeAspect="1"/>
+          </p:cNvSpPr>
+          <p:nvPr>
+            <p:ph type="sldImg"/>
+          </p:nvPr>
+        </p:nvSpPr>
+        <p:spPr/>
+      </p:sp>
+      <p:sp>
+        <p:nvSpPr>
+          <p:cNvPr id="3" name="Notizenplatzhalter 2"/>
+          <p:cNvSpPr>
+            <a:spLocks noGrp="1"/>
+          </p:cNvSpPr>
+          <p:nvPr>
+            <p:ph type="body" idx="1"/>
+          </p:nvPr>
+        </p:nvSpPr>
+        <p:spPr/>
+        <p:txBody>
+          <a:bodyPr/>
+          <a:lstStyle/>
+          <a:p>
+            <a:r>
+              <a:rPr lang="de-DE" sz="2500" dirty="0"/>
+              <a:t>Projekt-Name</a:t>
+            </a:r>
+          </a:p>
+          <a:p>
+            <a:r>
+              <a:rPr lang="de-DE" sz="2500" dirty="0"/>
+              <a:t>Ergebnis</a:t>
+            </a:r>
+          </a:p>
+          <a:p>
+            <a:r>
+              <a:rPr lang="de-DE" sz="2500" dirty="0"/>
+              <a:t>Strategie/Risiko</a:t>
+            </a:r>
+          </a:p>
+          <a:p>
+            <a:r>
+              <a:rPr lang="de-DE" sz="2500" dirty="0"/>
+              <a:t>Teilprojekte</a:t>
+            </a:r>
+          </a:p>
+          <a:p>
+            <a:r>
+              <a:rPr lang="de-DE" sz="2500" dirty="0"/>
+              <a:t>Personalbedarf</a:t>
+            </a:r>
+          </a:p>
+          <a:p>
+            <a:r>
+              <a:rPr lang="de-DE" sz="2500" dirty="0"/>
+              <a:t>Personalkosten</a:t>
+            </a:r>
+          </a:p>
+          <a:p>
+            <a:r>
+              <a:rPr lang="de-DE" sz="2500" dirty="0"/>
+              <a:t>Sonstige Kosten</a:t>
+            </a:r>
+          </a:p>
+          <a:p>
+            <a:r>
+              <a:rPr lang="de-DE" sz="2500" dirty="0"/>
+              <a:t>Gesamtkosten</a:t>
+            </a:r>
+          </a:p>
+          <a:p>
+            <a:r>
+              <a:rPr lang="de-DE" sz="2500" dirty="0"/>
+              <a:t>Fortschritt Personalkosten</a:t>
+            </a:r>
+          </a:p>
+          <a:p>
+            <a:r>
+              <a:rPr lang="de-DE" sz="2500" dirty="0"/>
+              <a:t>Fortschritt Sonstige Kosten</a:t>
+            </a:r>
+          </a:p>
+          <a:p>
+            <a:r>
+              <a:rPr lang="de-DE" sz="2500" dirty="0"/>
+              <a:t>Fortschritt Gesamtkosten</a:t>
+            </a:r>
+          </a:p>
+          <a:p>
+            <a:r>
+              <a:rPr lang="de-DE" sz="2500" dirty="0"/>
+              <a:t>Fortschritt Rolle(…)</a:t>
+            </a:r>
+          </a:p>
+          <a:p>
+            <a:r>
+              <a:rPr lang="de-DE" sz="2500" dirty="0"/>
+              <a:t>Fortschritt Kostenart(…)</a:t>
+            </a:r>
+          </a:p>
+          <a:p>
+            <a:endParaRPr lang="de-DE" sz="2500" dirty="0"/>
+          </a:p>
+          <a:p>
+            <a:r>
+              <a:rPr lang="de-DE" sz="2500" dirty="0"/>
+              <a:t>Soll-Ist1 Personalkosten</a:t>
+            </a:r>
+          </a:p>
+          <a:p>
+            <a:pPr defTabSz="481706">
+              <a:lnSpc>
+                <a:spcPts val="3688"/>
+              </a:lnSpc>
+              <a:defRPr/>
+            </a:pPr>
+            <a:r>
+              <a:rPr lang="de-DE" sz="2500" dirty="0"/>
+              <a:t>Soll-Ist2 Personalkosten</a:t>
+            </a:r>
+          </a:p>
+          <a:p>
+            <a:endParaRPr lang="de-DE" sz="2500" dirty="0"/>
+          </a:p>
+          <a:p>
+            <a:r>
+              <a:rPr lang="de-DE" sz="2500" dirty="0"/>
+              <a:t>Soll-Ist1 Sonstige Kosten</a:t>
+            </a:r>
+          </a:p>
+          <a:p>
+            <a:pPr defTabSz="481706">
+              <a:lnSpc>
+                <a:spcPts val="3688"/>
+              </a:lnSpc>
+              <a:defRPr/>
+            </a:pPr>
+            <a:r>
+              <a:rPr lang="de-DE" sz="2500" dirty="0"/>
+              <a:t>Soll-Ist2 Sonstige Kosten</a:t>
+            </a:r>
+          </a:p>
+          <a:p>
+            <a:endParaRPr lang="de-DE" sz="2500" dirty="0"/>
+          </a:p>
+          <a:p>
+            <a:r>
+              <a:rPr lang="de-DE" sz="2500" dirty="0"/>
+              <a:t>Soll-Ist1 Gesamtkosten</a:t>
+            </a:r>
+          </a:p>
+          <a:p>
+            <a:pPr defTabSz="481706">
+              <a:lnSpc>
+                <a:spcPts val="3688"/>
+              </a:lnSpc>
+              <a:defRPr/>
+            </a:pPr>
+            <a:r>
+              <a:rPr lang="de-DE" sz="2500" dirty="0"/>
+              <a:t>Soll-Ist2 Gesamtkosten</a:t>
+            </a:r>
+          </a:p>
+          <a:p>
+            <a:endParaRPr lang="de-DE" sz="2500" dirty="0"/>
+          </a:p>
+          <a:p>
+            <a:r>
+              <a:rPr lang="de-DE" sz="2500" dirty="0"/>
+              <a:t>Soll-Ist1 Rolle (…)</a:t>
+            </a:r>
+          </a:p>
+          <a:p>
+            <a:pPr defTabSz="481706">
+              <a:lnSpc>
+                <a:spcPts val="3688"/>
+              </a:lnSpc>
+              <a:defRPr/>
+            </a:pPr>
+            <a:r>
+              <a:rPr lang="de-DE" sz="2500" dirty="0"/>
+              <a:t>Soll-Ist2 Rolle (…)</a:t>
+            </a:r>
+          </a:p>
+          <a:p>
+            <a:endParaRPr lang="de-DE" sz="2500" dirty="0"/>
+          </a:p>
+          <a:p>
+            <a:r>
+              <a:rPr lang="de-DE" sz="2500" dirty="0"/>
+              <a:t>Soll-Ist1 Kostenart (…)</a:t>
+            </a:r>
+          </a:p>
+          <a:p>
+            <a:pPr defTabSz="481706">
+              <a:lnSpc>
+                <a:spcPts val="3688"/>
+              </a:lnSpc>
+              <a:defRPr/>
+            </a:pPr>
+            <a:r>
+              <a:rPr lang="de-DE" sz="2500" dirty="0"/>
+              <a:t>Soll-Ist2 Kostenart (…)</a:t>
+            </a:r>
+          </a:p>
+          <a:p>
+            <a:endParaRPr lang="de-DE" sz="2500" dirty="0"/>
+          </a:p>
+          <a:p>
+            <a:r>
+              <a:rPr lang="de-DE" sz="2500" dirty="0"/>
+              <a:t>Ampel-Farbe</a:t>
+            </a:r>
+          </a:p>
+          <a:p>
+            <a:r>
+              <a:rPr lang="de-DE" sz="2500" dirty="0"/>
+              <a:t>Beschreibung</a:t>
+            </a:r>
+          </a:p>
+          <a:p>
+            <a:r>
+              <a:rPr lang="de-DE" sz="2500" dirty="0"/>
+              <a:t>Stand:</a:t>
+            </a:r>
+          </a:p>
+          <a:p>
+            <a:r>
+              <a:rPr lang="de-DE" sz="2500" dirty="0"/>
+              <a:t>Laufzeit:</a:t>
+            </a:r>
+          </a:p>
+          <a:p>
+            <a:r>
+              <a:rPr lang="de-DE" sz="2500" dirty="0"/>
+              <a:t>Verantwortlich:</a:t>
+            </a:r>
+            <a:endParaRPr lang="de-DE" dirty="0"/>
+          </a:p>
+        </p:txBody>
+      </p:sp>
+    </p:spTree>
+    <p:extLst>
+      <p:ext uri="{BB962C8B-B14F-4D97-AF65-F5344CB8AC3E}">
+        <p14:creationId xmlns:p14="http://schemas.microsoft.com/office/powerpoint/2010/main" val="1822032258"/>
+      </p:ext>
+    </p:extLst>
+  </p:cSld>
+  <p:clrMapOvr>
+    <a:masterClrMapping/>
+  </p:clrMapOvr>
+</p:notes>
+</file>
+
+<file path=ppt/notesSlides/notesSlide6.xml><?xml version="1.0" encoding="utf-8"?>
+<p:notes xmlns:a="http://schemas.openxmlformats.org/drawingml/2006/main" xmlns:r="http://schemas.openxmlformats.org/officeDocument/2006/relationships" xmlns:p="http://schemas.openxmlformats.org/presentationml/2006/main">
+  <p:cSld>
+    <p:spTree>
+      <p:nvGrpSpPr>
+        <p:cNvPr id="1" name=""/>
+        <p:cNvGrpSpPr/>
+        <p:nvPr/>
+      </p:nvGrpSpPr>
+      <p:grpSpPr>
+        <a:xfrm>
+          <a:off x="0" y="0"/>
+          <a:ext cx="0" cy="0"/>
+          <a:chOff x="0" y="0"/>
+          <a:chExt cx="0" cy="0"/>
+        </a:xfrm>
+      </p:grpSpPr>
+      <p:sp>
+        <p:nvSpPr>
+          <p:cNvPr id="2" name="Folienbildplatzhalter 1"/>
+          <p:cNvSpPr>
+            <a:spLocks noGrp="1" noRot="1" noChangeAspect="1"/>
+          </p:cNvSpPr>
+          <p:nvPr>
+            <p:ph type="sldImg"/>
+          </p:nvPr>
+        </p:nvSpPr>
+        <p:spPr/>
+      </p:sp>
+      <p:sp>
+        <p:nvSpPr>
+          <p:cNvPr id="3" name="Notizenplatzhalter 2"/>
+          <p:cNvSpPr>
+            <a:spLocks noGrp="1"/>
+          </p:cNvSpPr>
+          <p:nvPr>
+            <p:ph type="body" idx="1"/>
+          </p:nvPr>
+        </p:nvSpPr>
+        <p:spPr/>
+        <p:txBody>
+          <a:bodyPr/>
+          <a:lstStyle/>
+          <a:p>
+            <a:r>
+              <a:rPr lang="de-DE" sz="2500" dirty="0"/>
+              <a:t>Projekt-Name</a:t>
+            </a:r>
+          </a:p>
+          <a:p>
+            <a:r>
+              <a:rPr lang="de-DE" sz="2500" dirty="0"/>
+              <a:t>Ergebnis</a:t>
+            </a:r>
+          </a:p>
+          <a:p>
+            <a:r>
+              <a:rPr lang="de-DE" sz="2500" dirty="0"/>
+              <a:t>Strategie/Risiko</a:t>
+            </a:r>
+          </a:p>
+          <a:p>
+            <a:r>
+              <a:rPr lang="de-DE" sz="2500" dirty="0"/>
+              <a:t>Teilprojekte</a:t>
+            </a:r>
+          </a:p>
+          <a:p>
+            <a:r>
+              <a:rPr lang="de-DE" sz="2500" dirty="0"/>
+              <a:t>Personalbedarf</a:t>
+            </a:r>
+          </a:p>
+          <a:p>
+            <a:r>
+              <a:rPr lang="de-DE" sz="2500" dirty="0"/>
+              <a:t>Personalkosten</a:t>
+            </a:r>
+          </a:p>
+          <a:p>
+            <a:r>
+              <a:rPr lang="de-DE" sz="2500" dirty="0"/>
+              <a:t>Sonstige Kosten</a:t>
+            </a:r>
+          </a:p>
+          <a:p>
+            <a:r>
+              <a:rPr lang="de-DE" sz="2500" dirty="0"/>
+              <a:t>Gesamtkosten</a:t>
+            </a:r>
+          </a:p>
+          <a:p>
+            <a:r>
+              <a:rPr lang="de-DE" sz="2500" dirty="0"/>
+              <a:t>Fortschritt Personalkosten</a:t>
+            </a:r>
+          </a:p>
+          <a:p>
+            <a:r>
+              <a:rPr lang="de-DE" sz="2500" dirty="0"/>
+              <a:t>Fortschritt Sonstige Kosten</a:t>
+            </a:r>
+          </a:p>
+          <a:p>
+            <a:r>
+              <a:rPr lang="de-DE" sz="2500" dirty="0"/>
+              <a:t>Fortschritt Gesamtkosten</a:t>
+            </a:r>
+          </a:p>
+          <a:p>
+            <a:r>
+              <a:rPr lang="de-DE" sz="2500" dirty="0"/>
+              <a:t>Fortschritt Rolle(…)</a:t>
+            </a:r>
+          </a:p>
+          <a:p>
+            <a:r>
+              <a:rPr lang="de-DE" sz="2500" dirty="0"/>
+              <a:t>Fortschritt Kostenart(…)</a:t>
+            </a:r>
+          </a:p>
+          <a:p>
+            <a:endParaRPr lang="de-DE" sz="2500" dirty="0"/>
+          </a:p>
+          <a:p>
+            <a:r>
+              <a:rPr lang="de-DE" sz="2500" dirty="0"/>
+              <a:t>Soll-Ist1 Personalkosten</a:t>
+            </a:r>
+          </a:p>
+          <a:p>
+            <a:pPr defTabSz="481706">
+              <a:lnSpc>
+                <a:spcPts val="3688"/>
+              </a:lnSpc>
+              <a:defRPr/>
+            </a:pPr>
+            <a:r>
+              <a:rPr lang="de-DE" sz="2500" dirty="0"/>
+              <a:t>Soll-Ist2 Personalkosten</a:t>
+            </a:r>
+          </a:p>
+          <a:p>
+            <a:endParaRPr lang="de-DE" sz="2500" dirty="0"/>
+          </a:p>
+          <a:p>
+            <a:r>
+              <a:rPr lang="de-DE" sz="2500" dirty="0"/>
+              <a:t>Soll-Ist1 Sonstige Kosten</a:t>
+            </a:r>
+          </a:p>
+          <a:p>
+            <a:pPr defTabSz="481706">
+              <a:lnSpc>
+                <a:spcPts val="3688"/>
+              </a:lnSpc>
+              <a:defRPr/>
+            </a:pPr>
+            <a:r>
+              <a:rPr lang="de-DE" sz="2500" dirty="0"/>
+              <a:t>Soll-Ist2 Sonstige Kosten</a:t>
+            </a:r>
+          </a:p>
+          <a:p>
+            <a:endParaRPr lang="de-DE" sz="2500" dirty="0"/>
+          </a:p>
+          <a:p>
+            <a:r>
+              <a:rPr lang="de-DE" sz="2500" dirty="0"/>
+              <a:t>Soll-Ist1 Gesamtkosten</a:t>
+            </a:r>
+          </a:p>
+          <a:p>
+            <a:pPr defTabSz="481706">
+              <a:lnSpc>
+                <a:spcPts val="3688"/>
+              </a:lnSpc>
+              <a:defRPr/>
+            </a:pPr>
+            <a:r>
+              <a:rPr lang="de-DE" sz="2500" dirty="0"/>
+              <a:t>Soll-Ist2 Gesamtkosten</a:t>
+            </a:r>
+          </a:p>
+          <a:p>
+            <a:endParaRPr lang="de-DE" sz="2500" dirty="0"/>
+          </a:p>
+          <a:p>
+            <a:r>
+              <a:rPr lang="de-DE" sz="2500" dirty="0"/>
+              <a:t>Soll-Ist1 Rolle (…)</a:t>
+            </a:r>
+          </a:p>
+          <a:p>
+            <a:pPr defTabSz="481706">
+              <a:lnSpc>
+                <a:spcPts val="3688"/>
+              </a:lnSpc>
+              <a:defRPr/>
+            </a:pPr>
+            <a:r>
+              <a:rPr lang="de-DE" sz="2500" dirty="0"/>
+              <a:t>Soll-Ist2 Rolle (…)</a:t>
+            </a:r>
+          </a:p>
+          <a:p>
+            <a:endParaRPr lang="de-DE" sz="2500" dirty="0"/>
+          </a:p>
+          <a:p>
+            <a:r>
+              <a:rPr lang="de-DE" sz="2500" dirty="0"/>
+              <a:t>Soll-Ist1 Kostenart (…)</a:t>
+            </a:r>
+          </a:p>
+          <a:p>
+            <a:pPr defTabSz="481706">
+              <a:lnSpc>
+                <a:spcPts val="3688"/>
+              </a:lnSpc>
+              <a:defRPr/>
+            </a:pPr>
+            <a:r>
+              <a:rPr lang="de-DE" sz="2500" dirty="0"/>
+              <a:t>Soll-Ist2 Kostenart (…)</a:t>
+            </a:r>
+          </a:p>
+          <a:p>
+            <a:endParaRPr lang="de-DE" sz="2500" dirty="0"/>
+          </a:p>
+          <a:p>
+            <a:r>
+              <a:rPr lang="de-DE" sz="2500" dirty="0"/>
+              <a:t>Ampel-Farbe</a:t>
+            </a:r>
+          </a:p>
+          <a:p>
+            <a:r>
+              <a:rPr lang="de-DE" sz="2500" dirty="0"/>
+              <a:t>Beschreibung</a:t>
+            </a:r>
+          </a:p>
+          <a:p>
+            <a:r>
+              <a:rPr lang="de-DE" sz="2500" dirty="0"/>
+              <a:t>Stand:</a:t>
+            </a:r>
+          </a:p>
+          <a:p>
+            <a:r>
+              <a:rPr lang="de-DE" sz="2500" dirty="0"/>
+              <a:t>Laufzeit:</a:t>
+            </a:r>
+          </a:p>
+          <a:p>
+            <a:r>
+              <a:rPr lang="de-DE" sz="2500" dirty="0"/>
+              <a:t>Verantwortlich:</a:t>
+            </a:r>
+            <a:endParaRPr lang="de-DE" dirty="0"/>
+          </a:p>
+        </p:txBody>
+      </p:sp>
+    </p:spTree>
+    <p:extLst>
+      <p:ext uri="{BB962C8B-B14F-4D97-AF65-F5344CB8AC3E}">
+        <p14:creationId xmlns:p14="http://schemas.microsoft.com/office/powerpoint/2010/main" val="1822032258"/>
+      </p:ext>
+    </p:extLst>
+  </p:cSld>
+  <p:clrMapOvr>
+    <a:masterClrMapping/>
+  </p:clrMapOvr>
+</p:notes>
+</file>
+
 <file path=ppt/slideLayouts/slideLayout1.xml><?xml version="1.0" encoding="utf-8"?>
 <p:sldLayout xmlns:a="http://schemas.openxmlformats.org/drawingml/2006/main" xmlns:r="http://schemas.openxmlformats.org/officeDocument/2006/relationships" xmlns:p="http://schemas.openxmlformats.org/presentationml/2006/main" type="title" preserve="1">
   <p:cSld name="Titelfolie">
@@ -1970,6 +2522,13 @@
     <p:sldLayoutId id="2147483650" r:id="rId1"/>
     <p:sldLayoutId id="2147483654" r:id="rId2"/>
   </p:sldLayoutIdLst>
+  <p:timing>
+    <p:tnLst>
+      <p:par>
+        <p:cTn id="1" dur="indefinite" restart="never" nodeType="tmRoot"/>
+      </p:par>
+    </p:tnLst>
+  </p:timing>
   <p:hf hdr="0" dt="0"/>
   <p:txStyles>
     <p:titleStyle>
@@ -5161,8 +5720,8 @@
           <a:lstStyle/>
           <a:p>
             <a:r>
-              <a:rPr lang="de-DE" sz="4400" dirty="0" smtClean="0"/>
-              <a:t>Meilenstein Trend Analyse</a:t>
+              <a:rPr lang="de-DE" sz="4400" dirty="0"/>
+              <a:t>Projekt-Name</a:t>
             </a:r>
             <a:endParaRPr lang="de-DE" dirty="0"/>
           </a:p>
@@ -5556,7 +6115,7 @@
                   <a:buNone/>
                   <a:tabLst/>
                 </a:pPr>
-                <a:endParaRPr kumimoji="0" lang="de-DE" sz="3600" b="0" i="0" u="none" strike="noStrike" cap="none" normalizeH="0" baseline="0" smtClean="0">
+                <a:endParaRPr kumimoji="0" lang="de-DE" sz="3600" b="0" i="0" u="none" strike="noStrike" cap="none" normalizeH="0" baseline="0" dirty="0" smtClean="0">
                   <a:ln>
                     <a:noFill/>
                   </a:ln>
@@ -5619,7 +6178,7 @@
                   <a:buNone/>
                   <a:tabLst/>
                 </a:pPr>
-                <a:endParaRPr kumimoji="0" lang="de-DE" sz="3600" b="0" i="0" u="none" strike="noStrike" cap="none" normalizeH="0" baseline="0" smtClean="0">
+                <a:endParaRPr kumimoji="0" lang="de-DE" sz="3600" b="0" i="0" u="none" strike="noStrike" cap="none" normalizeH="0" baseline="0" dirty="0" smtClean="0">
                   <a:ln>
                     <a:noFill/>
                   </a:ln>
@@ -5682,7 +6241,7 @@
                   <a:buNone/>
                   <a:tabLst/>
                 </a:pPr>
-                <a:endParaRPr kumimoji="0" lang="de-DE" sz="3600" b="0" i="0" u="none" strike="noStrike" cap="none" normalizeH="0" baseline="0" smtClean="0">
+                <a:endParaRPr kumimoji="0" lang="de-DE" sz="3600" b="0" i="0" u="none" strike="noStrike" cap="none" normalizeH="0" baseline="0" dirty="0" smtClean="0">
                   <a:ln>
                     <a:noFill/>
                   </a:ln>
@@ -5748,7 +6307,7 @@
                   <a:buNone/>
                   <a:tabLst/>
                 </a:pPr>
-                <a:endParaRPr kumimoji="0" lang="de-DE" sz="3600" b="0" i="0" u="none" strike="noStrike" cap="none" normalizeH="0" baseline="0" smtClean="0">
+                <a:endParaRPr kumimoji="0" lang="de-DE" sz="3600" b="0" i="0" u="none" strike="noStrike" cap="none" normalizeH="0" baseline="0" dirty="0" smtClean="0">
                   <a:ln>
                     <a:noFill/>
                   </a:ln>
@@ -5888,7 +6447,7 @@
                 <a:buNone/>
                 <a:tabLst/>
               </a:pPr>
-              <a:endParaRPr kumimoji="0" lang="de-DE" sz="3600" b="0" i="0" u="none" strike="noStrike" cap="none" normalizeH="0" baseline="0" smtClean="0">
+              <a:endParaRPr kumimoji="0" lang="de-DE" sz="3600" b="0" i="0" u="none" strike="noStrike" cap="none" normalizeH="0" baseline="0" dirty="0" smtClean="0">
                 <a:ln>
                   <a:noFill/>
                 </a:ln>
@@ -5951,7 +6510,7 @@
                 <a:buNone/>
                 <a:tabLst/>
               </a:pPr>
-              <a:endParaRPr kumimoji="0" lang="de-DE" sz="3600" b="0" i="0" u="none" strike="noStrike" cap="none" normalizeH="0" baseline="0" smtClean="0">
+              <a:endParaRPr kumimoji="0" lang="de-DE" sz="3600" b="0" i="0" u="none" strike="noStrike" cap="none" normalizeH="0" baseline="0" dirty="0" smtClean="0">
                 <a:ln>
                   <a:noFill/>
                 </a:ln>
@@ -5968,6 +6527,228 @@
           </p:txBody>
         </p:sp>
       </p:grpSp>
+      <p:grpSp>
+        <p:nvGrpSpPr>
+          <p:cNvPr id="24" name="Gruppieren 23"/>
+          <p:cNvGrpSpPr/>
+          <p:nvPr/>
+        </p:nvGrpSpPr>
+        <p:grpSpPr>
+          <a:xfrm>
+            <a:off x="8086576" y="7181056"/>
+            <a:ext cx="4641014" cy="1015663"/>
+            <a:chOff x="2819400" y="8340221"/>
+            <a:chExt cx="4641014" cy="1015663"/>
+          </a:xfrm>
+        </p:grpSpPr>
+        <p:sp>
+          <p:nvSpPr>
+            <p:cNvPr id="25" name="Textfeld 24"/>
+            <p:cNvSpPr txBox="1"/>
+            <p:nvPr/>
+          </p:nvSpPr>
+          <p:spPr>
+            <a:xfrm>
+              <a:off x="2819400" y="8340221"/>
+              <a:ext cx="4641014" cy="1015663"/>
+            </a:xfrm>
+            <a:prstGeom prst="rect">
+              <a:avLst/>
+            </a:prstGeom>
+            <a:noFill/>
+          </p:spPr>
+          <p:txBody>
+            <a:bodyPr wrap="none" rtlCol="0">
+              <a:spAutoFit/>
+            </a:bodyPr>
+            <a:lstStyle/>
+            <a:p>
+              <a:pPr algn="l">
+                <a:lnSpc>
+                  <a:spcPct val="150000"/>
+                </a:lnSpc>
+              </a:pPr>
+              <a:r>
+                <a:rPr lang="de-DE" sz="1000" dirty="0" smtClean="0"/>
+                <a:t>Die </a:t>
+              </a:r>
+              <a:r>
+                <a:rPr lang="de-DE" sz="1000" dirty="0" smtClean="0"/>
+                <a:t>Größe der Form gibt an</a:t>
+              </a:r>
+              <a:r>
+                <a:rPr lang="de-DE" sz="1000" dirty="0" smtClean="0"/>
+                <a:t>, ob </a:t>
+              </a:r>
+              <a:r>
+                <a:rPr lang="de-DE" sz="1000" dirty="0" smtClean="0"/>
+                <a:t>der Status / die Bewertung aus dem Vormonat </a:t>
+              </a:r>
+              <a:br>
+                <a:rPr lang="de-DE" sz="1000" dirty="0" smtClean="0"/>
+              </a:br>
+              <a:r>
+                <a:rPr lang="de-DE" sz="1000" dirty="0" smtClean="0"/>
+                <a:t>übernommen wurde oder ob es eine Bewertung in dem Berichtszeitraum gab</a:t>
+              </a:r>
+              <a:endParaRPr lang="de-DE" sz="1000" dirty="0" smtClean="0"/>
+            </a:p>
+            <a:p>
+              <a:pPr marL="514350" lvl="1" indent="-171450" algn="l">
+                <a:lnSpc>
+                  <a:spcPct val="150000"/>
+                </a:lnSpc>
+                <a:buFontTx/>
+                <a:buChar char="-"/>
+              </a:pPr>
+              <a:r>
+                <a:rPr lang="de-DE" sz="1000" dirty="0" smtClean="0"/>
+                <a:t>Die Bewertung ist aus dem angegebenen Berichtszeitraum</a:t>
+              </a:r>
+            </a:p>
+            <a:p>
+              <a:pPr marL="514350" lvl="1" indent="-171450" algn="l">
+                <a:lnSpc>
+                  <a:spcPct val="150000"/>
+                </a:lnSpc>
+                <a:buFontTx/>
+                <a:buChar char="-"/>
+              </a:pPr>
+              <a:r>
+                <a:rPr lang="de-DE" sz="1000" dirty="0" smtClean="0"/>
+                <a:t>Die Bewertung stammt aus dem Vormonat</a:t>
+              </a:r>
+              <a:endParaRPr lang="de-DE" sz="1000" dirty="0"/>
+            </a:p>
+          </p:txBody>
+        </p:sp>
+        <p:sp>
+          <p:nvSpPr>
+            <p:cNvPr id="26" name="Ellipse 25"/>
+            <p:cNvSpPr/>
+            <p:nvPr/>
+          </p:nvSpPr>
+          <p:spPr bwMode="auto">
+            <a:xfrm>
+              <a:off x="2902000" y="8881619"/>
+              <a:ext cx="180000" cy="180000"/>
+            </a:xfrm>
+            <a:prstGeom prst="ellipse">
+              <a:avLst/>
+            </a:prstGeom>
+            <a:solidFill>
+              <a:srgbClr val="00B050"/>
+            </a:solidFill>
+            <a:ln>
+              <a:noFill/>
+            </a:ln>
+            <a:effectLst/>
+            <a:extLst/>
+          </p:spPr>
+          <p:txBody>
+            <a:bodyPr vert="horz" wrap="square" lIns="50800" tIns="50800" rIns="50800" bIns="50800" numCol="1" rtlCol="0" anchor="ctr" anchorCtr="0" compatLnSpc="1">
+              <a:prstTxWarp prst="textNoShape">
+                <a:avLst/>
+              </a:prstTxWarp>
+            </a:bodyPr>
+            <a:lstStyle/>
+            <a:p>
+              <a:pPr marL="342900" marR="0" indent="0" algn="ctr" defTabSz="584200" rtl="0" eaLnBrk="1" fontAlgn="base" latinLnBrk="0" hangingPunct="0">
+                <a:lnSpc>
+                  <a:spcPct val="100000"/>
+                </a:lnSpc>
+                <a:spcBef>
+                  <a:spcPct val="0"/>
+                </a:spcBef>
+                <a:spcAft>
+                  <a:spcPct val="0"/>
+                </a:spcAft>
+                <a:buClrTx/>
+                <a:buSzTx/>
+                <a:buFontTx/>
+                <a:buNone/>
+                <a:tabLst/>
+              </a:pPr>
+              <a:endParaRPr kumimoji="0" lang="de-DE" sz="3600" b="0" i="0" u="none" strike="noStrike" cap="none" normalizeH="0" baseline="0" dirty="0" smtClean="0">
+                <a:ln>
+                  <a:noFill/>
+                </a:ln>
+                <a:solidFill>
+                  <a:srgbClr val="414141"/>
+                </a:solidFill>
+                <a:effectLst/>
+                <a:latin typeface="Gill Sans Light" charset="0"/>
+                <a:ea typeface="Gill Sans Light" charset="0"/>
+                <a:cs typeface="Gill Sans Light" charset="0"/>
+                <a:sym typeface="Gill Sans Light" charset="0"/>
+              </a:endParaRPr>
+            </a:p>
+          </p:txBody>
+        </p:sp>
+      </p:grpSp>
+      <p:sp>
+        <p:nvSpPr>
+          <p:cNvPr id="28" name="Ellipse 27"/>
+          <p:cNvSpPr/>
+          <p:nvPr/>
+        </p:nvSpPr>
+        <p:spPr bwMode="auto">
+          <a:xfrm>
+            <a:off x="8211412" y="7959192"/>
+            <a:ext cx="108000" cy="108000"/>
+          </a:xfrm>
+          <a:prstGeom prst="ellipse">
+            <a:avLst/>
+          </a:prstGeom>
+          <a:solidFill>
+            <a:srgbClr val="00B050"/>
+          </a:solidFill>
+          <a:ln>
+            <a:noFill/>
+          </a:ln>
+          <a:effectLst/>
+          <a:extLst/>
+        </p:spPr>
+        <p:txBody>
+          <a:bodyPr vert="horz" wrap="square" lIns="50800" tIns="50800" rIns="50800" bIns="50800" numCol="1" rtlCol="0" anchor="ctr" anchorCtr="0" compatLnSpc="1">
+            <a:prstTxWarp prst="textNoShape">
+              <a:avLst/>
+            </a:prstTxWarp>
+          </a:bodyPr>
+          <a:lstStyle/>
+          <a:p>
+            <a:pPr marL="342900" marR="0" indent="0" algn="ctr" defTabSz="584200" rtl="0" eaLnBrk="1" fontAlgn="base" latinLnBrk="0" hangingPunct="0">
+              <a:lnSpc>
+                <a:spcPct val="100000"/>
+              </a:lnSpc>
+              <a:spcBef>
+                <a:spcPct val="0"/>
+              </a:spcBef>
+              <a:spcAft>
+                <a:spcPct val="0"/>
+              </a:spcAft>
+              <a:buClrTx/>
+              <a:buSzTx/>
+              <a:buFontTx/>
+              <a:buNone/>
+              <a:tabLst/>
+            </a:pPr>
+            <a:endParaRPr kumimoji="0" lang="de-DE" sz="3600" b="0" i="0" u="none" strike="noStrike" cap="none" normalizeH="0" baseline="0" dirty="0" smtClean="0">
+              <a:ln>
+                <a:noFill/>
+              </a:ln>
+              <a:solidFill>
+                <a:srgbClr val="414141"/>
+              </a:solidFill>
+              <a:effectLst/>
+              <a:latin typeface="Gill Sans Light" charset="0"/>
+              <a:ea typeface="Gill Sans Light" charset="0"/>
+              <a:cs typeface="Gill Sans Light" charset="0"/>
+              <a:sym typeface="Gill Sans Light" charset="0"/>
+            </a:endParaRPr>
+          </a:p>
+        </p:txBody>
+      </p:sp>
     </p:spTree>
     <p:extLst>
       <p:ext uri="{BB962C8B-B14F-4D97-AF65-F5344CB8AC3E}">
@@ -5989,6 +6770,766 @@
 </file>
 
 <file path=ppt/slides/slide4.xml><?xml version="1.0" encoding="utf-8"?>
+<p:sld xmlns:a="http://schemas.openxmlformats.org/drawingml/2006/main" xmlns:r="http://schemas.openxmlformats.org/officeDocument/2006/relationships" xmlns:p="http://schemas.openxmlformats.org/presentationml/2006/main">
+  <p:cSld>
+    <p:spTree>
+      <p:nvGrpSpPr>
+        <p:cNvPr id="1" name=""/>
+        <p:cNvGrpSpPr/>
+        <p:nvPr/>
+      </p:nvGrpSpPr>
+      <p:grpSpPr>
+        <a:xfrm>
+          <a:off x="0" y="0"/>
+          <a:ext cx="0" cy="0"/>
+          <a:chOff x="0" y="0"/>
+          <a:chExt cx="0" cy="0"/>
+        </a:xfrm>
+      </p:grpSpPr>
+      <p:sp>
+        <p:nvSpPr>
+          <p:cNvPr id="2" name="Titel 1"/>
+          <p:cNvSpPr>
+            <a:spLocks noGrp="1"/>
+          </p:cNvSpPr>
+          <p:nvPr>
+            <p:ph type="title"/>
+          </p:nvPr>
+        </p:nvSpPr>
+        <p:spPr>
+          <a:xfrm>
+            <a:off x="650875" y="390525"/>
+            <a:ext cx="11703050" cy="1245915"/>
+          </a:xfrm>
+        </p:spPr>
+        <p:txBody>
+          <a:bodyPr/>
+          <a:lstStyle/>
+          <a:p>
+            <a:r>
+              <a:rPr lang="de-DE" sz="4400" dirty="0" smtClean="0"/>
+              <a:t>Vergleich mit Projekt-</a:t>
+            </a:r>
+            <a:r>
+              <a:rPr lang="de-DE" sz="4400" dirty="0" smtClean="0"/>
+              <a:t>Generik</a:t>
+            </a:r>
+            <a:endParaRPr lang="de-DE" dirty="0"/>
+          </a:p>
+        </p:txBody>
+      </p:sp>
+      <p:sp>
+        <p:nvSpPr>
+          <p:cNvPr id="8" name="Rechteck 7"/>
+          <p:cNvSpPr/>
+          <p:nvPr/>
+        </p:nvSpPr>
+        <p:spPr bwMode="auto">
+          <a:xfrm>
+            <a:off x="453728" y="1708448"/>
+            <a:ext cx="12097344" cy="5760640"/>
+          </a:xfrm>
+          <a:prstGeom prst="rect">
+            <a:avLst/>
+          </a:prstGeom>
+          <a:solidFill>
+            <a:srgbClr val="FFFFFF"/>
+          </a:solidFill>
+          <a:ln w="38100" cap="flat" cmpd="sng" algn="ctr">
+            <a:solidFill>
+              <a:schemeClr val="accent1">
+                <a:lumMod val="75000"/>
+              </a:schemeClr>
+            </a:solidFill>
+            <a:prstDash val="solid"/>
+            <a:miter lim="0"/>
+            <a:headEnd type="none" w="med" len="med"/>
+            <a:tailEnd type="none" w="med" len="med"/>
+          </a:ln>
+          <a:effectLst>
+            <a:innerShdw blurRad="63500" dist="50800" dir="18900000">
+              <a:prstClr val="black">
+                <a:alpha val="50000"/>
+              </a:prstClr>
+            </a:innerShdw>
+            <a:softEdge rad="12700"/>
+          </a:effectLst>
+          <a:extLst/>
+        </p:spPr>
+        <p:txBody>
+          <a:bodyPr vert="horz" wrap="square" lIns="50800" tIns="50800" rIns="50800" bIns="50800" numCol="1" rtlCol="0" anchor="ctr" anchorCtr="0" compatLnSpc="1">
+            <a:prstTxWarp prst="textNoShape">
+              <a:avLst/>
+            </a:prstTxWarp>
+          </a:bodyPr>
+          <a:lstStyle/>
+          <a:p>
+            <a:pPr marL="342900"/>
+            <a:r>
+              <a:rPr lang="de-DE" sz="1400" dirty="0"/>
+              <a:t>Vergleich mit Vorlage</a:t>
+            </a:r>
+            <a:endParaRPr kumimoji="0" lang="de-DE" sz="1800" b="0" i="0" u="none" strike="noStrike" cap="none" normalizeH="0" baseline="0" dirty="0" smtClean="0">
+              <a:ln>
+                <a:noFill/>
+              </a:ln>
+              <a:solidFill>
+                <a:schemeClr val="bg2"/>
+              </a:solidFill>
+              <a:effectLst/>
+              <a:latin typeface="Gill Sans Light" charset="0"/>
+              <a:ea typeface="Gill Sans Light" charset="0"/>
+              <a:cs typeface="Gill Sans Light" charset="0"/>
+              <a:sym typeface="Gill Sans Light" charset="0"/>
+            </a:endParaRPr>
+          </a:p>
+        </p:txBody>
+      </p:sp>
+      <p:sp>
+        <p:nvSpPr>
+          <p:cNvPr id="10" name="Rechteck 9"/>
+          <p:cNvSpPr/>
+          <p:nvPr/>
+        </p:nvSpPr>
+        <p:spPr bwMode="auto">
+          <a:xfrm>
+            <a:off x="453728" y="8929194"/>
+            <a:ext cx="3478120" cy="340094"/>
+          </a:xfrm>
+          <a:prstGeom prst="rect">
+            <a:avLst/>
+          </a:prstGeom>
+          <a:solidFill>
+            <a:srgbClr val="FFFFFF"/>
+          </a:solidFill>
+          <a:ln w="38100" cap="flat" cmpd="sng" algn="ctr">
+            <a:solidFill>
+              <a:schemeClr val="accent1">
+                <a:lumMod val="75000"/>
+              </a:schemeClr>
+            </a:solidFill>
+            <a:prstDash val="solid"/>
+            <a:miter lim="0"/>
+            <a:headEnd type="none" w="med" len="med"/>
+            <a:tailEnd type="none" w="med" len="med"/>
+          </a:ln>
+          <a:effectLst>
+            <a:innerShdw blurRad="63500" dist="50800" dir="18900000">
+              <a:prstClr val="black">
+                <a:alpha val="50000"/>
+              </a:prstClr>
+            </a:innerShdw>
+            <a:softEdge rad="12700"/>
+          </a:effectLst>
+          <a:extLst/>
+        </p:spPr>
+        <p:txBody>
+          <a:bodyPr vert="horz" wrap="square" lIns="0" tIns="50800" rIns="50800" bIns="50800" numCol="1" rtlCol="0" anchor="ctr" anchorCtr="0" compatLnSpc="1">
+            <a:prstTxWarp prst="textNoShape">
+              <a:avLst/>
+            </a:prstTxWarp>
+          </a:bodyPr>
+          <a:lstStyle/>
+          <a:p>
+            <a:pPr marL="342900" algn="l"/>
+            <a:r>
+              <a:rPr lang="de-DE" sz="1400" dirty="0">
+                <a:solidFill>
+                  <a:schemeClr val="bg2"/>
+                </a:solidFill>
+              </a:rPr>
+              <a:t>Stand</a:t>
+            </a:r>
+            <a:r>
+              <a:rPr lang="de-DE" sz="1400" dirty="0" smtClean="0">
+                <a:solidFill>
+                  <a:schemeClr val="bg2"/>
+                </a:solidFill>
+              </a:rPr>
+              <a:t>:</a:t>
+            </a:r>
+            <a:endParaRPr lang="de-DE" sz="1400" dirty="0">
+              <a:solidFill>
+                <a:schemeClr val="bg2"/>
+              </a:solidFill>
+            </a:endParaRPr>
+          </a:p>
+        </p:txBody>
+      </p:sp>
+      <p:sp>
+        <p:nvSpPr>
+          <p:cNvPr id="14" name="Rechteck 13"/>
+          <p:cNvSpPr/>
+          <p:nvPr/>
+        </p:nvSpPr>
+        <p:spPr bwMode="auto">
+          <a:xfrm>
+            <a:off x="9216968" y="8929194"/>
+            <a:ext cx="3478120" cy="340094"/>
+          </a:xfrm>
+          <a:prstGeom prst="rect">
+            <a:avLst/>
+          </a:prstGeom>
+          <a:solidFill>
+            <a:srgbClr val="FFFFFF"/>
+          </a:solidFill>
+          <a:ln w="38100" cap="flat" cmpd="sng" algn="ctr">
+            <a:solidFill>
+              <a:schemeClr val="accent1">
+                <a:lumMod val="75000"/>
+              </a:schemeClr>
+            </a:solidFill>
+            <a:prstDash val="solid"/>
+            <a:miter lim="0"/>
+            <a:headEnd type="none" w="med" len="med"/>
+            <a:tailEnd type="none" w="med" len="med"/>
+          </a:ln>
+          <a:effectLst>
+            <a:innerShdw blurRad="63500" dist="50800" dir="18900000">
+              <a:prstClr val="black">
+                <a:alpha val="50000"/>
+              </a:prstClr>
+            </a:innerShdw>
+            <a:softEdge rad="12700"/>
+          </a:effectLst>
+          <a:extLst/>
+        </p:spPr>
+        <p:txBody>
+          <a:bodyPr vert="horz" wrap="square" lIns="0" tIns="50800" rIns="50800" bIns="50800" numCol="1" rtlCol="0" anchor="ctr" anchorCtr="0" compatLnSpc="1">
+            <a:prstTxWarp prst="textNoShape">
+              <a:avLst/>
+            </a:prstTxWarp>
+          </a:bodyPr>
+          <a:lstStyle/>
+          <a:p>
+            <a:pPr marL="342900" algn="l"/>
+            <a:r>
+              <a:rPr lang="de-DE" sz="1400" dirty="0">
+                <a:solidFill>
+                  <a:schemeClr val="bg2"/>
+                </a:solidFill>
+              </a:rPr>
+              <a:t>Verantwortlich:</a:t>
+            </a:r>
+          </a:p>
+        </p:txBody>
+      </p:sp>
+      <p:sp>
+        <p:nvSpPr>
+          <p:cNvPr id="15" name="Rechteck 14"/>
+          <p:cNvSpPr/>
+          <p:nvPr/>
+        </p:nvSpPr>
+        <p:spPr bwMode="auto">
+          <a:xfrm>
+            <a:off x="4835348" y="8929194"/>
+            <a:ext cx="3478120" cy="340094"/>
+          </a:xfrm>
+          <a:prstGeom prst="rect">
+            <a:avLst/>
+          </a:prstGeom>
+          <a:solidFill>
+            <a:srgbClr val="FFFFFF"/>
+          </a:solidFill>
+          <a:ln w="38100" cap="flat" cmpd="sng" algn="ctr">
+            <a:solidFill>
+              <a:schemeClr val="accent1">
+                <a:lumMod val="75000"/>
+              </a:schemeClr>
+            </a:solidFill>
+            <a:prstDash val="solid"/>
+            <a:miter lim="0"/>
+            <a:headEnd type="none" w="med" len="med"/>
+            <a:tailEnd type="none" w="med" len="med"/>
+          </a:ln>
+          <a:effectLst>
+            <a:innerShdw blurRad="63500" dist="50800" dir="18900000">
+              <a:prstClr val="black">
+                <a:alpha val="50000"/>
+              </a:prstClr>
+            </a:innerShdw>
+            <a:softEdge rad="12700"/>
+          </a:effectLst>
+          <a:extLst/>
+        </p:spPr>
+        <p:txBody>
+          <a:bodyPr vert="horz" wrap="square" lIns="0" tIns="50800" rIns="50800" bIns="50800" numCol="1" rtlCol="0" anchor="ctr" anchorCtr="0" compatLnSpc="1">
+            <a:prstTxWarp prst="textNoShape">
+              <a:avLst/>
+            </a:prstTxWarp>
+          </a:bodyPr>
+          <a:lstStyle/>
+          <a:p>
+            <a:pPr marL="342900" algn="l"/>
+            <a:r>
+              <a:rPr lang="de-DE" sz="1400" dirty="0">
+                <a:solidFill>
+                  <a:schemeClr val="bg2"/>
+                </a:solidFill>
+              </a:rPr>
+              <a:t>Laufzeit</a:t>
+            </a:r>
+            <a:r>
+              <a:rPr lang="de-DE" sz="1400" dirty="0" smtClean="0">
+                <a:solidFill>
+                  <a:schemeClr val="bg2"/>
+                </a:solidFill>
+              </a:rPr>
+              <a:t>:</a:t>
+            </a:r>
+            <a:endParaRPr lang="de-DE" sz="1400" dirty="0">
+              <a:solidFill>
+                <a:schemeClr val="bg2"/>
+              </a:solidFill>
+            </a:endParaRPr>
+          </a:p>
+        </p:txBody>
+      </p:sp>
+      <p:sp>
+        <p:nvSpPr>
+          <p:cNvPr id="3" name="Textfeld 2"/>
+          <p:cNvSpPr txBox="1"/>
+          <p:nvPr/>
+        </p:nvSpPr>
+        <p:spPr>
+          <a:xfrm>
+            <a:off x="488661" y="7807271"/>
+            <a:ext cx="5556329" cy="400110"/>
+          </a:xfrm>
+          <a:prstGeom prst="rect">
+            <a:avLst/>
+          </a:prstGeom>
+          <a:noFill/>
+        </p:spPr>
+        <p:txBody>
+          <a:bodyPr wrap="none" rtlCol="0">
+            <a:spAutoFit/>
+          </a:bodyPr>
+          <a:lstStyle/>
+          <a:p>
+            <a:pPr marL="171450" indent="-171450" algn="l">
+              <a:buFont typeface="Arial" panose="020B0604020202020204" pitchFamily="34" charset="0"/>
+              <a:buChar char="•"/>
+            </a:pPr>
+            <a:r>
+              <a:rPr lang="de-DE" sz="1000" dirty="0" smtClean="0"/>
+              <a:t>Phasen Abschnitte sind identisch, wenn die Phasen jeweils in Grau dargestellt werden</a:t>
+            </a:r>
+          </a:p>
+          <a:p>
+            <a:pPr marL="171450" indent="-171450" algn="l">
+              <a:buFont typeface="Arial" panose="020B0604020202020204" pitchFamily="34" charset="0"/>
+              <a:buChar char="•"/>
+            </a:pPr>
+            <a:r>
+              <a:rPr lang="de-DE" sz="1000" dirty="0" smtClean="0"/>
+              <a:t>Phasen abschnitte sind unterschiedlich, wenn die Phasen in Ihrer Farbe dargestellt werden   </a:t>
+            </a:r>
+            <a:endParaRPr lang="de-DE" sz="1000" dirty="0"/>
+          </a:p>
+        </p:txBody>
+      </p:sp>
+    </p:spTree>
+    <p:extLst>
+      <p:ext uri="{BB962C8B-B14F-4D97-AF65-F5344CB8AC3E}">
+        <p14:creationId xmlns:p14="http://schemas.microsoft.com/office/powerpoint/2010/main" val="1454176755"/>
+      </p:ext>
+    </p:extLst>
+  </p:cSld>
+  <p:clrMapOvr>
+    <a:masterClrMapping/>
+  </p:clrMapOvr>
+  <p:timing>
+    <p:tnLst>
+      <p:par>
+        <p:cTn id="1" dur="indefinite" restart="never" nodeType="tmRoot"/>
+      </p:par>
+    </p:tnLst>
+  </p:timing>
+</p:sld>
+</file>
+
+<file path=ppt/slides/slide5.xml><?xml version="1.0" encoding="utf-8"?>
+<p:sld xmlns:a="http://schemas.openxmlformats.org/drawingml/2006/main" xmlns:r="http://schemas.openxmlformats.org/officeDocument/2006/relationships" xmlns:p="http://schemas.openxmlformats.org/presentationml/2006/main">
+  <p:cSld>
+    <p:spTree>
+      <p:nvGrpSpPr>
+        <p:cNvPr id="1" name=""/>
+        <p:cNvGrpSpPr/>
+        <p:nvPr/>
+      </p:nvGrpSpPr>
+      <p:grpSpPr>
+        <a:xfrm>
+          <a:off x="0" y="0"/>
+          <a:ext cx="0" cy="0"/>
+          <a:chOff x="0" y="0"/>
+          <a:chExt cx="0" cy="0"/>
+        </a:xfrm>
+      </p:grpSpPr>
+      <p:sp>
+        <p:nvSpPr>
+          <p:cNvPr id="2" name="Titel 1"/>
+          <p:cNvSpPr>
+            <a:spLocks noGrp="1"/>
+          </p:cNvSpPr>
+          <p:nvPr>
+            <p:ph type="title"/>
+          </p:nvPr>
+        </p:nvSpPr>
+        <p:spPr>
+          <a:xfrm>
+            <a:off x="650875" y="390525"/>
+            <a:ext cx="11703050" cy="1245915"/>
+          </a:xfrm>
+        </p:spPr>
+        <p:txBody>
+          <a:bodyPr/>
+          <a:lstStyle/>
+          <a:p>
+            <a:r>
+              <a:rPr lang="de-DE" sz="4400" dirty="0" smtClean="0"/>
+              <a:t>Vergleich mit Beauftragungs-Stand</a:t>
+            </a:r>
+            <a:endParaRPr lang="de-DE" dirty="0"/>
+          </a:p>
+        </p:txBody>
+      </p:sp>
+      <p:sp>
+        <p:nvSpPr>
+          <p:cNvPr id="8" name="Rechteck 7"/>
+          <p:cNvSpPr/>
+          <p:nvPr/>
+        </p:nvSpPr>
+        <p:spPr bwMode="auto">
+          <a:xfrm>
+            <a:off x="453728" y="1708448"/>
+            <a:ext cx="12097344" cy="5760640"/>
+          </a:xfrm>
+          <a:prstGeom prst="rect">
+            <a:avLst/>
+          </a:prstGeom>
+          <a:solidFill>
+            <a:srgbClr val="FFFFFF"/>
+          </a:solidFill>
+          <a:ln w="38100" cap="flat" cmpd="sng" algn="ctr">
+            <a:solidFill>
+              <a:schemeClr val="accent1">
+                <a:lumMod val="75000"/>
+              </a:schemeClr>
+            </a:solidFill>
+            <a:prstDash val="solid"/>
+            <a:miter lim="0"/>
+            <a:headEnd type="none" w="med" len="med"/>
+            <a:tailEnd type="none" w="med" len="med"/>
+          </a:ln>
+          <a:effectLst>
+            <a:innerShdw blurRad="63500" dist="50800" dir="18900000">
+              <a:prstClr val="black">
+                <a:alpha val="50000"/>
+              </a:prstClr>
+            </a:innerShdw>
+            <a:softEdge rad="12700"/>
+          </a:effectLst>
+          <a:extLst/>
+        </p:spPr>
+        <p:txBody>
+          <a:bodyPr vert="horz" wrap="square" lIns="50800" tIns="50800" rIns="50800" bIns="50800" numCol="1" rtlCol="0" anchor="ctr" anchorCtr="0" compatLnSpc="1">
+            <a:prstTxWarp prst="textNoShape">
+              <a:avLst/>
+            </a:prstTxWarp>
+          </a:bodyPr>
+          <a:lstStyle/>
+          <a:p>
+            <a:pPr marL="342900"/>
+            <a:r>
+              <a:rPr lang="de-DE" sz="1400" dirty="0"/>
+              <a:t>Vergleich mit </a:t>
+            </a:r>
+            <a:r>
+              <a:rPr lang="de-DE" sz="1400" dirty="0" smtClean="0"/>
+              <a:t>Beauftragung</a:t>
+            </a:r>
+            <a:endParaRPr kumimoji="0" lang="de-DE" sz="1800" b="0" i="0" u="none" strike="noStrike" cap="none" normalizeH="0" baseline="0" dirty="0" smtClean="0">
+              <a:ln>
+                <a:noFill/>
+              </a:ln>
+              <a:solidFill>
+                <a:schemeClr val="bg2"/>
+              </a:solidFill>
+              <a:effectLst/>
+              <a:latin typeface="Gill Sans Light" charset="0"/>
+              <a:ea typeface="Gill Sans Light" charset="0"/>
+              <a:cs typeface="Gill Sans Light" charset="0"/>
+              <a:sym typeface="Gill Sans Light" charset="0"/>
+            </a:endParaRPr>
+          </a:p>
+        </p:txBody>
+      </p:sp>
+      <p:sp>
+        <p:nvSpPr>
+          <p:cNvPr id="10" name="Rechteck 9"/>
+          <p:cNvSpPr/>
+          <p:nvPr/>
+        </p:nvSpPr>
+        <p:spPr bwMode="auto">
+          <a:xfrm>
+            <a:off x="453728" y="8929194"/>
+            <a:ext cx="3478120" cy="340094"/>
+          </a:xfrm>
+          <a:prstGeom prst="rect">
+            <a:avLst/>
+          </a:prstGeom>
+          <a:solidFill>
+            <a:srgbClr val="FFFFFF"/>
+          </a:solidFill>
+          <a:ln w="38100" cap="flat" cmpd="sng" algn="ctr">
+            <a:solidFill>
+              <a:schemeClr val="accent1">
+                <a:lumMod val="75000"/>
+              </a:schemeClr>
+            </a:solidFill>
+            <a:prstDash val="solid"/>
+            <a:miter lim="0"/>
+            <a:headEnd type="none" w="med" len="med"/>
+            <a:tailEnd type="none" w="med" len="med"/>
+          </a:ln>
+          <a:effectLst>
+            <a:innerShdw blurRad="63500" dist="50800" dir="18900000">
+              <a:prstClr val="black">
+                <a:alpha val="50000"/>
+              </a:prstClr>
+            </a:innerShdw>
+            <a:softEdge rad="12700"/>
+          </a:effectLst>
+          <a:extLst/>
+        </p:spPr>
+        <p:txBody>
+          <a:bodyPr vert="horz" wrap="square" lIns="0" tIns="50800" rIns="50800" bIns="50800" numCol="1" rtlCol="0" anchor="ctr" anchorCtr="0" compatLnSpc="1">
+            <a:prstTxWarp prst="textNoShape">
+              <a:avLst/>
+            </a:prstTxWarp>
+          </a:bodyPr>
+          <a:lstStyle/>
+          <a:p>
+            <a:pPr marL="342900" algn="l"/>
+            <a:r>
+              <a:rPr lang="de-DE" sz="1400" dirty="0">
+                <a:solidFill>
+                  <a:schemeClr val="bg2"/>
+                </a:solidFill>
+              </a:rPr>
+              <a:t>Stand</a:t>
+            </a:r>
+            <a:r>
+              <a:rPr lang="de-DE" sz="1400" dirty="0" smtClean="0">
+                <a:solidFill>
+                  <a:schemeClr val="bg2"/>
+                </a:solidFill>
+              </a:rPr>
+              <a:t>:</a:t>
+            </a:r>
+            <a:endParaRPr lang="de-DE" sz="1400" dirty="0">
+              <a:solidFill>
+                <a:schemeClr val="bg2"/>
+              </a:solidFill>
+            </a:endParaRPr>
+          </a:p>
+        </p:txBody>
+      </p:sp>
+      <p:sp>
+        <p:nvSpPr>
+          <p:cNvPr id="14" name="Rechteck 13"/>
+          <p:cNvSpPr/>
+          <p:nvPr/>
+        </p:nvSpPr>
+        <p:spPr bwMode="auto">
+          <a:xfrm>
+            <a:off x="9216968" y="8929194"/>
+            <a:ext cx="3478120" cy="340094"/>
+          </a:xfrm>
+          <a:prstGeom prst="rect">
+            <a:avLst/>
+          </a:prstGeom>
+          <a:solidFill>
+            <a:srgbClr val="FFFFFF"/>
+          </a:solidFill>
+          <a:ln w="38100" cap="flat" cmpd="sng" algn="ctr">
+            <a:solidFill>
+              <a:schemeClr val="accent1">
+                <a:lumMod val="75000"/>
+              </a:schemeClr>
+            </a:solidFill>
+            <a:prstDash val="solid"/>
+            <a:miter lim="0"/>
+            <a:headEnd type="none" w="med" len="med"/>
+            <a:tailEnd type="none" w="med" len="med"/>
+          </a:ln>
+          <a:effectLst>
+            <a:innerShdw blurRad="63500" dist="50800" dir="18900000">
+              <a:prstClr val="black">
+                <a:alpha val="50000"/>
+              </a:prstClr>
+            </a:innerShdw>
+            <a:softEdge rad="12700"/>
+          </a:effectLst>
+          <a:extLst/>
+        </p:spPr>
+        <p:txBody>
+          <a:bodyPr vert="horz" wrap="square" lIns="0" tIns="50800" rIns="50800" bIns="50800" numCol="1" rtlCol="0" anchor="ctr" anchorCtr="0" compatLnSpc="1">
+            <a:prstTxWarp prst="textNoShape">
+              <a:avLst/>
+            </a:prstTxWarp>
+          </a:bodyPr>
+          <a:lstStyle/>
+          <a:p>
+            <a:pPr marL="342900" algn="l"/>
+            <a:r>
+              <a:rPr lang="de-DE" sz="1400" dirty="0">
+                <a:solidFill>
+                  <a:schemeClr val="bg2"/>
+                </a:solidFill>
+              </a:rPr>
+              <a:t>Verantwortlich:</a:t>
+            </a:r>
+          </a:p>
+        </p:txBody>
+      </p:sp>
+      <p:sp>
+        <p:nvSpPr>
+          <p:cNvPr id="15" name="Rechteck 14"/>
+          <p:cNvSpPr/>
+          <p:nvPr/>
+        </p:nvSpPr>
+        <p:spPr bwMode="auto">
+          <a:xfrm>
+            <a:off x="4835348" y="8929194"/>
+            <a:ext cx="3478120" cy="340094"/>
+          </a:xfrm>
+          <a:prstGeom prst="rect">
+            <a:avLst/>
+          </a:prstGeom>
+          <a:solidFill>
+            <a:srgbClr val="FFFFFF"/>
+          </a:solidFill>
+          <a:ln w="38100" cap="flat" cmpd="sng" algn="ctr">
+            <a:solidFill>
+              <a:schemeClr val="accent1">
+                <a:lumMod val="75000"/>
+              </a:schemeClr>
+            </a:solidFill>
+            <a:prstDash val="solid"/>
+            <a:miter lim="0"/>
+            <a:headEnd type="none" w="med" len="med"/>
+            <a:tailEnd type="none" w="med" len="med"/>
+          </a:ln>
+          <a:effectLst>
+            <a:innerShdw blurRad="63500" dist="50800" dir="18900000">
+              <a:prstClr val="black">
+                <a:alpha val="50000"/>
+              </a:prstClr>
+            </a:innerShdw>
+            <a:softEdge rad="12700"/>
+          </a:effectLst>
+          <a:extLst/>
+        </p:spPr>
+        <p:txBody>
+          <a:bodyPr vert="horz" wrap="square" lIns="0" tIns="50800" rIns="50800" bIns="50800" numCol="1" rtlCol="0" anchor="ctr" anchorCtr="0" compatLnSpc="1">
+            <a:prstTxWarp prst="textNoShape">
+              <a:avLst/>
+            </a:prstTxWarp>
+          </a:bodyPr>
+          <a:lstStyle/>
+          <a:p>
+            <a:pPr marL="342900" algn="l"/>
+            <a:r>
+              <a:rPr lang="de-DE" sz="1400" dirty="0">
+                <a:solidFill>
+                  <a:schemeClr val="bg2"/>
+                </a:solidFill>
+              </a:rPr>
+              <a:t>Laufzeit</a:t>
+            </a:r>
+            <a:r>
+              <a:rPr lang="de-DE" sz="1400" dirty="0" smtClean="0">
+                <a:solidFill>
+                  <a:schemeClr val="bg2"/>
+                </a:solidFill>
+              </a:rPr>
+              <a:t>:</a:t>
+            </a:r>
+            <a:endParaRPr lang="de-DE" sz="1400" dirty="0">
+              <a:solidFill>
+                <a:schemeClr val="bg2"/>
+              </a:solidFill>
+            </a:endParaRPr>
+          </a:p>
+        </p:txBody>
+      </p:sp>
+      <p:sp>
+        <p:nvSpPr>
+          <p:cNvPr id="3" name="Textfeld 2"/>
+          <p:cNvSpPr txBox="1"/>
+          <p:nvPr/>
+        </p:nvSpPr>
+        <p:spPr>
+          <a:xfrm>
+            <a:off x="488661" y="7807271"/>
+            <a:ext cx="5556329" cy="400110"/>
+          </a:xfrm>
+          <a:prstGeom prst="rect">
+            <a:avLst/>
+          </a:prstGeom>
+          <a:noFill/>
+        </p:spPr>
+        <p:txBody>
+          <a:bodyPr wrap="none" rtlCol="0">
+            <a:spAutoFit/>
+          </a:bodyPr>
+          <a:lstStyle/>
+          <a:p>
+            <a:pPr marL="171450" indent="-171450" algn="l">
+              <a:buFont typeface="Arial" panose="020B0604020202020204" pitchFamily="34" charset="0"/>
+              <a:buChar char="•"/>
+            </a:pPr>
+            <a:r>
+              <a:rPr lang="de-DE" sz="1000" dirty="0" smtClean="0"/>
+              <a:t>Phasen Abschnitte sind identisch, wenn die Phasen jeweils in Grau dargestellt werden</a:t>
+            </a:r>
+          </a:p>
+          <a:p>
+            <a:pPr marL="171450" indent="-171450" algn="l">
+              <a:buFont typeface="Arial" panose="020B0604020202020204" pitchFamily="34" charset="0"/>
+              <a:buChar char="•"/>
+            </a:pPr>
+            <a:r>
+              <a:rPr lang="de-DE" sz="1000" dirty="0" smtClean="0"/>
+              <a:t>Phasen abschnitte sind unterschiedlich, wenn die Phasen in Ihrer Farbe dargestellt werden   </a:t>
+            </a:r>
+            <a:endParaRPr lang="de-DE" sz="1000" dirty="0"/>
+          </a:p>
+        </p:txBody>
+      </p:sp>
+    </p:spTree>
+    <p:extLst>
+      <p:ext uri="{BB962C8B-B14F-4D97-AF65-F5344CB8AC3E}">
+        <p14:creationId xmlns:p14="http://schemas.microsoft.com/office/powerpoint/2010/main" val="1580426209"/>
+      </p:ext>
+    </p:extLst>
+  </p:cSld>
+  <p:clrMapOvr>
+    <a:masterClrMapping/>
+  </p:clrMapOvr>
+  <p:timing>
+    <p:tnLst>
+      <p:par>
+        <p:cTn id="1" dur="indefinite" restart="never" nodeType="tmRoot"/>
+      </p:par>
+    </p:tnLst>
+  </p:timing>
+</p:sld>
+</file>
+
+<file path=ppt/slides/slide6.xml><?xml version="1.0" encoding="utf-8"?>
 <p:sld xmlns:a="http://schemas.openxmlformats.org/drawingml/2006/main" xmlns:r="http://schemas.openxmlformats.org/officeDocument/2006/relationships" xmlns:p="http://schemas.openxmlformats.org/presentationml/2006/main">
   <p:cSld>
     <p:spTree>

--- a/Projectboard/Projectboard/bin/Debug/requirements/templatedossier.pptx
+++ b/Projectboard/Projectboard/bin/Debug/requirements/templatedossier.pptx
@@ -5,15 +5,17 @@
     <p:sldMasterId id="2147483648" r:id="rId1"/>
   </p:sldMasterIdLst>
   <p:notesMasterIdLst>
-    <p:notesMasterId r:id="rId8"/>
+    <p:notesMasterId r:id="rId10"/>
   </p:notesMasterIdLst>
   <p:sldIdLst>
     <p:sldId id="268" r:id="rId2"/>
-    <p:sldId id="266" r:id="rId3"/>
-    <p:sldId id="269" r:id="rId4"/>
-    <p:sldId id="270" r:id="rId5"/>
-    <p:sldId id="271" r:id="rId6"/>
-    <p:sldId id="267" r:id="rId7"/>
+    <p:sldId id="272" r:id="rId3"/>
+    <p:sldId id="273" r:id="rId4"/>
+    <p:sldId id="274" r:id="rId5"/>
+    <p:sldId id="269" r:id="rId6"/>
+    <p:sldId id="270" r:id="rId7"/>
+    <p:sldId id="271" r:id="rId8"/>
+    <p:sldId id="267" r:id="rId9"/>
   </p:sldIdLst>
   <p:sldSz cx="13004800" cy="9753600"/>
   <p:notesSz cx="6864350" cy="9996488"/>
@@ -1869,6 +1871,556 @@
 </file>
 
 <file path=ppt/notesSlides/notesSlide6.xml><?xml version="1.0" encoding="utf-8"?>
+<p:notes xmlns:a="http://schemas.openxmlformats.org/drawingml/2006/main" xmlns:r="http://schemas.openxmlformats.org/officeDocument/2006/relationships" xmlns:p="http://schemas.openxmlformats.org/presentationml/2006/main">
+  <p:cSld>
+    <p:spTree>
+      <p:nvGrpSpPr>
+        <p:cNvPr id="1" name=""/>
+        <p:cNvGrpSpPr/>
+        <p:nvPr/>
+      </p:nvGrpSpPr>
+      <p:grpSpPr>
+        <a:xfrm>
+          <a:off x="0" y="0"/>
+          <a:ext cx="0" cy="0"/>
+          <a:chOff x="0" y="0"/>
+          <a:chExt cx="0" cy="0"/>
+        </a:xfrm>
+      </p:grpSpPr>
+      <p:sp>
+        <p:nvSpPr>
+          <p:cNvPr id="2" name="Folienbildplatzhalter 1"/>
+          <p:cNvSpPr>
+            <a:spLocks noGrp="1" noRot="1" noChangeAspect="1"/>
+          </p:cNvSpPr>
+          <p:nvPr>
+            <p:ph type="sldImg"/>
+          </p:nvPr>
+        </p:nvSpPr>
+        <p:spPr/>
+      </p:sp>
+      <p:sp>
+        <p:nvSpPr>
+          <p:cNvPr id="3" name="Notizenplatzhalter 2"/>
+          <p:cNvSpPr>
+            <a:spLocks noGrp="1"/>
+          </p:cNvSpPr>
+          <p:nvPr>
+            <p:ph type="body" idx="1"/>
+          </p:nvPr>
+        </p:nvSpPr>
+        <p:spPr/>
+        <p:txBody>
+          <a:bodyPr/>
+          <a:lstStyle/>
+          <a:p>
+            <a:r>
+              <a:rPr lang="de-DE" sz="2500" dirty="0"/>
+              <a:t>Projekt-Name</a:t>
+            </a:r>
+          </a:p>
+          <a:p>
+            <a:r>
+              <a:rPr lang="de-DE" sz="2500" dirty="0"/>
+              <a:t>Ergebnis</a:t>
+            </a:r>
+          </a:p>
+          <a:p>
+            <a:r>
+              <a:rPr lang="de-DE" sz="2500" dirty="0"/>
+              <a:t>Strategie/Risiko</a:t>
+            </a:r>
+          </a:p>
+          <a:p>
+            <a:r>
+              <a:rPr lang="de-DE" sz="2500" dirty="0"/>
+              <a:t>Teilprojekte</a:t>
+            </a:r>
+          </a:p>
+          <a:p>
+            <a:r>
+              <a:rPr lang="de-DE" sz="2500" dirty="0"/>
+              <a:t>Personalbedarf</a:t>
+            </a:r>
+          </a:p>
+          <a:p>
+            <a:r>
+              <a:rPr lang="de-DE" sz="2500" dirty="0"/>
+              <a:t>Personalkosten</a:t>
+            </a:r>
+          </a:p>
+          <a:p>
+            <a:r>
+              <a:rPr lang="de-DE" sz="2500" dirty="0"/>
+              <a:t>Sonstige Kosten</a:t>
+            </a:r>
+          </a:p>
+          <a:p>
+            <a:r>
+              <a:rPr lang="de-DE" sz="2500" dirty="0"/>
+              <a:t>Gesamtkosten</a:t>
+            </a:r>
+          </a:p>
+          <a:p>
+            <a:r>
+              <a:rPr lang="de-DE" sz="2500" dirty="0"/>
+              <a:t>Fortschritt Personalkosten</a:t>
+            </a:r>
+          </a:p>
+          <a:p>
+            <a:r>
+              <a:rPr lang="de-DE" sz="2500" dirty="0"/>
+              <a:t>Fortschritt Sonstige Kosten</a:t>
+            </a:r>
+          </a:p>
+          <a:p>
+            <a:r>
+              <a:rPr lang="de-DE" sz="2500" dirty="0"/>
+              <a:t>Fortschritt Gesamtkosten</a:t>
+            </a:r>
+          </a:p>
+          <a:p>
+            <a:r>
+              <a:rPr lang="de-DE" sz="2500" dirty="0"/>
+              <a:t>Fortschritt Rolle(…)</a:t>
+            </a:r>
+          </a:p>
+          <a:p>
+            <a:r>
+              <a:rPr lang="de-DE" sz="2500" dirty="0"/>
+              <a:t>Fortschritt Kostenart(…)</a:t>
+            </a:r>
+          </a:p>
+          <a:p>
+            <a:endParaRPr lang="de-DE" sz="2500" dirty="0"/>
+          </a:p>
+          <a:p>
+            <a:r>
+              <a:rPr lang="de-DE" sz="2500" dirty="0"/>
+              <a:t>Soll-Ist1 Personalkosten</a:t>
+            </a:r>
+          </a:p>
+          <a:p>
+            <a:pPr defTabSz="481706">
+              <a:lnSpc>
+                <a:spcPts val="3688"/>
+              </a:lnSpc>
+              <a:defRPr/>
+            </a:pPr>
+            <a:r>
+              <a:rPr lang="de-DE" sz="2500" dirty="0"/>
+              <a:t>Soll-Ist2 Personalkosten</a:t>
+            </a:r>
+          </a:p>
+          <a:p>
+            <a:endParaRPr lang="de-DE" sz="2500" dirty="0"/>
+          </a:p>
+          <a:p>
+            <a:r>
+              <a:rPr lang="de-DE" sz="2500" dirty="0"/>
+              <a:t>Soll-Ist1 Sonstige Kosten</a:t>
+            </a:r>
+          </a:p>
+          <a:p>
+            <a:pPr defTabSz="481706">
+              <a:lnSpc>
+                <a:spcPts val="3688"/>
+              </a:lnSpc>
+              <a:defRPr/>
+            </a:pPr>
+            <a:r>
+              <a:rPr lang="de-DE" sz="2500" dirty="0"/>
+              <a:t>Soll-Ist2 Sonstige Kosten</a:t>
+            </a:r>
+          </a:p>
+          <a:p>
+            <a:endParaRPr lang="de-DE" sz="2500" dirty="0"/>
+          </a:p>
+          <a:p>
+            <a:r>
+              <a:rPr lang="de-DE" sz="2500" dirty="0"/>
+              <a:t>Soll-Ist1 Gesamtkosten</a:t>
+            </a:r>
+          </a:p>
+          <a:p>
+            <a:pPr defTabSz="481706">
+              <a:lnSpc>
+                <a:spcPts val="3688"/>
+              </a:lnSpc>
+              <a:defRPr/>
+            </a:pPr>
+            <a:r>
+              <a:rPr lang="de-DE" sz="2500" dirty="0"/>
+              <a:t>Soll-Ist2 Gesamtkosten</a:t>
+            </a:r>
+          </a:p>
+          <a:p>
+            <a:endParaRPr lang="de-DE" sz="2500" dirty="0"/>
+          </a:p>
+          <a:p>
+            <a:r>
+              <a:rPr lang="de-DE" sz="2500" dirty="0"/>
+              <a:t>Soll-Ist1 Rolle (…)</a:t>
+            </a:r>
+          </a:p>
+          <a:p>
+            <a:pPr defTabSz="481706">
+              <a:lnSpc>
+                <a:spcPts val="3688"/>
+              </a:lnSpc>
+              <a:defRPr/>
+            </a:pPr>
+            <a:r>
+              <a:rPr lang="de-DE" sz="2500" dirty="0"/>
+              <a:t>Soll-Ist2 Rolle (…)</a:t>
+            </a:r>
+          </a:p>
+          <a:p>
+            <a:endParaRPr lang="de-DE" sz="2500" dirty="0"/>
+          </a:p>
+          <a:p>
+            <a:r>
+              <a:rPr lang="de-DE" sz="2500" dirty="0"/>
+              <a:t>Soll-Ist1 Kostenart (…)</a:t>
+            </a:r>
+          </a:p>
+          <a:p>
+            <a:pPr defTabSz="481706">
+              <a:lnSpc>
+                <a:spcPts val="3688"/>
+              </a:lnSpc>
+              <a:defRPr/>
+            </a:pPr>
+            <a:r>
+              <a:rPr lang="de-DE" sz="2500" dirty="0"/>
+              <a:t>Soll-Ist2 Kostenart (…)</a:t>
+            </a:r>
+          </a:p>
+          <a:p>
+            <a:endParaRPr lang="de-DE" sz="2500" dirty="0"/>
+          </a:p>
+          <a:p>
+            <a:r>
+              <a:rPr lang="de-DE" sz="2500" dirty="0"/>
+              <a:t>Ampel-Farbe</a:t>
+            </a:r>
+          </a:p>
+          <a:p>
+            <a:r>
+              <a:rPr lang="de-DE" sz="2500" dirty="0"/>
+              <a:t>Beschreibung</a:t>
+            </a:r>
+          </a:p>
+          <a:p>
+            <a:r>
+              <a:rPr lang="de-DE" sz="2500" dirty="0"/>
+              <a:t>Stand:</a:t>
+            </a:r>
+          </a:p>
+          <a:p>
+            <a:r>
+              <a:rPr lang="de-DE" sz="2500" dirty="0"/>
+              <a:t>Laufzeit:</a:t>
+            </a:r>
+          </a:p>
+          <a:p>
+            <a:r>
+              <a:rPr lang="de-DE" sz="2500" dirty="0"/>
+              <a:t>Verantwortlich:</a:t>
+            </a:r>
+            <a:endParaRPr lang="de-DE" dirty="0"/>
+          </a:p>
+        </p:txBody>
+      </p:sp>
+    </p:spTree>
+    <p:extLst>
+      <p:ext uri="{BB962C8B-B14F-4D97-AF65-F5344CB8AC3E}">
+        <p14:creationId xmlns:p14="http://schemas.microsoft.com/office/powerpoint/2010/main" val="1822032258"/>
+      </p:ext>
+    </p:extLst>
+  </p:cSld>
+  <p:clrMapOvr>
+    <a:masterClrMapping/>
+  </p:clrMapOvr>
+</p:notes>
+</file>
+
+<file path=ppt/notesSlides/notesSlide7.xml><?xml version="1.0" encoding="utf-8"?>
+<p:notes xmlns:a="http://schemas.openxmlformats.org/drawingml/2006/main" xmlns:r="http://schemas.openxmlformats.org/officeDocument/2006/relationships" xmlns:p="http://schemas.openxmlformats.org/presentationml/2006/main">
+  <p:cSld>
+    <p:spTree>
+      <p:nvGrpSpPr>
+        <p:cNvPr id="1" name=""/>
+        <p:cNvGrpSpPr/>
+        <p:nvPr/>
+      </p:nvGrpSpPr>
+      <p:grpSpPr>
+        <a:xfrm>
+          <a:off x="0" y="0"/>
+          <a:ext cx="0" cy="0"/>
+          <a:chOff x="0" y="0"/>
+          <a:chExt cx="0" cy="0"/>
+        </a:xfrm>
+      </p:grpSpPr>
+      <p:sp>
+        <p:nvSpPr>
+          <p:cNvPr id="2" name="Folienbildplatzhalter 1"/>
+          <p:cNvSpPr>
+            <a:spLocks noGrp="1" noRot="1" noChangeAspect="1"/>
+          </p:cNvSpPr>
+          <p:nvPr>
+            <p:ph type="sldImg"/>
+          </p:nvPr>
+        </p:nvSpPr>
+        <p:spPr/>
+      </p:sp>
+      <p:sp>
+        <p:nvSpPr>
+          <p:cNvPr id="3" name="Notizenplatzhalter 2"/>
+          <p:cNvSpPr>
+            <a:spLocks noGrp="1"/>
+          </p:cNvSpPr>
+          <p:nvPr>
+            <p:ph type="body" idx="1"/>
+          </p:nvPr>
+        </p:nvSpPr>
+        <p:spPr/>
+        <p:txBody>
+          <a:bodyPr/>
+          <a:lstStyle/>
+          <a:p>
+            <a:r>
+              <a:rPr lang="de-DE" sz="2500" dirty="0"/>
+              <a:t>Projekt-Name</a:t>
+            </a:r>
+          </a:p>
+          <a:p>
+            <a:r>
+              <a:rPr lang="de-DE" sz="2500" dirty="0"/>
+              <a:t>Ergebnis</a:t>
+            </a:r>
+          </a:p>
+          <a:p>
+            <a:r>
+              <a:rPr lang="de-DE" sz="2500" dirty="0"/>
+              <a:t>Strategie/Risiko</a:t>
+            </a:r>
+          </a:p>
+          <a:p>
+            <a:r>
+              <a:rPr lang="de-DE" sz="2500" dirty="0"/>
+              <a:t>Teilprojekte</a:t>
+            </a:r>
+          </a:p>
+          <a:p>
+            <a:r>
+              <a:rPr lang="de-DE" sz="2500" dirty="0"/>
+              <a:t>Personalbedarf</a:t>
+            </a:r>
+          </a:p>
+          <a:p>
+            <a:r>
+              <a:rPr lang="de-DE" sz="2500" dirty="0"/>
+              <a:t>Personalkosten</a:t>
+            </a:r>
+          </a:p>
+          <a:p>
+            <a:r>
+              <a:rPr lang="de-DE" sz="2500" dirty="0"/>
+              <a:t>Sonstige Kosten</a:t>
+            </a:r>
+          </a:p>
+          <a:p>
+            <a:r>
+              <a:rPr lang="de-DE" sz="2500" dirty="0"/>
+              <a:t>Gesamtkosten</a:t>
+            </a:r>
+          </a:p>
+          <a:p>
+            <a:r>
+              <a:rPr lang="de-DE" sz="2500" dirty="0"/>
+              <a:t>Fortschritt Personalkosten</a:t>
+            </a:r>
+          </a:p>
+          <a:p>
+            <a:r>
+              <a:rPr lang="de-DE" sz="2500" dirty="0"/>
+              <a:t>Fortschritt Sonstige Kosten</a:t>
+            </a:r>
+          </a:p>
+          <a:p>
+            <a:r>
+              <a:rPr lang="de-DE" sz="2500" dirty="0"/>
+              <a:t>Fortschritt Gesamtkosten</a:t>
+            </a:r>
+          </a:p>
+          <a:p>
+            <a:r>
+              <a:rPr lang="de-DE" sz="2500" dirty="0"/>
+              <a:t>Fortschritt Rolle(…)</a:t>
+            </a:r>
+          </a:p>
+          <a:p>
+            <a:r>
+              <a:rPr lang="de-DE" sz="2500" dirty="0"/>
+              <a:t>Fortschritt Kostenart(…)</a:t>
+            </a:r>
+          </a:p>
+          <a:p>
+            <a:endParaRPr lang="de-DE" sz="2500" dirty="0"/>
+          </a:p>
+          <a:p>
+            <a:r>
+              <a:rPr lang="de-DE" sz="2500" dirty="0"/>
+              <a:t>Soll-Ist1 Personalkosten</a:t>
+            </a:r>
+          </a:p>
+          <a:p>
+            <a:pPr defTabSz="481706">
+              <a:lnSpc>
+                <a:spcPts val="3688"/>
+              </a:lnSpc>
+              <a:defRPr/>
+            </a:pPr>
+            <a:r>
+              <a:rPr lang="de-DE" sz="2500" dirty="0"/>
+              <a:t>Soll-Ist2 Personalkosten</a:t>
+            </a:r>
+          </a:p>
+          <a:p>
+            <a:endParaRPr lang="de-DE" sz="2500" dirty="0"/>
+          </a:p>
+          <a:p>
+            <a:r>
+              <a:rPr lang="de-DE" sz="2500" dirty="0"/>
+              <a:t>Soll-Ist1 Sonstige Kosten</a:t>
+            </a:r>
+          </a:p>
+          <a:p>
+            <a:pPr defTabSz="481706">
+              <a:lnSpc>
+                <a:spcPts val="3688"/>
+              </a:lnSpc>
+              <a:defRPr/>
+            </a:pPr>
+            <a:r>
+              <a:rPr lang="de-DE" sz="2500" dirty="0"/>
+              <a:t>Soll-Ist2 Sonstige Kosten</a:t>
+            </a:r>
+          </a:p>
+          <a:p>
+            <a:endParaRPr lang="de-DE" sz="2500" dirty="0"/>
+          </a:p>
+          <a:p>
+            <a:r>
+              <a:rPr lang="de-DE" sz="2500" dirty="0"/>
+              <a:t>Soll-Ist1 Gesamtkosten</a:t>
+            </a:r>
+          </a:p>
+          <a:p>
+            <a:pPr defTabSz="481706">
+              <a:lnSpc>
+                <a:spcPts val="3688"/>
+              </a:lnSpc>
+              <a:defRPr/>
+            </a:pPr>
+            <a:r>
+              <a:rPr lang="de-DE" sz="2500" dirty="0"/>
+              <a:t>Soll-Ist2 Gesamtkosten</a:t>
+            </a:r>
+          </a:p>
+          <a:p>
+            <a:endParaRPr lang="de-DE" sz="2500" dirty="0"/>
+          </a:p>
+          <a:p>
+            <a:r>
+              <a:rPr lang="de-DE" sz="2500" dirty="0"/>
+              <a:t>Soll-Ist1 Rolle (…)</a:t>
+            </a:r>
+          </a:p>
+          <a:p>
+            <a:pPr defTabSz="481706">
+              <a:lnSpc>
+                <a:spcPts val="3688"/>
+              </a:lnSpc>
+              <a:defRPr/>
+            </a:pPr>
+            <a:r>
+              <a:rPr lang="de-DE" sz="2500" dirty="0"/>
+              <a:t>Soll-Ist2 Rolle (…)</a:t>
+            </a:r>
+          </a:p>
+          <a:p>
+            <a:endParaRPr lang="de-DE" sz="2500" dirty="0"/>
+          </a:p>
+          <a:p>
+            <a:r>
+              <a:rPr lang="de-DE" sz="2500" dirty="0"/>
+              <a:t>Soll-Ist1 Kostenart (…)</a:t>
+            </a:r>
+          </a:p>
+          <a:p>
+            <a:pPr defTabSz="481706">
+              <a:lnSpc>
+                <a:spcPts val="3688"/>
+              </a:lnSpc>
+              <a:defRPr/>
+            </a:pPr>
+            <a:r>
+              <a:rPr lang="de-DE" sz="2500" dirty="0"/>
+              <a:t>Soll-Ist2 Kostenart (…)</a:t>
+            </a:r>
+          </a:p>
+          <a:p>
+            <a:endParaRPr lang="de-DE" sz="2500" dirty="0"/>
+          </a:p>
+          <a:p>
+            <a:r>
+              <a:rPr lang="de-DE" sz="2500" dirty="0"/>
+              <a:t>Ampel-Farbe</a:t>
+            </a:r>
+          </a:p>
+          <a:p>
+            <a:r>
+              <a:rPr lang="de-DE" sz="2500" dirty="0"/>
+              <a:t>Beschreibung</a:t>
+            </a:r>
+          </a:p>
+          <a:p>
+            <a:r>
+              <a:rPr lang="de-DE" sz="2500" dirty="0"/>
+              <a:t>Stand:</a:t>
+            </a:r>
+          </a:p>
+          <a:p>
+            <a:r>
+              <a:rPr lang="de-DE" sz="2500" dirty="0"/>
+              <a:t>Laufzeit:</a:t>
+            </a:r>
+          </a:p>
+          <a:p>
+            <a:r>
+              <a:rPr lang="de-DE" sz="2500" dirty="0"/>
+              <a:t>Verantwortlich:</a:t>
+            </a:r>
+            <a:endParaRPr lang="de-DE" dirty="0"/>
+          </a:p>
+        </p:txBody>
+      </p:sp>
+    </p:spTree>
+    <p:extLst>
+      <p:ext uri="{BB962C8B-B14F-4D97-AF65-F5344CB8AC3E}">
+        <p14:creationId xmlns:p14="http://schemas.microsoft.com/office/powerpoint/2010/main" val="1822032258"/>
+      </p:ext>
+    </p:extLst>
+  </p:cSld>
+  <p:clrMapOvr>
+    <a:masterClrMapping/>
+  </p:clrMapOvr>
+</p:notes>
+</file>
+
+<file path=ppt/notesSlides/notesSlide8.xml><?xml version="1.0" encoding="utf-8"?>
 <p:notes xmlns:a="http://schemas.openxmlformats.org/drawingml/2006/main" xmlns:r="http://schemas.openxmlformats.org/officeDocument/2006/relationships" xmlns:p="http://schemas.openxmlformats.org/presentationml/2006/main">
   <p:cSld>
     <p:spTree>
@@ -4128,103 +4680,9 @@
           <a:p>
             <a:r>
               <a:rPr lang="de-DE" sz="4400" dirty="0" smtClean="0"/>
-              <a:t>Plan Veränderungen</a:t>
+              <a:t>Übersicht: Vergleich mit letztem Stand</a:t>
             </a:r>
             <a:endParaRPr lang="de-DE" dirty="0"/>
-          </a:p>
-        </p:txBody>
-      </p:sp>
-      <p:sp>
-        <p:nvSpPr>
-          <p:cNvPr id="8" name="Rechteck 7"/>
-          <p:cNvSpPr/>
-          <p:nvPr/>
-        </p:nvSpPr>
-        <p:spPr bwMode="auto">
-          <a:xfrm>
-            <a:off x="453728" y="1708448"/>
-            <a:ext cx="12097344" cy="1627156"/>
-          </a:xfrm>
-          <a:prstGeom prst="rect">
-            <a:avLst/>
-          </a:prstGeom>
-          <a:solidFill>
-            <a:srgbClr val="FFFFFF"/>
-          </a:solidFill>
-          <a:ln w="38100" cap="flat" cmpd="sng" algn="ctr">
-            <a:solidFill>
-              <a:schemeClr val="accent1">
-                <a:lumMod val="75000"/>
-              </a:schemeClr>
-            </a:solidFill>
-            <a:prstDash val="solid"/>
-            <a:miter lim="0"/>
-            <a:headEnd type="none" w="med" len="med"/>
-            <a:tailEnd type="none" w="med" len="med"/>
-          </a:ln>
-          <a:effectLst>
-            <a:innerShdw blurRad="63500" dist="50800" dir="18900000">
-              <a:prstClr val="black">
-                <a:alpha val="50000"/>
-              </a:prstClr>
-            </a:innerShdw>
-            <a:softEdge rad="12700"/>
-          </a:effectLst>
-          <a:extLst/>
-        </p:spPr>
-        <p:txBody>
-          <a:bodyPr vert="horz" wrap="square" lIns="50800" tIns="50800" rIns="50800" bIns="50800" numCol="1" rtlCol="0" anchor="ctr" anchorCtr="0" compatLnSpc="1">
-            <a:prstTxWarp prst="textNoShape">
-              <a:avLst/>
-            </a:prstTxWarp>
-          </a:bodyPr>
-          <a:lstStyle/>
-          <a:p>
-            <a:pPr marL="342900" marR="0" indent="0" algn="ctr" defTabSz="584200" rtl="0" eaLnBrk="1" fontAlgn="base" latinLnBrk="0" hangingPunct="0">
-              <a:lnSpc>
-                <a:spcPct val="100000"/>
-              </a:lnSpc>
-              <a:spcBef>
-                <a:spcPct val="0"/>
-              </a:spcBef>
-              <a:spcAft>
-                <a:spcPct val="0"/>
-              </a:spcAft>
-              <a:buClrTx/>
-              <a:buSzTx/>
-              <a:buFontTx/>
-              <a:buNone/>
-              <a:tabLst/>
-            </a:pPr>
-            <a:r>
-              <a:rPr kumimoji="0" lang="de-DE" sz="1400" b="0" i="0" u="none" strike="noStrike" cap="none" normalizeH="0" baseline="0" dirty="0" smtClean="0">
-                <a:ln>
-                  <a:noFill/>
-                </a:ln>
-                <a:solidFill>
-                  <a:schemeClr val="bg2"/>
-                </a:solidFill>
-                <a:effectLst/>
-                <a:latin typeface="Gill Sans Light" charset="0"/>
-                <a:ea typeface="Gill Sans Light" charset="0"/>
-                <a:cs typeface="Gill Sans Light" charset="0"/>
-                <a:sym typeface="Gill Sans Light" charset="0"/>
-              </a:rPr>
-              <a:t>Projekt-Grafik</a:t>
-            </a:r>
-            <a:endParaRPr kumimoji="0" lang="de-DE" sz="1800" b="0" i="0" u="none" strike="noStrike" cap="none" normalizeH="0" baseline="0" dirty="0" smtClean="0">
-              <a:ln>
-                <a:noFill/>
-              </a:ln>
-              <a:solidFill>
-                <a:schemeClr val="bg2"/>
-              </a:solidFill>
-              <a:effectLst/>
-              <a:latin typeface="Gill Sans Light" charset="0"/>
-              <a:ea typeface="Gill Sans Light" charset="0"/>
-              <a:cs typeface="Gill Sans Light" charset="0"/>
-              <a:sym typeface="Gill Sans Light" charset="0"/>
-            </a:endParaRPr>
           </a:p>
         </p:txBody>
       </p:sp>
@@ -4430,21 +4888,21 @@
       </p:sp>
       <p:graphicFrame>
         <p:nvGraphicFramePr>
-          <p:cNvPr id="16" name="Tabelle 15" title="Tabelle Veränderungen"/>
+          <p:cNvPr id="16" name="Tabelle 15" title="Tabelle Vergleich letzter Stand"/>
           <p:cNvGraphicFramePr>
             <a:graphicFrameLocks noGrp="1"/>
           </p:cNvGraphicFramePr>
           <p:nvPr>
             <p:extLst>
               <p:ext uri="{D42A27DB-BD31-4B8C-83A1-F6EECF244321}">
-                <p14:modId xmlns:p14="http://schemas.microsoft.com/office/powerpoint/2010/main" val="2153915106"/>
+                <p14:modId xmlns:p14="http://schemas.microsoft.com/office/powerpoint/2010/main" val="2679505423"/>
               </p:ext>
             </p:extLst>
           </p:nvPr>
         </p:nvGraphicFramePr>
         <p:xfrm>
-          <a:off x="453730" y="3508649"/>
-          <a:ext cx="12097341" cy="777389"/>
+          <a:off x="453728" y="1780456"/>
+          <a:ext cx="12097343" cy="5616619"/>
         </p:xfrm>
         <a:graphic>
           <a:graphicData uri="http://schemas.openxmlformats.org/drawingml/2006/table">
@@ -4453,17 +4911,12 @@
                 <a:tableStyleId>{5A111915-BE36-4E01-A7E5-04B1672EAD32}</a:tableStyleId>
               </a:tblPr>
               <a:tblGrid>
-                <a:gridCol w="373046"/>
-                <a:gridCol w="2507272"/>
-                <a:gridCol w="1728192"/>
-                <a:gridCol w="720080"/>
-                <a:gridCol w="1800200"/>
-                <a:gridCol w="720080"/>
-                <a:gridCol w="2016224"/>
-                <a:gridCol w="720080"/>
-                <a:gridCol w="1512167"/>
+                <a:gridCol w="2592288"/>
+                <a:gridCol w="1224136"/>
+                <a:gridCol w="3888432"/>
+                <a:gridCol w="4392487"/>
               </a:tblGrid>
-              <a:tr h="388843">
+              <a:tr h="892359">
                 <a:tc>
                   <a:txBody>
                     <a:bodyPr/>
@@ -4560,9 +5013,10 @@
                       </a:lvl9pPr>
                     </a:lstStyle>
                     <a:p>
+                      <a:pPr algn="ctr"/>
                       <a:r>
                         <a:rPr lang="de-DE" sz="1400" dirty="0" smtClean="0"/>
-                        <a:t>ID</a:t>
+                        <a:t>Charakteristik</a:t>
                       </a:r>
                       <a:endParaRPr lang="de-DE" sz="1400" dirty="0">
                         <a:solidFill>
@@ -4571,7 +5025,36 @@
                       </a:endParaRPr>
                     </a:p>
                   </a:txBody>
-                  <a:tcPr/>
+                  <a:tcPr anchor="ctr"/>
+                </a:tc>
+                <a:tc>
+                  <a:txBody>
+                    <a:bodyPr/>
+                    <a:lstStyle/>
+                    <a:p>
+                      <a:pPr algn="ctr"/>
+                      <a:r>
+                        <a:rPr lang="de-DE" sz="1400" b="1" kern="1200" dirty="0" smtClean="0">
+                          <a:solidFill>
+                            <a:schemeClr val="lt1"/>
+                          </a:solidFill>
+                          <a:latin typeface="Gill Sans Light"/>
+                          <a:ea typeface="ヒラギノ角ゴ ProN W3"/>
+                          <a:cs typeface="ヒラギノ角ゴ ProN W3"/>
+                        </a:rPr>
+                        <a:t>Trend</a:t>
+                      </a:r>
+                      <a:endParaRPr lang="de-DE" sz="1400" b="1" kern="1200" dirty="0">
+                        <a:solidFill>
+                          <a:schemeClr val="lt1"/>
+                        </a:solidFill>
+                        <a:latin typeface="Gill Sans Light"/>
+                        <a:ea typeface="ヒラギノ角ゴ ProN W3"/>
+                        <a:cs typeface="ヒラギノ角ゴ ProN W3"/>
+                      </a:endParaRPr>
+                    </a:p>
+                  </a:txBody>
+                  <a:tcPr anchor="ctr"/>
                 </a:tc>
                 <a:tc>
                   <a:txBody>
@@ -4669,13 +5152,164 @@
                       </a:lvl9pPr>
                     </a:lstStyle>
                     <a:p>
+                      <a:pPr algn="ctr"/>
                       <a:r>
-                        <a:rPr lang="de-DE" sz="1400" kern="1200" dirty="0" smtClean="0"/>
-                        <a:t>Ergebnis</a:t>
+                        <a:rPr lang="de-DE" sz="1400" b="1" kern="1200" dirty="0" smtClean="0">
+                          <a:solidFill>
+                            <a:schemeClr val="lt1"/>
+                          </a:solidFill>
+                          <a:latin typeface="Gill Sans Light"/>
+                          <a:ea typeface="ヒラギノ角ゴ ProN W3"/>
+                          <a:cs typeface="ヒラギノ角ゴ ProN W3"/>
+                        </a:rPr>
+                        <a:t>Letzter Stand in Datenbank</a:t>
                       </a:r>
                       <a:endParaRPr lang="de-DE" sz="1400" b="1" kern="1200" dirty="0">
                         <a:solidFill>
-                          <a:srgbClr val="FFFFFF"/>
+                          <a:schemeClr val="lt1"/>
+                        </a:solidFill>
+                        <a:latin typeface="Gill Sans Light"/>
+                        <a:ea typeface="ヒラギノ角ゴ ProN W3"/>
+                        <a:cs typeface="ヒラギノ角ゴ ProN W3"/>
+                      </a:endParaRPr>
+                    </a:p>
+                  </a:txBody>
+                  <a:tcPr anchor="ctr"/>
+                </a:tc>
+                <a:tc>
+                  <a:txBody>
+                    <a:bodyPr/>
+                    <a:lstStyle/>
+                    <a:p>
+                      <a:pPr marL="0" algn="ctr" defTabSz="914400" rtl="0" eaLnBrk="1" latinLnBrk="0" hangingPunct="1"/>
+                      <a:r>
+                        <a:rPr lang="de-DE" sz="1400" b="1" kern="1200" dirty="0" smtClean="0">
+                          <a:solidFill>
+                            <a:schemeClr val="lt1"/>
+                          </a:solidFill>
+                          <a:latin typeface="Gill Sans Light"/>
+                          <a:ea typeface="ヒラギノ角ゴ ProN W3"/>
+                          <a:cs typeface="ヒラギノ角ゴ ProN W3"/>
+                        </a:rPr>
+                        <a:t>Aktueller Stand</a:t>
+                      </a:r>
+                    </a:p>
+                  </a:txBody>
+                  <a:tcPr anchor="ctr"/>
+                </a:tc>
+              </a:tr>
+              <a:tr h="472426">
+                <a:tc>
+                  <a:txBody>
+                    <a:bodyPr/>
+                    <a:lstStyle>
+                      <a:lvl1pPr marL="0" algn="l" defTabSz="914400" rtl="0" eaLnBrk="1" latinLnBrk="0" hangingPunct="1">
+                        <a:defRPr sz="1800" kern="1200">
+                          <a:solidFill>
+                            <a:schemeClr val="dk1"/>
+                          </a:solidFill>
+                          <a:latin typeface="Gill Sans Light"/>
+                          <a:ea typeface="ヒラギノ角ゴ ProN W3"/>
+                          <a:cs typeface="ヒラギノ角ゴ ProN W3"/>
+                        </a:defRPr>
+                      </a:lvl1pPr>
+                      <a:lvl2pPr marL="457200" algn="l" defTabSz="914400" rtl="0" eaLnBrk="1" latinLnBrk="0" hangingPunct="1">
+                        <a:defRPr sz="1800" kern="1200">
+                          <a:solidFill>
+                            <a:schemeClr val="dk1"/>
+                          </a:solidFill>
+                          <a:latin typeface="Gill Sans Light"/>
+                          <a:ea typeface="ヒラギノ角ゴ ProN W3"/>
+                          <a:cs typeface="ヒラギノ角ゴ ProN W3"/>
+                        </a:defRPr>
+                      </a:lvl2pPr>
+                      <a:lvl3pPr marL="914400" algn="l" defTabSz="914400" rtl="0" eaLnBrk="1" latinLnBrk="0" hangingPunct="1">
+                        <a:defRPr sz="1800" kern="1200">
+                          <a:solidFill>
+                            <a:schemeClr val="dk1"/>
+                          </a:solidFill>
+                          <a:latin typeface="Gill Sans Light"/>
+                          <a:ea typeface="ヒラギノ角ゴ ProN W3"/>
+                          <a:cs typeface="ヒラギノ角ゴ ProN W3"/>
+                        </a:defRPr>
+                      </a:lvl3pPr>
+                      <a:lvl4pPr marL="1371600" algn="l" defTabSz="914400" rtl="0" eaLnBrk="1" latinLnBrk="0" hangingPunct="1">
+                        <a:defRPr sz="1800" kern="1200">
+                          <a:solidFill>
+                            <a:schemeClr val="dk1"/>
+                          </a:solidFill>
+                          <a:latin typeface="Gill Sans Light"/>
+                          <a:ea typeface="ヒラギノ角ゴ ProN W3"/>
+                          <a:cs typeface="ヒラギノ角ゴ ProN W3"/>
+                        </a:defRPr>
+                      </a:lvl4pPr>
+                      <a:lvl5pPr marL="1828800" algn="l" defTabSz="914400" rtl="0" eaLnBrk="1" latinLnBrk="0" hangingPunct="1">
+                        <a:defRPr sz="1800" kern="1200">
+                          <a:solidFill>
+                            <a:schemeClr val="dk1"/>
+                          </a:solidFill>
+                          <a:latin typeface="Gill Sans Light"/>
+                          <a:ea typeface="ヒラギノ角ゴ ProN W3"/>
+                          <a:cs typeface="ヒラギノ角ゴ ProN W3"/>
+                        </a:defRPr>
+                      </a:lvl5pPr>
+                      <a:lvl6pPr marL="2286000" algn="l" defTabSz="914400" rtl="0" eaLnBrk="1" latinLnBrk="0" hangingPunct="1">
+                        <a:defRPr sz="1800" kern="1200">
+                          <a:solidFill>
+                            <a:schemeClr val="dk1"/>
+                          </a:solidFill>
+                          <a:latin typeface="Gill Sans Light"/>
+                          <a:ea typeface="ヒラギノ角ゴ ProN W3"/>
+                          <a:cs typeface="ヒラギノ角ゴ ProN W3"/>
+                        </a:defRPr>
+                      </a:lvl6pPr>
+                      <a:lvl7pPr marL="2743200" algn="l" defTabSz="914400" rtl="0" eaLnBrk="1" latinLnBrk="0" hangingPunct="1">
+                        <a:defRPr sz="1800" kern="1200">
+                          <a:solidFill>
+                            <a:schemeClr val="dk1"/>
+                          </a:solidFill>
+                          <a:latin typeface="Gill Sans Light"/>
+                          <a:ea typeface="ヒラギノ角ゴ ProN W3"/>
+                          <a:cs typeface="ヒラギノ角ゴ ProN W3"/>
+                        </a:defRPr>
+                      </a:lvl7pPr>
+                      <a:lvl8pPr marL="3200400" algn="l" defTabSz="914400" rtl="0" eaLnBrk="1" latinLnBrk="0" hangingPunct="1">
+                        <a:defRPr sz="1800" kern="1200">
+                          <a:solidFill>
+                            <a:schemeClr val="dk1"/>
+                          </a:solidFill>
+                          <a:latin typeface="Gill Sans Light"/>
+                          <a:ea typeface="ヒラギノ角ゴ ProN W3"/>
+                          <a:cs typeface="ヒラギノ角ゴ ProN W3"/>
+                        </a:defRPr>
+                      </a:lvl8pPr>
+                      <a:lvl9pPr marL="3657600" algn="l" defTabSz="914400" rtl="0" eaLnBrk="1" latinLnBrk="0" hangingPunct="1">
+                        <a:defRPr sz="1800" kern="1200">
+                          <a:solidFill>
+                            <a:schemeClr val="dk1"/>
+                          </a:solidFill>
+                          <a:latin typeface="Gill Sans Light"/>
+                          <a:ea typeface="ヒラギノ角ゴ ProN W3"/>
+                          <a:cs typeface="ヒラギノ角ゴ ProN W3"/>
+                        </a:defRPr>
+                      </a:lvl9pPr>
+                    </a:lstStyle>
+                    <a:p>
+                      <a:pPr marL="0" algn="l" defTabSz="914400" rtl="0" eaLnBrk="1" latinLnBrk="0" hangingPunct="1"/>
+                      <a:r>
+                        <a:rPr lang="de-DE" sz="1400" kern="1200" dirty="0" smtClean="0">
+                          <a:solidFill>
+                            <a:schemeClr val="bg1"/>
+                          </a:solidFill>
+                          <a:latin typeface="+mn-lt"/>
+                          <a:ea typeface="+mn-ea"/>
+                          <a:cs typeface="+mn-cs"/>
+                        </a:rPr>
+                        <a:t>Ergebnis</a:t>
+                      </a:r>
+                      <a:endParaRPr lang="de-DE" sz="1400" kern="1200" dirty="0">
+                        <a:solidFill>
+                          <a:schemeClr val="bg1"/>
                         </a:solidFill>
                         <a:latin typeface="+mn-lt"/>
                         <a:ea typeface="+mn-ea"/>
@@ -4683,7 +5317,1294 @@
                       </a:endParaRPr>
                     </a:p>
                   </a:txBody>
-                  <a:tcPr/>
+                  <a:tcPr anchor="ctr"/>
+                </a:tc>
+                <a:tc>
+                  <a:txBody>
+                    <a:bodyPr/>
+                    <a:lstStyle/>
+                    <a:p>
+                      <a:pPr marL="0" algn="l" defTabSz="914400" rtl="0" eaLnBrk="1" latinLnBrk="0" hangingPunct="1"/>
+                      <a:endParaRPr lang="de-DE" sz="1400" kern="1200" dirty="0">
+                        <a:solidFill>
+                          <a:schemeClr val="bg1"/>
+                        </a:solidFill>
+                        <a:latin typeface="+mn-lt"/>
+                        <a:ea typeface="+mn-ea"/>
+                        <a:cs typeface="+mn-cs"/>
+                      </a:endParaRPr>
+                    </a:p>
+                  </a:txBody>
+                  <a:tcPr anchor="ctr"/>
+                </a:tc>
+                <a:tc>
+                  <a:txBody>
+                    <a:bodyPr/>
+                    <a:lstStyle>
+                      <a:lvl1pPr marL="0" algn="l" defTabSz="914400" rtl="0" eaLnBrk="1" latinLnBrk="0" hangingPunct="1">
+                        <a:defRPr sz="1800" kern="1200">
+                          <a:solidFill>
+                            <a:schemeClr val="dk1"/>
+                          </a:solidFill>
+                          <a:latin typeface="Gill Sans Light"/>
+                          <a:ea typeface="ヒラギノ角ゴ ProN W3"/>
+                          <a:cs typeface="ヒラギノ角ゴ ProN W3"/>
+                        </a:defRPr>
+                      </a:lvl1pPr>
+                      <a:lvl2pPr marL="457200" algn="l" defTabSz="914400" rtl="0" eaLnBrk="1" latinLnBrk="0" hangingPunct="1">
+                        <a:defRPr sz="1800" kern="1200">
+                          <a:solidFill>
+                            <a:schemeClr val="dk1"/>
+                          </a:solidFill>
+                          <a:latin typeface="Gill Sans Light"/>
+                          <a:ea typeface="ヒラギノ角ゴ ProN W3"/>
+                          <a:cs typeface="ヒラギノ角ゴ ProN W3"/>
+                        </a:defRPr>
+                      </a:lvl2pPr>
+                      <a:lvl3pPr marL="914400" algn="l" defTabSz="914400" rtl="0" eaLnBrk="1" latinLnBrk="0" hangingPunct="1">
+                        <a:defRPr sz="1800" kern="1200">
+                          <a:solidFill>
+                            <a:schemeClr val="dk1"/>
+                          </a:solidFill>
+                          <a:latin typeface="Gill Sans Light"/>
+                          <a:ea typeface="ヒラギノ角ゴ ProN W3"/>
+                          <a:cs typeface="ヒラギノ角ゴ ProN W3"/>
+                        </a:defRPr>
+                      </a:lvl3pPr>
+                      <a:lvl4pPr marL="1371600" algn="l" defTabSz="914400" rtl="0" eaLnBrk="1" latinLnBrk="0" hangingPunct="1">
+                        <a:defRPr sz="1800" kern="1200">
+                          <a:solidFill>
+                            <a:schemeClr val="dk1"/>
+                          </a:solidFill>
+                          <a:latin typeface="Gill Sans Light"/>
+                          <a:ea typeface="ヒラギノ角ゴ ProN W3"/>
+                          <a:cs typeface="ヒラギノ角ゴ ProN W3"/>
+                        </a:defRPr>
+                      </a:lvl4pPr>
+                      <a:lvl5pPr marL="1828800" algn="l" defTabSz="914400" rtl="0" eaLnBrk="1" latinLnBrk="0" hangingPunct="1">
+                        <a:defRPr sz="1800" kern="1200">
+                          <a:solidFill>
+                            <a:schemeClr val="dk1"/>
+                          </a:solidFill>
+                          <a:latin typeface="Gill Sans Light"/>
+                          <a:ea typeface="ヒラギノ角ゴ ProN W3"/>
+                          <a:cs typeface="ヒラギノ角ゴ ProN W3"/>
+                        </a:defRPr>
+                      </a:lvl5pPr>
+                      <a:lvl6pPr marL="2286000" algn="l" defTabSz="914400" rtl="0" eaLnBrk="1" latinLnBrk="0" hangingPunct="1">
+                        <a:defRPr sz="1800" kern="1200">
+                          <a:solidFill>
+                            <a:schemeClr val="dk1"/>
+                          </a:solidFill>
+                          <a:latin typeface="Gill Sans Light"/>
+                          <a:ea typeface="ヒラギノ角ゴ ProN W3"/>
+                          <a:cs typeface="ヒラギノ角ゴ ProN W3"/>
+                        </a:defRPr>
+                      </a:lvl6pPr>
+                      <a:lvl7pPr marL="2743200" algn="l" defTabSz="914400" rtl="0" eaLnBrk="1" latinLnBrk="0" hangingPunct="1">
+                        <a:defRPr sz="1800" kern="1200">
+                          <a:solidFill>
+                            <a:schemeClr val="dk1"/>
+                          </a:solidFill>
+                          <a:latin typeface="Gill Sans Light"/>
+                          <a:ea typeface="ヒラギノ角ゴ ProN W3"/>
+                          <a:cs typeface="ヒラギノ角ゴ ProN W3"/>
+                        </a:defRPr>
+                      </a:lvl7pPr>
+                      <a:lvl8pPr marL="3200400" algn="l" defTabSz="914400" rtl="0" eaLnBrk="1" latinLnBrk="0" hangingPunct="1">
+                        <a:defRPr sz="1800" kern="1200">
+                          <a:solidFill>
+                            <a:schemeClr val="dk1"/>
+                          </a:solidFill>
+                          <a:latin typeface="Gill Sans Light"/>
+                          <a:ea typeface="ヒラギノ角ゴ ProN W3"/>
+                          <a:cs typeface="ヒラギノ角ゴ ProN W3"/>
+                        </a:defRPr>
+                      </a:lvl8pPr>
+                      <a:lvl9pPr marL="3657600" algn="l" defTabSz="914400" rtl="0" eaLnBrk="1" latinLnBrk="0" hangingPunct="1">
+                        <a:defRPr sz="1800" kern="1200">
+                          <a:solidFill>
+                            <a:schemeClr val="dk1"/>
+                          </a:solidFill>
+                          <a:latin typeface="Gill Sans Light"/>
+                          <a:ea typeface="ヒラギノ角ゴ ProN W3"/>
+                          <a:cs typeface="ヒラギノ角ゴ ProN W3"/>
+                        </a:defRPr>
+                      </a:lvl9pPr>
+                    </a:lstStyle>
+                    <a:p>
+                      <a:pPr marL="0" algn="ctr" defTabSz="914400" rtl="0" eaLnBrk="1" latinLnBrk="0" hangingPunct="1"/>
+                      <a:r>
+                        <a:rPr lang="de-DE" sz="1400" kern="1200" dirty="0" smtClean="0">
+                          <a:solidFill>
+                            <a:schemeClr val="bg1"/>
+                          </a:solidFill>
+                          <a:latin typeface="+mn-lt"/>
+                          <a:ea typeface="+mn-ea"/>
+                          <a:cs typeface="+mn-cs"/>
+                        </a:rPr>
+                        <a:t>50 T€</a:t>
+                      </a:r>
+                      <a:endParaRPr lang="de-DE" sz="1400" kern="1200" dirty="0">
+                        <a:solidFill>
+                          <a:schemeClr val="bg1"/>
+                        </a:solidFill>
+                        <a:latin typeface="+mn-lt"/>
+                        <a:ea typeface="+mn-ea"/>
+                        <a:cs typeface="+mn-cs"/>
+                      </a:endParaRPr>
+                    </a:p>
+                  </a:txBody>
+                  <a:tcPr anchor="ctr"/>
+                </a:tc>
+                <a:tc>
+                  <a:txBody>
+                    <a:bodyPr/>
+                    <a:lstStyle/>
+                    <a:p>
+                      <a:pPr algn="ctr"/>
+                      <a:r>
+                        <a:rPr lang="de-DE" sz="1400" dirty="0" smtClean="0">
+                          <a:solidFill>
+                            <a:schemeClr val="bg1"/>
+                          </a:solidFill>
+                        </a:rPr>
+                        <a:t>-10 T€</a:t>
+                      </a:r>
+                      <a:endParaRPr lang="de-DE" sz="1400" dirty="0">
+                        <a:solidFill>
+                          <a:schemeClr val="bg1"/>
+                        </a:solidFill>
+                      </a:endParaRPr>
+                    </a:p>
+                  </a:txBody>
+                  <a:tcPr anchor="ctr"/>
+                </a:tc>
+              </a:tr>
+              <a:tr h="472426">
+                <a:tc>
+                  <a:txBody>
+                    <a:bodyPr/>
+                    <a:lstStyle/>
+                    <a:p>
+                      <a:pPr marL="0" algn="l" defTabSz="914400" rtl="0" eaLnBrk="1" latinLnBrk="0" hangingPunct="1"/>
+                      <a:r>
+                        <a:rPr lang="de-DE" sz="1400" kern="1200" dirty="0" smtClean="0">
+                          <a:solidFill>
+                            <a:schemeClr val="bg1"/>
+                          </a:solidFill>
+                          <a:latin typeface="+mn-lt"/>
+                          <a:ea typeface="+mn-ea"/>
+                          <a:cs typeface="+mn-cs"/>
+                        </a:rPr>
+                        <a:t>Budget</a:t>
+                      </a:r>
+                      <a:endParaRPr lang="de-DE" sz="1400" kern="1200" dirty="0">
+                        <a:solidFill>
+                          <a:schemeClr val="bg1"/>
+                        </a:solidFill>
+                        <a:latin typeface="+mn-lt"/>
+                        <a:ea typeface="+mn-ea"/>
+                        <a:cs typeface="+mn-cs"/>
+                      </a:endParaRPr>
+                    </a:p>
+                  </a:txBody>
+                  <a:tcPr anchor="ctr"/>
+                </a:tc>
+                <a:tc>
+                  <a:txBody>
+                    <a:bodyPr/>
+                    <a:lstStyle/>
+                    <a:p>
+                      <a:pPr marL="0" marR="0" indent="0" algn="l" defTabSz="914400" rtl="0" eaLnBrk="1" fontAlgn="auto" latinLnBrk="0" hangingPunct="1">
+                        <a:lnSpc>
+                          <a:spcPct val="100000"/>
+                        </a:lnSpc>
+                        <a:spcBef>
+                          <a:spcPts val="0"/>
+                        </a:spcBef>
+                        <a:spcAft>
+                          <a:spcPts val="0"/>
+                        </a:spcAft>
+                        <a:buClrTx/>
+                        <a:buSzTx/>
+                        <a:buFontTx/>
+                        <a:buNone/>
+                        <a:tabLst/>
+                        <a:defRPr/>
+                      </a:pPr>
+                      <a:endParaRPr lang="de-DE" sz="1400" kern="1200" dirty="0" smtClean="0">
+                        <a:solidFill>
+                          <a:schemeClr val="bg1"/>
+                        </a:solidFill>
+                        <a:latin typeface="+mn-lt"/>
+                        <a:ea typeface="+mn-ea"/>
+                        <a:cs typeface="+mn-cs"/>
+                      </a:endParaRPr>
+                    </a:p>
+                  </a:txBody>
+                  <a:tcPr anchor="ctr"/>
+                </a:tc>
+                <a:tc>
+                  <a:txBody>
+                    <a:bodyPr/>
+                    <a:lstStyle/>
+                    <a:p>
+                      <a:pPr marL="0" marR="0" indent="0" algn="ctr" defTabSz="914400" rtl="0" eaLnBrk="1" fontAlgn="auto" latinLnBrk="0" hangingPunct="1">
+                        <a:lnSpc>
+                          <a:spcPct val="100000"/>
+                        </a:lnSpc>
+                        <a:spcBef>
+                          <a:spcPts val="0"/>
+                        </a:spcBef>
+                        <a:spcAft>
+                          <a:spcPts val="0"/>
+                        </a:spcAft>
+                        <a:buClrTx/>
+                        <a:buSzTx/>
+                        <a:buFontTx/>
+                        <a:buNone/>
+                        <a:tabLst/>
+                        <a:defRPr/>
+                      </a:pPr>
+                      <a:r>
+                        <a:rPr lang="de-DE" sz="1400" kern="1200" dirty="0" smtClean="0">
+                          <a:solidFill>
+                            <a:schemeClr val="bg1"/>
+                          </a:solidFill>
+                          <a:latin typeface="+mn-lt"/>
+                          <a:ea typeface="+mn-ea"/>
+                          <a:cs typeface="+mn-cs"/>
+                        </a:rPr>
+                        <a:t>Wert</a:t>
+                      </a:r>
+                      <a:r>
+                        <a:rPr lang="de-DE" sz="1400" kern="1200" baseline="0" dirty="0" smtClean="0">
+                          <a:solidFill>
+                            <a:schemeClr val="bg1"/>
+                          </a:solidFill>
+                          <a:latin typeface="+mn-lt"/>
+                          <a:ea typeface="+mn-ea"/>
+                          <a:cs typeface="+mn-cs"/>
+                        </a:rPr>
+                        <a:t> alt </a:t>
+                      </a:r>
+                      <a:endParaRPr lang="de-DE" sz="1400" kern="1200" dirty="0" smtClean="0">
+                        <a:solidFill>
+                          <a:schemeClr val="bg1"/>
+                        </a:solidFill>
+                        <a:latin typeface="+mn-lt"/>
+                        <a:ea typeface="+mn-ea"/>
+                        <a:cs typeface="+mn-cs"/>
+                      </a:endParaRPr>
+                    </a:p>
+                  </a:txBody>
+                  <a:tcPr anchor="ctr"/>
+                </a:tc>
+                <a:tc>
+                  <a:txBody>
+                    <a:bodyPr/>
+                    <a:lstStyle/>
+                    <a:p>
+                      <a:pPr algn="ctr"/>
+                      <a:r>
+                        <a:rPr lang="de-DE" sz="1400" kern="1200" dirty="0" smtClean="0">
+                          <a:solidFill>
+                            <a:schemeClr val="bg1"/>
+                          </a:solidFill>
+                          <a:latin typeface="+mn-lt"/>
+                          <a:ea typeface="+mn-ea"/>
+                          <a:cs typeface="+mn-cs"/>
+                        </a:rPr>
+                        <a:t>Wert neu</a:t>
+                      </a:r>
+                      <a:endParaRPr lang="de-DE" sz="1400" dirty="0">
+                        <a:solidFill>
+                          <a:schemeClr val="bg1"/>
+                        </a:solidFill>
+                      </a:endParaRPr>
+                    </a:p>
+                  </a:txBody>
+                  <a:tcPr anchor="ctr"/>
+                </a:tc>
+              </a:tr>
+              <a:tr h="472426">
+                <a:tc>
+                  <a:txBody>
+                    <a:bodyPr/>
+                    <a:lstStyle/>
+                    <a:p>
+                      <a:pPr marL="0" algn="l" defTabSz="914400" rtl="0" eaLnBrk="1" latinLnBrk="0" hangingPunct="1"/>
+                      <a:r>
+                        <a:rPr lang="de-DE" sz="1400" kern="1200" dirty="0" smtClean="0">
+                          <a:solidFill>
+                            <a:schemeClr val="bg1"/>
+                          </a:solidFill>
+                          <a:latin typeface="+mn-lt"/>
+                          <a:ea typeface="+mn-ea"/>
+                          <a:cs typeface="+mn-cs"/>
+                        </a:rPr>
+                        <a:t>Personalkosten</a:t>
+                      </a:r>
+                      <a:endParaRPr lang="de-DE" sz="1400" kern="1200" dirty="0">
+                        <a:solidFill>
+                          <a:schemeClr val="bg1"/>
+                        </a:solidFill>
+                        <a:latin typeface="+mn-lt"/>
+                        <a:ea typeface="+mn-ea"/>
+                        <a:cs typeface="+mn-cs"/>
+                      </a:endParaRPr>
+                    </a:p>
+                  </a:txBody>
+                  <a:tcPr anchor="ctr"/>
+                </a:tc>
+                <a:tc>
+                  <a:txBody>
+                    <a:bodyPr/>
+                    <a:lstStyle/>
+                    <a:p>
+                      <a:pPr marL="0" marR="0" indent="0" algn="l" defTabSz="914400" rtl="0" eaLnBrk="1" fontAlgn="auto" latinLnBrk="0" hangingPunct="1">
+                        <a:lnSpc>
+                          <a:spcPct val="100000"/>
+                        </a:lnSpc>
+                        <a:spcBef>
+                          <a:spcPts val="0"/>
+                        </a:spcBef>
+                        <a:spcAft>
+                          <a:spcPts val="0"/>
+                        </a:spcAft>
+                        <a:buClrTx/>
+                        <a:buSzTx/>
+                        <a:buFontTx/>
+                        <a:buNone/>
+                        <a:tabLst/>
+                        <a:defRPr/>
+                      </a:pPr>
+                      <a:endParaRPr lang="de-DE" sz="1400" kern="1200" dirty="0" smtClean="0">
+                        <a:solidFill>
+                          <a:schemeClr val="bg1"/>
+                        </a:solidFill>
+                        <a:latin typeface="+mn-lt"/>
+                        <a:ea typeface="+mn-ea"/>
+                        <a:cs typeface="+mn-cs"/>
+                      </a:endParaRPr>
+                    </a:p>
+                  </a:txBody>
+                  <a:tcPr anchor="ctr"/>
+                </a:tc>
+                <a:tc>
+                  <a:txBody>
+                    <a:bodyPr/>
+                    <a:lstStyle/>
+                    <a:p>
+                      <a:pPr marL="0" marR="0" indent="0" algn="ctr" defTabSz="914400" rtl="0" eaLnBrk="1" fontAlgn="auto" latinLnBrk="0" hangingPunct="1">
+                        <a:lnSpc>
+                          <a:spcPct val="100000"/>
+                        </a:lnSpc>
+                        <a:spcBef>
+                          <a:spcPts val="0"/>
+                        </a:spcBef>
+                        <a:spcAft>
+                          <a:spcPts val="0"/>
+                        </a:spcAft>
+                        <a:buClrTx/>
+                        <a:buSzTx/>
+                        <a:buFontTx/>
+                        <a:buNone/>
+                        <a:tabLst/>
+                        <a:defRPr/>
+                      </a:pPr>
+                      <a:r>
+                        <a:rPr lang="de-DE" sz="1400" kern="1200" dirty="0" smtClean="0">
+                          <a:solidFill>
+                            <a:schemeClr val="bg1"/>
+                          </a:solidFill>
+                          <a:latin typeface="+mn-lt"/>
+                          <a:ea typeface="+mn-ea"/>
+                          <a:cs typeface="+mn-cs"/>
+                        </a:rPr>
+                        <a:t>Wert</a:t>
+                      </a:r>
+                      <a:r>
+                        <a:rPr lang="de-DE" sz="1400" kern="1200" baseline="0" dirty="0" smtClean="0">
+                          <a:solidFill>
+                            <a:schemeClr val="bg1"/>
+                          </a:solidFill>
+                          <a:latin typeface="+mn-lt"/>
+                          <a:ea typeface="+mn-ea"/>
+                          <a:cs typeface="+mn-cs"/>
+                        </a:rPr>
+                        <a:t> alt </a:t>
+                      </a:r>
+                      <a:endParaRPr lang="de-DE" sz="1400" kern="1200" dirty="0" smtClean="0">
+                        <a:solidFill>
+                          <a:schemeClr val="bg1"/>
+                        </a:solidFill>
+                        <a:latin typeface="+mn-lt"/>
+                        <a:ea typeface="+mn-ea"/>
+                        <a:cs typeface="+mn-cs"/>
+                      </a:endParaRPr>
+                    </a:p>
+                  </a:txBody>
+                  <a:tcPr anchor="ctr"/>
+                </a:tc>
+                <a:tc>
+                  <a:txBody>
+                    <a:bodyPr/>
+                    <a:lstStyle/>
+                    <a:p>
+                      <a:pPr algn="ctr"/>
+                      <a:r>
+                        <a:rPr lang="de-DE" sz="1400" kern="1200" dirty="0" smtClean="0">
+                          <a:solidFill>
+                            <a:schemeClr val="bg1"/>
+                          </a:solidFill>
+                          <a:latin typeface="+mn-lt"/>
+                          <a:ea typeface="+mn-ea"/>
+                          <a:cs typeface="+mn-cs"/>
+                        </a:rPr>
+                        <a:t>Wert neu</a:t>
+                      </a:r>
+                      <a:endParaRPr lang="de-DE" sz="1400" dirty="0">
+                        <a:solidFill>
+                          <a:schemeClr val="bg1"/>
+                        </a:solidFill>
+                      </a:endParaRPr>
+                    </a:p>
+                  </a:txBody>
+                  <a:tcPr anchor="ctr"/>
+                </a:tc>
+              </a:tr>
+              <a:tr h="472426">
+                <a:tc>
+                  <a:txBody>
+                    <a:bodyPr/>
+                    <a:lstStyle/>
+                    <a:p>
+                      <a:pPr marL="0" algn="l" defTabSz="914400" rtl="0" eaLnBrk="1" latinLnBrk="0" hangingPunct="1"/>
+                      <a:r>
+                        <a:rPr lang="de-DE" sz="1400" kern="1200" dirty="0" smtClean="0">
+                          <a:solidFill>
+                            <a:schemeClr val="bg1"/>
+                          </a:solidFill>
+                          <a:latin typeface="+mn-lt"/>
+                          <a:ea typeface="+mn-ea"/>
+                          <a:cs typeface="+mn-cs"/>
+                        </a:rPr>
+                        <a:t>Sonstige Kosten</a:t>
+                      </a:r>
+                      <a:endParaRPr lang="de-DE" sz="1400" kern="1200" dirty="0">
+                        <a:solidFill>
+                          <a:schemeClr val="bg1"/>
+                        </a:solidFill>
+                        <a:latin typeface="+mn-lt"/>
+                        <a:ea typeface="+mn-ea"/>
+                        <a:cs typeface="+mn-cs"/>
+                      </a:endParaRPr>
+                    </a:p>
+                  </a:txBody>
+                  <a:tcPr anchor="ctr"/>
+                </a:tc>
+                <a:tc>
+                  <a:txBody>
+                    <a:bodyPr/>
+                    <a:lstStyle/>
+                    <a:p>
+                      <a:pPr marL="0" marR="0" indent="0" algn="l" defTabSz="914400" rtl="0" eaLnBrk="1" fontAlgn="auto" latinLnBrk="0" hangingPunct="1">
+                        <a:lnSpc>
+                          <a:spcPct val="100000"/>
+                        </a:lnSpc>
+                        <a:spcBef>
+                          <a:spcPts val="0"/>
+                        </a:spcBef>
+                        <a:spcAft>
+                          <a:spcPts val="0"/>
+                        </a:spcAft>
+                        <a:buClrTx/>
+                        <a:buSzTx/>
+                        <a:buFontTx/>
+                        <a:buNone/>
+                        <a:tabLst/>
+                        <a:defRPr/>
+                      </a:pPr>
+                      <a:endParaRPr lang="de-DE" sz="1400" kern="1200" dirty="0" smtClean="0">
+                        <a:solidFill>
+                          <a:schemeClr val="bg1"/>
+                        </a:solidFill>
+                        <a:latin typeface="+mn-lt"/>
+                        <a:ea typeface="+mn-ea"/>
+                        <a:cs typeface="+mn-cs"/>
+                      </a:endParaRPr>
+                    </a:p>
+                  </a:txBody>
+                  <a:tcPr anchor="ctr"/>
+                </a:tc>
+                <a:tc>
+                  <a:txBody>
+                    <a:bodyPr/>
+                    <a:lstStyle/>
+                    <a:p>
+                      <a:pPr marL="0" marR="0" indent="0" algn="ctr" defTabSz="914400" rtl="0" eaLnBrk="1" fontAlgn="auto" latinLnBrk="0" hangingPunct="1">
+                        <a:lnSpc>
+                          <a:spcPct val="100000"/>
+                        </a:lnSpc>
+                        <a:spcBef>
+                          <a:spcPts val="0"/>
+                        </a:spcBef>
+                        <a:spcAft>
+                          <a:spcPts val="0"/>
+                        </a:spcAft>
+                        <a:buClrTx/>
+                        <a:buSzTx/>
+                        <a:buFontTx/>
+                        <a:buNone/>
+                        <a:tabLst/>
+                        <a:defRPr/>
+                      </a:pPr>
+                      <a:r>
+                        <a:rPr lang="de-DE" sz="1400" kern="1200" dirty="0" smtClean="0">
+                          <a:solidFill>
+                            <a:schemeClr val="bg1"/>
+                          </a:solidFill>
+                          <a:latin typeface="+mn-lt"/>
+                          <a:ea typeface="+mn-ea"/>
+                          <a:cs typeface="+mn-cs"/>
+                        </a:rPr>
+                        <a:t>Wert</a:t>
+                      </a:r>
+                      <a:r>
+                        <a:rPr lang="de-DE" sz="1400" kern="1200" baseline="0" dirty="0" smtClean="0">
+                          <a:solidFill>
+                            <a:schemeClr val="bg1"/>
+                          </a:solidFill>
+                          <a:latin typeface="+mn-lt"/>
+                          <a:ea typeface="+mn-ea"/>
+                          <a:cs typeface="+mn-cs"/>
+                        </a:rPr>
+                        <a:t> alt </a:t>
+                      </a:r>
+                      <a:endParaRPr lang="de-DE" sz="1400" kern="1200" dirty="0" smtClean="0">
+                        <a:solidFill>
+                          <a:schemeClr val="bg1"/>
+                        </a:solidFill>
+                        <a:latin typeface="+mn-lt"/>
+                        <a:ea typeface="+mn-ea"/>
+                        <a:cs typeface="+mn-cs"/>
+                      </a:endParaRPr>
+                    </a:p>
+                  </a:txBody>
+                  <a:tcPr anchor="ctr"/>
+                </a:tc>
+                <a:tc>
+                  <a:txBody>
+                    <a:bodyPr/>
+                    <a:lstStyle/>
+                    <a:p>
+                      <a:pPr algn="ctr"/>
+                      <a:r>
+                        <a:rPr lang="de-DE" sz="1400" kern="1200" dirty="0" smtClean="0">
+                          <a:solidFill>
+                            <a:schemeClr val="bg1"/>
+                          </a:solidFill>
+                          <a:latin typeface="+mn-lt"/>
+                          <a:ea typeface="+mn-ea"/>
+                          <a:cs typeface="+mn-cs"/>
+                        </a:rPr>
+                        <a:t>Wert neu</a:t>
+                      </a:r>
+                      <a:endParaRPr lang="de-DE" sz="1400" dirty="0">
+                        <a:solidFill>
+                          <a:schemeClr val="bg1"/>
+                        </a:solidFill>
+                      </a:endParaRPr>
+                    </a:p>
+                  </a:txBody>
+                  <a:tcPr anchor="ctr"/>
+                </a:tc>
+              </a:tr>
+              <a:tr h="472426">
+                <a:tc>
+                  <a:txBody>
+                    <a:bodyPr/>
+                    <a:lstStyle/>
+                    <a:p>
+                      <a:pPr marL="0" algn="l" defTabSz="914400" rtl="0" eaLnBrk="1" latinLnBrk="0" hangingPunct="1"/>
+                      <a:r>
+                        <a:rPr lang="de-DE" sz="1400" kern="1200" dirty="0" smtClean="0">
+                          <a:solidFill>
+                            <a:schemeClr val="bg1"/>
+                          </a:solidFill>
+                          <a:latin typeface="+mn-lt"/>
+                          <a:ea typeface="+mn-ea"/>
+                          <a:cs typeface="+mn-cs"/>
+                        </a:rPr>
+                        <a:t>Termine Phasen</a:t>
+                      </a:r>
+                      <a:endParaRPr lang="de-DE" sz="1400" kern="1200" dirty="0">
+                        <a:solidFill>
+                          <a:schemeClr val="bg1"/>
+                        </a:solidFill>
+                        <a:latin typeface="+mn-lt"/>
+                        <a:ea typeface="+mn-ea"/>
+                        <a:cs typeface="+mn-cs"/>
+                      </a:endParaRPr>
+                    </a:p>
+                  </a:txBody>
+                  <a:tcPr anchor="ctr"/>
+                </a:tc>
+                <a:tc>
+                  <a:txBody>
+                    <a:bodyPr/>
+                    <a:lstStyle/>
+                    <a:p>
+                      <a:pPr marL="0" marR="0" indent="0" algn="l" defTabSz="914400" rtl="0" eaLnBrk="1" fontAlgn="auto" latinLnBrk="0" hangingPunct="1">
+                        <a:lnSpc>
+                          <a:spcPct val="100000"/>
+                        </a:lnSpc>
+                        <a:spcBef>
+                          <a:spcPts val="0"/>
+                        </a:spcBef>
+                        <a:spcAft>
+                          <a:spcPts val="0"/>
+                        </a:spcAft>
+                        <a:buClrTx/>
+                        <a:buSzTx/>
+                        <a:buFontTx/>
+                        <a:buNone/>
+                        <a:tabLst/>
+                        <a:defRPr/>
+                      </a:pPr>
+                      <a:endParaRPr lang="de-DE" sz="1400" kern="1200" dirty="0" smtClean="0">
+                        <a:solidFill>
+                          <a:schemeClr val="bg1"/>
+                        </a:solidFill>
+                        <a:latin typeface="+mn-lt"/>
+                        <a:ea typeface="+mn-ea"/>
+                        <a:cs typeface="+mn-cs"/>
+                      </a:endParaRPr>
+                    </a:p>
+                  </a:txBody>
+                  <a:tcPr anchor="ctr"/>
+                </a:tc>
+                <a:tc>
+                  <a:txBody>
+                    <a:bodyPr/>
+                    <a:lstStyle/>
+                    <a:p>
+                      <a:pPr marL="0" marR="0" indent="0" algn="ctr" defTabSz="914400" rtl="0" eaLnBrk="1" fontAlgn="auto" latinLnBrk="0" hangingPunct="1">
+                        <a:lnSpc>
+                          <a:spcPct val="100000"/>
+                        </a:lnSpc>
+                        <a:spcBef>
+                          <a:spcPts val="0"/>
+                        </a:spcBef>
+                        <a:spcAft>
+                          <a:spcPts val="0"/>
+                        </a:spcAft>
+                        <a:buClrTx/>
+                        <a:buSzTx/>
+                        <a:buFontTx/>
+                        <a:buNone/>
+                        <a:tabLst/>
+                        <a:defRPr/>
+                      </a:pPr>
+                      <a:r>
+                        <a:rPr lang="de-DE" sz="1400" kern="1200" dirty="0" smtClean="0">
+                          <a:solidFill>
+                            <a:schemeClr val="bg1"/>
+                          </a:solidFill>
+                          <a:latin typeface="+mn-lt"/>
+                          <a:ea typeface="+mn-ea"/>
+                          <a:cs typeface="+mn-cs"/>
+                        </a:rPr>
+                        <a:t>Keine Änderung / oder siehe Chart</a:t>
+                      </a:r>
+                    </a:p>
+                  </a:txBody>
+                  <a:tcPr anchor="ctr"/>
+                </a:tc>
+                <a:tc>
+                  <a:txBody>
+                    <a:bodyPr/>
+                    <a:lstStyle/>
+                    <a:p>
+                      <a:pPr marL="0" marR="0" indent="0" algn="ctr" defTabSz="914400" rtl="0" eaLnBrk="1" fontAlgn="auto" latinLnBrk="0" hangingPunct="1">
+                        <a:lnSpc>
+                          <a:spcPct val="100000"/>
+                        </a:lnSpc>
+                        <a:spcBef>
+                          <a:spcPts val="0"/>
+                        </a:spcBef>
+                        <a:spcAft>
+                          <a:spcPts val="0"/>
+                        </a:spcAft>
+                        <a:buClrTx/>
+                        <a:buSzTx/>
+                        <a:buFontTx/>
+                        <a:buNone/>
+                        <a:tabLst/>
+                        <a:defRPr/>
+                      </a:pPr>
+                      <a:r>
+                        <a:rPr lang="de-DE" sz="1400" kern="1200" dirty="0" smtClean="0">
+                          <a:solidFill>
+                            <a:schemeClr val="bg1"/>
+                          </a:solidFill>
+                          <a:latin typeface="+mn-lt"/>
+                          <a:ea typeface="+mn-ea"/>
+                          <a:cs typeface="+mn-cs"/>
+                        </a:rPr>
+                        <a:t>Keine Änderung / oder siehe Chart</a:t>
+                      </a:r>
+                    </a:p>
+                  </a:txBody>
+                  <a:tcPr anchor="ctr"/>
+                </a:tc>
+              </a:tr>
+              <a:tr h="472426">
+                <a:tc>
+                  <a:txBody>
+                    <a:bodyPr/>
+                    <a:lstStyle/>
+                    <a:p>
+                      <a:pPr marL="0" algn="l" defTabSz="914400" rtl="0" eaLnBrk="1" latinLnBrk="0" hangingPunct="1"/>
+                      <a:r>
+                        <a:rPr lang="de-DE" sz="1400" kern="1200" dirty="0" smtClean="0">
+                          <a:solidFill>
+                            <a:schemeClr val="bg1"/>
+                          </a:solidFill>
+                          <a:latin typeface="+mn-lt"/>
+                          <a:ea typeface="+mn-ea"/>
+                          <a:cs typeface="+mn-cs"/>
+                        </a:rPr>
+                        <a:t>Termine Meilensteine</a:t>
+                      </a:r>
+                      <a:endParaRPr lang="de-DE" sz="1400" kern="1200" dirty="0">
+                        <a:solidFill>
+                          <a:schemeClr val="bg1"/>
+                        </a:solidFill>
+                        <a:latin typeface="+mn-lt"/>
+                        <a:ea typeface="+mn-ea"/>
+                        <a:cs typeface="+mn-cs"/>
+                      </a:endParaRPr>
+                    </a:p>
+                  </a:txBody>
+                  <a:tcPr anchor="ctr"/>
+                </a:tc>
+                <a:tc>
+                  <a:txBody>
+                    <a:bodyPr/>
+                    <a:lstStyle/>
+                    <a:p>
+                      <a:pPr marL="0" algn="l" defTabSz="914400" rtl="0" eaLnBrk="1" latinLnBrk="0" hangingPunct="1"/>
+                      <a:endParaRPr lang="de-DE" sz="1400" kern="1200" dirty="0">
+                        <a:solidFill>
+                          <a:schemeClr val="bg1"/>
+                        </a:solidFill>
+                        <a:latin typeface="+mn-lt"/>
+                        <a:ea typeface="+mn-ea"/>
+                        <a:cs typeface="+mn-cs"/>
+                      </a:endParaRPr>
+                    </a:p>
+                  </a:txBody>
+                  <a:tcPr anchor="ctr"/>
+                </a:tc>
+                <a:tc>
+                  <a:txBody>
+                    <a:bodyPr/>
+                    <a:lstStyle/>
+                    <a:p>
+                      <a:pPr marL="0" algn="ctr" defTabSz="914400" rtl="0" eaLnBrk="1" latinLnBrk="0" hangingPunct="1"/>
+                      <a:r>
+                        <a:rPr lang="de-DE" sz="1400" kern="1200" dirty="0" smtClean="0">
+                          <a:solidFill>
+                            <a:schemeClr val="bg1"/>
+                          </a:solidFill>
+                          <a:latin typeface="+mn-lt"/>
+                          <a:ea typeface="+mn-ea"/>
+                          <a:cs typeface="+mn-cs"/>
+                        </a:rPr>
+                        <a:t>Keine Änderung / oder siehe Chart</a:t>
+                      </a:r>
+                      <a:endParaRPr lang="de-DE" sz="1400" kern="1200" dirty="0">
+                        <a:solidFill>
+                          <a:schemeClr val="bg1"/>
+                        </a:solidFill>
+                        <a:latin typeface="+mn-lt"/>
+                        <a:ea typeface="+mn-ea"/>
+                        <a:cs typeface="+mn-cs"/>
+                      </a:endParaRPr>
+                    </a:p>
+                  </a:txBody>
+                  <a:tcPr anchor="ctr"/>
+                </a:tc>
+                <a:tc>
+                  <a:txBody>
+                    <a:bodyPr/>
+                    <a:lstStyle/>
+                    <a:p>
+                      <a:pPr marL="0" marR="0" indent="0" algn="ctr" defTabSz="914400" rtl="0" eaLnBrk="1" fontAlgn="auto" latinLnBrk="0" hangingPunct="1">
+                        <a:lnSpc>
+                          <a:spcPct val="100000"/>
+                        </a:lnSpc>
+                        <a:spcBef>
+                          <a:spcPts val="0"/>
+                        </a:spcBef>
+                        <a:spcAft>
+                          <a:spcPts val="0"/>
+                        </a:spcAft>
+                        <a:buClrTx/>
+                        <a:buSzTx/>
+                        <a:buFontTx/>
+                        <a:buNone/>
+                        <a:tabLst/>
+                        <a:defRPr/>
+                      </a:pPr>
+                      <a:r>
+                        <a:rPr lang="de-DE" sz="1400" kern="1200" dirty="0" smtClean="0">
+                          <a:solidFill>
+                            <a:schemeClr val="bg1"/>
+                          </a:solidFill>
+                          <a:latin typeface="+mn-lt"/>
+                          <a:ea typeface="+mn-ea"/>
+                          <a:cs typeface="+mn-cs"/>
+                        </a:rPr>
+                        <a:t>Keine Änderung / oder siehe Chart</a:t>
+                      </a:r>
+                    </a:p>
+                  </a:txBody>
+                  <a:tcPr anchor="ctr"/>
+                </a:tc>
+              </a:tr>
+              <a:tr h="472426">
+                <a:tc>
+                  <a:txBody>
+                    <a:bodyPr/>
+                    <a:lstStyle/>
+                    <a:p>
+                      <a:pPr marL="0" algn="l" defTabSz="914400" rtl="0" eaLnBrk="1" latinLnBrk="0" hangingPunct="1"/>
+                      <a:r>
+                        <a:rPr lang="de-DE" sz="1400" kern="1200" dirty="0" smtClean="0">
+                          <a:solidFill>
+                            <a:schemeClr val="bg1"/>
+                          </a:solidFill>
+                          <a:latin typeface="+mn-lt"/>
+                          <a:ea typeface="+mn-ea"/>
+                          <a:cs typeface="+mn-cs"/>
+                        </a:rPr>
+                        <a:t>Einschätzung</a:t>
+                      </a:r>
+                      <a:r>
+                        <a:rPr lang="de-DE" sz="1400" kern="1200" baseline="0" dirty="0" smtClean="0">
+                          <a:solidFill>
+                            <a:schemeClr val="bg1"/>
+                          </a:solidFill>
+                          <a:latin typeface="+mn-lt"/>
+                          <a:ea typeface="+mn-ea"/>
+                          <a:cs typeface="+mn-cs"/>
+                        </a:rPr>
+                        <a:t> strategischer Fit </a:t>
+                      </a:r>
+                      <a:endParaRPr lang="de-DE" sz="1400" kern="1200" dirty="0">
+                        <a:solidFill>
+                          <a:schemeClr val="bg1"/>
+                        </a:solidFill>
+                        <a:latin typeface="+mn-lt"/>
+                        <a:ea typeface="+mn-ea"/>
+                        <a:cs typeface="+mn-cs"/>
+                      </a:endParaRPr>
+                    </a:p>
+                  </a:txBody>
+                  <a:tcPr anchor="ctr"/>
+                </a:tc>
+                <a:tc>
+                  <a:txBody>
+                    <a:bodyPr/>
+                    <a:lstStyle/>
+                    <a:p>
+                      <a:pPr marL="0" algn="l" defTabSz="914400" rtl="0" eaLnBrk="1" latinLnBrk="0" hangingPunct="1"/>
+                      <a:endParaRPr lang="de-DE" sz="1400" kern="1200" dirty="0">
+                        <a:solidFill>
+                          <a:schemeClr val="bg1"/>
+                        </a:solidFill>
+                        <a:latin typeface="+mn-lt"/>
+                        <a:ea typeface="+mn-ea"/>
+                        <a:cs typeface="+mn-cs"/>
+                      </a:endParaRPr>
+                    </a:p>
+                  </a:txBody>
+                  <a:tcPr anchor="ctr"/>
+                </a:tc>
+                <a:tc>
+                  <a:txBody>
+                    <a:bodyPr/>
+                    <a:lstStyle/>
+                    <a:p>
+                      <a:pPr marL="0" algn="ctr" defTabSz="914400" rtl="0" eaLnBrk="1" latinLnBrk="0" hangingPunct="1"/>
+                      <a:r>
+                        <a:rPr lang="de-DE" sz="1400" kern="1200" dirty="0" smtClean="0">
+                          <a:solidFill>
+                            <a:schemeClr val="bg1"/>
+                          </a:solidFill>
+                          <a:latin typeface="+mn-lt"/>
+                          <a:ea typeface="+mn-ea"/>
+                          <a:cs typeface="+mn-cs"/>
+                        </a:rPr>
+                        <a:t>Wert</a:t>
+                      </a:r>
+                      <a:r>
+                        <a:rPr lang="de-DE" sz="1400" kern="1200" baseline="0" dirty="0" smtClean="0">
+                          <a:solidFill>
+                            <a:schemeClr val="bg1"/>
+                          </a:solidFill>
+                          <a:latin typeface="+mn-lt"/>
+                          <a:ea typeface="+mn-ea"/>
+                          <a:cs typeface="+mn-cs"/>
+                        </a:rPr>
+                        <a:t> alt </a:t>
+                      </a:r>
+                      <a:endParaRPr lang="de-DE" sz="1400" kern="1200" dirty="0">
+                        <a:solidFill>
+                          <a:schemeClr val="bg1"/>
+                        </a:solidFill>
+                        <a:latin typeface="+mn-lt"/>
+                        <a:ea typeface="+mn-ea"/>
+                        <a:cs typeface="+mn-cs"/>
+                      </a:endParaRPr>
+                    </a:p>
+                  </a:txBody>
+                  <a:tcPr anchor="ctr"/>
+                </a:tc>
+                <a:tc>
+                  <a:txBody>
+                    <a:bodyPr/>
+                    <a:lstStyle/>
+                    <a:p>
+                      <a:pPr marL="0" marR="0" indent="0" algn="ctr" defTabSz="914400" rtl="0" eaLnBrk="1" fontAlgn="auto" latinLnBrk="0" hangingPunct="1">
+                        <a:lnSpc>
+                          <a:spcPct val="100000"/>
+                        </a:lnSpc>
+                        <a:spcBef>
+                          <a:spcPts val="0"/>
+                        </a:spcBef>
+                        <a:spcAft>
+                          <a:spcPts val="0"/>
+                        </a:spcAft>
+                        <a:buClrTx/>
+                        <a:buSzTx/>
+                        <a:buFontTx/>
+                        <a:buNone/>
+                        <a:tabLst/>
+                        <a:defRPr/>
+                      </a:pPr>
+                      <a:r>
+                        <a:rPr lang="de-DE" sz="1400" kern="1200" dirty="0" smtClean="0">
+                          <a:solidFill>
+                            <a:schemeClr val="bg1"/>
+                          </a:solidFill>
+                          <a:latin typeface="+mn-lt"/>
+                          <a:ea typeface="+mn-ea"/>
+                          <a:cs typeface="+mn-cs"/>
+                        </a:rPr>
+                        <a:t>Wert neu </a:t>
+                      </a:r>
+                    </a:p>
+                  </a:txBody>
+                  <a:tcPr anchor="ctr"/>
+                </a:tc>
+              </a:tr>
+              <a:tr h="472426">
+                <a:tc>
+                  <a:txBody>
+                    <a:bodyPr/>
+                    <a:lstStyle/>
+                    <a:p>
+                      <a:pPr marL="0" algn="l" defTabSz="914400" rtl="0" eaLnBrk="1" latinLnBrk="0" hangingPunct="1"/>
+                      <a:r>
+                        <a:rPr lang="de-DE" sz="1400" kern="1200" dirty="0" smtClean="0">
+                          <a:solidFill>
+                            <a:schemeClr val="bg1"/>
+                          </a:solidFill>
+                          <a:latin typeface="+mn-lt"/>
+                          <a:ea typeface="+mn-ea"/>
+                          <a:cs typeface="+mn-cs"/>
+                        </a:rPr>
+                        <a:t>Einschätzung Risiko</a:t>
+                      </a:r>
+                      <a:endParaRPr lang="de-DE" sz="1400" kern="1200" dirty="0">
+                        <a:solidFill>
+                          <a:schemeClr val="bg1"/>
+                        </a:solidFill>
+                        <a:latin typeface="+mn-lt"/>
+                        <a:ea typeface="+mn-ea"/>
+                        <a:cs typeface="+mn-cs"/>
+                      </a:endParaRPr>
+                    </a:p>
+                  </a:txBody>
+                  <a:tcPr anchor="ctr"/>
+                </a:tc>
+                <a:tc>
+                  <a:txBody>
+                    <a:bodyPr/>
+                    <a:lstStyle/>
+                    <a:p>
+                      <a:pPr marL="0" algn="l" defTabSz="914400" rtl="0" eaLnBrk="1" latinLnBrk="0" hangingPunct="1"/>
+                      <a:endParaRPr lang="de-DE" sz="1400" kern="1200" dirty="0">
+                        <a:solidFill>
+                          <a:schemeClr val="bg1"/>
+                        </a:solidFill>
+                        <a:latin typeface="+mn-lt"/>
+                        <a:ea typeface="+mn-ea"/>
+                        <a:cs typeface="+mn-cs"/>
+                      </a:endParaRPr>
+                    </a:p>
+                  </a:txBody>
+                  <a:tcPr anchor="ctr"/>
+                </a:tc>
+                <a:tc>
+                  <a:txBody>
+                    <a:bodyPr/>
+                    <a:lstStyle/>
+                    <a:p>
+                      <a:pPr marL="0" algn="ctr" defTabSz="914400" rtl="0" eaLnBrk="1" latinLnBrk="0" hangingPunct="1"/>
+                      <a:r>
+                        <a:rPr lang="de-DE" sz="1400" kern="1200" dirty="0" smtClean="0">
+                          <a:solidFill>
+                            <a:schemeClr val="bg1"/>
+                          </a:solidFill>
+                          <a:latin typeface="+mn-lt"/>
+                          <a:ea typeface="+mn-ea"/>
+                          <a:cs typeface="+mn-cs"/>
+                        </a:rPr>
+                        <a:t>Wert alt </a:t>
+                      </a:r>
+                      <a:endParaRPr lang="de-DE" sz="1400" kern="1200" dirty="0">
+                        <a:solidFill>
+                          <a:schemeClr val="bg1"/>
+                        </a:solidFill>
+                        <a:latin typeface="+mn-lt"/>
+                        <a:ea typeface="+mn-ea"/>
+                        <a:cs typeface="+mn-cs"/>
+                      </a:endParaRPr>
+                    </a:p>
+                  </a:txBody>
+                  <a:tcPr anchor="ctr"/>
+                </a:tc>
+                <a:tc>
+                  <a:txBody>
+                    <a:bodyPr/>
+                    <a:lstStyle/>
+                    <a:p>
+                      <a:pPr marL="0" marR="0" indent="0" algn="ctr" defTabSz="914400" rtl="0" eaLnBrk="1" fontAlgn="auto" latinLnBrk="0" hangingPunct="1">
+                        <a:lnSpc>
+                          <a:spcPct val="100000"/>
+                        </a:lnSpc>
+                        <a:spcBef>
+                          <a:spcPts val="0"/>
+                        </a:spcBef>
+                        <a:spcAft>
+                          <a:spcPts val="0"/>
+                        </a:spcAft>
+                        <a:buClrTx/>
+                        <a:buSzTx/>
+                        <a:buFontTx/>
+                        <a:buNone/>
+                        <a:tabLst/>
+                        <a:defRPr/>
+                      </a:pPr>
+                      <a:r>
+                        <a:rPr lang="de-DE" sz="1400" kern="1200" dirty="0" smtClean="0">
+                          <a:solidFill>
+                            <a:schemeClr val="bg1"/>
+                          </a:solidFill>
+                          <a:latin typeface="+mn-lt"/>
+                          <a:ea typeface="+mn-ea"/>
+                          <a:cs typeface="+mn-cs"/>
+                        </a:rPr>
+                        <a:t>Wert neu</a:t>
+                      </a:r>
+                    </a:p>
+                  </a:txBody>
+                  <a:tcPr anchor="ctr"/>
+                </a:tc>
+              </a:tr>
+              <a:tr h="472426">
+                <a:tc>
+                  <a:txBody>
+                    <a:bodyPr/>
+                    <a:lstStyle/>
+                    <a:p>
+                      <a:pPr marL="0" algn="l" defTabSz="914400" rtl="0" eaLnBrk="1" latinLnBrk="0" hangingPunct="1"/>
+                      <a:r>
+                        <a:rPr lang="de-DE" sz="1400" kern="1200" dirty="0" smtClean="0">
+                          <a:solidFill>
+                            <a:schemeClr val="bg1"/>
+                          </a:solidFill>
+                          <a:latin typeface="+mn-lt"/>
+                          <a:ea typeface="+mn-ea"/>
+                          <a:cs typeface="+mn-cs"/>
+                        </a:rPr>
+                        <a:t>Projekt-Ampel</a:t>
+                      </a:r>
+                      <a:endParaRPr lang="de-DE" sz="1400" kern="1200" dirty="0">
+                        <a:solidFill>
+                          <a:schemeClr val="bg1"/>
+                        </a:solidFill>
+                        <a:latin typeface="+mn-lt"/>
+                        <a:ea typeface="+mn-ea"/>
+                        <a:cs typeface="+mn-cs"/>
+                      </a:endParaRPr>
+                    </a:p>
+                  </a:txBody>
+                  <a:tcPr anchor="ctr"/>
+                </a:tc>
+                <a:tc>
+                  <a:txBody>
+                    <a:bodyPr/>
+                    <a:lstStyle/>
+                    <a:p>
+                      <a:pPr marL="0" algn="l" defTabSz="914400" rtl="0" eaLnBrk="1" latinLnBrk="0" hangingPunct="1"/>
+                      <a:endParaRPr lang="de-DE" sz="1400" kern="1200" dirty="0">
+                        <a:solidFill>
+                          <a:schemeClr val="bg1"/>
+                        </a:solidFill>
+                        <a:latin typeface="+mn-lt"/>
+                        <a:ea typeface="+mn-ea"/>
+                        <a:cs typeface="+mn-cs"/>
+                      </a:endParaRPr>
+                    </a:p>
+                  </a:txBody>
+                  <a:tcPr anchor="ctr"/>
+                </a:tc>
+                <a:tc>
+                  <a:txBody>
+                    <a:bodyPr/>
+                    <a:lstStyle/>
+                    <a:p>
+                      <a:pPr marL="0" algn="l" defTabSz="914400" rtl="0" eaLnBrk="1" latinLnBrk="0" hangingPunct="1"/>
+                      <a:endParaRPr lang="de-DE" sz="1400" kern="1200" dirty="0">
+                        <a:solidFill>
+                          <a:schemeClr val="bg1"/>
+                        </a:solidFill>
+                        <a:latin typeface="+mn-lt"/>
+                        <a:ea typeface="+mn-ea"/>
+                        <a:cs typeface="+mn-cs"/>
+                      </a:endParaRPr>
+                    </a:p>
+                  </a:txBody>
+                  <a:tcPr anchor="ctr"/>
+                </a:tc>
+                <a:tc>
+                  <a:txBody>
+                    <a:bodyPr/>
+                    <a:lstStyle/>
+                    <a:p>
+                      <a:pPr marL="0" marR="0" indent="0" algn="l" defTabSz="914400" rtl="0" eaLnBrk="1" fontAlgn="auto" latinLnBrk="0" hangingPunct="1">
+                        <a:lnSpc>
+                          <a:spcPct val="100000"/>
+                        </a:lnSpc>
+                        <a:spcBef>
+                          <a:spcPts val="0"/>
+                        </a:spcBef>
+                        <a:spcAft>
+                          <a:spcPts val="0"/>
+                        </a:spcAft>
+                        <a:buClrTx/>
+                        <a:buSzTx/>
+                        <a:buFontTx/>
+                        <a:buNone/>
+                        <a:tabLst/>
+                        <a:defRPr/>
+                      </a:pPr>
+                      <a:endParaRPr lang="de-DE" sz="1400" kern="1200" dirty="0" smtClean="0">
+                        <a:solidFill>
+                          <a:schemeClr val="bg1"/>
+                        </a:solidFill>
+                        <a:latin typeface="+mn-lt"/>
+                        <a:ea typeface="+mn-ea"/>
+                        <a:cs typeface="+mn-cs"/>
+                      </a:endParaRPr>
+                    </a:p>
+                  </a:txBody>
+                  <a:tcPr anchor="ctr"/>
+                </a:tc>
+              </a:tr>
+              <a:tr h="472426">
+                <a:tc>
+                  <a:txBody>
+                    <a:bodyPr/>
+                    <a:lstStyle/>
+                    <a:p>
+                      <a:pPr marL="0" algn="l" defTabSz="914400" rtl="0" eaLnBrk="1" latinLnBrk="0" hangingPunct="1"/>
+                      <a:r>
+                        <a:rPr lang="de-DE" sz="1400" kern="1200" dirty="0" smtClean="0">
+                          <a:solidFill>
+                            <a:schemeClr val="bg1"/>
+                          </a:solidFill>
+                          <a:latin typeface="+mn-lt"/>
+                          <a:ea typeface="+mn-ea"/>
+                          <a:cs typeface="+mn-cs"/>
+                        </a:rPr>
+                        <a:t>Projekt-Ampel Erläuterung</a:t>
+                      </a:r>
+                      <a:endParaRPr lang="de-DE" sz="1400" kern="1200" dirty="0">
+                        <a:solidFill>
+                          <a:schemeClr val="bg1"/>
+                        </a:solidFill>
+                        <a:latin typeface="+mn-lt"/>
+                        <a:ea typeface="+mn-ea"/>
+                        <a:cs typeface="+mn-cs"/>
+                      </a:endParaRPr>
+                    </a:p>
+                  </a:txBody>
+                  <a:tcPr anchor="ctr"/>
+                </a:tc>
+                <a:tc>
+                  <a:txBody>
+                    <a:bodyPr/>
+                    <a:lstStyle/>
+                    <a:p>
+                      <a:pPr marL="0" algn="l" defTabSz="914400" rtl="0" eaLnBrk="1" latinLnBrk="0" hangingPunct="1"/>
+                      <a:endParaRPr lang="de-DE" sz="1400" kern="1200" dirty="0">
+                        <a:solidFill>
+                          <a:schemeClr val="bg1"/>
+                        </a:solidFill>
+                        <a:latin typeface="+mn-lt"/>
+                        <a:ea typeface="+mn-ea"/>
+                        <a:cs typeface="+mn-cs"/>
+                      </a:endParaRPr>
+                    </a:p>
+                  </a:txBody>
+                  <a:tcPr anchor="ctr"/>
+                </a:tc>
+                <a:tc>
+                  <a:txBody>
+                    <a:bodyPr/>
+                    <a:lstStyle/>
+                    <a:p>
+                      <a:pPr marL="0" algn="l" defTabSz="914400" rtl="0" eaLnBrk="1" latinLnBrk="0" hangingPunct="1"/>
+                      <a:r>
+                        <a:rPr lang="de-DE" sz="1200" kern="1200" dirty="0" smtClean="0">
+                          <a:solidFill>
+                            <a:schemeClr val="bg1"/>
+                          </a:solidFill>
+                          <a:latin typeface="+mn-lt"/>
+                          <a:ea typeface="+mn-ea"/>
+                          <a:cs typeface="+mn-cs"/>
+                        </a:rPr>
+                        <a:t>Erläuterung</a:t>
+                      </a:r>
+                      <a:endParaRPr lang="de-DE" sz="1200" kern="1200" dirty="0">
+                        <a:solidFill>
+                          <a:schemeClr val="bg1"/>
+                        </a:solidFill>
+                        <a:latin typeface="+mn-lt"/>
+                        <a:ea typeface="+mn-ea"/>
+                        <a:cs typeface="+mn-cs"/>
+                      </a:endParaRPr>
+                    </a:p>
+                  </a:txBody>
+                  <a:tcPr anchor="ctr"/>
                 </a:tc>
                 <a:tc>
                   <a:txBody>
@@ -4708,7 +6629,7 @@
                         <a:defRPr/>
                       </a:pPr>
                       <a:r>
-                        <a:rPr lang="de-DE" sz="1400" b="1" kern="1200" dirty="0" smtClean="0">
+                        <a:rPr lang="de-DE" sz="1200" kern="1200" dirty="0" smtClean="0">
                           <a:solidFill>
                             <a:schemeClr val="bg1"/>
                           </a:solidFill>
@@ -4716,9 +6637,1263 @@
                           <a:ea typeface="+mn-ea"/>
                           <a:cs typeface="+mn-cs"/>
                         </a:rPr>
-                        <a:t>Beauftragt</a:t>
+                        <a:t>Erläuterung</a:t>
                       </a:r>
                     </a:p>
+                  </a:txBody>
+                  <a:tcPr anchor="ctr"/>
+                </a:tc>
+              </a:tr>
+            </a:tbl>
+          </a:graphicData>
+        </a:graphic>
+      </p:graphicFrame>
+      <p:sp>
+        <p:nvSpPr>
+          <p:cNvPr id="3" name="Pfeil nach rechts 2" title="gleich"/>
+          <p:cNvSpPr/>
+          <p:nvPr/>
+        </p:nvSpPr>
+        <p:spPr bwMode="auto">
+          <a:xfrm>
+            <a:off x="597744" y="484312"/>
+            <a:ext cx="216000" cy="216024"/>
+          </a:xfrm>
+          <a:prstGeom prst="rightArrow">
+            <a:avLst/>
+          </a:prstGeom>
+          <a:solidFill>
+            <a:schemeClr val="bg2">
+              <a:lumMod val="75000"/>
+            </a:schemeClr>
+          </a:solidFill>
+          <a:ln>
+            <a:noFill/>
+          </a:ln>
+          <a:effectLst/>
+          <a:extLst/>
+        </p:spPr>
+        <p:txBody>
+          <a:bodyPr vert="horz" wrap="square" lIns="50800" tIns="50800" rIns="50800" bIns="50800" numCol="1" rtlCol="0" anchor="ctr" anchorCtr="0" compatLnSpc="1">
+            <a:prstTxWarp prst="textNoShape">
+              <a:avLst/>
+            </a:prstTxWarp>
+          </a:bodyPr>
+          <a:lstStyle/>
+          <a:p>
+            <a:pPr marL="342900" marR="0" indent="0" algn="ctr" defTabSz="584200" rtl="0" eaLnBrk="1" fontAlgn="base" latinLnBrk="0" hangingPunct="0">
+              <a:lnSpc>
+                <a:spcPct val="100000"/>
+              </a:lnSpc>
+              <a:spcBef>
+                <a:spcPct val="0"/>
+              </a:spcBef>
+              <a:spcAft>
+                <a:spcPct val="0"/>
+              </a:spcAft>
+              <a:buClrTx/>
+              <a:buSzTx/>
+              <a:buFontTx/>
+              <a:buNone/>
+              <a:tabLst/>
+            </a:pPr>
+            <a:endParaRPr kumimoji="0" lang="de-DE" sz="3600" b="0" i="0" u="none" strike="noStrike" cap="none" normalizeH="0" baseline="0" dirty="0" smtClean="0">
+              <a:ln>
+                <a:noFill/>
+              </a:ln>
+              <a:solidFill>
+                <a:srgbClr val="414141"/>
+              </a:solidFill>
+              <a:effectLst/>
+              <a:latin typeface="Gill Sans Light" charset="0"/>
+              <a:ea typeface="Gill Sans Light" charset="0"/>
+              <a:cs typeface="Gill Sans Light" charset="0"/>
+              <a:sym typeface="Gill Sans Light" charset="0"/>
+            </a:endParaRPr>
+          </a:p>
+        </p:txBody>
+      </p:sp>
+      <p:sp>
+        <p:nvSpPr>
+          <p:cNvPr id="9" name="Pfeil nach rechts 8" title="steigend"/>
+          <p:cNvSpPr/>
+          <p:nvPr/>
+        </p:nvSpPr>
+        <p:spPr bwMode="auto">
+          <a:xfrm>
+            <a:off x="597744" y="844352"/>
+            <a:ext cx="216000" cy="216024"/>
+          </a:xfrm>
+          <a:prstGeom prst="rightArrow">
+            <a:avLst/>
+          </a:prstGeom>
+          <a:solidFill>
+            <a:srgbClr val="00B050"/>
+          </a:solidFill>
+          <a:ln>
+            <a:noFill/>
+          </a:ln>
+          <a:effectLst/>
+          <a:scene3d>
+            <a:camera prst="orthographicFront">
+              <a:rot lat="0" lon="0" rev="3000000"/>
+            </a:camera>
+            <a:lightRig rig="threePt" dir="t"/>
+          </a:scene3d>
+          <a:extLst/>
+        </p:spPr>
+        <p:txBody>
+          <a:bodyPr vert="horz" wrap="square" lIns="50800" tIns="50800" rIns="50800" bIns="50800" numCol="1" rtlCol="0" anchor="ctr" anchorCtr="0" compatLnSpc="1">
+            <a:prstTxWarp prst="textNoShape">
+              <a:avLst/>
+            </a:prstTxWarp>
+          </a:bodyPr>
+          <a:lstStyle/>
+          <a:p>
+            <a:pPr marL="342900" marR="0" indent="0" algn="ctr" defTabSz="584200" rtl="0" eaLnBrk="1" fontAlgn="base" latinLnBrk="0" hangingPunct="0">
+              <a:lnSpc>
+                <a:spcPct val="100000"/>
+              </a:lnSpc>
+              <a:spcBef>
+                <a:spcPct val="0"/>
+              </a:spcBef>
+              <a:spcAft>
+                <a:spcPct val="0"/>
+              </a:spcAft>
+              <a:buClrTx/>
+              <a:buSzTx/>
+              <a:buFontTx/>
+              <a:buNone/>
+              <a:tabLst/>
+            </a:pPr>
+            <a:endParaRPr kumimoji="0" lang="de-DE" sz="3600" b="0" i="0" u="none" strike="noStrike" cap="none" normalizeH="0" baseline="0" dirty="0" smtClean="0">
+              <a:ln>
+                <a:noFill/>
+              </a:ln>
+              <a:solidFill>
+                <a:srgbClr val="414141"/>
+              </a:solidFill>
+              <a:effectLst/>
+              <a:latin typeface="Gill Sans Light" charset="0"/>
+              <a:ea typeface="Gill Sans Light" charset="0"/>
+              <a:cs typeface="Gill Sans Light" charset="0"/>
+              <a:sym typeface="Gill Sans Light" charset="0"/>
+            </a:endParaRPr>
+          </a:p>
+        </p:txBody>
+      </p:sp>
+      <p:sp>
+        <p:nvSpPr>
+          <p:cNvPr id="11" name="Pfeil nach rechts 10" title="fallend"/>
+          <p:cNvSpPr/>
+          <p:nvPr/>
+        </p:nvSpPr>
+        <p:spPr bwMode="auto">
+          <a:xfrm>
+            <a:off x="597744" y="1204392"/>
+            <a:ext cx="216000" cy="216024"/>
+          </a:xfrm>
+          <a:prstGeom prst="rightArrow">
+            <a:avLst/>
+          </a:prstGeom>
+          <a:solidFill>
+            <a:srgbClr val="FF0000"/>
+          </a:solidFill>
+          <a:ln>
+            <a:noFill/>
+          </a:ln>
+          <a:effectLst/>
+          <a:scene3d>
+            <a:camera prst="orthographicFront">
+              <a:rot lat="0" lon="0" rev="18600000"/>
+            </a:camera>
+            <a:lightRig rig="threePt" dir="t"/>
+          </a:scene3d>
+          <a:extLst/>
+        </p:spPr>
+        <p:txBody>
+          <a:bodyPr vert="horz" wrap="square" lIns="50800" tIns="50800" rIns="50800" bIns="50800" numCol="1" rtlCol="0" anchor="ctr" anchorCtr="0" compatLnSpc="1">
+            <a:prstTxWarp prst="textNoShape">
+              <a:avLst/>
+            </a:prstTxWarp>
+          </a:bodyPr>
+          <a:lstStyle/>
+          <a:p>
+            <a:pPr marL="342900" marR="0" indent="0" algn="ctr" defTabSz="584200" rtl="0" eaLnBrk="1" fontAlgn="base" latinLnBrk="0" hangingPunct="0">
+              <a:lnSpc>
+                <a:spcPct val="100000"/>
+              </a:lnSpc>
+              <a:spcBef>
+                <a:spcPct val="0"/>
+              </a:spcBef>
+              <a:spcAft>
+                <a:spcPct val="0"/>
+              </a:spcAft>
+              <a:buClrTx/>
+              <a:buSzTx/>
+              <a:buFontTx/>
+              <a:buNone/>
+              <a:tabLst/>
+            </a:pPr>
+            <a:endParaRPr kumimoji="0" lang="de-DE" sz="3600" b="0" i="0" u="none" strike="noStrike" cap="none" normalizeH="0" baseline="0" dirty="0" smtClean="0">
+              <a:ln>
+                <a:noFill/>
+              </a:ln>
+              <a:solidFill>
+                <a:srgbClr val="414141"/>
+              </a:solidFill>
+              <a:effectLst/>
+              <a:latin typeface="Gill Sans Light" charset="0"/>
+              <a:ea typeface="Gill Sans Light" charset="0"/>
+              <a:cs typeface="Gill Sans Light" charset="0"/>
+              <a:sym typeface="Gill Sans Light" charset="0"/>
+            </a:endParaRPr>
+          </a:p>
+        </p:txBody>
+      </p:sp>
+      <p:sp>
+        <p:nvSpPr>
+          <p:cNvPr id="4" name="Ellipse 3" title="ampel"/>
+          <p:cNvSpPr/>
+          <p:nvPr/>
+        </p:nvSpPr>
+        <p:spPr bwMode="auto">
+          <a:xfrm>
+            <a:off x="1173808" y="606545"/>
+            <a:ext cx="288032" cy="288032"/>
+          </a:xfrm>
+          <a:prstGeom prst="ellipse">
+            <a:avLst/>
+          </a:prstGeom>
+          <a:solidFill>
+            <a:srgbClr val="00B050"/>
+          </a:solidFill>
+          <a:ln>
+            <a:noFill/>
+          </a:ln>
+          <a:effectLst/>
+          <a:extLst/>
+        </p:spPr>
+        <p:txBody>
+          <a:bodyPr vert="horz" wrap="square" lIns="50800" tIns="50800" rIns="50800" bIns="50800" numCol="1" rtlCol="0" anchor="ctr" anchorCtr="0" compatLnSpc="1">
+            <a:prstTxWarp prst="textNoShape">
+              <a:avLst/>
+            </a:prstTxWarp>
+          </a:bodyPr>
+          <a:lstStyle/>
+          <a:p>
+            <a:pPr marL="342900" marR="0" indent="0" algn="ctr" defTabSz="584200" rtl="0" eaLnBrk="1" fontAlgn="base" latinLnBrk="0" hangingPunct="0">
+              <a:lnSpc>
+                <a:spcPct val="100000"/>
+              </a:lnSpc>
+              <a:spcBef>
+                <a:spcPct val="0"/>
+              </a:spcBef>
+              <a:spcAft>
+                <a:spcPct val="0"/>
+              </a:spcAft>
+              <a:buClrTx/>
+              <a:buSzTx/>
+              <a:buFontTx/>
+              <a:buNone/>
+              <a:tabLst/>
+            </a:pPr>
+            <a:endParaRPr kumimoji="0" lang="de-DE" sz="3600" b="0" i="0" u="none" strike="noStrike" cap="none" normalizeH="0" baseline="0" dirty="0" smtClean="0">
+              <a:ln>
+                <a:noFill/>
+              </a:ln>
+              <a:solidFill>
+                <a:srgbClr val="414141"/>
+              </a:solidFill>
+              <a:effectLst/>
+              <a:latin typeface="Gill Sans Light" charset="0"/>
+              <a:ea typeface="Gill Sans Light" charset="0"/>
+              <a:cs typeface="Gill Sans Light" charset="0"/>
+              <a:sym typeface="Gill Sans Light" charset="0"/>
+            </a:endParaRPr>
+          </a:p>
+        </p:txBody>
+      </p:sp>
+      <p:sp>
+        <p:nvSpPr>
+          <p:cNvPr id="12" name="Stern mit 5 Zacken 11" title="stern"/>
+          <p:cNvSpPr/>
+          <p:nvPr/>
+        </p:nvSpPr>
+        <p:spPr bwMode="auto">
+          <a:xfrm>
+            <a:off x="453728" y="8498983"/>
+            <a:ext cx="298900" cy="266249"/>
+          </a:xfrm>
+          <a:prstGeom prst="star5">
+            <a:avLst/>
+          </a:prstGeom>
+          <a:solidFill>
+            <a:srgbClr val="FFC000"/>
+          </a:solidFill>
+          <a:ln>
+            <a:noFill/>
+          </a:ln>
+          <a:effectLst/>
+          <a:extLst/>
+        </p:spPr>
+        <p:txBody>
+          <a:bodyPr vert="horz" wrap="square" lIns="50800" tIns="50800" rIns="50800" bIns="50800" numCol="1" rtlCol="0" anchor="ctr" anchorCtr="0" compatLnSpc="1">
+            <a:prstTxWarp prst="textNoShape">
+              <a:avLst/>
+            </a:prstTxWarp>
+          </a:bodyPr>
+          <a:lstStyle/>
+          <a:p>
+            <a:pPr marL="342900" marR="0" indent="0" algn="ctr" defTabSz="584200" rtl="0" eaLnBrk="1" fontAlgn="base" latinLnBrk="0" hangingPunct="0">
+              <a:lnSpc>
+                <a:spcPct val="100000"/>
+              </a:lnSpc>
+              <a:spcBef>
+                <a:spcPct val="0"/>
+              </a:spcBef>
+              <a:spcAft>
+                <a:spcPct val="0"/>
+              </a:spcAft>
+              <a:buClrTx/>
+              <a:buSzTx/>
+              <a:buFontTx/>
+              <a:buNone/>
+              <a:tabLst/>
+            </a:pPr>
+            <a:endParaRPr kumimoji="0" lang="de-DE" sz="3600" b="0" i="0" u="none" strike="noStrike" cap="none" normalizeH="0" baseline="0" smtClean="0">
+              <a:ln>
+                <a:noFill/>
+              </a:ln>
+              <a:solidFill>
+                <a:srgbClr val="414141"/>
+              </a:solidFill>
+              <a:effectLst/>
+              <a:latin typeface="Gill Sans Light" charset="0"/>
+              <a:ea typeface="Gill Sans Light" charset="0"/>
+              <a:cs typeface="Gill Sans Light" charset="0"/>
+              <a:sym typeface="Gill Sans Light" charset="0"/>
+            </a:endParaRPr>
+          </a:p>
+        </p:txBody>
+      </p:sp>
+      <p:sp>
+        <p:nvSpPr>
+          <p:cNvPr id="5" name="Textfeld 4"/>
+          <p:cNvSpPr txBox="1"/>
+          <p:nvPr/>
+        </p:nvSpPr>
+        <p:spPr>
+          <a:xfrm>
+            <a:off x="752628" y="8532963"/>
+            <a:ext cx="4126450" cy="246221"/>
+          </a:xfrm>
+          <a:prstGeom prst="rect">
+            <a:avLst/>
+          </a:prstGeom>
+          <a:noFill/>
+        </p:spPr>
+        <p:txBody>
+          <a:bodyPr wrap="none" rtlCol="0">
+            <a:spAutoFit/>
+          </a:bodyPr>
+          <a:lstStyle/>
+          <a:p>
+            <a:r>
+              <a:rPr lang="de-DE" sz="1000" dirty="0" smtClean="0"/>
+              <a:t>Es gibt Änderungen. Weitere Informationen auf nachfolgenden Folien </a:t>
+            </a:r>
+            <a:endParaRPr lang="de-DE" sz="1000" dirty="0"/>
+          </a:p>
+        </p:txBody>
+      </p:sp>
+    </p:spTree>
+    <p:extLst>
+      <p:ext uri="{BB962C8B-B14F-4D97-AF65-F5344CB8AC3E}">
+        <p14:creationId xmlns:p14="http://schemas.microsoft.com/office/powerpoint/2010/main" val="200198196"/>
+      </p:ext>
+    </p:extLst>
+  </p:cSld>
+  <p:clrMapOvr>
+    <a:masterClrMapping/>
+  </p:clrMapOvr>
+  <p:timing>
+    <p:tnLst>
+      <p:par>
+        <p:cTn id="1" dur="indefinite" restart="never" nodeType="tmRoot"/>
+      </p:par>
+    </p:tnLst>
+  </p:timing>
+</p:sld>
+</file>
+
+<file path=ppt/slides/slide3.xml><?xml version="1.0" encoding="utf-8"?>
+<p:sld xmlns:a="http://schemas.openxmlformats.org/drawingml/2006/main" xmlns:r="http://schemas.openxmlformats.org/officeDocument/2006/relationships" xmlns:p="http://schemas.openxmlformats.org/presentationml/2006/main">
+  <p:cSld>
+    <p:spTree>
+      <p:nvGrpSpPr>
+        <p:cNvPr id="1" name=""/>
+        <p:cNvGrpSpPr/>
+        <p:nvPr/>
+      </p:nvGrpSpPr>
+      <p:grpSpPr>
+        <a:xfrm>
+          <a:off x="0" y="0"/>
+          <a:ext cx="0" cy="0"/>
+          <a:chOff x="0" y="0"/>
+          <a:chExt cx="0" cy="0"/>
+        </a:xfrm>
+      </p:grpSpPr>
+      <p:sp>
+        <p:nvSpPr>
+          <p:cNvPr id="2" name="Titel 1"/>
+          <p:cNvSpPr>
+            <a:spLocks noGrp="1"/>
+          </p:cNvSpPr>
+          <p:nvPr>
+            <p:ph type="title"/>
+          </p:nvPr>
+        </p:nvSpPr>
+        <p:spPr>
+          <a:xfrm>
+            <a:off x="650875" y="390525"/>
+            <a:ext cx="11703050" cy="1245915"/>
+          </a:xfrm>
+        </p:spPr>
+        <p:txBody>
+          <a:bodyPr/>
+          <a:lstStyle/>
+          <a:p>
+            <a:r>
+              <a:rPr lang="de-DE" sz="4400" dirty="0"/>
+              <a:t>Übersicht: Vergleich mit Beauftragung</a:t>
+            </a:r>
+            <a:endParaRPr lang="de-DE" dirty="0"/>
+          </a:p>
+        </p:txBody>
+      </p:sp>
+      <p:sp>
+        <p:nvSpPr>
+          <p:cNvPr id="10" name="Rechteck 9"/>
+          <p:cNvSpPr/>
+          <p:nvPr/>
+        </p:nvSpPr>
+        <p:spPr bwMode="auto">
+          <a:xfrm>
+            <a:off x="453728" y="8929194"/>
+            <a:ext cx="3478120" cy="340094"/>
+          </a:xfrm>
+          <a:prstGeom prst="rect">
+            <a:avLst/>
+          </a:prstGeom>
+          <a:solidFill>
+            <a:srgbClr val="FFFFFF"/>
+          </a:solidFill>
+          <a:ln w="38100" cap="flat" cmpd="sng" algn="ctr">
+            <a:solidFill>
+              <a:schemeClr val="accent1">
+                <a:lumMod val="75000"/>
+              </a:schemeClr>
+            </a:solidFill>
+            <a:prstDash val="solid"/>
+            <a:miter lim="0"/>
+            <a:headEnd type="none" w="med" len="med"/>
+            <a:tailEnd type="none" w="med" len="med"/>
+          </a:ln>
+          <a:effectLst>
+            <a:innerShdw blurRad="63500" dist="50800" dir="18900000">
+              <a:prstClr val="black">
+                <a:alpha val="50000"/>
+              </a:prstClr>
+            </a:innerShdw>
+            <a:softEdge rad="12700"/>
+          </a:effectLst>
+          <a:extLst/>
+        </p:spPr>
+        <p:txBody>
+          <a:bodyPr vert="horz" wrap="square" lIns="0" tIns="50800" rIns="50800" bIns="50800" numCol="1" rtlCol="0" anchor="ctr" anchorCtr="0" compatLnSpc="1">
+            <a:prstTxWarp prst="textNoShape">
+              <a:avLst/>
+            </a:prstTxWarp>
+          </a:bodyPr>
+          <a:lstStyle/>
+          <a:p>
+            <a:pPr marL="342900" algn="l"/>
+            <a:r>
+              <a:rPr lang="de-DE" sz="1400" dirty="0">
+                <a:solidFill>
+                  <a:schemeClr val="bg2"/>
+                </a:solidFill>
+              </a:rPr>
+              <a:t>Stand</a:t>
+            </a:r>
+            <a:r>
+              <a:rPr lang="de-DE" sz="1400" dirty="0" smtClean="0">
+                <a:solidFill>
+                  <a:schemeClr val="bg2"/>
+                </a:solidFill>
+              </a:rPr>
+              <a:t>:</a:t>
+            </a:r>
+            <a:endParaRPr lang="de-DE" sz="1400" dirty="0">
+              <a:solidFill>
+                <a:schemeClr val="bg2"/>
+              </a:solidFill>
+            </a:endParaRPr>
+          </a:p>
+        </p:txBody>
+      </p:sp>
+      <p:sp>
+        <p:nvSpPr>
+          <p:cNvPr id="14" name="Rechteck 13"/>
+          <p:cNvSpPr/>
+          <p:nvPr/>
+        </p:nvSpPr>
+        <p:spPr bwMode="auto">
+          <a:xfrm>
+            <a:off x="9216968" y="8929194"/>
+            <a:ext cx="3478120" cy="340094"/>
+          </a:xfrm>
+          <a:prstGeom prst="rect">
+            <a:avLst/>
+          </a:prstGeom>
+          <a:solidFill>
+            <a:srgbClr val="FFFFFF"/>
+          </a:solidFill>
+          <a:ln w="38100" cap="flat" cmpd="sng" algn="ctr">
+            <a:solidFill>
+              <a:schemeClr val="accent1">
+                <a:lumMod val="75000"/>
+              </a:schemeClr>
+            </a:solidFill>
+            <a:prstDash val="solid"/>
+            <a:miter lim="0"/>
+            <a:headEnd type="none" w="med" len="med"/>
+            <a:tailEnd type="none" w="med" len="med"/>
+          </a:ln>
+          <a:effectLst>
+            <a:innerShdw blurRad="63500" dist="50800" dir="18900000">
+              <a:prstClr val="black">
+                <a:alpha val="50000"/>
+              </a:prstClr>
+            </a:innerShdw>
+            <a:softEdge rad="12700"/>
+          </a:effectLst>
+          <a:extLst/>
+        </p:spPr>
+        <p:txBody>
+          <a:bodyPr vert="horz" wrap="square" lIns="0" tIns="50800" rIns="50800" bIns="50800" numCol="1" rtlCol="0" anchor="ctr" anchorCtr="0" compatLnSpc="1">
+            <a:prstTxWarp prst="textNoShape">
+              <a:avLst/>
+            </a:prstTxWarp>
+          </a:bodyPr>
+          <a:lstStyle/>
+          <a:p>
+            <a:pPr marL="342900" algn="l"/>
+            <a:r>
+              <a:rPr lang="de-DE" sz="1400" dirty="0">
+                <a:solidFill>
+                  <a:schemeClr val="bg2"/>
+                </a:solidFill>
+              </a:rPr>
+              <a:t>Verantwortlich:</a:t>
+            </a:r>
+          </a:p>
+        </p:txBody>
+      </p:sp>
+      <p:sp>
+        <p:nvSpPr>
+          <p:cNvPr id="15" name="Rechteck 14"/>
+          <p:cNvSpPr/>
+          <p:nvPr/>
+        </p:nvSpPr>
+        <p:spPr bwMode="auto">
+          <a:xfrm>
+            <a:off x="4835348" y="8929194"/>
+            <a:ext cx="3478120" cy="340094"/>
+          </a:xfrm>
+          <a:prstGeom prst="rect">
+            <a:avLst/>
+          </a:prstGeom>
+          <a:solidFill>
+            <a:srgbClr val="FFFFFF"/>
+          </a:solidFill>
+          <a:ln w="38100" cap="flat" cmpd="sng" algn="ctr">
+            <a:solidFill>
+              <a:schemeClr val="accent1">
+                <a:lumMod val="75000"/>
+              </a:schemeClr>
+            </a:solidFill>
+            <a:prstDash val="solid"/>
+            <a:miter lim="0"/>
+            <a:headEnd type="none" w="med" len="med"/>
+            <a:tailEnd type="none" w="med" len="med"/>
+          </a:ln>
+          <a:effectLst>
+            <a:innerShdw blurRad="63500" dist="50800" dir="18900000">
+              <a:prstClr val="black">
+                <a:alpha val="50000"/>
+              </a:prstClr>
+            </a:innerShdw>
+            <a:softEdge rad="12700"/>
+          </a:effectLst>
+          <a:extLst/>
+        </p:spPr>
+        <p:txBody>
+          <a:bodyPr vert="horz" wrap="square" lIns="0" tIns="50800" rIns="50800" bIns="50800" numCol="1" rtlCol="0" anchor="ctr" anchorCtr="0" compatLnSpc="1">
+            <a:prstTxWarp prst="textNoShape">
+              <a:avLst/>
+            </a:prstTxWarp>
+          </a:bodyPr>
+          <a:lstStyle/>
+          <a:p>
+            <a:pPr marL="342900" algn="l"/>
+            <a:r>
+              <a:rPr lang="de-DE" sz="1400" dirty="0">
+                <a:solidFill>
+                  <a:schemeClr val="bg2"/>
+                </a:solidFill>
+              </a:rPr>
+              <a:t>Laufzeit</a:t>
+            </a:r>
+            <a:r>
+              <a:rPr lang="de-DE" sz="1400" dirty="0" smtClean="0">
+                <a:solidFill>
+                  <a:schemeClr val="bg2"/>
+                </a:solidFill>
+              </a:rPr>
+              <a:t>:</a:t>
+            </a:r>
+            <a:endParaRPr lang="de-DE" sz="1400" dirty="0">
+              <a:solidFill>
+                <a:schemeClr val="bg2"/>
+              </a:solidFill>
+            </a:endParaRPr>
+          </a:p>
+        </p:txBody>
+      </p:sp>
+      <p:graphicFrame>
+        <p:nvGraphicFramePr>
+          <p:cNvPr id="16" name="Tabelle 15" title="Tabelle Vergleich Beauftragung"/>
+          <p:cNvGraphicFramePr>
+            <a:graphicFrameLocks noGrp="1"/>
+          </p:cNvGraphicFramePr>
+          <p:nvPr>
+            <p:extLst>
+              <p:ext uri="{D42A27DB-BD31-4B8C-83A1-F6EECF244321}">
+                <p14:modId xmlns:p14="http://schemas.microsoft.com/office/powerpoint/2010/main" val="2030095651"/>
+              </p:ext>
+            </p:extLst>
+          </p:nvPr>
+        </p:nvGraphicFramePr>
+        <p:xfrm>
+          <a:off x="453728" y="1780456"/>
+          <a:ext cx="12097343" cy="5616619"/>
+        </p:xfrm>
+        <a:graphic>
+          <a:graphicData uri="http://schemas.openxmlformats.org/drawingml/2006/table">
+            <a:tbl>
+              <a:tblPr firstRow="1" bandRow="1">
+                <a:tableStyleId>{5A111915-BE36-4E01-A7E5-04B1672EAD32}</a:tableStyleId>
+              </a:tblPr>
+              <a:tblGrid>
+                <a:gridCol w="2592288"/>
+                <a:gridCol w="1224136"/>
+                <a:gridCol w="3888432"/>
+                <a:gridCol w="4392487"/>
+              </a:tblGrid>
+              <a:tr h="892359">
+                <a:tc>
+                  <a:txBody>
+                    <a:bodyPr/>
+                    <a:lstStyle>
+                      <a:lvl1pPr marL="0" algn="l" defTabSz="914400" rtl="0" eaLnBrk="1" latinLnBrk="0" hangingPunct="1">
+                        <a:defRPr sz="1800" b="1" kern="1200">
+                          <a:solidFill>
+                            <a:schemeClr val="lt1"/>
+                          </a:solidFill>
+                          <a:latin typeface="Gill Sans Light"/>
+                          <a:ea typeface="ヒラギノ角ゴ ProN W3"/>
+                          <a:cs typeface="ヒラギノ角ゴ ProN W3"/>
+                        </a:defRPr>
+                      </a:lvl1pPr>
+                      <a:lvl2pPr marL="457200" algn="l" defTabSz="914400" rtl="0" eaLnBrk="1" latinLnBrk="0" hangingPunct="1">
+                        <a:defRPr sz="1800" b="1" kern="1200">
+                          <a:solidFill>
+                            <a:schemeClr val="lt1"/>
+                          </a:solidFill>
+                          <a:latin typeface="Gill Sans Light"/>
+                          <a:ea typeface="ヒラギノ角ゴ ProN W3"/>
+                          <a:cs typeface="ヒラギノ角ゴ ProN W3"/>
+                        </a:defRPr>
+                      </a:lvl2pPr>
+                      <a:lvl3pPr marL="914400" algn="l" defTabSz="914400" rtl="0" eaLnBrk="1" latinLnBrk="0" hangingPunct="1">
+                        <a:defRPr sz="1800" b="1" kern="1200">
+                          <a:solidFill>
+                            <a:schemeClr val="lt1"/>
+                          </a:solidFill>
+                          <a:latin typeface="Gill Sans Light"/>
+                          <a:ea typeface="ヒラギノ角ゴ ProN W3"/>
+                          <a:cs typeface="ヒラギノ角ゴ ProN W3"/>
+                        </a:defRPr>
+                      </a:lvl3pPr>
+                      <a:lvl4pPr marL="1371600" algn="l" defTabSz="914400" rtl="0" eaLnBrk="1" latinLnBrk="0" hangingPunct="1">
+                        <a:defRPr sz="1800" b="1" kern="1200">
+                          <a:solidFill>
+                            <a:schemeClr val="lt1"/>
+                          </a:solidFill>
+                          <a:latin typeface="Gill Sans Light"/>
+                          <a:ea typeface="ヒラギノ角ゴ ProN W3"/>
+                          <a:cs typeface="ヒラギノ角ゴ ProN W3"/>
+                        </a:defRPr>
+                      </a:lvl4pPr>
+                      <a:lvl5pPr marL="1828800" algn="l" defTabSz="914400" rtl="0" eaLnBrk="1" latinLnBrk="0" hangingPunct="1">
+                        <a:defRPr sz="1800" b="1" kern="1200">
+                          <a:solidFill>
+                            <a:schemeClr val="lt1"/>
+                          </a:solidFill>
+                          <a:latin typeface="Gill Sans Light"/>
+                          <a:ea typeface="ヒラギノ角ゴ ProN W3"/>
+                          <a:cs typeface="ヒラギノ角ゴ ProN W3"/>
+                        </a:defRPr>
+                      </a:lvl5pPr>
+                      <a:lvl6pPr marL="2286000" algn="l" defTabSz="914400" rtl="0" eaLnBrk="1" latinLnBrk="0" hangingPunct="1">
+                        <a:defRPr sz="1800" b="1" kern="1200">
+                          <a:solidFill>
+                            <a:schemeClr val="lt1"/>
+                          </a:solidFill>
+                          <a:latin typeface="Gill Sans Light"/>
+                          <a:ea typeface="ヒラギノ角ゴ ProN W3"/>
+                          <a:cs typeface="ヒラギノ角ゴ ProN W3"/>
+                        </a:defRPr>
+                      </a:lvl6pPr>
+                      <a:lvl7pPr marL="2743200" algn="l" defTabSz="914400" rtl="0" eaLnBrk="1" latinLnBrk="0" hangingPunct="1">
+                        <a:defRPr sz="1800" b="1" kern="1200">
+                          <a:solidFill>
+                            <a:schemeClr val="lt1"/>
+                          </a:solidFill>
+                          <a:latin typeface="Gill Sans Light"/>
+                          <a:ea typeface="ヒラギノ角ゴ ProN W3"/>
+                          <a:cs typeface="ヒラギノ角ゴ ProN W3"/>
+                        </a:defRPr>
+                      </a:lvl7pPr>
+                      <a:lvl8pPr marL="3200400" algn="l" defTabSz="914400" rtl="0" eaLnBrk="1" latinLnBrk="0" hangingPunct="1">
+                        <a:defRPr sz="1800" b="1" kern="1200">
+                          <a:solidFill>
+                            <a:schemeClr val="lt1"/>
+                          </a:solidFill>
+                          <a:latin typeface="Gill Sans Light"/>
+                          <a:ea typeface="ヒラギノ角ゴ ProN W3"/>
+                          <a:cs typeface="ヒラギノ角ゴ ProN W3"/>
+                        </a:defRPr>
+                      </a:lvl8pPr>
+                      <a:lvl9pPr marL="3657600" algn="l" defTabSz="914400" rtl="0" eaLnBrk="1" latinLnBrk="0" hangingPunct="1">
+                        <a:defRPr sz="1800" b="1" kern="1200">
+                          <a:solidFill>
+                            <a:schemeClr val="lt1"/>
+                          </a:solidFill>
+                          <a:latin typeface="Gill Sans Light"/>
+                          <a:ea typeface="ヒラギノ角ゴ ProN W3"/>
+                          <a:cs typeface="ヒラギノ角ゴ ProN W3"/>
+                        </a:defRPr>
+                      </a:lvl9pPr>
+                    </a:lstStyle>
+                    <a:p>
+                      <a:pPr algn="ctr"/>
+                      <a:r>
+                        <a:rPr lang="de-DE" sz="1400" dirty="0" smtClean="0"/>
+                        <a:t>Charakteristik</a:t>
+                      </a:r>
+                      <a:endParaRPr lang="de-DE" sz="1400" dirty="0">
+                        <a:solidFill>
+                          <a:srgbClr val="FFFFFF"/>
+                        </a:solidFill>
+                      </a:endParaRPr>
+                    </a:p>
+                  </a:txBody>
+                  <a:tcPr anchor="ctr"/>
+                </a:tc>
+                <a:tc>
+                  <a:txBody>
+                    <a:bodyPr/>
+                    <a:lstStyle/>
+                    <a:p>
+                      <a:pPr algn="ctr"/>
+                      <a:r>
+                        <a:rPr lang="de-DE" sz="1400" b="1" kern="1200" dirty="0" smtClean="0">
+                          <a:solidFill>
+                            <a:schemeClr val="lt1"/>
+                          </a:solidFill>
+                          <a:latin typeface="Gill Sans Light"/>
+                          <a:ea typeface="ヒラギノ角ゴ ProN W3"/>
+                          <a:cs typeface="ヒラギノ角ゴ ProN W3"/>
+                        </a:rPr>
+                        <a:t>Trend</a:t>
+                      </a:r>
+                      <a:endParaRPr lang="de-DE" sz="1400" b="1" kern="1200" dirty="0">
+                        <a:solidFill>
+                          <a:schemeClr val="lt1"/>
+                        </a:solidFill>
+                        <a:latin typeface="Gill Sans Light"/>
+                        <a:ea typeface="ヒラギノ角ゴ ProN W3"/>
+                        <a:cs typeface="ヒラギノ角ゴ ProN W3"/>
+                      </a:endParaRPr>
+                    </a:p>
+                  </a:txBody>
+                  <a:tcPr anchor="ctr"/>
+                </a:tc>
+                <a:tc>
+                  <a:txBody>
+                    <a:bodyPr/>
+                    <a:lstStyle>
+                      <a:lvl1pPr marL="0" algn="l" defTabSz="914400" rtl="0" eaLnBrk="1" latinLnBrk="0" hangingPunct="1">
+                        <a:defRPr sz="1800" b="1" kern="1200">
+                          <a:solidFill>
+                            <a:schemeClr val="lt1"/>
+                          </a:solidFill>
+                          <a:latin typeface="Gill Sans Light"/>
+                          <a:ea typeface="ヒラギノ角ゴ ProN W3"/>
+                          <a:cs typeface="ヒラギノ角ゴ ProN W3"/>
+                        </a:defRPr>
+                      </a:lvl1pPr>
+                      <a:lvl2pPr marL="457200" algn="l" defTabSz="914400" rtl="0" eaLnBrk="1" latinLnBrk="0" hangingPunct="1">
+                        <a:defRPr sz="1800" b="1" kern="1200">
+                          <a:solidFill>
+                            <a:schemeClr val="lt1"/>
+                          </a:solidFill>
+                          <a:latin typeface="Gill Sans Light"/>
+                          <a:ea typeface="ヒラギノ角ゴ ProN W3"/>
+                          <a:cs typeface="ヒラギノ角ゴ ProN W3"/>
+                        </a:defRPr>
+                      </a:lvl2pPr>
+                      <a:lvl3pPr marL="914400" algn="l" defTabSz="914400" rtl="0" eaLnBrk="1" latinLnBrk="0" hangingPunct="1">
+                        <a:defRPr sz="1800" b="1" kern="1200">
+                          <a:solidFill>
+                            <a:schemeClr val="lt1"/>
+                          </a:solidFill>
+                          <a:latin typeface="Gill Sans Light"/>
+                          <a:ea typeface="ヒラギノ角ゴ ProN W3"/>
+                          <a:cs typeface="ヒラギノ角ゴ ProN W3"/>
+                        </a:defRPr>
+                      </a:lvl3pPr>
+                      <a:lvl4pPr marL="1371600" algn="l" defTabSz="914400" rtl="0" eaLnBrk="1" latinLnBrk="0" hangingPunct="1">
+                        <a:defRPr sz="1800" b="1" kern="1200">
+                          <a:solidFill>
+                            <a:schemeClr val="lt1"/>
+                          </a:solidFill>
+                          <a:latin typeface="Gill Sans Light"/>
+                          <a:ea typeface="ヒラギノ角ゴ ProN W3"/>
+                          <a:cs typeface="ヒラギノ角ゴ ProN W3"/>
+                        </a:defRPr>
+                      </a:lvl4pPr>
+                      <a:lvl5pPr marL="1828800" algn="l" defTabSz="914400" rtl="0" eaLnBrk="1" latinLnBrk="0" hangingPunct="1">
+                        <a:defRPr sz="1800" b="1" kern="1200">
+                          <a:solidFill>
+                            <a:schemeClr val="lt1"/>
+                          </a:solidFill>
+                          <a:latin typeface="Gill Sans Light"/>
+                          <a:ea typeface="ヒラギノ角ゴ ProN W3"/>
+                          <a:cs typeface="ヒラギノ角ゴ ProN W3"/>
+                        </a:defRPr>
+                      </a:lvl5pPr>
+                      <a:lvl6pPr marL="2286000" algn="l" defTabSz="914400" rtl="0" eaLnBrk="1" latinLnBrk="0" hangingPunct="1">
+                        <a:defRPr sz="1800" b="1" kern="1200">
+                          <a:solidFill>
+                            <a:schemeClr val="lt1"/>
+                          </a:solidFill>
+                          <a:latin typeface="Gill Sans Light"/>
+                          <a:ea typeface="ヒラギノ角ゴ ProN W3"/>
+                          <a:cs typeface="ヒラギノ角ゴ ProN W3"/>
+                        </a:defRPr>
+                      </a:lvl6pPr>
+                      <a:lvl7pPr marL="2743200" algn="l" defTabSz="914400" rtl="0" eaLnBrk="1" latinLnBrk="0" hangingPunct="1">
+                        <a:defRPr sz="1800" b="1" kern="1200">
+                          <a:solidFill>
+                            <a:schemeClr val="lt1"/>
+                          </a:solidFill>
+                          <a:latin typeface="Gill Sans Light"/>
+                          <a:ea typeface="ヒラギノ角ゴ ProN W3"/>
+                          <a:cs typeface="ヒラギノ角ゴ ProN W3"/>
+                        </a:defRPr>
+                      </a:lvl7pPr>
+                      <a:lvl8pPr marL="3200400" algn="l" defTabSz="914400" rtl="0" eaLnBrk="1" latinLnBrk="0" hangingPunct="1">
+                        <a:defRPr sz="1800" b="1" kern="1200">
+                          <a:solidFill>
+                            <a:schemeClr val="lt1"/>
+                          </a:solidFill>
+                          <a:latin typeface="Gill Sans Light"/>
+                          <a:ea typeface="ヒラギノ角ゴ ProN W3"/>
+                          <a:cs typeface="ヒラギノ角ゴ ProN W3"/>
+                        </a:defRPr>
+                      </a:lvl8pPr>
+                      <a:lvl9pPr marL="3657600" algn="l" defTabSz="914400" rtl="0" eaLnBrk="1" latinLnBrk="0" hangingPunct="1">
+                        <a:defRPr sz="1800" b="1" kern="1200">
+                          <a:solidFill>
+                            <a:schemeClr val="lt1"/>
+                          </a:solidFill>
+                          <a:latin typeface="Gill Sans Light"/>
+                          <a:ea typeface="ヒラギノ角ゴ ProN W3"/>
+                          <a:cs typeface="ヒラギノ角ゴ ProN W3"/>
+                        </a:defRPr>
+                      </a:lvl9pPr>
+                    </a:lstStyle>
+                    <a:p>
+                      <a:pPr algn="ctr"/>
+                      <a:r>
+                        <a:rPr lang="de-DE" sz="1400" kern="1200" dirty="0" smtClean="0"/>
+                        <a:t>Beauftragung in Datenbank</a:t>
+                      </a:r>
+                      <a:endParaRPr lang="de-DE" sz="1400" b="1" kern="1200" dirty="0">
+                        <a:solidFill>
+                          <a:srgbClr val="FFFFFF"/>
+                        </a:solidFill>
+                        <a:latin typeface="Gill Sans Light"/>
+                        <a:ea typeface="ヒラギノ角ゴ ProN W3"/>
+                        <a:cs typeface="ヒラギノ角ゴ ProN W3"/>
+                      </a:endParaRPr>
+                    </a:p>
+                  </a:txBody>
+                  <a:tcPr anchor="ctr"/>
+                </a:tc>
+                <a:tc>
+                  <a:txBody>
+                    <a:bodyPr/>
+                    <a:lstStyle/>
+                    <a:p>
+                      <a:pPr marL="0" algn="ctr" defTabSz="914400" rtl="0" eaLnBrk="1" latinLnBrk="0" hangingPunct="1"/>
+                      <a:r>
+                        <a:rPr lang="de-DE" sz="1400" b="1" kern="1200" dirty="0" smtClean="0">
+                          <a:solidFill>
+                            <a:schemeClr val="lt1"/>
+                          </a:solidFill>
+                          <a:latin typeface="Gill Sans Light"/>
+                          <a:ea typeface="ヒラギノ角ゴ ProN W3"/>
+                          <a:cs typeface="ヒラギノ角ゴ ProN W3"/>
+                        </a:rPr>
+                        <a:t>Aktueller Stand</a:t>
+                      </a:r>
+                    </a:p>
+                  </a:txBody>
+                  <a:tcPr anchor="ctr"/>
+                </a:tc>
+              </a:tr>
+              <a:tr h="472426">
+                <a:tc>
+                  <a:txBody>
+                    <a:bodyPr/>
+                    <a:lstStyle>
+                      <a:lvl1pPr marL="0" algn="l" defTabSz="914400" rtl="0" eaLnBrk="1" latinLnBrk="0" hangingPunct="1">
+                        <a:defRPr sz="1800" kern="1200">
+                          <a:solidFill>
+                            <a:schemeClr val="dk1"/>
+                          </a:solidFill>
+                          <a:latin typeface="Gill Sans Light"/>
+                          <a:ea typeface="ヒラギノ角ゴ ProN W3"/>
+                          <a:cs typeface="ヒラギノ角ゴ ProN W3"/>
+                        </a:defRPr>
+                      </a:lvl1pPr>
+                      <a:lvl2pPr marL="457200" algn="l" defTabSz="914400" rtl="0" eaLnBrk="1" latinLnBrk="0" hangingPunct="1">
+                        <a:defRPr sz="1800" kern="1200">
+                          <a:solidFill>
+                            <a:schemeClr val="dk1"/>
+                          </a:solidFill>
+                          <a:latin typeface="Gill Sans Light"/>
+                          <a:ea typeface="ヒラギノ角ゴ ProN W3"/>
+                          <a:cs typeface="ヒラギノ角ゴ ProN W3"/>
+                        </a:defRPr>
+                      </a:lvl2pPr>
+                      <a:lvl3pPr marL="914400" algn="l" defTabSz="914400" rtl="0" eaLnBrk="1" latinLnBrk="0" hangingPunct="1">
+                        <a:defRPr sz="1800" kern="1200">
+                          <a:solidFill>
+                            <a:schemeClr val="dk1"/>
+                          </a:solidFill>
+                          <a:latin typeface="Gill Sans Light"/>
+                          <a:ea typeface="ヒラギノ角ゴ ProN W3"/>
+                          <a:cs typeface="ヒラギノ角ゴ ProN W3"/>
+                        </a:defRPr>
+                      </a:lvl3pPr>
+                      <a:lvl4pPr marL="1371600" algn="l" defTabSz="914400" rtl="0" eaLnBrk="1" latinLnBrk="0" hangingPunct="1">
+                        <a:defRPr sz="1800" kern="1200">
+                          <a:solidFill>
+                            <a:schemeClr val="dk1"/>
+                          </a:solidFill>
+                          <a:latin typeface="Gill Sans Light"/>
+                          <a:ea typeface="ヒラギノ角ゴ ProN W3"/>
+                          <a:cs typeface="ヒラギノ角ゴ ProN W3"/>
+                        </a:defRPr>
+                      </a:lvl4pPr>
+                      <a:lvl5pPr marL="1828800" algn="l" defTabSz="914400" rtl="0" eaLnBrk="1" latinLnBrk="0" hangingPunct="1">
+                        <a:defRPr sz="1800" kern="1200">
+                          <a:solidFill>
+                            <a:schemeClr val="dk1"/>
+                          </a:solidFill>
+                          <a:latin typeface="Gill Sans Light"/>
+                          <a:ea typeface="ヒラギノ角ゴ ProN W3"/>
+                          <a:cs typeface="ヒラギノ角ゴ ProN W3"/>
+                        </a:defRPr>
+                      </a:lvl5pPr>
+                      <a:lvl6pPr marL="2286000" algn="l" defTabSz="914400" rtl="0" eaLnBrk="1" latinLnBrk="0" hangingPunct="1">
+                        <a:defRPr sz="1800" kern="1200">
+                          <a:solidFill>
+                            <a:schemeClr val="dk1"/>
+                          </a:solidFill>
+                          <a:latin typeface="Gill Sans Light"/>
+                          <a:ea typeface="ヒラギノ角ゴ ProN W3"/>
+                          <a:cs typeface="ヒラギノ角ゴ ProN W3"/>
+                        </a:defRPr>
+                      </a:lvl6pPr>
+                      <a:lvl7pPr marL="2743200" algn="l" defTabSz="914400" rtl="0" eaLnBrk="1" latinLnBrk="0" hangingPunct="1">
+                        <a:defRPr sz="1800" kern="1200">
+                          <a:solidFill>
+                            <a:schemeClr val="dk1"/>
+                          </a:solidFill>
+                          <a:latin typeface="Gill Sans Light"/>
+                          <a:ea typeface="ヒラギノ角ゴ ProN W3"/>
+                          <a:cs typeface="ヒラギノ角ゴ ProN W3"/>
+                        </a:defRPr>
+                      </a:lvl7pPr>
+                      <a:lvl8pPr marL="3200400" algn="l" defTabSz="914400" rtl="0" eaLnBrk="1" latinLnBrk="0" hangingPunct="1">
+                        <a:defRPr sz="1800" kern="1200">
+                          <a:solidFill>
+                            <a:schemeClr val="dk1"/>
+                          </a:solidFill>
+                          <a:latin typeface="Gill Sans Light"/>
+                          <a:ea typeface="ヒラギノ角ゴ ProN W3"/>
+                          <a:cs typeface="ヒラギノ角ゴ ProN W3"/>
+                        </a:defRPr>
+                      </a:lvl8pPr>
+                      <a:lvl9pPr marL="3657600" algn="l" defTabSz="914400" rtl="0" eaLnBrk="1" latinLnBrk="0" hangingPunct="1">
+                        <a:defRPr sz="1800" kern="1200">
+                          <a:solidFill>
+                            <a:schemeClr val="dk1"/>
+                          </a:solidFill>
+                          <a:latin typeface="Gill Sans Light"/>
+                          <a:ea typeface="ヒラギノ角ゴ ProN W3"/>
+                          <a:cs typeface="ヒラギノ角ゴ ProN W3"/>
+                        </a:defRPr>
+                      </a:lvl9pPr>
+                    </a:lstStyle>
+                    <a:p>
+                      <a:pPr marL="0" algn="l" defTabSz="914400" rtl="0" eaLnBrk="1" latinLnBrk="0" hangingPunct="1"/>
+                      <a:r>
+                        <a:rPr lang="de-DE" sz="1400" kern="1200" dirty="0" smtClean="0">
+                          <a:solidFill>
+                            <a:schemeClr val="bg1"/>
+                          </a:solidFill>
+                          <a:latin typeface="+mn-lt"/>
+                          <a:ea typeface="+mn-ea"/>
+                          <a:cs typeface="+mn-cs"/>
+                        </a:rPr>
+                        <a:t>Ergebnis</a:t>
+                      </a:r>
+                      <a:endParaRPr lang="de-DE" sz="1400" kern="1200" dirty="0">
+                        <a:solidFill>
+                          <a:schemeClr val="bg1"/>
+                        </a:solidFill>
+                        <a:latin typeface="+mn-lt"/>
+                        <a:ea typeface="+mn-ea"/>
+                        <a:cs typeface="+mn-cs"/>
+                      </a:endParaRPr>
+                    </a:p>
+                  </a:txBody>
+                  <a:tcPr anchor="ctr"/>
+                </a:tc>
+                <a:tc>
+                  <a:txBody>
+                    <a:bodyPr/>
+                    <a:lstStyle/>
+                    <a:p>
+                      <a:pPr marL="0" algn="l" defTabSz="914400" rtl="0" eaLnBrk="1" latinLnBrk="0" hangingPunct="1"/>
+                      <a:endParaRPr lang="de-DE" sz="1400" kern="1200" dirty="0">
+                        <a:solidFill>
+                          <a:schemeClr val="bg1"/>
+                        </a:solidFill>
+                        <a:latin typeface="+mn-lt"/>
+                        <a:ea typeface="+mn-ea"/>
+                        <a:cs typeface="+mn-cs"/>
+                      </a:endParaRPr>
+                    </a:p>
+                  </a:txBody>
+                  <a:tcPr anchor="ctr"/>
+                </a:tc>
+                <a:tc>
+                  <a:txBody>
+                    <a:bodyPr/>
+                    <a:lstStyle>
+                      <a:lvl1pPr marL="0" algn="l" defTabSz="914400" rtl="0" eaLnBrk="1" latinLnBrk="0" hangingPunct="1">
+                        <a:defRPr sz="1800" kern="1200">
+                          <a:solidFill>
+                            <a:schemeClr val="dk1"/>
+                          </a:solidFill>
+                          <a:latin typeface="Gill Sans Light"/>
+                          <a:ea typeface="ヒラギノ角ゴ ProN W3"/>
+                          <a:cs typeface="ヒラギノ角ゴ ProN W3"/>
+                        </a:defRPr>
+                      </a:lvl1pPr>
+                      <a:lvl2pPr marL="457200" algn="l" defTabSz="914400" rtl="0" eaLnBrk="1" latinLnBrk="0" hangingPunct="1">
+                        <a:defRPr sz="1800" kern="1200">
+                          <a:solidFill>
+                            <a:schemeClr val="dk1"/>
+                          </a:solidFill>
+                          <a:latin typeface="Gill Sans Light"/>
+                          <a:ea typeface="ヒラギノ角ゴ ProN W3"/>
+                          <a:cs typeface="ヒラギノ角ゴ ProN W3"/>
+                        </a:defRPr>
+                      </a:lvl2pPr>
+                      <a:lvl3pPr marL="914400" algn="l" defTabSz="914400" rtl="0" eaLnBrk="1" latinLnBrk="0" hangingPunct="1">
+                        <a:defRPr sz="1800" kern="1200">
+                          <a:solidFill>
+                            <a:schemeClr val="dk1"/>
+                          </a:solidFill>
+                          <a:latin typeface="Gill Sans Light"/>
+                          <a:ea typeface="ヒラギノ角ゴ ProN W3"/>
+                          <a:cs typeface="ヒラギノ角ゴ ProN W3"/>
+                        </a:defRPr>
+                      </a:lvl3pPr>
+                      <a:lvl4pPr marL="1371600" algn="l" defTabSz="914400" rtl="0" eaLnBrk="1" latinLnBrk="0" hangingPunct="1">
+                        <a:defRPr sz="1800" kern="1200">
+                          <a:solidFill>
+                            <a:schemeClr val="dk1"/>
+                          </a:solidFill>
+                          <a:latin typeface="Gill Sans Light"/>
+                          <a:ea typeface="ヒラギノ角ゴ ProN W3"/>
+                          <a:cs typeface="ヒラギノ角ゴ ProN W3"/>
+                        </a:defRPr>
+                      </a:lvl4pPr>
+                      <a:lvl5pPr marL="1828800" algn="l" defTabSz="914400" rtl="0" eaLnBrk="1" latinLnBrk="0" hangingPunct="1">
+                        <a:defRPr sz="1800" kern="1200">
+                          <a:solidFill>
+                            <a:schemeClr val="dk1"/>
+                          </a:solidFill>
+                          <a:latin typeface="Gill Sans Light"/>
+                          <a:ea typeface="ヒラギノ角ゴ ProN W3"/>
+                          <a:cs typeface="ヒラギノ角ゴ ProN W3"/>
+                        </a:defRPr>
+                      </a:lvl5pPr>
+                      <a:lvl6pPr marL="2286000" algn="l" defTabSz="914400" rtl="0" eaLnBrk="1" latinLnBrk="0" hangingPunct="1">
+                        <a:defRPr sz="1800" kern="1200">
+                          <a:solidFill>
+                            <a:schemeClr val="dk1"/>
+                          </a:solidFill>
+                          <a:latin typeface="Gill Sans Light"/>
+                          <a:ea typeface="ヒラギノ角ゴ ProN W3"/>
+                          <a:cs typeface="ヒラギノ角ゴ ProN W3"/>
+                        </a:defRPr>
+                      </a:lvl6pPr>
+                      <a:lvl7pPr marL="2743200" algn="l" defTabSz="914400" rtl="0" eaLnBrk="1" latinLnBrk="0" hangingPunct="1">
+                        <a:defRPr sz="1800" kern="1200">
+                          <a:solidFill>
+                            <a:schemeClr val="dk1"/>
+                          </a:solidFill>
+                          <a:latin typeface="Gill Sans Light"/>
+                          <a:ea typeface="ヒラギノ角ゴ ProN W3"/>
+                          <a:cs typeface="ヒラギノ角ゴ ProN W3"/>
+                        </a:defRPr>
+                      </a:lvl7pPr>
+                      <a:lvl8pPr marL="3200400" algn="l" defTabSz="914400" rtl="0" eaLnBrk="1" latinLnBrk="0" hangingPunct="1">
+                        <a:defRPr sz="1800" kern="1200">
+                          <a:solidFill>
+                            <a:schemeClr val="dk1"/>
+                          </a:solidFill>
+                          <a:latin typeface="Gill Sans Light"/>
+                          <a:ea typeface="ヒラギノ角ゴ ProN W3"/>
+                          <a:cs typeface="ヒラギノ角ゴ ProN W3"/>
+                        </a:defRPr>
+                      </a:lvl8pPr>
+                      <a:lvl9pPr marL="3657600" algn="l" defTabSz="914400" rtl="0" eaLnBrk="1" latinLnBrk="0" hangingPunct="1">
+                        <a:defRPr sz="1800" kern="1200">
+                          <a:solidFill>
+                            <a:schemeClr val="dk1"/>
+                          </a:solidFill>
+                          <a:latin typeface="Gill Sans Light"/>
+                          <a:ea typeface="ヒラギノ角ゴ ProN W3"/>
+                          <a:cs typeface="ヒラギノ角ゴ ProN W3"/>
+                        </a:defRPr>
+                      </a:lvl9pPr>
+                    </a:lstStyle>
+                    <a:p>
+                      <a:pPr marL="0" algn="ctr" defTabSz="914400" rtl="0" eaLnBrk="1" latinLnBrk="0" hangingPunct="1"/>
+                      <a:r>
+                        <a:rPr lang="de-DE" sz="1400" kern="1200" dirty="0" smtClean="0">
+                          <a:solidFill>
+                            <a:schemeClr val="bg1"/>
+                          </a:solidFill>
+                          <a:latin typeface="+mn-lt"/>
+                          <a:ea typeface="+mn-ea"/>
+                          <a:cs typeface="+mn-cs"/>
+                        </a:rPr>
+                        <a:t>50 T€</a:t>
+                      </a:r>
+                      <a:endParaRPr lang="de-DE" sz="1400" kern="1200" dirty="0">
+                        <a:solidFill>
+                          <a:schemeClr val="bg1"/>
+                        </a:solidFill>
+                        <a:latin typeface="+mn-lt"/>
+                        <a:ea typeface="+mn-ea"/>
+                        <a:cs typeface="+mn-cs"/>
+                      </a:endParaRPr>
+                    </a:p>
+                  </a:txBody>
+                  <a:tcPr anchor="ctr"/>
+                </a:tc>
+                <a:tc>
+                  <a:txBody>
+                    <a:bodyPr/>
+                    <a:lstStyle/>
+                    <a:p>
+                      <a:pPr algn="ctr"/>
+                      <a:r>
+                        <a:rPr lang="de-DE" sz="1400" dirty="0" smtClean="0">
+                          <a:solidFill>
+                            <a:schemeClr val="bg1"/>
+                          </a:solidFill>
+                        </a:rPr>
+                        <a:t>-10 T€</a:t>
+                      </a:r>
+                      <a:endParaRPr lang="de-DE" sz="1400" dirty="0">
+                        <a:solidFill>
+                          <a:schemeClr val="bg1"/>
+                        </a:solidFill>
+                      </a:endParaRPr>
+                    </a:p>
+                  </a:txBody>
+                  <a:tcPr anchor="ctr"/>
+                </a:tc>
+              </a:tr>
+              <a:tr h="472426">
+                <a:tc>
+                  <a:txBody>
+                    <a:bodyPr/>
+                    <a:lstStyle/>
+                    <a:p>
+                      <a:pPr marL="0" algn="l" defTabSz="914400" rtl="0" eaLnBrk="1" latinLnBrk="0" hangingPunct="1"/>
+                      <a:r>
+                        <a:rPr lang="de-DE" sz="1400" kern="1200" dirty="0" smtClean="0">
+                          <a:solidFill>
+                            <a:schemeClr val="bg1"/>
+                          </a:solidFill>
+                          <a:latin typeface="+mn-lt"/>
+                          <a:ea typeface="+mn-ea"/>
+                          <a:cs typeface="+mn-cs"/>
+                        </a:rPr>
+                        <a:t>Budget</a:t>
+                      </a:r>
+                      <a:endParaRPr lang="de-DE" sz="1400" kern="1200" dirty="0">
+                        <a:solidFill>
+                          <a:schemeClr val="bg1"/>
+                        </a:solidFill>
+                        <a:latin typeface="+mn-lt"/>
+                        <a:ea typeface="+mn-ea"/>
+                        <a:cs typeface="+mn-cs"/>
+                      </a:endParaRPr>
+                    </a:p>
+                  </a:txBody>
+                  <a:tcPr anchor="ctr"/>
+                </a:tc>
+                <a:tc>
+                  <a:txBody>
+                    <a:bodyPr/>
+                    <a:lstStyle/>
                     <a:p>
                       <a:pPr marL="0" marR="0" indent="0" algn="l" defTabSz="914400" rtl="0" eaLnBrk="1" fontAlgn="auto" latinLnBrk="0" hangingPunct="1">
                         <a:lnSpc>
@@ -4737,18 +7912,7 @@
                         <a:tabLst/>
                         <a:defRPr/>
                       </a:pPr>
-                      <a:r>
-                        <a:rPr lang="de-DE" sz="1400" b="1" kern="1200" baseline="0" dirty="0" smtClean="0">
-                          <a:solidFill>
-                            <a:schemeClr val="bg1"/>
-                          </a:solidFill>
-                          <a:latin typeface="+mn-lt"/>
-                          <a:ea typeface="+mn-ea"/>
-                          <a:cs typeface="+mn-cs"/>
-                        </a:rPr>
-                        <a:t># </a:t>
-                      </a:r>
-                      <a:endParaRPr lang="de-DE" sz="1400" b="1" kern="1200" dirty="0" smtClean="0">
+                      <a:endParaRPr lang="de-DE" sz="1400" kern="1200" dirty="0" smtClean="0">
                         <a:solidFill>
                           <a:schemeClr val="bg1"/>
                         </a:solidFill>
@@ -4758,14 +7922,1068 @@
                       </a:endParaRPr>
                     </a:p>
                   </a:txBody>
-                  <a:tcPr>
-                    <a:solidFill>
-                      <a:schemeClr val="tx1">
-                        <a:lumMod val="20000"/>
-                        <a:lumOff val="80000"/>
-                      </a:schemeClr>
-                    </a:solidFill>
-                  </a:tcPr>
+                  <a:tcPr anchor="ctr"/>
+                </a:tc>
+                <a:tc>
+                  <a:txBody>
+                    <a:bodyPr/>
+                    <a:lstStyle/>
+                    <a:p>
+                      <a:pPr marL="0" marR="0" indent="0" algn="ctr" defTabSz="914400" rtl="0" eaLnBrk="1" fontAlgn="auto" latinLnBrk="0" hangingPunct="1">
+                        <a:lnSpc>
+                          <a:spcPct val="100000"/>
+                        </a:lnSpc>
+                        <a:spcBef>
+                          <a:spcPts val="0"/>
+                        </a:spcBef>
+                        <a:spcAft>
+                          <a:spcPts val="0"/>
+                        </a:spcAft>
+                        <a:buClrTx/>
+                        <a:buSzTx/>
+                        <a:buFontTx/>
+                        <a:buNone/>
+                        <a:tabLst/>
+                        <a:defRPr/>
+                      </a:pPr>
+                      <a:r>
+                        <a:rPr lang="de-DE" sz="1400" kern="1200" dirty="0" smtClean="0">
+                          <a:solidFill>
+                            <a:schemeClr val="bg1"/>
+                          </a:solidFill>
+                          <a:latin typeface="+mn-lt"/>
+                          <a:ea typeface="+mn-ea"/>
+                          <a:cs typeface="+mn-cs"/>
+                        </a:rPr>
+                        <a:t>Wert</a:t>
+                      </a:r>
+                      <a:r>
+                        <a:rPr lang="de-DE" sz="1400" kern="1200" baseline="0" dirty="0" smtClean="0">
+                          <a:solidFill>
+                            <a:schemeClr val="bg1"/>
+                          </a:solidFill>
+                          <a:latin typeface="+mn-lt"/>
+                          <a:ea typeface="+mn-ea"/>
+                          <a:cs typeface="+mn-cs"/>
+                        </a:rPr>
+                        <a:t> alt </a:t>
+                      </a:r>
+                      <a:endParaRPr lang="de-DE" sz="1400" kern="1200" dirty="0" smtClean="0">
+                        <a:solidFill>
+                          <a:schemeClr val="bg1"/>
+                        </a:solidFill>
+                        <a:latin typeface="+mn-lt"/>
+                        <a:ea typeface="+mn-ea"/>
+                        <a:cs typeface="+mn-cs"/>
+                      </a:endParaRPr>
+                    </a:p>
+                  </a:txBody>
+                  <a:tcPr anchor="ctr"/>
+                </a:tc>
+                <a:tc>
+                  <a:txBody>
+                    <a:bodyPr/>
+                    <a:lstStyle/>
+                    <a:p>
+                      <a:pPr algn="ctr"/>
+                      <a:r>
+                        <a:rPr lang="de-DE" sz="1400" kern="1200" dirty="0" smtClean="0">
+                          <a:solidFill>
+                            <a:schemeClr val="bg1"/>
+                          </a:solidFill>
+                          <a:latin typeface="+mn-lt"/>
+                          <a:ea typeface="+mn-ea"/>
+                          <a:cs typeface="+mn-cs"/>
+                        </a:rPr>
+                        <a:t>Wert neu</a:t>
+                      </a:r>
+                      <a:endParaRPr lang="de-DE" sz="1400" dirty="0">
+                        <a:solidFill>
+                          <a:schemeClr val="bg1"/>
+                        </a:solidFill>
+                      </a:endParaRPr>
+                    </a:p>
+                  </a:txBody>
+                  <a:tcPr anchor="ctr"/>
+                </a:tc>
+              </a:tr>
+              <a:tr h="472426">
+                <a:tc>
+                  <a:txBody>
+                    <a:bodyPr/>
+                    <a:lstStyle/>
+                    <a:p>
+                      <a:pPr marL="0" algn="l" defTabSz="914400" rtl="0" eaLnBrk="1" latinLnBrk="0" hangingPunct="1"/>
+                      <a:r>
+                        <a:rPr lang="de-DE" sz="1400" kern="1200" dirty="0" smtClean="0">
+                          <a:solidFill>
+                            <a:schemeClr val="bg1"/>
+                          </a:solidFill>
+                          <a:latin typeface="+mn-lt"/>
+                          <a:ea typeface="+mn-ea"/>
+                          <a:cs typeface="+mn-cs"/>
+                        </a:rPr>
+                        <a:t>Personalkosten</a:t>
+                      </a:r>
+                      <a:endParaRPr lang="de-DE" sz="1400" kern="1200" dirty="0">
+                        <a:solidFill>
+                          <a:schemeClr val="bg1"/>
+                        </a:solidFill>
+                        <a:latin typeface="+mn-lt"/>
+                        <a:ea typeface="+mn-ea"/>
+                        <a:cs typeface="+mn-cs"/>
+                      </a:endParaRPr>
+                    </a:p>
+                  </a:txBody>
+                  <a:tcPr anchor="ctr"/>
+                </a:tc>
+                <a:tc>
+                  <a:txBody>
+                    <a:bodyPr/>
+                    <a:lstStyle/>
+                    <a:p>
+                      <a:pPr marL="0" marR="0" indent="0" algn="l" defTabSz="914400" rtl="0" eaLnBrk="1" fontAlgn="auto" latinLnBrk="0" hangingPunct="1">
+                        <a:lnSpc>
+                          <a:spcPct val="100000"/>
+                        </a:lnSpc>
+                        <a:spcBef>
+                          <a:spcPts val="0"/>
+                        </a:spcBef>
+                        <a:spcAft>
+                          <a:spcPts val="0"/>
+                        </a:spcAft>
+                        <a:buClrTx/>
+                        <a:buSzTx/>
+                        <a:buFontTx/>
+                        <a:buNone/>
+                        <a:tabLst/>
+                        <a:defRPr/>
+                      </a:pPr>
+                      <a:endParaRPr lang="de-DE" sz="1400" kern="1200" dirty="0" smtClean="0">
+                        <a:solidFill>
+                          <a:schemeClr val="bg1"/>
+                        </a:solidFill>
+                        <a:latin typeface="+mn-lt"/>
+                        <a:ea typeface="+mn-ea"/>
+                        <a:cs typeface="+mn-cs"/>
+                      </a:endParaRPr>
+                    </a:p>
+                  </a:txBody>
+                  <a:tcPr anchor="ctr"/>
+                </a:tc>
+                <a:tc>
+                  <a:txBody>
+                    <a:bodyPr/>
+                    <a:lstStyle/>
+                    <a:p>
+                      <a:pPr marL="0" marR="0" indent="0" algn="ctr" defTabSz="914400" rtl="0" eaLnBrk="1" fontAlgn="auto" latinLnBrk="0" hangingPunct="1">
+                        <a:lnSpc>
+                          <a:spcPct val="100000"/>
+                        </a:lnSpc>
+                        <a:spcBef>
+                          <a:spcPts val="0"/>
+                        </a:spcBef>
+                        <a:spcAft>
+                          <a:spcPts val="0"/>
+                        </a:spcAft>
+                        <a:buClrTx/>
+                        <a:buSzTx/>
+                        <a:buFontTx/>
+                        <a:buNone/>
+                        <a:tabLst/>
+                        <a:defRPr/>
+                      </a:pPr>
+                      <a:r>
+                        <a:rPr lang="de-DE" sz="1400" kern="1200" dirty="0" smtClean="0">
+                          <a:solidFill>
+                            <a:schemeClr val="bg1"/>
+                          </a:solidFill>
+                          <a:latin typeface="+mn-lt"/>
+                          <a:ea typeface="+mn-ea"/>
+                          <a:cs typeface="+mn-cs"/>
+                        </a:rPr>
+                        <a:t>Wert</a:t>
+                      </a:r>
+                      <a:r>
+                        <a:rPr lang="de-DE" sz="1400" kern="1200" baseline="0" dirty="0" smtClean="0">
+                          <a:solidFill>
+                            <a:schemeClr val="bg1"/>
+                          </a:solidFill>
+                          <a:latin typeface="+mn-lt"/>
+                          <a:ea typeface="+mn-ea"/>
+                          <a:cs typeface="+mn-cs"/>
+                        </a:rPr>
+                        <a:t> alt </a:t>
+                      </a:r>
+                      <a:endParaRPr lang="de-DE" sz="1400" kern="1200" dirty="0" smtClean="0">
+                        <a:solidFill>
+                          <a:schemeClr val="bg1"/>
+                        </a:solidFill>
+                        <a:latin typeface="+mn-lt"/>
+                        <a:ea typeface="+mn-ea"/>
+                        <a:cs typeface="+mn-cs"/>
+                      </a:endParaRPr>
+                    </a:p>
+                  </a:txBody>
+                  <a:tcPr anchor="ctr"/>
+                </a:tc>
+                <a:tc>
+                  <a:txBody>
+                    <a:bodyPr/>
+                    <a:lstStyle/>
+                    <a:p>
+                      <a:pPr algn="ctr"/>
+                      <a:r>
+                        <a:rPr lang="de-DE" sz="1400" kern="1200" dirty="0" smtClean="0">
+                          <a:solidFill>
+                            <a:schemeClr val="bg1"/>
+                          </a:solidFill>
+                          <a:latin typeface="+mn-lt"/>
+                          <a:ea typeface="+mn-ea"/>
+                          <a:cs typeface="+mn-cs"/>
+                        </a:rPr>
+                        <a:t>Wert neu</a:t>
+                      </a:r>
+                      <a:endParaRPr lang="de-DE" sz="1400" dirty="0">
+                        <a:solidFill>
+                          <a:schemeClr val="bg1"/>
+                        </a:solidFill>
+                      </a:endParaRPr>
+                    </a:p>
+                  </a:txBody>
+                  <a:tcPr anchor="ctr"/>
+                </a:tc>
+              </a:tr>
+              <a:tr h="472426">
+                <a:tc>
+                  <a:txBody>
+                    <a:bodyPr/>
+                    <a:lstStyle/>
+                    <a:p>
+                      <a:pPr marL="0" algn="l" defTabSz="914400" rtl="0" eaLnBrk="1" latinLnBrk="0" hangingPunct="1"/>
+                      <a:r>
+                        <a:rPr lang="de-DE" sz="1400" kern="1200" dirty="0" smtClean="0">
+                          <a:solidFill>
+                            <a:schemeClr val="bg1"/>
+                          </a:solidFill>
+                          <a:latin typeface="+mn-lt"/>
+                          <a:ea typeface="+mn-ea"/>
+                          <a:cs typeface="+mn-cs"/>
+                        </a:rPr>
+                        <a:t>Sonstige Kosten</a:t>
+                      </a:r>
+                      <a:endParaRPr lang="de-DE" sz="1400" kern="1200" dirty="0">
+                        <a:solidFill>
+                          <a:schemeClr val="bg1"/>
+                        </a:solidFill>
+                        <a:latin typeface="+mn-lt"/>
+                        <a:ea typeface="+mn-ea"/>
+                        <a:cs typeface="+mn-cs"/>
+                      </a:endParaRPr>
+                    </a:p>
+                  </a:txBody>
+                  <a:tcPr anchor="ctr"/>
+                </a:tc>
+                <a:tc>
+                  <a:txBody>
+                    <a:bodyPr/>
+                    <a:lstStyle/>
+                    <a:p>
+                      <a:pPr marL="0" marR="0" indent="0" algn="l" defTabSz="914400" rtl="0" eaLnBrk="1" fontAlgn="auto" latinLnBrk="0" hangingPunct="1">
+                        <a:lnSpc>
+                          <a:spcPct val="100000"/>
+                        </a:lnSpc>
+                        <a:spcBef>
+                          <a:spcPts val="0"/>
+                        </a:spcBef>
+                        <a:spcAft>
+                          <a:spcPts val="0"/>
+                        </a:spcAft>
+                        <a:buClrTx/>
+                        <a:buSzTx/>
+                        <a:buFontTx/>
+                        <a:buNone/>
+                        <a:tabLst/>
+                        <a:defRPr/>
+                      </a:pPr>
+                      <a:endParaRPr lang="de-DE" sz="1400" kern="1200" dirty="0" smtClean="0">
+                        <a:solidFill>
+                          <a:schemeClr val="bg1"/>
+                        </a:solidFill>
+                        <a:latin typeface="+mn-lt"/>
+                        <a:ea typeface="+mn-ea"/>
+                        <a:cs typeface="+mn-cs"/>
+                      </a:endParaRPr>
+                    </a:p>
+                  </a:txBody>
+                  <a:tcPr anchor="ctr"/>
+                </a:tc>
+                <a:tc>
+                  <a:txBody>
+                    <a:bodyPr/>
+                    <a:lstStyle/>
+                    <a:p>
+                      <a:pPr marL="0" marR="0" indent="0" algn="ctr" defTabSz="914400" rtl="0" eaLnBrk="1" fontAlgn="auto" latinLnBrk="0" hangingPunct="1">
+                        <a:lnSpc>
+                          <a:spcPct val="100000"/>
+                        </a:lnSpc>
+                        <a:spcBef>
+                          <a:spcPts val="0"/>
+                        </a:spcBef>
+                        <a:spcAft>
+                          <a:spcPts val="0"/>
+                        </a:spcAft>
+                        <a:buClrTx/>
+                        <a:buSzTx/>
+                        <a:buFontTx/>
+                        <a:buNone/>
+                        <a:tabLst/>
+                        <a:defRPr/>
+                      </a:pPr>
+                      <a:r>
+                        <a:rPr lang="de-DE" sz="1400" kern="1200" dirty="0" smtClean="0">
+                          <a:solidFill>
+                            <a:schemeClr val="bg1"/>
+                          </a:solidFill>
+                          <a:latin typeface="+mn-lt"/>
+                          <a:ea typeface="+mn-ea"/>
+                          <a:cs typeface="+mn-cs"/>
+                        </a:rPr>
+                        <a:t>Wert</a:t>
+                      </a:r>
+                      <a:r>
+                        <a:rPr lang="de-DE" sz="1400" kern="1200" baseline="0" dirty="0" smtClean="0">
+                          <a:solidFill>
+                            <a:schemeClr val="bg1"/>
+                          </a:solidFill>
+                          <a:latin typeface="+mn-lt"/>
+                          <a:ea typeface="+mn-ea"/>
+                          <a:cs typeface="+mn-cs"/>
+                        </a:rPr>
+                        <a:t> alt </a:t>
+                      </a:r>
+                      <a:endParaRPr lang="de-DE" sz="1400" kern="1200" dirty="0" smtClean="0">
+                        <a:solidFill>
+                          <a:schemeClr val="bg1"/>
+                        </a:solidFill>
+                        <a:latin typeface="+mn-lt"/>
+                        <a:ea typeface="+mn-ea"/>
+                        <a:cs typeface="+mn-cs"/>
+                      </a:endParaRPr>
+                    </a:p>
+                  </a:txBody>
+                  <a:tcPr anchor="ctr"/>
+                </a:tc>
+                <a:tc>
+                  <a:txBody>
+                    <a:bodyPr/>
+                    <a:lstStyle/>
+                    <a:p>
+                      <a:pPr algn="ctr"/>
+                      <a:r>
+                        <a:rPr lang="de-DE" sz="1400" kern="1200" dirty="0" smtClean="0">
+                          <a:solidFill>
+                            <a:schemeClr val="bg1"/>
+                          </a:solidFill>
+                          <a:latin typeface="+mn-lt"/>
+                          <a:ea typeface="+mn-ea"/>
+                          <a:cs typeface="+mn-cs"/>
+                        </a:rPr>
+                        <a:t>Wert neu</a:t>
+                      </a:r>
+                      <a:endParaRPr lang="de-DE" sz="1400" dirty="0">
+                        <a:solidFill>
+                          <a:schemeClr val="bg1"/>
+                        </a:solidFill>
+                      </a:endParaRPr>
+                    </a:p>
+                  </a:txBody>
+                  <a:tcPr anchor="ctr"/>
+                </a:tc>
+              </a:tr>
+              <a:tr h="472426">
+                <a:tc>
+                  <a:txBody>
+                    <a:bodyPr/>
+                    <a:lstStyle/>
+                    <a:p>
+                      <a:pPr marL="0" algn="l" defTabSz="914400" rtl="0" eaLnBrk="1" latinLnBrk="0" hangingPunct="1"/>
+                      <a:r>
+                        <a:rPr lang="de-DE" sz="1400" kern="1200" dirty="0" smtClean="0">
+                          <a:solidFill>
+                            <a:schemeClr val="bg1"/>
+                          </a:solidFill>
+                          <a:latin typeface="+mn-lt"/>
+                          <a:ea typeface="+mn-ea"/>
+                          <a:cs typeface="+mn-cs"/>
+                        </a:rPr>
+                        <a:t>Termine Phasen</a:t>
+                      </a:r>
+                      <a:endParaRPr lang="de-DE" sz="1400" kern="1200" dirty="0">
+                        <a:solidFill>
+                          <a:schemeClr val="bg1"/>
+                        </a:solidFill>
+                        <a:latin typeface="+mn-lt"/>
+                        <a:ea typeface="+mn-ea"/>
+                        <a:cs typeface="+mn-cs"/>
+                      </a:endParaRPr>
+                    </a:p>
+                  </a:txBody>
+                  <a:tcPr anchor="ctr"/>
+                </a:tc>
+                <a:tc>
+                  <a:txBody>
+                    <a:bodyPr/>
+                    <a:lstStyle/>
+                    <a:p>
+                      <a:pPr marL="0" marR="0" indent="0" algn="l" defTabSz="914400" rtl="0" eaLnBrk="1" fontAlgn="auto" latinLnBrk="0" hangingPunct="1">
+                        <a:lnSpc>
+                          <a:spcPct val="100000"/>
+                        </a:lnSpc>
+                        <a:spcBef>
+                          <a:spcPts val="0"/>
+                        </a:spcBef>
+                        <a:spcAft>
+                          <a:spcPts val="0"/>
+                        </a:spcAft>
+                        <a:buClrTx/>
+                        <a:buSzTx/>
+                        <a:buFontTx/>
+                        <a:buNone/>
+                        <a:tabLst/>
+                        <a:defRPr/>
+                      </a:pPr>
+                      <a:endParaRPr lang="de-DE" sz="1400" kern="1200" dirty="0" smtClean="0">
+                        <a:solidFill>
+                          <a:schemeClr val="bg1"/>
+                        </a:solidFill>
+                        <a:latin typeface="+mn-lt"/>
+                        <a:ea typeface="+mn-ea"/>
+                        <a:cs typeface="+mn-cs"/>
+                      </a:endParaRPr>
+                    </a:p>
+                  </a:txBody>
+                  <a:tcPr anchor="ctr"/>
+                </a:tc>
+                <a:tc>
+                  <a:txBody>
+                    <a:bodyPr/>
+                    <a:lstStyle/>
+                    <a:p>
+                      <a:pPr marL="0" marR="0" indent="0" algn="ctr" defTabSz="914400" rtl="0" eaLnBrk="1" fontAlgn="auto" latinLnBrk="0" hangingPunct="1">
+                        <a:lnSpc>
+                          <a:spcPct val="100000"/>
+                        </a:lnSpc>
+                        <a:spcBef>
+                          <a:spcPts val="0"/>
+                        </a:spcBef>
+                        <a:spcAft>
+                          <a:spcPts val="0"/>
+                        </a:spcAft>
+                        <a:buClrTx/>
+                        <a:buSzTx/>
+                        <a:buFontTx/>
+                        <a:buNone/>
+                        <a:tabLst/>
+                        <a:defRPr/>
+                      </a:pPr>
+                      <a:r>
+                        <a:rPr lang="de-DE" sz="1400" kern="1200" dirty="0" smtClean="0">
+                          <a:solidFill>
+                            <a:schemeClr val="bg1"/>
+                          </a:solidFill>
+                          <a:latin typeface="+mn-lt"/>
+                          <a:ea typeface="+mn-ea"/>
+                          <a:cs typeface="+mn-cs"/>
+                        </a:rPr>
+                        <a:t>Keine Änderung / oder siehe Chart</a:t>
+                      </a:r>
+                    </a:p>
+                  </a:txBody>
+                  <a:tcPr anchor="ctr"/>
+                </a:tc>
+                <a:tc>
+                  <a:txBody>
+                    <a:bodyPr/>
+                    <a:lstStyle/>
+                    <a:p>
+                      <a:pPr marL="0" marR="0" indent="0" algn="ctr" defTabSz="914400" rtl="0" eaLnBrk="1" fontAlgn="auto" latinLnBrk="0" hangingPunct="1">
+                        <a:lnSpc>
+                          <a:spcPct val="100000"/>
+                        </a:lnSpc>
+                        <a:spcBef>
+                          <a:spcPts val="0"/>
+                        </a:spcBef>
+                        <a:spcAft>
+                          <a:spcPts val="0"/>
+                        </a:spcAft>
+                        <a:buClrTx/>
+                        <a:buSzTx/>
+                        <a:buFontTx/>
+                        <a:buNone/>
+                        <a:tabLst/>
+                        <a:defRPr/>
+                      </a:pPr>
+                      <a:r>
+                        <a:rPr lang="de-DE" sz="1400" kern="1200" dirty="0" smtClean="0">
+                          <a:solidFill>
+                            <a:schemeClr val="bg1"/>
+                          </a:solidFill>
+                          <a:latin typeface="+mn-lt"/>
+                          <a:ea typeface="+mn-ea"/>
+                          <a:cs typeface="+mn-cs"/>
+                        </a:rPr>
+                        <a:t>Keine Änderung / oder siehe Chart</a:t>
+                      </a:r>
+                    </a:p>
+                  </a:txBody>
+                  <a:tcPr anchor="ctr"/>
+                </a:tc>
+              </a:tr>
+              <a:tr h="472426">
+                <a:tc>
+                  <a:txBody>
+                    <a:bodyPr/>
+                    <a:lstStyle/>
+                    <a:p>
+                      <a:pPr marL="0" algn="l" defTabSz="914400" rtl="0" eaLnBrk="1" latinLnBrk="0" hangingPunct="1"/>
+                      <a:r>
+                        <a:rPr lang="de-DE" sz="1400" kern="1200" dirty="0" smtClean="0">
+                          <a:solidFill>
+                            <a:schemeClr val="bg1"/>
+                          </a:solidFill>
+                          <a:latin typeface="+mn-lt"/>
+                          <a:ea typeface="+mn-ea"/>
+                          <a:cs typeface="+mn-cs"/>
+                        </a:rPr>
+                        <a:t>Termine Meilensteine</a:t>
+                      </a:r>
+                      <a:endParaRPr lang="de-DE" sz="1400" kern="1200" dirty="0">
+                        <a:solidFill>
+                          <a:schemeClr val="bg1"/>
+                        </a:solidFill>
+                        <a:latin typeface="+mn-lt"/>
+                        <a:ea typeface="+mn-ea"/>
+                        <a:cs typeface="+mn-cs"/>
+                      </a:endParaRPr>
+                    </a:p>
+                  </a:txBody>
+                  <a:tcPr anchor="ctr"/>
+                </a:tc>
+                <a:tc>
+                  <a:txBody>
+                    <a:bodyPr/>
+                    <a:lstStyle/>
+                    <a:p>
+                      <a:pPr marL="0" algn="l" defTabSz="914400" rtl="0" eaLnBrk="1" latinLnBrk="0" hangingPunct="1"/>
+                      <a:endParaRPr lang="de-DE" sz="1400" kern="1200" dirty="0">
+                        <a:solidFill>
+                          <a:schemeClr val="bg1"/>
+                        </a:solidFill>
+                        <a:latin typeface="+mn-lt"/>
+                        <a:ea typeface="+mn-ea"/>
+                        <a:cs typeface="+mn-cs"/>
+                      </a:endParaRPr>
+                    </a:p>
+                  </a:txBody>
+                  <a:tcPr anchor="ctr"/>
+                </a:tc>
+                <a:tc>
+                  <a:txBody>
+                    <a:bodyPr/>
+                    <a:lstStyle/>
+                    <a:p>
+                      <a:pPr marL="0" algn="ctr" defTabSz="914400" rtl="0" eaLnBrk="1" latinLnBrk="0" hangingPunct="1"/>
+                      <a:r>
+                        <a:rPr lang="de-DE" sz="1400" kern="1200" dirty="0" smtClean="0">
+                          <a:solidFill>
+                            <a:schemeClr val="bg1"/>
+                          </a:solidFill>
+                          <a:latin typeface="+mn-lt"/>
+                          <a:ea typeface="+mn-ea"/>
+                          <a:cs typeface="+mn-cs"/>
+                        </a:rPr>
+                        <a:t>Keine Änderung / oder siehe Chart</a:t>
+                      </a:r>
+                      <a:endParaRPr lang="de-DE" sz="1400" kern="1200" dirty="0">
+                        <a:solidFill>
+                          <a:schemeClr val="bg1"/>
+                        </a:solidFill>
+                        <a:latin typeface="+mn-lt"/>
+                        <a:ea typeface="+mn-ea"/>
+                        <a:cs typeface="+mn-cs"/>
+                      </a:endParaRPr>
+                    </a:p>
+                  </a:txBody>
+                  <a:tcPr anchor="ctr"/>
+                </a:tc>
+                <a:tc>
+                  <a:txBody>
+                    <a:bodyPr/>
+                    <a:lstStyle/>
+                    <a:p>
+                      <a:pPr marL="0" marR="0" indent="0" algn="ctr" defTabSz="914400" rtl="0" eaLnBrk="1" fontAlgn="auto" latinLnBrk="0" hangingPunct="1">
+                        <a:lnSpc>
+                          <a:spcPct val="100000"/>
+                        </a:lnSpc>
+                        <a:spcBef>
+                          <a:spcPts val="0"/>
+                        </a:spcBef>
+                        <a:spcAft>
+                          <a:spcPts val="0"/>
+                        </a:spcAft>
+                        <a:buClrTx/>
+                        <a:buSzTx/>
+                        <a:buFontTx/>
+                        <a:buNone/>
+                        <a:tabLst/>
+                        <a:defRPr/>
+                      </a:pPr>
+                      <a:r>
+                        <a:rPr lang="de-DE" sz="1400" kern="1200" dirty="0" smtClean="0">
+                          <a:solidFill>
+                            <a:schemeClr val="bg1"/>
+                          </a:solidFill>
+                          <a:latin typeface="+mn-lt"/>
+                          <a:ea typeface="+mn-ea"/>
+                          <a:cs typeface="+mn-cs"/>
+                        </a:rPr>
+                        <a:t>Keine Änderung / oder siehe Chart</a:t>
+                      </a:r>
+                    </a:p>
+                  </a:txBody>
+                  <a:tcPr anchor="ctr"/>
+                </a:tc>
+              </a:tr>
+              <a:tr h="472426">
+                <a:tc>
+                  <a:txBody>
+                    <a:bodyPr/>
+                    <a:lstStyle/>
+                    <a:p>
+                      <a:pPr marL="0" algn="l" defTabSz="914400" rtl="0" eaLnBrk="1" latinLnBrk="0" hangingPunct="1"/>
+                      <a:r>
+                        <a:rPr lang="de-DE" sz="1400" kern="1200" dirty="0" smtClean="0">
+                          <a:solidFill>
+                            <a:schemeClr val="bg1"/>
+                          </a:solidFill>
+                          <a:latin typeface="+mn-lt"/>
+                          <a:ea typeface="+mn-ea"/>
+                          <a:cs typeface="+mn-cs"/>
+                        </a:rPr>
+                        <a:t>Einschätzung</a:t>
+                      </a:r>
+                      <a:r>
+                        <a:rPr lang="de-DE" sz="1400" kern="1200" baseline="0" dirty="0" smtClean="0">
+                          <a:solidFill>
+                            <a:schemeClr val="bg1"/>
+                          </a:solidFill>
+                          <a:latin typeface="+mn-lt"/>
+                          <a:ea typeface="+mn-ea"/>
+                          <a:cs typeface="+mn-cs"/>
+                        </a:rPr>
+                        <a:t> strategischer Fit </a:t>
+                      </a:r>
+                      <a:endParaRPr lang="de-DE" sz="1400" kern="1200" dirty="0">
+                        <a:solidFill>
+                          <a:schemeClr val="bg1"/>
+                        </a:solidFill>
+                        <a:latin typeface="+mn-lt"/>
+                        <a:ea typeface="+mn-ea"/>
+                        <a:cs typeface="+mn-cs"/>
+                      </a:endParaRPr>
+                    </a:p>
+                  </a:txBody>
+                  <a:tcPr anchor="ctr"/>
+                </a:tc>
+                <a:tc>
+                  <a:txBody>
+                    <a:bodyPr/>
+                    <a:lstStyle/>
+                    <a:p>
+                      <a:pPr marL="0" algn="l" defTabSz="914400" rtl="0" eaLnBrk="1" latinLnBrk="0" hangingPunct="1"/>
+                      <a:endParaRPr lang="de-DE" sz="1400" kern="1200" dirty="0">
+                        <a:solidFill>
+                          <a:schemeClr val="bg1"/>
+                        </a:solidFill>
+                        <a:latin typeface="+mn-lt"/>
+                        <a:ea typeface="+mn-ea"/>
+                        <a:cs typeface="+mn-cs"/>
+                      </a:endParaRPr>
+                    </a:p>
+                  </a:txBody>
+                  <a:tcPr anchor="ctr"/>
+                </a:tc>
+                <a:tc>
+                  <a:txBody>
+                    <a:bodyPr/>
+                    <a:lstStyle/>
+                    <a:p>
+                      <a:pPr marL="0" algn="ctr" defTabSz="914400" rtl="0" eaLnBrk="1" latinLnBrk="0" hangingPunct="1"/>
+                      <a:r>
+                        <a:rPr lang="de-DE" sz="1400" kern="1200" dirty="0" smtClean="0">
+                          <a:solidFill>
+                            <a:schemeClr val="bg1"/>
+                          </a:solidFill>
+                          <a:latin typeface="+mn-lt"/>
+                          <a:ea typeface="+mn-ea"/>
+                          <a:cs typeface="+mn-cs"/>
+                        </a:rPr>
+                        <a:t>Wert</a:t>
+                      </a:r>
+                      <a:r>
+                        <a:rPr lang="de-DE" sz="1400" kern="1200" baseline="0" dirty="0" smtClean="0">
+                          <a:solidFill>
+                            <a:schemeClr val="bg1"/>
+                          </a:solidFill>
+                          <a:latin typeface="+mn-lt"/>
+                          <a:ea typeface="+mn-ea"/>
+                          <a:cs typeface="+mn-cs"/>
+                        </a:rPr>
+                        <a:t> alt </a:t>
+                      </a:r>
+                      <a:endParaRPr lang="de-DE" sz="1400" kern="1200" dirty="0">
+                        <a:solidFill>
+                          <a:schemeClr val="bg1"/>
+                        </a:solidFill>
+                        <a:latin typeface="+mn-lt"/>
+                        <a:ea typeface="+mn-ea"/>
+                        <a:cs typeface="+mn-cs"/>
+                      </a:endParaRPr>
+                    </a:p>
+                  </a:txBody>
+                  <a:tcPr anchor="ctr"/>
+                </a:tc>
+                <a:tc>
+                  <a:txBody>
+                    <a:bodyPr/>
+                    <a:lstStyle/>
+                    <a:p>
+                      <a:pPr marL="0" marR="0" indent="0" algn="ctr" defTabSz="914400" rtl="0" eaLnBrk="1" fontAlgn="auto" latinLnBrk="0" hangingPunct="1">
+                        <a:lnSpc>
+                          <a:spcPct val="100000"/>
+                        </a:lnSpc>
+                        <a:spcBef>
+                          <a:spcPts val="0"/>
+                        </a:spcBef>
+                        <a:spcAft>
+                          <a:spcPts val="0"/>
+                        </a:spcAft>
+                        <a:buClrTx/>
+                        <a:buSzTx/>
+                        <a:buFontTx/>
+                        <a:buNone/>
+                        <a:tabLst/>
+                        <a:defRPr/>
+                      </a:pPr>
+                      <a:r>
+                        <a:rPr lang="de-DE" sz="1400" kern="1200" dirty="0" smtClean="0">
+                          <a:solidFill>
+                            <a:schemeClr val="bg1"/>
+                          </a:solidFill>
+                          <a:latin typeface="+mn-lt"/>
+                          <a:ea typeface="+mn-ea"/>
+                          <a:cs typeface="+mn-cs"/>
+                        </a:rPr>
+                        <a:t>Wert neu </a:t>
+                      </a:r>
+                    </a:p>
+                  </a:txBody>
+                  <a:tcPr anchor="ctr"/>
+                </a:tc>
+              </a:tr>
+              <a:tr h="472426">
+                <a:tc>
+                  <a:txBody>
+                    <a:bodyPr/>
+                    <a:lstStyle/>
+                    <a:p>
+                      <a:pPr marL="0" algn="l" defTabSz="914400" rtl="0" eaLnBrk="1" latinLnBrk="0" hangingPunct="1"/>
+                      <a:r>
+                        <a:rPr lang="de-DE" sz="1400" kern="1200" dirty="0" smtClean="0">
+                          <a:solidFill>
+                            <a:schemeClr val="bg1"/>
+                          </a:solidFill>
+                          <a:latin typeface="+mn-lt"/>
+                          <a:ea typeface="+mn-ea"/>
+                          <a:cs typeface="+mn-cs"/>
+                        </a:rPr>
+                        <a:t>Einschätzung Risiko</a:t>
+                      </a:r>
+                      <a:endParaRPr lang="de-DE" sz="1400" kern="1200" dirty="0">
+                        <a:solidFill>
+                          <a:schemeClr val="bg1"/>
+                        </a:solidFill>
+                        <a:latin typeface="+mn-lt"/>
+                        <a:ea typeface="+mn-ea"/>
+                        <a:cs typeface="+mn-cs"/>
+                      </a:endParaRPr>
+                    </a:p>
+                  </a:txBody>
+                  <a:tcPr anchor="ctr"/>
+                </a:tc>
+                <a:tc>
+                  <a:txBody>
+                    <a:bodyPr/>
+                    <a:lstStyle/>
+                    <a:p>
+                      <a:pPr marL="0" algn="l" defTabSz="914400" rtl="0" eaLnBrk="1" latinLnBrk="0" hangingPunct="1"/>
+                      <a:endParaRPr lang="de-DE" sz="1400" kern="1200" dirty="0">
+                        <a:solidFill>
+                          <a:schemeClr val="bg1"/>
+                        </a:solidFill>
+                        <a:latin typeface="+mn-lt"/>
+                        <a:ea typeface="+mn-ea"/>
+                        <a:cs typeface="+mn-cs"/>
+                      </a:endParaRPr>
+                    </a:p>
+                  </a:txBody>
+                  <a:tcPr anchor="ctr"/>
+                </a:tc>
+                <a:tc>
+                  <a:txBody>
+                    <a:bodyPr/>
+                    <a:lstStyle/>
+                    <a:p>
+                      <a:pPr marL="0" algn="ctr" defTabSz="914400" rtl="0" eaLnBrk="1" latinLnBrk="0" hangingPunct="1"/>
+                      <a:r>
+                        <a:rPr lang="de-DE" sz="1400" kern="1200" dirty="0" smtClean="0">
+                          <a:solidFill>
+                            <a:schemeClr val="bg1"/>
+                          </a:solidFill>
+                          <a:latin typeface="+mn-lt"/>
+                          <a:ea typeface="+mn-ea"/>
+                          <a:cs typeface="+mn-cs"/>
+                        </a:rPr>
+                        <a:t>Wert alt </a:t>
+                      </a:r>
+                      <a:endParaRPr lang="de-DE" sz="1400" kern="1200" dirty="0">
+                        <a:solidFill>
+                          <a:schemeClr val="bg1"/>
+                        </a:solidFill>
+                        <a:latin typeface="+mn-lt"/>
+                        <a:ea typeface="+mn-ea"/>
+                        <a:cs typeface="+mn-cs"/>
+                      </a:endParaRPr>
+                    </a:p>
+                  </a:txBody>
+                  <a:tcPr anchor="ctr"/>
+                </a:tc>
+                <a:tc>
+                  <a:txBody>
+                    <a:bodyPr/>
+                    <a:lstStyle/>
+                    <a:p>
+                      <a:pPr marL="0" marR="0" indent="0" algn="ctr" defTabSz="914400" rtl="0" eaLnBrk="1" fontAlgn="auto" latinLnBrk="0" hangingPunct="1">
+                        <a:lnSpc>
+                          <a:spcPct val="100000"/>
+                        </a:lnSpc>
+                        <a:spcBef>
+                          <a:spcPts val="0"/>
+                        </a:spcBef>
+                        <a:spcAft>
+                          <a:spcPts val="0"/>
+                        </a:spcAft>
+                        <a:buClrTx/>
+                        <a:buSzTx/>
+                        <a:buFontTx/>
+                        <a:buNone/>
+                        <a:tabLst/>
+                        <a:defRPr/>
+                      </a:pPr>
+                      <a:r>
+                        <a:rPr lang="de-DE" sz="1400" kern="1200" dirty="0" smtClean="0">
+                          <a:solidFill>
+                            <a:schemeClr val="bg1"/>
+                          </a:solidFill>
+                          <a:latin typeface="+mn-lt"/>
+                          <a:ea typeface="+mn-ea"/>
+                          <a:cs typeface="+mn-cs"/>
+                        </a:rPr>
+                        <a:t>Wert neu</a:t>
+                      </a:r>
+                    </a:p>
+                  </a:txBody>
+                  <a:tcPr anchor="ctr"/>
+                </a:tc>
+              </a:tr>
+              <a:tr h="472426">
+                <a:tc>
+                  <a:txBody>
+                    <a:bodyPr/>
+                    <a:lstStyle/>
+                    <a:p>
+                      <a:pPr marL="0" algn="l" defTabSz="914400" rtl="0" eaLnBrk="1" latinLnBrk="0" hangingPunct="1"/>
+                      <a:r>
+                        <a:rPr lang="de-DE" sz="1400" kern="1200" dirty="0" smtClean="0">
+                          <a:solidFill>
+                            <a:schemeClr val="bg1"/>
+                          </a:solidFill>
+                          <a:latin typeface="+mn-lt"/>
+                          <a:ea typeface="+mn-ea"/>
+                          <a:cs typeface="+mn-cs"/>
+                        </a:rPr>
+                        <a:t>Projekt-Ampel</a:t>
+                      </a:r>
+                      <a:endParaRPr lang="de-DE" sz="1400" kern="1200" dirty="0">
+                        <a:solidFill>
+                          <a:schemeClr val="bg1"/>
+                        </a:solidFill>
+                        <a:latin typeface="+mn-lt"/>
+                        <a:ea typeface="+mn-ea"/>
+                        <a:cs typeface="+mn-cs"/>
+                      </a:endParaRPr>
+                    </a:p>
+                  </a:txBody>
+                  <a:tcPr anchor="ctr"/>
+                </a:tc>
+                <a:tc>
+                  <a:txBody>
+                    <a:bodyPr/>
+                    <a:lstStyle/>
+                    <a:p>
+                      <a:pPr marL="0" algn="l" defTabSz="914400" rtl="0" eaLnBrk="1" latinLnBrk="0" hangingPunct="1"/>
+                      <a:endParaRPr lang="de-DE" sz="1400" kern="1200" dirty="0">
+                        <a:solidFill>
+                          <a:schemeClr val="bg1"/>
+                        </a:solidFill>
+                        <a:latin typeface="+mn-lt"/>
+                        <a:ea typeface="+mn-ea"/>
+                        <a:cs typeface="+mn-cs"/>
+                      </a:endParaRPr>
+                    </a:p>
+                  </a:txBody>
+                  <a:tcPr anchor="ctr"/>
+                </a:tc>
+                <a:tc>
+                  <a:txBody>
+                    <a:bodyPr/>
+                    <a:lstStyle/>
+                    <a:p>
+                      <a:pPr marL="0" algn="l" defTabSz="914400" rtl="0" eaLnBrk="1" latinLnBrk="0" hangingPunct="1"/>
+                      <a:endParaRPr lang="de-DE" sz="1400" kern="1200" dirty="0">
+                        <a:solidFill>
+                          <a:schemeClr val="bg1"/>
+                        </a:solidFill>
+                        <a:latin typeface="+mn-lt"/>
+                        <a:ea typeface="+mn-ea"/>
+                        <a:cs typeface="+mn-cs"/>
+                      </a:endParaRPr>
+                    </a:p>
+                  </a:txBody>
+                  <a:tcPr anchor="ctr"/>
+                </a:tc>
+                <a:tc>
+                  <a:txBody>
+                    <a:bodyPr/>
+                    <a:lstStyle/>
+                    <a:p>
+                      <a:pPr marL="0" marR="0" indent="0" algn="l" defTabSz="914400" rtl="0" eaLnBrk="1" fontAlgn="auto" latinLnBrk="0" hangingPunct="1">
+                        <a:lnSpc>
+                          <a:spcPct val="100000"/>
+                        </a:lnSpc>
+                        <a:spcBef>
+                          <a:spcPts val="0"/>
+                        </a:spcBef>
+                        <a:spcAft>
+                          <a:spcPts val="0"/>
+                        </a:spcAft>
+                        <a:buClrTx/>
+                        <a:buSzTx/>
+                        <a:buFontTx/>
+                        <a:buNone/>
+                        <a:tabLst/>
+                        <a:defRPr/>
+                      </a:pPr>
+                      <a:endParaRPr lang="de-DE" sz="1400" kern="1200" dirty="0" smtClean="0">
+                        <a:solidFill>
+                          <a:schemeClr val="bg1"/>
+                        </a:solidFill>
+                        <a:latin typeface="+mn-lt"/>
+                        <a:ea typeface="+mn-ea"/>
+                        <a:cs typeface="+mn-cs"/>
+                      </a:endParaRPr>
+                    </a:p>
+                  </a:txBody>
+                  <a:tcPr anchor="ctr"/>
+                </a:tc>
+              </a:tr>
+              <a:tr h="472426">
+                <a:tc>
+                  <a:txBody>
+                    <a:bodyPr/>
+                    <a:lstStyle/>
+                    <a:p>
+                      <a:pPr marL="0" algn="l" defTabSz="914400" rtl="0" eaLnBrk="1" latinLnBrk="0" hangingPunct="1"/>
+                      <a:r>
+                        <a:rPr lang="de-DE" sz="1400" kern="1200" dirty="0" smtClean="0">
+                          <a:solidFill>
+                            <a:schemeClr val="bg1"/>
+                          </a:solidFill>
+                          <a:latin typeface="+mn-lt"/>
+                          <a:ea typeface="+mn-ea"/>
+                          <a:cs typeface="+mn-cs"/>
+                        </a:rPr>
+                        <a:t>Projekt-Ampel Erläuterung</a:t>
+                      </a:r>
+                      <a:endParaRPr lang="de-DE" sz="1400" kern="1200" dirty="0">
+                        <a:solidFill>
+                          <a:schemeClr val="bg1"/>
+                        </a:solidFill>
+                        <a:latin typeface="+mn-lt"/>
+                        <a:ea typeface="+mn-ea"/>
+                        <a:cs typeface="+mn-cs"/>
+                      </a:endParaRPr>
+                    </a:p>
+                  </a:txBody>
+                  <a:tcPr anchor="ctr"/>
+                </a:tc>
+                <a:tc>
+                  <a:txBody>
+                    <a:bodyPr/>
+                    <a:lstStyle/>
+                    <a:p>
+                      <a:pPr marL="0" algn="l" defTabSz="914400" rtl="0" eaLnBrk="1" latinLnBrk="0" hangingPunct="1"/>
+                      <a:endParaRPr lang="de-DE" sz="1400" kern="1200" dirty="0">
+                        <a:solidFill>
+                          <a:schemeClr val="bg1"/>
+                        </a:solidFill>
+                        <a:latin typeface="+mn-lt"/>
+                        <a:ea typeface="+mn-ea"/>
+                        <a:cs typeface="+mn-cs"/>
+                      </a:endParaRPr>
+                    </a:p>
+                  </a:txBody>
+                  <a:tcPr anchor="ctr"/>
+                </a:tc>
+                <a:tc>
+                  <a:txBody>
+                    <a:bodyPr/>
+                    <a:lstStyle/>
+                    <a:p>
+                      <a:pPr marL="0" algn="l" defTabSz="914400" rtl="0" eaLnBrk="1" latinLnBrk="0" hangingPunct="1"/>
+                      <a:r>
+                        <a:rPr lang="de-DE" sz="1200" kern="1200" dirty="0" smtClean="0">
+                          <a:solidFill>
+                            <a:schemeClr val="bg1"/>
+                          </a:solidFill>
+                          <a:latin typeface="+mn-lt"/>
+                          <a:ea typeface="+mn-ea"/>
+                          <a:cs typeface="+mn-cs"/>
+                        </a:rPr>
+                        <a:t>Erläuterung</a:t>
+                      </a:r>
+                      <a:endParaRPr lang="de-DE" sz="1200" kern="1200" dirty="0">
+                        <a:solidFill>
+                          <a:schemeClr val="bg1"/>
+                        </a:solidFill>
+                        <a:latin typeface="+mn-lt"/>
+                        <a:ea typeface="+mn-ea"/>
+                        <a:cs typeface="+mn-cs"/>
+                      </a:endParaRPr>
+                    </a:p>
+                  </a:txBody>
+                  <a:tcPr anchor="ctr"/>
                 </a:tc>
                 <a:tc>
                   <a:txBody>
@@ -4790,7 +9008,7 @@
                         <a:defRPr/>
                       </a:pPr>
                       <a:r>
-                        <a:rPr lang="de-DE" sz="1400" b="1" kern="1200" dirty="0" smtClean="0">
+                        <a:rPr lang="de-DE" sz="1200" kern="1200" dirty="0" smtClean="0">
                           <a:solidFill>
                             <a:schemeClr val="bg1"/>
                           </a:solidFill>
@@ -4798,874 +9016,380 @@
                           <a:ea typeface="+mn-ea"/>
                           <a:cs typeface="+mn-cs"/>
                         </a:rPr>
-                        <a:t>Ampel</a:t>
+                        <a:t>Erläuterung</a:t>
                       </a:r>
                     </a:p>
                   </a:txBody>
-                  <a:tcPr>
-                    <a:solidFill>
-                      <a:schemeClr val="tx1">
-                        <a:lumMod val="20000"/>
-                        <a:lumOff val="80000"/>
-                      </a:schemeClr>
-                    </a:solidFill>
-                  </a:tcPr>
-                </a:tc>
-                <a:tc>
-                  <a:txBody>
-                    <a:bodyPr/>
-                    <a:lstStyle/>
-                    <a:p>
-                      <a:pPr marL="0" marR="0" indent="0" algn="l" defTabSz="914400" rtl="0" eaLnBrk="1" fontAlgn="auto" latinLnBrk="0" hangingPunct="1">
-                        <a:lnSpc>
-                          <a:spcPct val="100000"/>
-                        </a:lnSpc>
-                        <a:spcBef>
-                          <a:spcPts val="0"/>
-                        </a:spcBef>
-                        <a:spcAft>
-                          <a:spcPts val="0"/>
-                        </a:spcAft>
-                        <a:buClrTx/>
-                        <a:buSzTx/>
-                        <a:buFontTx/>
-                        <a:buNone/>
-                        <a:tabLst/>
-                        <a:defRPr/>
-                      </a:pPr>
-                      <a:r>
-                        <a:rPr lang="de-DE" sz="1400" kern="1200" dirty="0" smtClean="0"/>
-                        <a:t>Letzter Stand</a:t>
-                      </a:r>
-                    </a:p>
-                    <a:p>
-                      <a:pPr marL="0" marR="0" indent="0" algn="l" defTabSz="914400" rtl="0" eaLnBrk="1" fontAlgn="auto" latinLnBrk="0" hangingPunct="1">
-                        <a:lnSpc>
-                          <a:spcPct val="100000"/>
-                        </a:lnSpc>
-                        <a:spcBef>
-                          <a:spcPts val="0"/>
-                        </a:spcBef>
-                        <a:spcAft>
-                          <a:spcPts val="0"/>
-                        </a:spcAft>
-                        <a:buClrTx/>
-                        <a:buSzTx/>
-                        <a:buFontTx/>
-                        <a:buNone/>
-                        <a:tabLst/>
-                        <a:defRPr/>
-                      </a:pPr>
-                      <a:r>
-                        <a:rPr lang="de-DE" sz="1400" kern="1200" baseline="0" dirty="0" smtClean="0"/>
-                        <a:t>#</a:t>
-                      </a:r>
-                      <a:endParaRPr lang="de-DE" sz="1400" b="1" kern="1200" dirty="0" smtClean="0">
-                        <a:solidFill>
-                          <a:schemeClr val="lt1"/>
-                        </a:solidFill>
-                        <a:latin typeface="Gill Sans Light"/>
-                        <a:ea typeface="ヒラギノ角ゴ ProN W3"/>
-                        <a:cs typeface="ヒラギノ角ゴ ProN W3"/>
-                      </a:endParaRPr>
-                    </a:p>
-                  </a:txBody>
-                  <a:tcPr/>
-                </a:tc>
-                <a:tc>
-                  <a:txBody>
-                    <a:bodyPr/>
-                    <a:lstStyle/>
-                    <a:p>
-                      <a:pPr marL="0" marR="0" indent="0" algn="l" defTabSz="914400" rtl="0" eaLnBrk="1" fontAlgn="auto" latinLnBrk="0" hangingPunct="1">
-                        <a:lnSpc>
-                          <a:spcPct val="100000"/>
-                        </a:lnSpc>
-                        <a:spcBef>
-                          <a:spcPts val="0"/>
-                        </a:spcBef>
-                        <a:spcAft>
-                          <a:spcPts val="0"/>
-                        </a:spcAft>
-                        <a:buClrTx/>
-                        <a:buSzTx/>
-                        <a:buFontTx/>
-                        <a:buNone/>
-                        <a:tabLst/>
-                        <a:defRPr/>
-                      </a:pPr>
-                      <a:r>
-                        <a:rPr lang="de-DE" sz="1400" b="1" kern="1200" dirty="0" smtClean="0">
-                          <a:solidFill>
-                            <a:schemeClr val="bg1"/>
-                          </a:solidFill>
-                          <a:latin typeface="+mn-lt"/>
-                          <a:ea typeface="+mn-ea"/>
-                          <a:cs typeface="+mn-cs"/>
-                        </a:rPr>
-                        <a:t>Ampel </a:t>
-                      </a:r>
-                    </a:p>
-                  </a:txBody>
-                  <a:tcPr/>
-                </a:tc>
-                <a:tc>
-                  <a:txBody>
-                    <a:bodyPr/>
-                    <a:lstStyle>
-                      <a:lvl1pPr marL="0" algn="l" defTabSz="914400" rtl="0" eaLnBrk="1" latinLnBrk="0" hangingPunct="1">
-                        <a:defRPr sz="1800" b="1" kern="1200">
-                          <a:solidFill>
-                            <a:schemeClr val="lt1"/>
-                          </a:solidFill>
-                          <a:latin typeface="Gill Sans Light"/>
-                          <a:ea typeface="ヒラギノ角ゴ ProN W3"/>
-                          <a:cs typeface="ヒラギノ角ゴ ProN W3"/>
-                        </a:defRPr>
-                      </a:lvl1pPr>
-                      <a:lvl2pPr marL="457200" algn="l" defTabSz="914400" rtl="0" eaLnBrk="1" latinLnBrk="0" hangingPunct="1">
-                        <a:defRPr sz="1800" b="1" kern="1200">
-                          <a:solidFill>
-                            <a:schemeClr val="lt1"/>
-                          </a:solidFill>
-                          <a:latin typeface="Gill Sans Light"/>
-                          <a:ea typeface="ヒラギノ角ゴ ProN W3"/>
-                          <a:cs typeface="ヒラギノ角ゴ ProN W3"/>
-                        </a:defRPr>
-                      </a:lvl2pPr>
-                      <a:lvl3pPr marL="914400" algn="l" defTabSz="914400" rtl="0" eaLnBrk="1" latinLnBrk="0" hangingPunct="1">
-                        <a:defRPr sz="1800" b="1" kern="1200">
-                          <a:solidFill>
-                            <a:schemeClr val="lt1"/>
-                          </a:solidFill>
-                          <a:latin typeface="Gill Sans Light"/>
-                          <a:ea typeface="ヒラギノ角ゴ ProN W3"/>
-                          <a:cs typeface="ヒラギノ角ゴ ProN W3"/>
-                        </a:defRPr>
-                      </a:lvl3pPr>
-                      <a:lvl4pPr marL="1371600" algn="l" defTabSz="914400" rtl="0" eaLnBrk="1" latinLnBrk="0" hangingPunct="1">
-                        <a:defRPr sz="1800" b="1" kern="1200">
-                          <a:solidFill>
-                            <a:schemeClr val="lt1"/>
-                          </a:solidFill>
-                          <a:latin typeface="Gill Sans Light"/>
-                          <a:ea typeface="ヒラギノ角ゴ ProN W3"/>
-                          <a:cs typeface="ヒラギノ角ゴ ProN W3"/>
-                        </a:defRPr>
-                      </a:lvl4pPr>
-                      <a:lvl5pPr marL="1828800" algn="l" defTabSz="914400" rtl="0" eaLnBrk="1" latinLnBrk="0" hangingPunct="1">
-                        <a:defRPr sz="1800" b="1" kern="1200">
-                          <a:solidFill>
-                            <a:schemeClr val="lt1"/>
-                          </a:solidFill>
-                          <a:latin typeface="Gill Sans Light"/>
-                          <a:ea typeface="ヒラギノ角ゴ ProN W3"/>
-                          <a:cs typeface="ヒラギノ角ゴ ProN W3"/>
-                        </a:defRPr>
-                      </a:lvl5pPr>
-                      <a:lvl6pPr marL="2286000" algn="l" defTabSz="914400" rtl="0" eaLnBrk="1" latinLnBrk="0" hangingPunct="1">
-                        <a:defRPr sz="1800" b="1" kern="1200">
-                          <a:solidFill>
-                            <a:schemeClr val="lt1"/>
-                          </a:solidFill>
-                          <a:latin typeface="Gill Sans Light"/>
-                          <a:ea typeface="ヒラギノ角ゴ ProN W3"/>
-                          <a:cs typeface="ヒラギノ角ゴ ProN W3"/>
-                        </a:defRPr>
-                      </a:lvl6pPr>
-                      <a:lvl7pPr marL="2743200" algn="l" defTabSz="914400" rtl="0" eaLnBrk="1" latinLnBrk="0" hangingPunct="1">
-                        <a:defRPr sz="1800" b="1" kern="1200">
-                          <a:solidFill>
-                            <a:schemeClr val="lt1"/>
-                          </a:solidFill>
-                          <a:latin typeface="Gill Sans Light"/>
-                          <a:ea typeface="ヒラギノ角ゴ ProN W3"/>
-                          <a:cs typeface="ヒラギノ角ゴ ProN W3"/>
-                        </a:defRPr>
-                      </a:lvl7pPr>
-                      <a:lvl8pPr marL="3200400" algn="l" defTabSz="914400" rtl="0" eaLnBrk="1" latinLnBrk="0" hangingPunct="1">
-                        <a:defRPr sz="1800" b="1" kern="1200">
-                          <a:solidFill>
-                            <a:schemeClr val="lt1"/>
-                          </a:solidFill>
-                          <a:latin typeface="Gill Sans Light"/>
-                          <a:ea typeface="ヒラギノ角ゴ ProN W3"/>
-                          <a:cs typeface="ヒラギノ角ゴ ProN W3"/>
-                        </a:defRPr>
-                      </a:lvl8pPr>
-                      <a:lvl9pPr marL="3657600" algn="l" defTabSz="914400" rtl="0" eaLnBrk="1" latinLnBrk="0" hangingPunct="1">
-                        <a:defRPr sz="1800" b="1" kern="1200">
-                          <a:solidFill>
-                            <a:schemeClr val="lt1"/>
-                          </a:solidFill>
-                          <a:latin typeface="Gill Sans Light"/>
-                          <a:ea typeface="ヒラギノ角ゴ ProN W3"/>
-                          <a:cs typeface="ヒラギノ角ゴ ProN W3"/>
-                        </a:defRPr>
-                      </a:lvl9pPr>
-                    </a:lstStyle>
-                    <a:p>
-                      <a:pPr marL="0" marR="0" indent="0" algn="l" defTabSz="914400" rtl="0" eaLnBrk="1" fontAlgn="auto" latinLnBrk="0" hangingPunct="1">
-                        <a:lnSpc>
-                          <a:spcPct val="100000"/>
-                        </a:lnSpc>
-                        <a:spcBef>
-                          <a:spcPts val="0"/>
-                        </a:spcBef>
-                        <a:spcAft>
-                          <a:spcPts val="0"/>
-                        </a:spcAft>
-                        <a:buClrTx/>
-                        <a:buSzTx/>
-                        <a:buFontTx/>
-                        <a:buNone/>
-                        <a:tabLst/>
-                        <a:defRPr/>
-                      </a:pPr>
-                      <a:r>
-                        <a:rPr lang="de-DE" sz="1400" b="1" kern="1200" dirty="0" smtClean="0">
-                          <a:solidFill>
-                            <a:schemeClr val="bg1"/>
-                          </a:solidFill>
-                          <a:latin typeface="+mn-lt"/>
-                          <a:ea typeface="+mn-ea"/>
-                          <a:cs typeface="+mn-cs"/>
-                        </a:rPr>
-                        <a:t>Aktueller Stand</a:t>
-                      </a:r>
-                    </a:p>
-                    <a:p>
-                      <a:pPr marL="0" marR="0" indent="0" algn="l" defTabSz="914400" rtl="0" eaLnBrk="1" fontAlgn="auto" latinLnBrk="0" hangingPunct="1">
-                        <a:lnSpc>
-                          <a:spcPct val="100000"/>
-                        </a:lnSpc>
-                        <a:spcBef>
-                          <a:spcPts val="0"/>
-                        </a:spcBef>
-                        <a:spcAft>
-                          <a:spcPts val="0"/>
-                        </a:spcAft>
-                        <a:buClrTx/>
-                        <a:buSzTx/>
-                        <a:buFontTx/>
-                        <a:buNone/>
-                        <a:tabLst/>
-                        <a:defRPr/>
-                      </a:pPr>
-                      <a:r>
-                        <a:rPr lang="de-DE" sz="1400" b="1" kern="1200" dirty="0" smtClean="0">
-                          <a:solidFill>
-                            <a:schemeClr val="bg1"/>
-                          </a:solidFill>
-                          <a:latin typeface="+mn-lt"/>
-                          <a:ea typeface="+mn-ea"/>
-                          <a:cs typeface="+mn-cs"/>
-                        </a:rPr>
-                        <a:t>#</a:t>
-                      </a:r>
-                      <a:endParaRPr lang="de-DE" sz="1400" b="1" kern="1200" dirty="0">
-                        <a:solidFill>
-                          <a:schemeClr val="bg1"/>
-                        </a:solidFill>
-                        <a:latin typeface="+mn-lt"/>
-                        <a:ea typeface="+mn-ea"/>
-                        <a:cs typeface="+mn-cs"/>
-                      </a:endParaRPr>
-                    </a:p>
-                  </a:txBody>
-                  <a:tcPr>
-                    <a:solidFill>
-                      <a:schemeClr val="tx1">
-                        <a:lumMod val="20000"/>
-                        <a:lumOff val="80000"/>
-                      </a:schemeClr>
-                    </a:solidFill>
-                  </a:tcPr>
-                </a:tc>
-                <a:tc>
-                  <a:txBody>
-                    <a:bodyPr/>
-                    <a:lstStyle/>
-                    <a:p>
-                      <a:pPr marL="0" marR="0" indent="0" algn="l" defTabSz="914400" rtl="0" eaLnBrk="1" fontAlgn="auto" latinLnBrk="0" hangingPunct="1">
-                        <a:lnSpc>
-                          <a:spcPct val="100000"/>
-                        </a:lnSpc>
-                        <a:spcBef>
-                          <a:spcPts val="0"/>
-                        </a:spcBef>
-                        <a:spcAft>
-                          <a:spcPts val="0"/>
-                        </a:spcAft>
-                        <a:buClrTx/>
-                        <a:buSzTx/>
-                        <a:buFontTx/>
-                        <a:buNone/>
-                        <a:tabLst/>
-                        <a:defRPr/>
-                      </a:pPr>
-                      <a:r>
-                        <a:rPr lang="de-DE" sz="1400" b="1" kern="1200" dirty="0" smtClean="0">
-                          <a:solidFill>
-                            <a:schemeClr val="bg1"/>
-                          </a:solidFill>
-                          <a:latin typeface="+mn-lt"/>
-                          <a:ea typeface="+mn-ea"/>
-                          <a:cs typeface="+mn-cs"/>
-                        </a:rPr>
-                        <a:t>Ampel</a:t>
-                      </a:r>
-                      <a:endParaRPr lang="de-DE" sz="1400" b="1" kern="1200" dirty="0">
-                        <a:solidFill>
-                          <a:schemeClr val="bg1"/>
-                        </a:solidFill>
-                        <a:latin typeface="+mn-lt"/>
-                        <a:ea typeface="+mn-ea"/>
-                        <a:cs typeface="+mn-cs"/>
-                      </a:endParaRPr>
-                    </a:p>
-                  </a:txBody>
-                  <a:tcPr>
-                    <a:solidFill>
-                      <a:schemeClr val="tx1">
-                        <a:lumMod val="20000"/>
-                        <a:lumOff val="80000"/>
-                      </a:schemeClr>
-                    </a:solidFill>
-                  </a:tcPr>
-                </a:tc>
-                <a:tc>
-                  <a:txBody>
-                    <a:bodyPr/>
-                    <a:lstStyle/>
-                    <a:p>
-                      <a:pPr marL="0" marR="0" indent="0" algn="l" defTabSz="914400" rtl="0" eaLnBrk="1" fontAlgn="auto" latinLnBrk="0" hangingPunct="1">
-                        <a:lnSpc>
-                          <a:spcPct val="100000"/>
-                        </a:lnSpc>
-                        <a:spcBef>
-                          <a:spcPts val="0"/>
-                        </a:spcBef>
-                        <a:spcAft>
-                          <a:spcPts val="0"/>
-                        </a:spcAft>
-                        <a:buClrTx/>
-                        <a:buSzTx/>
-                        <a:buFontTx/>
-                        <a:buNone/>
-                        <a:tabLst/>
-                        <a:defRPr/>
-                      </a:pPr>
-                      <a:endParaRPr lang="de-DE" sz="1400" b="1" kern="1200" dirty="0">
-                        <a:solidFill>
-                          <a:schemeClr val="bg1"/>
-                        </a:solidFill>
-                        <a:latin typeface="+mn-lt"/>
-                        <a:ea typeface="+mn-ea"/>
-                        <a:cs typeface="+mn-cs"/>
-                      </a:endParaRPr>
-                    </a:p>
-                  </a:txBody>
-                  <a:tcPr>
-                    <a:solidFill>
-                      <a:schemeClr val="tx1">
-                        <a:lumMod val="20000"/>
-                        <a:lumOff val="80000"/>
-                      </a:schemeClr>
-                    </a:solidFill>
-                  </a:tcPr>
-                </a:tc>
-              </a:tr>
-              <a:tr h="259229">
-                <a:tc>
-                  <a:txBody>
-                    <a:bodyPr/>
-                    <a:lstStyle>
-                      <a:lvl1pPr marL="0" algn="l" defTabSz="914400" rtl="0" eaLnBrk="1" latinLnBrk="0" hangingPunct="1">
-                        <a:defRPr sz="1800" kern="1200">
-                          <a:solidFill>
-                            <a:schemeClr val="dk1"/>
-                          </a:solidFill>
-                          <a:latin typeface="Gill Sans Light"/>
-                          <a:ea typeface="ヒラギノ角ゴ ProN W3"/>
-                          <a:cs typeface="ヒラギノ角ゴ ProN W3"/>
-                        </a:defRPr>
-                      </a:lvl1pPr>
-                      <a:lvl2pPr marL="457200" algn="l" defTabSz="914400" rtl="0" eaLnBrk="1" latinLnBrk="0" hangingPunct="1">
-                        <a:defRPr sz="1800" kern="1200">
-                          <a:solidFill>
-                            <a:schemeClr val="dk1"/>
-                          </a:solidFill>
-                          <a:latin typeface="Gill Sans Light"/>
-                          <a:ea typeface="ヒラギノ角ゴ ProN W3"/>
-                          <a:cs typeface="ヒラギノ角ゴ ProN W3"/>
-                        </a:defRPr>
-                      </a:lvl2pPr>
-                      <a:lvl3pPr marL="914400" algn="l" defTabSz="914400" rtl="0" eaLnBrk="1" latinLnBrk="0" hangingPunct="1">
-                        <a:defRPr sz="1800" kern="1200">
-                          <a:solidFill>
-                            <a:schemeClr val="dk1"/>
-                          </a:solidFill>
-                          <a:latin typeface="Gill Sans Light"/>
-                          <a:ea typeface="ヒラギノ角ゴ ProN W3"/>
-                          <a:cs typeface="ヒラギノ角ゴ ProN W3"/>
-                        </a:defRPr>
-                      </a:lvl3pPr>
-                      <a:lvl4pPr marL="1371600" algn="l" defTabSz="914400" rtl="0" eaLnBrk="1" latinLnBrk="0" hangingPunct="1">
-                        <a:defRPr sz="1800" kern="1200">
-                          <a:solidFill>
-                            <a:schemeClr val="dk1"/>
-                          </a:solidFill>
-                          <a:latin typeface="Gill Sans Light"/>
-                          <a:ea typeface="ヒラギノ角ゴ ProN W3"/>
-                          <a:cs typeface="ヒラギノ角ゴ ProN W3"/>
-                        </a:defRPr>
-                      </a:lvl4pPr>
-                      <a:lvl5pPr marL="1828800" algn="l" defTabSz="914400" rtl="0" eaLnBrk="1" latinLnBrk="0" hangingPunct="1">
-                        <a:defRPr sz="1800" kern="1200">
-                          <a:solidFill>
-                            <a:schemeClr val="dk1"/>
-                          </a:solidFill>
-                          <a:latin typeface="Gill Sans Light"/>
-                          <a:ea typeface="ヒラギノ角ゴ ProN W3"/>
-                          <a:cs typeface="ヒラギノ角ゴ ProN W3"/>
-                        </a:defRPr>
-                      </a:lvl5pPr>
-                      <a:lvl6pPr marL="2286000" algn="l" defTabSz="914400" rtl="0" eaLnBrk="1" latinLnBrk="0" hangingPunct="1">
-                        <a:defRPr sz="1800" kern="1200">
-                          <a:solidFill>
-                            <a:schemeClr val="dk1"/>
-                          </a:solidFill>
-                          <a:latin typeface="Gill Sans Light"/>
-                          <a:ea typeface="ヒラギノ角ゴ ProN W3"/>
-                          <a:cs typeface="ヒラギノ角ゴ ProN W3"/>
-                        </a:defRPr>
-                      </a:lvl6pPr>
-                      <a:lvl7pPr marL="2743200" algn="l" defTabSz="914400" rtl="0" eaLnBrk="1" latinLnBrk="0" hangingPunct="1">
-                        <a:defRPr sz="1800" kern="1200">
-                          <a:solidFill>
-                            <a:schemeClr val="dk1"/>
-                          </a:solidFill>
-                          <a:latin typeface="Gill Sans Light"/>
-                          <a:ea typeface="ヒラギノ角ゴ ProN W3"/>
-                          <a:cs typeface="ヒラギノ角ゴ ProN W3"/>
-                        </a:defRPr>
-                      </a:lvl7pPr>
-                      <a:lvl8pPr marL="3200400" algn="l" defTabSz="914400" rtl="0" eaLnBrk="1" latinLnBrk="0" hangingPunct="1">
-                        <a:defRPr sz="1800" kern="1200">
-                          <a:solidFill>
-                            <a:schemeClr val="dk1"/>
-                          </a:solidFill>
-                          <a:latin typeface="Gill Sans Light"/>
-                          <a:ea typeface="ヒラギノ角ゴ ProN W3"/>
-                          <a:cs typeface="ヒラギノ角ゴ ProN W3"/>
-                        </a:defRPr>
-                      </a:lvl8pPr>
-                      <a:lvl9pPr marL="3657600" algn="l" defTabSz="914400" rtl="0" eaLnBrk="1" latinLnBrk="0" hangingPunct="1">
-                        <a:defRPr sz="1800" kern="1200">
-                          <a:solidFill>
-                            <a:schemeClr val="dk1"/>
-                          </a:solidFill>
-                          <a:latin typeface="Gill Sans Light"/>
-                          <a:ea typeface="ヒラギノ角ゴ ProN W3"/>
-                          <a:cs typeface="ヒラギノ角ゴ ProN W3"/>
-                        </a:defRPr>
-                      </a:lvl9pPr>
-                    </a:lstStyle>
-                    <a:p>
-                      <a:pPr marL="0" algn="l" defTabSz="914400" rtl="0" eaLnBrk="1" latinLnBrk="0" hangingPunct="1"/>
-                      <a:r>
-                        <a:rPr lang="de-DE" sz="1100" kern="1200" dirty="0" smtClean="0">
-                          <a:solidFill>
-                            <a:schemeClr val="bg1"/>
-                          </a:solidFill>
-                          <a:latin typeface="+mn-lt"/>
-                          <a:ea typeface="+mn-ea"/>
-                          <a:cs typeface="+mn-cs"/>
-                        </a:rPr>
-                        <a:t>1</a:t>
-                      </a:r>
-                      <a:endParaRPr lang="de-DE" sz="1100" kern="1200" dirty="0">
-                        <a:solidFill>
-                          <a:schemeClr val="bg1"/>
-                        </a:solidFill>
-                        <a:latin typeface="+mn-lt"/>
-                        <a:ea typeface="+mn-ea"/>
-                        <a:cs typeface="+mn-cs"/>
-                      </a:endParaRPr>
-                    </a:p>
-                  </a:txBody>
-                  <a:tcPr/>
-                </a:tc>
-                <a:tc>
-                  <a:txBody>
-                    <a:bodyPr/>
-                    <a:lstStyle>
-                      <a:lvl1pPr marL="0" algn="l" defTabSz="914400" rtl="0" eaLnBrk="1" latinLnBrk="0" hangingPunct="1">
-                        <a:defRPr sz="1800" kern="1200">
-                          <a:solidFill>
-                            <a:schemeClr val="dk1"/>
-                          </a:solidFill>
-                          <a:latin typeface="Gill Sans Light"/>
-                          <a:ea typeface="ヒラギノ角ゴ ProN W3"/>
-                          <a:cs typeface="ヒラギノ角ゴ ProN W3"/>
-                        </a:defRPr>
-                      </a:lvl1pPr>
-                      <a:lvl2pPr marL="457200" algn="l" defTabSz="914400" rtl="0" eaLnBrk="1" latinLnBrk="0" hangingPunct="1">
-                        <a:defRPr sz="1800" kern="1200">
-                          <a:solidFill>
-                            <a:schemeClr val="dk1"/>
-                          </a:solidFill>
-                          <a:latin typeface="Gill Sans Light"/>
-                          <a:ea typeface="ヒラギノ角ゴ ProN W3"/>
-                          <a:cs typeface="ヒラギノ角ゴ ProN W3"/>
-                        </a:defRPr>
-                      </a:lvl2pPr>
-                      <a:lvl3pPr marL="914400" algn="l" defTabSz="914400" rtl="0" eaLnBrk="1" latinLnBrk="0" hangingPunct="1">
-                        <a:defRPr sz="1800" kern="1200">
-                          <a:solidFill>
-                            <a:schemeClr val="dk1"/>
-                          </a:solidFill>
-                          <a:latin typeface="Gill Sans Light"/>
-                          <a:ea typeface="ヒラギノ角ゴ ProN W3"/>
-                          <a:cs typeface="ヒラギノ角ゴ ProN W3"/>
-                        </a:defRPr>
-                      </a:lvl3pPr>
-                      <a:lvl4pPr marL="1371600" algn="l" defTabSz="914400" rtl="0" eaLnBrk="1" latinLnBrk="0" hangingPunct="1">
-                        <a:defRPr sz="1800" kern="1200">
-                          <a:solidFill>
-                            <a:schemeClr val="dk1"/>
-                          </a:solidFill>
-                          <a:latin typeface="Gill Sans Light"/>
-                          <a:ea typeface="ヒラギノ角ゴ ProN W3"/>
-                          <a:cs typeface="ヒラギノ角ゴ ProN W3"/>
-                        </a:defRPr>
-                      </a:lvl4pPr>
-                      <a:lvl5pPr marL="1828800" algn="l" defTabSz="914400" rtl="0" eaLnBrk="1" latinLnBrk="0" hangingPunct="1">
-                        <a:defRPr sz="1800" kern="1200">
-                          <a:solidFill>
-                            <a:schemeClr val="dk1"/>
-                          </a:solidFill>
-                          <a:latin typeface="Gill Sans Light"/>
-                          <a:ea typeface="ヒラギノ角ゴ ProN W3"/>
-                          <a:cs typeface="ヒラギノ角ゴ ProN W3"/>
-                        </a:defRPr>
-                      </a:lvl5pPr>
-                      <a:lvl6pPr marL="2286000" algn="l" defTabSz="914400" rtl="0" eaLnBrk="1" latinLnBrk="0" hangingPunct="1">
-                        <a:defRPr sz="1800" kern="1200">
-                          <a:solidFill>
-                            <a:schemeClr val="dk1"/>
-                          </a:solidFill>
-                          <a:latin typeface="Gill Sans Light"/>
-                          <a:ea typeface="ヒラギノ角ゴ ProN W3"/>
-                          <a:cs typeface="ヒラギノ角ゴ ProN W3"/>
-                        </a:defRPr>
-                      </a:lvl6pPr>
-                      <a:lvl7pPr marL="2743200" algn="l" defTabSz="914400" rtl="0" eaLnBrk="1" latinLnBrk="0" hangingPunct="1">
-                        <a:defRPr sz="1800" kern="1200">
-                          <a:solidFill>
-                            <a:schemeClr val="dk1"/>
-                          </a:solidFill>
-                          <a:latin typeface="Gill Sans Light"/>
-                          <a:ea typeface="ヒラギノ角ゴ ProN W3"/>
-                          <a:cs typeface="ヒラギノ角ゴ ProN W3"/>
-                        </a:defRPr>
-                      </a:lvl7pPr>
-                      <a:lvl8pPr marL="3200400" algn="l" defTabSz="914400" rtl="0" eaLnBrk="1" latinLnBrk="0" hangingPunct="1">
-                        <a:defRPr sz="1800" kern="1200">
-                          <a:solidFill>
-                            <a:schemeClr val="dk1"/>
-                          </a:solidFill>
-                          <a:latin typeface="Gill Sans Light"/>
-                          <a:ea typeface="ヒラギノ角ゴ ProN W3"/>
-                          <a:cs typeface="ヒラギノ角ゴ ProN W3"/>
-                        </a:defRPr>
-                      </a:lvl8pPr>
-                      <a:lvl9pPr marL="3657600" algn="l" defTabSz="914400" rtl="0" eaLnBrk="1" latinLnBrk="0" hangingPunct="1">
-                        <a:defRPr sz="1800" kern="1200">
-                          <a:solidFill>
-                            <a:schemeClr val="dk1"/>
-                          </a:solidFill>
-                          <a:latin typeface="Gill Sans Light"/>
-                          <a:ea typeface="ヒラギノ角ゴ ProN W3"/>
-                          <a:cs typeface="ヒラギノ角ゴ ProN W3"/>
-                        </a:defRPr>
-                      </a:lvl9pPr>
-                    </a:lstStyle>
-                    <a:p>
-                      <a:pPr marL="0" algn="l" defTabSz="914400" rtl="0" eaLnBrk="1" latinLnBrk="0" hangingPunct="1"/>
-                      <a:r>
-                        <a:rPr lang="de-DE" sz="1100" kern="1200" dirty="0" smtClean="0">
-                          <a:solidFill>
-                            <a:schemeClr val="bg1"/>
-                          </a:solidFill>
-                          <a:latin typeface="+mn-lt"/>
-                          <a:ea typeface="+mn-ea"/>
-                          <a:cs typeface="+mn-cs"/>
-                        </a:rPr>
-                        <a:t>Lastenheft</a:t>
-                      </a:r>
-                      <a:endParaRPr lang="de-DE" sz="1100" kern="1200" dirty="0">
-                        <a:solidFill>
-                          <a:schemeClr val="bg1"/>
-                        </a:solidFill>
-                        <a:latin typeface="+mn-lt"/>
-                        <a:ea typeface="+mn-ea"/>
-                        <a:cs typeface="+mn-cs"/>
-                      </a:endParaRPr>
-                    </a:p>
-                  </a:txBody>
-                  <a:tcPr/>
-                </a:tc>
-                <a:tc>
-                  <a:txBody>
-                    <a:bodyPr/>
-                    <a:lstStyle/>
-                    <a:p>
-                      <a:r>
-                        <a:rPr lang="de-DE" sz="1100" dirty="0" smtClean="0">
-                          <a:solidFill>
-                            <a:schemeClr val="bg1"/>
-                          </a:solidFill>
-                        </a:rPr>
-                        <a:t>14.12.2013</a:t>
-                      </a:r>
-                      <a:endParaRPr lang="de-DE" sz="1100" dirty="0">
-                        <a:solidFill>
-                          <a:schemeClr val="bg1"/>
-                        </a:solidFill>
-                      </a:endParaRPr>
-                    </a:p>
-                  </a:txBody>
-                  <a:tcPr/>
-                </a:tc>
-                <a:tc>
-                  <a:txBody>
-                    <a:bodyPr/>
-                    <a:lstStyle/>
-                    <a:p>
-                      <a:endParaRPr lang="de-DE" sz="1100" dirty="0">
-                        <a:solidFill>
-                          <a:schemeClr val="bg1"/>
-                        </a:solidFill>
-                      </a:endParaRPr>
-                    </a:p>
-                  </a:txBody>
-                  <a:tcPr/>
-                </a:tc>
-                <a:tc>
-                  <a:txBody>
-                    <a:bodyPr/>
-                    <a:lstStyle/>
-                    <a:p>
-                      <a:pPr marL="0" marR="0" indent="0" algn="l" defTabSz="914400" rtl="0" eaLnBrk="1" fontAlgn="auto" latinLnBrk="0" hangingPunct="1">
-                        <a:lnSpc>
-                          <a:spcPct val="100000"/>
-                        </a:lnSpc>
-                        <a:spcBef>
-                          <a:spcPts val="0"/>
-                        </a:spcBef>
-                        <a:spcAft>
-                          <a:spcPts val="0"/>
-                        </a:spcAft>
-                        <a:buClrTx/>
-                        <a:buSzTx/>
-                        <a:buFontTx/>
-                        <a:buNone/>
-                        <a:tabLst/>
-                        <a:defRPr/>
-                      </a:pPr>
-                      <a:r>
-                        <a:rPr lang="de-DE" sz="1100" dirty="0" smtClean="0">
-                          <a:solidFill>
-                            <a:schemeClr val="bg1"/>
-                          </a:solidFill>
-                        </a:rPr>
-                        <a:t>14.12.2013</a:t>
-                      </a:r>
-                    </a:p>
-                  </a:txBody>
-                  <a:tcPr/>
-                </a:tc>
-                <a:tc>
-                  <a:txBody>
-                    <a:bodyPr/>
-                    <a:lstStyle/>
-                    <a:p>
-                      <a:endParaRPr lang="de-DE" sz="1100" dirty="0">
-                        <a:solidFill>
-                          <a:schemeClr val="bg1"/>
-                        </a:solidFill>
-                      </a:endParaRPr>
-                    </a:p>
-                  </a:txBody>
-                  <a:tcPr/>
-                </a:tc>
-                <a:tc>
-                  <a:txBody>
-                    <a:bodyPr/>
-                    <a:lstStyle>
-                      <a:lvl1pPr marL="0" algn="l" defTabSz="914400" rtl="0" eaLnBrk="1" latinLnBrk="0" hangingPunct="1">
-                        <a:defRPr sz="1800" kern="1200">
-                          <a:solidFill>
-                            <a:schemeClr val="dk1"/>
-                          </a:solidFill>
-                          <a:latin typeface="Gill Sans Light"/>
-                          <a:ea typeface="ヒラギノ角ゴ ProN W3"/>
-                          <a:cs typeface="ヒラギノ角ゴ ProN W3"/>
-                        </a:defRPr>
-                      </a:lvl1pPr>
-                      <a:lvl2pPr marL="457200" algn="l" defTabSz="914400" rtl="0" eaLnBrk="1" latinLnBrk="0" hangingPunct="1">
-                        <a:defRPr sz="1800" kern="1200">
-                          <a:solidFill>
-                            <a:schemeClr val="dk1"/>
-                          </a:solidFill>
-                          <a:latin typeface="Gill Sans Light"/>
-                          <a:ea typeface="ヒラギノ角ゴ ProN W3"/>
-                          <a:cs typeface="ヒラギノ角ゴ ProN W3"/>
-                        </a:defRPr>
-                      </a:lvl2pPr>
-                      <a:lvl3pPr marL="914400" algn="l" defTabSz="914400" rtl="0" eaLnBrk="1" latinLnBrk="0" hangingPunct="1">
-                        <a:defRPr sz="1800" kern="1200">
-                          <a:solidFill>
-                            <a:schemeClr val="dk1"/>
-                          </a:solidFill>
-                          <a:latin typeface="Gill Sans Light"/>
-                          <a:ea typeface="ヒラギノ角ゴ ProN W3"/>
-                          <a:cs typeface="ヒラギノ角ゴ ProN W3"/>
-                        </a:defRPr>
-                      </a:lvl3pPr>
-                      <a:lvl4pPr marL="1371600" algn="l" defTabSz="914400" rtl="0" eaLnBrk="1" latinLnBrk="0" hangingPunct="1">
-                        <a:defRPr sz="1800" kern="1200">
-                          <a:solidFill>
-                            <a:schemeClr val="dk1"/>
-                          </a:solidFill>
-                          <a:latin typeface="Gill Sans Light"/>
-                          <a:ea typeface="ヒラギノ角ゴ ProN W3"/>
-                          <a:cs typeface="ヒラギノ角ゴ ProN W3"/>
-                        </a:defRPr>
-                      </a:lvl4pPr>
-                      <a:lvl5pPr marL="1828800" algn="l" defTabSz="914400" rtl="0" eaLnBrk="1" latinLnBrk="0" hangingPunct="1">
-                        <a:defRPr sz="1800" kern="1200">
-                          <a:solidFill>
-                            <a:schemeClr val="dk1"/>
-                          </a:solidFill>
-                          <a:latin typeface="Gill Sans Light"/>
-                          <a:ea typeface="ヒラギノ角ゴ ProN W3"/>
-                          <a:cs typeface="ヒラギノ角ゴ ProN W3"/>
-                        </a:defRPr>
-                      </a:lvl5pPr>
-                      <a:lvl6pPr marL="2286000" algn="l" defTabSz="914400" rtl="0" eaLnBrk="1" latinLnBrk="0" hangingPunct="1">
-                        <a:defRPr sz="1800" kern="1200">
-                          <a:solidFill>
-                            <a:schemeClr val="dk1"/>
-                          </a:solidFill>
-                          <a:latin typeface="Gill Sans Light"/>
-                          <a:ea typeface="ヒラギノ角ゴ ProN W3"/>
-                          <a:cs typeface="ヒラギノ角ゴ ProN W3"/>
-                        </a:defRPr>
-                      </a:lvl6pPr>
-                      <a:lvl7pPr marL="2743200" algn="l" defTabSz="914400" rtl="0" eaLnBrk="1" latinLnBrk="0" hangingPunct="1">
-                        <a:defRPr sz="1800" kern="1200">
-                          <a:solidFill>
-                            <a:schemeClr val="dk1"/>
-                          </a:solidFill>
-                          <a:latin typeface="Gill Sans Light"/>
-                          <a:ea typeface="ヒラギノ角ゴ ProN W3"/>
-                          <a:cs typeface="ヒラギノ角ゴ ProN W3"/>
-                        </a:defRPr>
-                      </a:lvl7pPr>
-                      <a:lvl8pPr marL="3200400" algn="l" defTabSz="914400" rtl="0" eaLnBrk="1" latinLnBrk="0" hangingPunct="1">
-                        <a:defRPr sz="1800" kern="1200">
-                          <a:solidFill>
-                            <a:schemeClr val="dk1"/>
-                          </a:solidFill>
-                          <a:latin typeface="Gill Sans Light"/>
-                          <a:ea typeface="ヒラギノ角ゴ ProN W3"/>
-                          <a:cs typeface="ヒラギノ角ゴ ProN W3"/>
-                        </a:defRPr>
-                      </a:lvl8pPr>
-                      <a:lvl9pPr marL="3657600" algn="l" defTabSz="914400" rtl="0" eaLnBrk="1" latinLnBrk="0" hangingPunct="1">
-                        <a:defRPr sz="1800" kern="1200">
-                          <a:solidFill>
-                            <a:schemeClr val="dk1"/>
-                          </a:solidFill>
-                          <a:latin typeface="Gill Sans Light"/>
-                          <a:ea typeface="ヒラギノ角ゴ ProN W3"/>
-                          <a:cs typeface="ヒラギノ角ゴ ProN W3"/>
-                        </a:defRPr>
-                      </a:lvl9pPr>
-                    </a:lstStyle>
-                    <a:p>
-                      <a:pPr marL="0" algn="l" defTabSz="914400" rtl="0" eaLnBrk="1" latinLnBrk="0" hangingPunct="1"/>
-                      <a:r>
-                        <a:rPr lang="de-DE" sz="1100" kern="1200" dirty="0" smtClean="0">
-                          <a:solidFill>
-                            <a:schemeClr val="bg1"/>
-                          </a:solidFill>
-                          <a:latin typeface="+mn-lt"/>
-                          <a:ea typeface="+mn-ea"/>
-                          <a:cs typeface="+mn-cs"/>
-                        </a:rPr>
-                        <a:t>14.12.2013 </a:t>
-                      </a:r>
-                      <a:endParaRPr lang="de-DE" sz="1100" kern="1200" dirty="0">
-                        <a:solidFill>
-                          <a:schemeClr val="bg1"/>
-                        </a:solidFill>
-                        <a:latin typeface="+mn-lt"/>
-                        <a:ea typeface="+mn-ea"/>
-                        <a:cs typeface="+mn-cs"/>
-                      </a:endParaRPr>
-                    </a:p>
-                  </a:txBody>
-                  <a:tcPr/>
-                </a:tc>
-                <a:tc>
-                  <a:txBody>
-                    <a:bodyPr/>
-                    <a:lstStyle/>
-                    <a:p>
-                      <a:pPr marL="0" algn="l" defTabSz="914400" rtl="0" eaLnBrk="1" latinLnBrk="0" hangingPunct="1"/>
-                      <a:endParaRPr lang="de-DE" sz="1100" kern="1200" dirty="0">
-                        <a:solidFill>
-                          <a:schemeClr val="bg1"/>
-                        </a:solidFill>
-                        <a:latin typeface="+mn-lt"/>
-                        <a:ea typeface="+mn-ea"/>
-                        <a:cs typeface="+mn-cs"/>
-                      </a:endParaRPr>
-                    </a:p>
-                  </a:txBody>
-                  <a:tcPr/>
-                </a:tc>
-                <a:tc>
-                  <a:txBody>
-                    <a:bodyPr/>
-                    <a:lstStyle/>
-                    <a:p>
-                      <a:pPr marL="0" algn="l" defTabSz="914400" rtl="0" eaLnBrk="1" latinLnBrk="0" hangingPunct="1"/>
-                      <a:endParaRPr lang="de-DE" sz="1100" kern="1200" dirty="0">
-                        <a:solidFill>
-                          <a:schemeClr val="bg1"/>
-                        </a:solidFill>
-                        <a:latin typeface="+mn-lt"/>
-                        <a:ea typeface="+mn-ea"/>
-                        <a:cs typeface="+mn-cs"/>
-                      </a:endParaRPr>
-                    </a:p>
-                  </a:txBody>
-                  <a:tcPr/>
+                  <a:tcPr anchor="ctr"/>
                 </a:tc>
               </a:tr>
             </a:tbl>
           </a:graphicData>
         </a:graphic>
       </p:graphicFrame>
+      <p:sp>
+        <p:nvSpPr>
+          <p:cNvPr id="3" name="Pfeil nach rechts 2" title="gleich"/>
+          <p:cNvSpPr/>
+          <p:nvPr/>
+        </p:nvSpPr>
+        <p:spPr bwMode="auto">
+          <a:xfrm>
+            <a:off x="597744" y="484312"/>
+            <a:ext cx="216000" cy="216024"/>
+          </a:xfrm>
+          <a:prstGeom prst="rightArrow">
+            <a:avLst/>
+          </a:prstGeom>
+          <a:solidFill>
+            <a:schemeClr val="bg2">
+              <a:lumMod val="75000"/>
+            </a:schemeClr>
+          </a:solidFill>
+          <a:ln>
+            <a:noFill/>
+          </a:ln>
+          <a:effectLst/>
+          <a:extLst/>
+        </p:spPr>
+        <p:txBody>
+          <a:bodyPr vert="horz" wrap="square" lIns="50800" tIns="50800" rIns="50800" bIns="50800" numCol="1" rtlCol="0" anchor="ctr" anchorCtr="0" compatLnSpc="1">
+            <a:prstTxWarp prst="textNoShape">
+              <a:avLst/>
+            </a:prstTxWarp>
+          </a:bodyPr>
+          <a:lstStyle/>
+          <a:p>
+            <a:pPr marL="342900" marR="0" indent="0" algn="ctr" defTabSz="584200" rtl="0" eaLnBrk="1" fontAlgn="base" latinLnBrk="0" hangingPunct="0">
+              <a:lnSpc>
+                <a:spcPct val="100000"/>
+              </a:lnSpc>
+              <a:spcBef>
+                <a:spcPct val="0"/>
+              </a:spcBef>
+              <a:spcAft>
+                <a:spcPct val="0"/>
+              </a:spcAft>
+              <a:buClrTx/>
+              <a:buSzTx/>
+              <a:buFontTx/>
+              <a:buNone/>
+              <a:tabLst/>
+            </a:pPr>
+            <a:endParaRPr kumimoji="0" lang="de-DE" sz="3600" b="0" i="0" u="none" strike="noStrike" cap="none" normalizeH="0" baseline="0" dirty="0" smtClean="0">
+              <a:ln>
+                <a:noFill/>
+              </a:ln>
+              <a:solidFill>
+                <a:srgbClr val="414141"/>
+              </a:solidFill>
+              <a:effectLst/>
+              <a:latin typeface="Gill Sans Light" charset="0"/>
+              <a:ea typeface="Gill Sans Light" charset="0"/>
+              <a:cs typeface="Gill Sans Light" charset="0"/>
+              <a:sym typeface="Gill Sans Light" charset="0"/>
+            </a:endParaRPr>
+          </a:p>
+        </p:txBody>
+      </p:sp>
+      <p:sp>
+        <p:nvSpPr>
+          <p:cNvPr id="9" name="Pfeil nach rechts 8" title="steigend"/>
+          <p:cNvSpPr/>
+          <p:nvPr/>
+        </p:nvSpPr>
+        <p:spPr bwMode="auto">
+          <a:xfrm>
+            <a:off x="597744" y="844352"/>
+            <a:ext cx="216000" cy="216024"/>
+          </a:xfrm>
+          <a:prstGeom prst="rightArrow">
+            <a:avLst/>
+          </a:prstGeom>
+          <a:solidFill>
+            <a:srgbClr val="00B050"/>
+          </a:solidFill>
+          <a:ln>
+            <a:noFill/>
+          </a:ln>
+          <a:effectLst/>
+          <a:scene3d>
+            <a:camera prst="orthographicFront">
+              <a:rot lat="0" lon="0" rev="3000000"/>
+            </a:camera>
+            <a:lightRig rig="threePt" dir="t"/>
+          </a:scene3d>
+          <a:extLst/>
+        </p:spPr>
+        <p:txBody>
+          <a:bodyPr vert="horz" wrap="square" lIns="50800" tIns="50800" rIns="50800" bIns="50800" numCol="1" rtlCol="0" anchor="ctr" anchorCtr="0" compatLnSpc="1">
+            <a:prstTxWarp prst="textNoShape">
+              <a:avLst/>
+            </a:prstTxWarp>
+          </a:bodyPr>
+          <a:lstStyle/>
+          <a:p>
+            <a:pPr marL="342900" marR="0" indent="0" algn="ctr" defTabSz="584200" rtl="0" eaLnBrk="1" fontAlgn="base" latinLnBrk="0" hangingPunct="0">
+              <a:lnSpc>
+                <a:spcPct val="100000"/>
+              </a:lnSpc>
+              <a:spcBef>
+                <a:spcPct val="0"/>
+              </a:spcBef>
+              <a:spcAft>
+                <a:spcPct val="0"/>
+              </a:spcAft>
+              <a:buClrTx/>
+              <a:buSzTx/>
+              <a:buFontTx/>
+              <a:buNone/>
+              <a:tabLst/>
+            </a:pPr>
+            <a:endParaRPr kumimoji="0" lang="de-DE" sz="3600" b="0" i="0" u="none" strike="noStrike" cap="none" normalizeH="0" baseline="0" dirty="0" smtClean="0">
+              <a:ln>
+                <a:noFill/>
+              </a:ln>
+              <a:solidFill>
+                <a:srgbClr val="414141"/>
+              </a:solidFill>
+              <a:effectLst/>
+              <a:latin typeface="Gill Sans Light" charset="0"/>
+              <a:ea typeface="Gill Sans Light" charset="0"/>
+              <a:cs typeface="Gill Sans Light" charset="0"/>
+              <a:sym typeface="Gill Sans Light" charset="0"/>
+            </a:endParaRPr>
+          </a:p>
+        </p:txBody>
+      </p:sp>
+      <p:sp>
+        <p:nvSpPr>
+          <p:cNvPr id="11" name="Pfeil nach rechts 10" title="fallend"/>
+          <p:cNvSpPr/>
+          <p:nvPr/>
+        </p:nvSpPr>
+        <p:spPr bwMode="auto">
+          <a:xfrm>
+            <a:off x="597744" y="1204392"/>
+            <a:ext cx="216000" cy="216024"/>
+          </a:xfrm>
+          <a:prstGeom prst="rightArrow">
+            <a:avLst/>
+          </a:prstGeom>
+          <a:solidFill>
+            <a:srgbClr val="FF0000"/>
+          </a:solidFill>
+          <a:ln>
+            <a:noFill/>
+          </a:ln>
+          <a:effectLst/>
+          <a:scene3d>
+            <a:camera prst="orthographicFront">
+              <a:rot lat="0" lon="0" rev="18600000"/>
+            </a:camera>
+            <a:lightRig rig="threePt" dir="t"/>
+          </a:scene3d>
+          <a:extLst/>
+        </p:spPr>
+        <p:txBody>
+          <a:bodyPr vert="horz" wrap="square" lIns="50800" tIns="50800" rIns="50800" bIns="50800" numCol="1" rtlCol="0" anchor="ctr" anchorCtr="0" compatLnSpc="1">
+            <a:prstTxWarp prst="textNoShape">
+              <a:avLst/>
+            </a:prstTxWarp>
+          </a:bodyPr>
+          <a:lstStyle/>
+          <a:p>
+            <a:pPr marL="342900" marR="0" indent="0" algn="ctr" defTabSz="584200" rtl="0" eaLnBrk="1" fontAlgn="base" latinLnBrk="0" hangingPunct="0">
+              <a:lnSpc>
+                <a:spcPct val="100000"/>
+              </a:lnSpc>
+              <a:spcBef>
+                <a:spcPct val="0"/>
+              </a:spcBef>
+              <a:spcAft>
+                <a:spcPct val="0"/>
+              </a:spcAft>
+              <a:buClrTx/>
+              <a:buSzTx/>
+              <a:buFontTx/>
+              <a:buNone/>
+              <a:tabLst/>
+            </a:pPr>
+            <a:endParaRPr kumimoji="0" lang="de-DE" sz="3600" b="0" i="0" u="none" strike="noStrike" cap="none" normalizeH="0" baseline="0" dirty="0" smtClean="0">
+              <a:ln>
+                <a:noFill/>
+              </a:ln>
+              <a:solidFill>
+                <a:srgbClr val="414141"/>
+              </a:solidFill>
+              <a:effectLst/>
+              <a:latin typeface="Gill Sans Light" charset="0"/>
+              <a:ea typeface="Gill Sans Light" charset="0"/>
+              <a:cs typeface="Gill Sans Light" charset="0"/>
+              <a:sym typeface="Gill Sans Light" charset="0"/>
+            </a:endParaRPr>
+          </a:p>
+        </p:txBody>
+      </p:sp>
+      <p:sp>
+        <p:nvSpPr>
+          <p:cNvPr id="4" name="Ellipse 3" title="ampel"/>
+          <p:cNvSpPr/>
+          <p:nvPr/>
+        </p:nvSpPr>
+        <p:spPr bwMode="auto">
+          <a:xfrm>
+            <a:off x="1173808" y="606545"/>
+            <a:ext cx="288032" cy="288032"/>
+          </a:xfrm>
+          <a:prstGeom prst="ellipse">
+            <a:avLst/>
+          </a:prstGeom>
+          <a:solidFill>
+            <a:srgbClr val="00B050"/>
+          </a:solidFill>
+          <a:ln>
+            <a:noFill/>
+          </a:ln>
+          <a:effectLst/>
+          <a:extLst/>
+        </p:spPr>
+        <p:txBody>
+          <a:bodyPr vert="horz" wrap="square" lIns="50800" tIns="50800" rIns="50800" bIns="50800" numCol="1" rtlCol="0" anchor="ctr" anchorCtr="0" compatLnSpc="1">
+            <a:prstTxWarp prst="textNoShape">
+              <a:avLst/>
+            </a:prstTxWarp>
+          </a:bodyPr>
+          <a:lstStyle/>
+          <a:p>
+            <a:pPr marL="342900" marR="0" indent="0" algn="ctr" defTabSz="584200" rtl="0" eaLnBrk="1" fontAlgn="base" latinLnBrk="0" hangingPunct="0">
+              <a:lnSpc>
+                <a:spcPct val="100000"/>
+              </a:lnSpc>
+              <a:spcBef>
+                <a:spcPct val="0"/>
+              </a:spcBef>
+              <a:spcAft>
+                <a:spcPct val="0"/>
+              </a:spcAft>
+              <a:buClrTx/>
+              <a:buSzTx/>
+              <a:buFontTx/>
+              <a:buNone/>
+              <a:tabLst/>
+            </a:pPr>
+            <a:endParaRPr kumimoji="0" lang="de-DE" sz="3600" b="0" i="0" u="none" strike="noStrike" cap="none" normalizeH="0" baseline="0" dirty="0" smtClean="0">
+              <a:ln>
+                <a:noFill/>
+              </a:ln>
+              <a:solidFill>
+                <a:srgbClr val="414141"/>
+              </a:solidFill>
+              <a:effectLst/>
+              <a:latin typeface="Gill Sans Light" charset="0"/>
+              <a:ea typeface="Gill Sans Light" charset="0"/>
+              <a:cs typeface="Gill Sans Light" charset="0"/>
+              <a:sym typeface="Gill Sans Light" charset="0"/>
+            </a:endParaRPr>
+          </a:p>
+        </p:txBody>
+      </p:sp>
+      <p:sp>
+        <p:nvSpPr>
+          <p:cNvPr id="12" name="Stern mit 5 Zacken 11" title="stern"/>
+          <p:cNvSpPr/>
+          <p:nvPr/>
+        </p:nvSpPr>
+        <p:spPr bwMode="auto">
+          <a:xfrm>
+            <a:off x="453728" y="8498983"/>
+            <a:ext cx="298900" cy="266249"/>
+          </a:xfrm>
+          <a:prstGeom prst="star5">
+            <a:avLst/>
+          </a:prstGeom>
+          <a:solidFill>
+            <a:srgbClr val="FFC000"/>
+          </a:solidFill>
+          <a:ln>
+            <a:noFill/>
+          </a:ln>
+          <a:effectLst/>
+          <a:extLst/>
+        </p:spPr>
+        <p:txBody>
+          <a:bodyPr vert="horz" wrap="square" lIns="50800" tIns="50800" rIns="50800" bIns="50800" numCol="1" rtlCol="0" anchor="ctr" anchorCtr="0" compatLnSpc="1">
+            <a:prstTxWarp prst="textNoShape">
+              <a:avLst/>
+            </a:prstTxWarp>
+          </a:bodyPr>
+          <a:lstStyle/>
+          <a:p>
+            <a:pPr marL="342900" marR="0" indent="0" algn="ctr" defTabSz="584200" rtl="0" eaLnBrk="1" fontAlgn="base" latinLnBrk="0" hangingPunct="0">
+              <a:lnSpc>
+                <a:spcPct val="100000"/>
+              </a:lnSpc>
+              <a:spcBef>
+                <a:spcPct val="0"/>
+              </a:spcBef>
+              <a:spcAft>
+                <a:spcPct val="0"/>
+              </a:spcAft>
+              <a:buClrTx/>
+              <a:buSzTx/>
+              <a:buFontTx/>
+              <a:buNone/>
+              <a:tabLst/>
+            </a:pPr>
+            <a:endParaRPr kumimoji="0" lang="de-DE" sz="3600" b="0" i="0" u="none" strike="noStrike" cap="none" normalizeH="0" baseline="0" smtClean="0">
+              <a:ln>
+                <a:noFill/>
+              </a:ln>
+              <a:solidFill>
+                <a:srgbClr val="414141"/>
+              </a:solidFill>
+              <a:effectLst/>
+              <a:latin typeface="Gill Sans Light" charset="0"/>
+              <a:ea typeface="Gill Sans Light" charset="0"/>
+              <a:cs typeface="Gill Sans Light" charset="0"/>
+              <a:sym typeface="Gill Sans Light" charset="0"/>
+            </a:endParaRPr>
+          </a:p>
+        </p:txBody>
+      </p:sp>
+      <p:sp>
+        <p:nvSpPr>
+          <p:cNvPr id="5" name="Textfeld 4"/>
+          <p:cNvSpPr txBox="1"/>
+          <p:nvPr/>
+        </p:nvSpPr>
+        <p:spPr>
+          <a:xfrm>
+            <a:off x="752628" y="8532963"/>
+            <a:ext cx="4126450" cy="246221"/>
+          </a:xfrm>
+          <a:prstGeom prst="rect">
+            <a:avLst/>
+          </a:prstGeom>
+          <a:noFill/>
+        </p:spPr>
+        <p:txBody>
+          <a:bodyPr wrap="none" rtlCol="0">
+            <a:spAutoFit/>
+          </a:bodyPr>
+          <a:lstStyle/>
+          <a:p>
+            <a:r>
+              <a:rPr lang="de-DE" sz="1000" dirty="0" smtClean="0"/>
+              <a:t>Es gibt Änderungen. Weitere Informationen auf nachfolgenden Folien </a:t>
+            </a:r>
+            <a:endParaRPr lang="de-DE" sz="1000" dirty="0"/>
+          </a:p>
+        </p:txBody>
+      </p:sp>
     </p:spTree>
     <p:extLst>
       <p:ext uri="{BB962C8B-B14F-4D97-AF65-F5344CB8AC3E}">
-        <p14:creationId xmlns:p14="http://schemas.microsoft.com/office/powerpoint/2010/main" val="1490325428"/>
+        <p14:creationId xmlns:p14="http://schemas.microsoft.com/office/powerpoint/2010/main" val="1202556937"/>
       </p:ext>
     </p:extLst>
   </p:cSld>
@@ -5682,7 +9406,7 @@
 </p:sld>
 </file>
 
-<file path=ppt/slides/slide3.xml><?xml version="1.0" encoding="utf-8"?>
+<file path=ppt/slides/slide4.xml><?xml version="1.0" encoding="utf-8"?>
 <p:sld xmlns:a="http://schemas.openxmlformats.org/drawingml/2006/main" xmlns:r="http://schemas.openxmlformats.org/officeDocument/2006/relationships" xmlns:p="http://schemas.openxmlformats.org/presentationml/2006/main">
   <p:cSld>
     <p:spTree>
@@ -6570,19 +10294,7 @@
               </a:pPr>
               <a:r>
                 <a:rPr lang="de-DE" sz="1000" dirty="0" smtClean="0"/>
-                <a:t>Die </a:t>
-              </a:r>
-              <a:r>
-                <a:rPr lang="de-DE" sz="1000" dirty="0" smtClean="0"/>
-                <a:t>Größe der Form gibt an</a:t>
-              </a:r>
-              <a:r>
-                <a:rPr lang="de-DE" sz="1000" dirty="0" smtClean="0"/>
-                <a:t>, ob </a:t>
-              </a:r>
-              <a:r>
-                <a:rPr lang="de-DE" sz="1000" dirty="0" smtClean="0"/>
-                <a:t>der Status / die Bewertung aus dem Vormonat </a:t>
+                <a:t>Die Größe der Form gibt an, ob der Status / die Bewertung aus dem Vormonat </a:t>
               </a:r>
               <a:br>
                 <a:rPr lang="de-DE" sz="1000" dirty="0" smtClean="0"/>
@@ -6591,7 +10303,6 @@
                 <a:rPr lang="de-DE" sz="1000" dirty="0" smtClean="0"/>
                 <a:t>übernommen wurde oder ob es eine Bewertung in dem Berichtszeitraum gab</a:t>
               </a:r>
-              <a:endParaRPr lang="de-DE" sz="1000" dirty="0" smtClean="0"/>
             </a:p>
             <a:p>
               <a:pPr marL="514350" lvl="1" indent="-171450" algn="l">
@@ -6752,387 +10463,7 @@
     </p:spTree>
     <p:extLst>
       <p:ext uri="{BB962C8B-B14F-4D97-AF65-F5344CB8AC3E}">
-        <p14:creationId xmlns:p14="http://schemas.microsoft.com/office/powerpoint/2010/main" val="1546635085"/>
-      </p:ext>
-    </p:extLst>
-  </p:cSld>
-  <p:clrMapOvr>
-    <a:masterClrMapping/>
-  </p:clrMapOvr>
-  <p:timing>
-    <p:tnLst>
-      <p:par>
-        <p:cTn id="1" dur="indefinite" restart="never" nodeType="tmRoot"/>
-      </p:par>
-    </p:tnLst>
-  </p:timing>
-</p:sld>
-</file>
-
-<file path=ppt/slides/slide4.xml><?xml version="1.0" encoding="utf-8"?>
-<p:sld xmlns:a="http://schemas.openxmlformats.org/drawingml/2006/main" xmlns:r="http://schemas.openxmlformats.org/officeDocument/2006/relationships" xmlns:p="http://schemas.openxmlformats.org/presentationml/2006/main">
-  <p:cSld>
-    <p:spTree>
-      <p:nvGrpSpPr>
-        <p:cNvPr id="1" name=""/>
-        <p:cNvGrpSpPr/>
-        <p:nvPr/>
-      </p:nvGrpSpPr>
-      <p:grpSpPr>
-        <a:xfrm>
-          <a:off x="0" y="0"/>
-          <a:ext cx="0" cy="0"/>
-          <a:chOff x="0" y="0"/>
-          <a:chExt cx="0" cy="0"/>
-        </a:xfrm>
-      </p:grpSpPr>
-      <p:sp>
-        <p:nvSpPr>
-          <p:cNvPr id="2" name="Titel 1"/>
-          <p:cNvSpPr>
-            <a:spLocks noGrp="1"/>
-          </p:cNvSpPr>
-          <p:nvPr>
-            <p:ph type="title"/>
-          </p:nvPr>
-        </p:nvSpPr>
-        <p:spPr>
-          <a:xfrm>
-            <a:off x="650875" y="390525"/>
-            <a:ext cx="11703050" cy="1245915"/>
-          </a:xfrm>
-        </p:spPr>
-        <p:txBody>
-          <a:bodyPr/>
-          <a:lstStyle/>
-          <a:p>
-            <a:r>
-              <a:rPr lang="de-DE" sz="4400" dirty="0" smtClean="0"/>
-              <a:t>Vergleich mit Projekt-</a:t>
-            </a:r>
-            <a:r>
-              <a:rPr lang="de-DE" sz="4400" dirty="0" smtClean="0"/>
-              <a:t>Generik</a:t>
-            </a:r>
-            <a:endParaRPr lang="de-DE" dirty="0"/>
-          </a:p>
-        </p:txBody>
-      </p:sp>
-      <p:sp>
-        <p:nvSpPr>
-          <p:cNvPr id="8" name="Rechteck 7"/>
-          <p:cNvSpPr/>
-          <p:nvPr/>
-        </p:nvSpPr>
-        <p:spPr bwMode="auto">
-          <a:xfrm>
-            <a:off x="453728" y="1708448"/>
-            <a:ext cx="12097344" cy="5760640"/>
-          </a:xfrm>
-          <a:prstGeom prst="rect">
-            <a:avLst/>
-          </a:prstGeom>
-          <a:solidFill>
-            <a:srgbClr val="FFFFFF"/>
-          </a:solidFill>
-          <a:ln w="38100" cap="flat" cmpd="sng" algn="ctr">
-            <a:solidFill>
-              <a:schemeClr val="accent1">
-                <a:lumMod val="75000"/>
-              </a:schemeClr>
-            </a:solidFill>
-            <a:prstDash val="solid"/>
-            <a:miter lim="0"/>
-            <a:headEnd type="none" w="med" len="med"/>
-            <a:tailEnd type="none" w="med" len="med"/>
-          </a:ln>
-          <a:effectLst>
-            <a:innerShdw blurRad="63500" dist="50800" dir="18900000">
-              <a:prstClr val="black">
-                <a:alpha val="50000"/>
-              </a:prstClr>
-            </a:innerShdw>
-            <a:softEdge rad="12700"/>
-          </a:effectLst>
-          <a:extLst/>
-        </p:spPr>
-        <p:txBody>
-          <a:bodyPr vert="horz" wrap="square" lIns="50800" tIns="50800" rIns="50800" bIns="50800" numCol="1" rtlCol="0" anchor="ctr" anchorCtr="0" compatLnSpc="1">
-            <a:prstTxWarp prst="textNoShape">
-              <a:avLst/>
-            </a:prstTxWarp>
-          </a:bodyPr>
-          <a:lstStyle/>
-          <a:p>
-            <a:pPr marL="342900"/>
-            <a:r>
-              <a:rPr lang="de-DE" sz="1400" dirty="0"/>
-              <a:t>Vergleich mit Vorlage</a:t>
-            </a:r>
-            <a:endParaRPr kumimoji="0" lang="de-DE" sz="1800" b="0" i="0" u="none" strike="noStrike" cap="none" normalizeH="0" baseline="0" dirty="0" smtClean="0">
-              <a:ln>
-                <a:noFill/>
-              </a:ln>
-              <a:solidFill>
-                <a:schemeClr val="bg2"/>
-              </a:solidFill>
-              <a:effectLst/>
-              <a:latin typeface="Gill Sans Light" charset="0"/>
-              <a:ea typeface="Gill Sans Light" charset="0"/>
-              <a:cs typeface="Gill Sans Light" charset="0"/>
-              <a:sym typeface="Gill Sans Light" charset="0"/>
-            </a:endParaRPr>
-          </a:p>
-        </p:txBody>
-      </p:sp>
-      <p:sp>
-        <p:nvSpPr>
-          <p:cNvPr id="10" name="Rechteck 9"/>
-          <p:cNvSpPr/>
-          <p:nvPr/>
-        </p:nvSpPr>
-        <p:spPr bwMode="auto">
-          <a:xfrm>
-            <a:off x="453728" y="8929194"/>
-            <a:ext cx="3478120" cy="340094"/>
-          </a:xfrm>
-          <a:prstGeom prst="rect">
-            <a:avLst/>
-          </a:prstGeom>
-          <a:solidFill>
-            <a:srgbClr val="FFFFFF"/>
-          </a:solidFill>
-          <a:ln w="38100" cap="flat" cmpd="sng" algn="ctr">
-            <a:solidFill>
-              <a:schemeClr val="accent1">
-                <a:lumMod val="75000"/>
-              </a:schemeClr>
-            </a:solidFill>
-            <a:prstDash val="solid"/>
-            <a:miter lim="0"/>
-            <a:headEnd type="none" w="med" len="med"/>
-            <a:tailEnd type="none" w="med" len="med"/>
-          </a:ln>
-          <a:effectLst>
-            <a:innerShdw blurRad="63500" dist="50800" dir="18900000">
-              <a:prstClr val="black">
-                <a:alpha val="50000"/>
-              </a:prstClr>
-            </a:innerShdw>
-            <a:softEdge rad="12700"/>
-          </a:effectLst>
-          <a:extLst/>
-        </p:spPr>
-        <p:txBody>
-          <a:bodyPr vert="horz" wrap="square" lIns="0" tIns="50800" rIns="50800" bIns="50800" numCol="1" rtlCol="0" anchor="ctr" anchorCtr="0" compatLnSpc="1">
-            <a:prstTxWarp prst="textNoShape">
-              <a:avLst/>
-            </a:prstTxWarp>
-          </a:bodyPr>
-          <a:lstStyle/>
-          <a:p>
-            <a:pPr marL="342900" algn="l"/>
-            <a:r>
-              <a:rPr lang="de-DE" sz="1400" dirty="0">
-                <a:solidFill>
-                  <a:schemeClr val="bg2"/>
-                </a:solidFill>
-              </a:rPr>
-              <a:t>Stand</a:t>
-            </a:r>
-            <a:r>
-              <a:rPr lang="de-DE" sz="1400" dirty="0" smtClean="0">
-                <a:solidFill>
-                  <a:schemeClr val="bg2"/>
-                </a:solidFill>
-              </a:rPr>
-              <a:t>:</a:t>
-            </a:r>
-            <a:endParaRPr lang="de-DE" sz="1400" dirty="0">
-              <a:solidFill>
-                <a:schemeClr val="bg2"/>
-              </a:solidFill>
-            </a:endParaRPr>
-          </a:p>
-        </p:txBody>
-      </p:sp>
-      <p:sp>
-        <p:nvSpPr>
-          <p:cNvPr id="14" name="Rechteck 13"/>
-          <p:cNvSpPr/>
-          <p:nvPr/>
-        </p:nvSpPr>
-        <p:spPr bwMode="auto">
-          <a:xfrm>
-            <a:off x="9216968" y="8929194"/>
-            <a:ext cx="3478120" cy="340094"/>
-          </a:xfrm>
-          <a:prstGeom prst="rect">
-            <a:avLst/>
-          </a:prstGeom>
-          <a:solidFill>
-            <a:srgbClr val="FFFFFF"/>
-          </a:solidFill>
-          <a:ln w="38100" cap="flat" cmpd="sng" algn="ctr">
-            <a:solidFill>
-              <a:schemeClr val="accent1">
-                <a:lumMod val="75000"/>
-              </a:schemeClr>
-            </a:solidFill>
-            <a:prstDash val="solid"/>
-            <a:miter lim="0"/>
-            <a:headEnd type="none" w="med" len="med"/>
-            <a:tailEnd type="none" w="med" len="med"/>
-          </a:ln>
-          <a:effectLst>
-            <a:innerShdw blurRad="63500" dist="50800" dir="18900000">
-              <a:prstClr val="black">
-                <a:alpha val="50000"/>
-              </a:prstClr>
-            </a:innerShdw>
-            <a:softEdge rad="12700"/>
-          </a:effectLst>
-          <a:extLst/>
-        </p:spPr>
-        <p:txBody>
-          <a:bodyPr vert="horz" wrap="square" lIns="0" tIns="50800" rIns="50800" bIns="50800" numCol="1" rtlCol="0" anchor="ctr" anchorCtr="0" compatLnSpc="1">
-            <a:prstTxWarp prst="textNoShape">
-              <a:avLst/>
-            </a:prstTxWarp>
-          </a:bodyPr>
-          <a:lstStyle/>
-          <a:p>
-            <a:pPr marL="342900" algn="l"/>
-            <a:r>
-              <a:rPr lang="de-DE" sz="1400" dirty="0">
-                <a:solidFill>
-                  <a:schemeClr val="bg2"/>
-                </a:solidFill>
-              </a:rPr>
-              <a:t>Verantwortlich:</a:t>
-            </a:r>
-          </a:p>
-        </p:txBody>
-      </p:sp>
-      <p:sp>
-        <p:nvSpPr>
-          <p:cNvPr id="15" name="Rechteck 14"/>
-          <p:cNvSpPr/>
-          <p:nvPr/>
-        </p:nvSpPr>
-        <p:spPr bwMode="auto">
-          <a:xfrm>
-            <a:off x="4835348" y="8929194"/>
-            <a:ext cx="3478120" cy="340094"/>
-          </a:xfrm>
-          <a:prstGeom prst="rect">
-            <a:avLst/>
-          </a:prstGeom>
-          <a:solidFill>
-            <a:srgbClr val="FFFFFF"/>
-          </a:solidFill>
-          <a:ln w="38100" cap="flat" cmpd="sng" algn="ctr">
-            <a:solidFill>
-              <a:schemeClr val="accent1">
-                <a:lumMod val="75000"/>
-              </a:schemeClr>
-            </a:solidFill>
-            <a:prstDash val="solid"/>
-            <a:miter lim="0"/>
-            <a:headEnd type="none" w="med" len="med"/>
-            <a:tailEnd type="none" w="med" len="med"/>
-          </a:ln>
-          <a:effectLst>
-            <a:innerShdw blurRad="63500" dist="50800" dir="18900000">
-              <a:prstClr val="black">
-                <a:alpha val="50000"/>
-              </a:prstClr>
-            </a:innerShdw>
-            <a:softEdge rad="12700"/>
-          </a:effectLst>
-          <a:extLst/>
-        </p:spPr>
-        <p:txBody>
-          <a:bodyPr vert="horz" wrap="square" lIns="0" tIns="50800" rIns="50800" bIns="50800" numCol="1" rtlCol="0" anchor="ctr" anchorCtr="0" compatLnSpc="1">
-            <a:prstTxWarp prst="textNoShape">
-              <a:avLst/>
-            </a:prstTxWarp>
-          </a:bodyPr>
-          <a:lstStyle/>
-          <a:p>
-            <a:pPr marL="342900" algn="l"/>
-            <a:r>
-              <a:rPr lang="de-DE" sz="1400" dirty="0">
-                <a:solidFill>
-                  <a:schemeClr val="bg2"/>
-                </a:solidFill>
-              </a:rPr>
-              <a:t>Laufzeit</a:t>
-            </a:r>
-            <a:r>
-              <a:rPr lang="de-DE" sz="1400" dirty="0" smtClean="0">
-                <a:solidFill>
-                  <a:schemeClr val="bg2"/>
-                </a:solidFill>
-              </a:rPr>
-              <a:t>:</a:t>
-            </a:r>
-            <a:endParaRPr lang="de-DE" sz="1400" dirty="0">
-              <a:solidFill>
-                <a:schemeClr val="bg2"/>
-              </a:solidFill>
-            </a:endParaRPr>
-          </a:p>
-        </p:txBody>
-      </p:sp>
-      <p:sp>
-        <p:nvSpPr>
-          <p:cNvPr id="3" name="Textfeld 2"/>
-          <p:cNvSpPr txBox="1"/>
-          <p:nvPr/>
-        </p:nvSpPr>
-        <p:spPr>
-          <a:xfrm>
-            <a:off x="488661" y="7807271"/>
-            <a:ext cx="5556329" cy="400110"/>
-          </a:xfrm>
-          <a:prstGeom prst="rect">
-            <a:avLst/>
-          </a:prstGeom>
-          <a:noFill/>
-        </p:spPr>
-        <p:txBody>
-          <a:bodyPr wrap="none" rtlCol="0">
-            <a:spAutoFit/>
-          </a:bodyPr>
-          <a:lstStyle/>
-          <a:p>
-            <a:pPr marL="171450" indent="-171450" algn="l">
-              <a:buFont typeface="Arial" panose="020B0604020202020204" pitchFamily="34" charset="0"/>
-              <a:buChar char="•"/>
-            </a:pPr>
-            <a:r>
-              <a:rPr lang="de-DE" sz="1000" dirty="0" smtClean="0"/>
-              <a:t>Phasen Abschnitte sind identisch, wenn die Phasen jeweils in Grau dargestellt werden</a:t>
-            </a:r>
-          </a:p>
-          <a:p>
-            <a:pPr marL="171450" indent="-171450" algn="l">
-              <a:buFont typeface="Arial" panose="020B0604020202020204" pitchFamily="34" charset="0"/>
-              <a:buChar char="•"/>
-            </a:pPr>
-            <a:r>
-              <a:rPr lang="de-DE" sz="1000" dirty="0" smtClean="0"/>
-              <a:t>Phasen abschnitte sind unterschiedlich, wenn die Phasen in Ihrer Farbe dargestellt werden   </a:t>
-            </a:r>
-            <a:endParaRPr lang="de-DE" sz="1000" dirty="0"/>
-          </a:p>
-        </p:txBody>
-      </p:sp>
-    </p:spTree>
-    <p:extLst>
-      <p:ext uri="{BB962C8B-B14F-4D97-AF65-F5344CB8AC3E}">
-        <p14:creationId xmlns:p14="http://schemas.microsoft.com/office/powerpoint/2010/main" val="1454176755"/>
+        <p14:creationId xmlns:p14="http://schemas.microsoft.com/office/powerpoint/2010/main" val="1558839348"/>
       </p:ext>
     </p:extLst>
   </p:cSld>
@@ -7187,8 +10518,1082 @@
           <a:lstStyle/>
           <a:p>
             <a:r>
+              <a:rPr lang="de-DE" sz="4400" dirty="0"/>
+              <a:t>Projekt-Name</a:t>
+            </a:r>
+            <a:endParaRPr lang="de-DE" dirty="0"/>
+          </a:p>
+        </p:txBody>
+      </p:sp>
+      <p:sp>
+        <p:nvSpPr>
+          <p:cNvPr id="8" name="Rechteck 7"/>
+          <p:cNvSpPr/>
+          <p:nvPr/>
+        </p:nvSpPr>
+        <p:spPr bwMode="auto">
+          <a:xfrm>
+            <a:off x="453728" y="1708448"/>
+            <a:ext cx="12097344" cy="5184576"/>
+          </a:xfrm>
+          <a:prstGeom prst="rect">
+            <a:avLst/>
+          </a:prstGeom>
+          <a:solidFill>
+            <a:srgbClr val="FFFFFF"/>
+          </a:solidFill>
+          <a:ln w="38100" cap="flat" cmpd="sng" algn="ctr">
+            <a:solidFill>
+              <a:schemeClr val="accent1">
+                <a:lumMod val="75000"/>
+              </a:schemeClr>
+            </a:solidFill>
+            <a:prstDash val="solid"/>
+            <a:miter lim="0"/>
+            <a:headEnd type="none" w="med" len="med"/>
+            <a:tailEnd type="none" w="med" len="med"/>
+          </a:ln>
+          <a:effectLst>
+            <a:innerShdw blurRad="63500" dist="50800" dir="18900000">
+              <a:prstClr val="black">
+                <a:alpha val="50000"/>
+              </a:prstClr>
+            </a:innerShdw>
+            <a:softEdge rad="12700"/>
+          </a:effectLst>
+          <a:extLst/>
+        </p:spPr>
+        <p:txBody>
+          <a:bodyPr vert="horz" wrap="square" lIns="50800" tIns="50800" rIns="50800" bIns="50800" numCol="1" rtlCol="0" anchor="ctr" anchorCtr="0" compatLnSpc="1">
+            <a:prstTxWarp prst="textNoShape">
+              <a:avLst/>
+            </a:prstTxWarp>
+          </a:bodyPr>
+          <a:lstStyle/>
+          <a:p>
+            <a:pPr marL="342900"/>
+            <a:r>
+              <a:rPr lang="de-DE" sz="1400" dirty="0"/>
+              <a:t>Meilenstein Trendanalyse</a:t>
+            </a:r>
+            <a:endParaRPr kumimoji="0" lang="de-DE" sz="1800" b="0" i="0" u="none" strike="noStrike" cap="none" normalizeH="0" baseline="0" dirty="0" smtClean="0">
+              <a:ln>
+                <a:noFill/>
+              </a:ln>
+              <a:solidFill>
+                <a:schemeClr val="bg2"/>
+              </a:solidFill>
+              <a:effectLst/>
+              <a:latin typeface="Gill Sans Light" charset="0"/>
+              <a:ea typeface="Gill Sans Light" charset="0"/>
+              <a:cs typeface="Gill Sans Light" charset="0"/>
+              <a:sym typeface="Gill Sans Light" charset="0"/>
+            </a:endParaRPr>
+          </a:p>
+        </p:txBody>
+      </p:sp>
+      <p:sp>
+        <p:nvSpPr>
+          <p:cNvPr id="10" name="Rechteck 9"/>
+          <p:cNvSpPr/>
+          <p:nvPr/>
+        </p:nvSpPr>
+        <p:spPr bwMode="auto">
+          <a:xfrm>
+            <a:off x="453728" y="8929194"/>
+            <a:ext cx="3478120" cy="340094"/>
+          </a:xfrm>
+          <a:prstGeom prst="rect">
+            <a:avLst/>
+          </a:prstGeom>
+          <a:solidFill>
+            <a:srgbClr val="FFFFFF"/>
+          </a:solidFill>
+          <a:ln w="38100" cap="flat" cmpd="sng" algn="ctr">
+            <a:solidFill>
+              <a:schemeClr val="accent1">
+                <a:lumMod val="75000"/>
+              </a:schemeClr>
+            </a:solidFill>
+            <a:prstDash val="solid"/>
+            <a:miter lim="0"/>
+            <a:headEnd type="none" w="med" len="med"/>
+            <a:tailEnd type="none" w="med" len="med"/>
+          </a:ln>
+          <a:effectLst>
+            <a:innerShdw blurRad="63500" dist="50800" dir="18900000">
+              <a:prstClr val="black">
+                <a:alpha val="50000"/>
+              </a:prstClr>
+            </a:innerShdw>
+            <a:softEdge rad="12700"/>
+          </a:effectLst>
+          <a:extLst/>
+        </p:spPr>
+        <p:txBody>
+          <a:bodyPr vert="horz" wrap="square" lIns="0" tIns="50800" rIns="50800" bIns="50800" numCol="1" rtlCol="0" anchor="ctr" anchorCtr="0" compatLnSpc="1">
+            <a:prstTxWarp prst="textNoShape">
+              <a:avLst/>
+            </a:prstTxWarp>
+          </a:bodyPr>
+          <a:lstStyle/>
+          <a:p>
+            <a:pPr marL="342900" algn="l"/>
+            <a:r>
+              <a:rPr lang="de-DE" sz="1400" dirty="0">
+                <a:solidFill>
+                  <a:schemeClr val="bg2"/>
+                </a:solidFill>
+              </a:rPr>
+              <a:t>Stand</a:t>
+            </a:r>
+            <a:r>
+              <a:rPr lang="de-DE" sz="1400" dirty="0" smtClean="0">
+                <a:solidFill>
+                  <a:schemeClr val="bg2"/>
+                </a:solidFill>
+              </a:rPr>
+              <a:t>:</a:t>
+            </a:r>
+            <a:endParaRPr lang="de-DE" sz="1400" dirty="0">
+              <a:solidFill>
+                <a:schemeClr val="bg2"/>
+              </a:solidFill>
+            </a:endParaRPr>
+          </a:p>
+        </p:txBody>
+      </p:sp>
+      <p:sp>
+        <p:nvSpPr>
+          <p:cNvPr id="14" name="Rechteck 13"/>
+          <p:cNvSpPr/>
+          <p:nvPr/>
+        </p:nvSpPr>
+        <p:spPr bwMode="auto">
+          <a:xfrm>
+            <a:off x="9216968" y="8929194"/>
+            <a:ext cx="3478120" cy="340094"/>
+          </a:xfrm>
+          <a:prstGeom prst="rect">
+            <a:avLst/>
+          </a:prstGeom>
+          <a:solidFill>
+            <a:srgbClr val="FFFFFF"/>
+          </a:solidFill>
+          <a:ln w="38100" cap="flat" cmpd="sng" algn="ctr">
+            <a:solidFill>
+              <a:schemeClr val="accent1">
+                <a:lumMod val="75000"/>
+              </a:schemeClr>
+            </a:solidFill>
+            <a:prstDash val="solid"/>
+            <a:miter lim="0"/>
+            <a:headEnd type="none" w="med" len="med"/>
+            <a:tailEnd type="none" w="med" len="med"/>
+          </a:ln>
+          <a:effectLst>
+            <a:innerShdw blurRad="63500" dist="50800" dir="18900000">
+              <a:prstClr val="black">
+                <a:alpha val="50000"/>
+              </a:prstClr>
+            </a:innerShdw>
+            <a:softEdge rad="12700"/>
+          </a:effectLst>
+          <a:extLst/>
+        </p:spPr>
+        <p:txBody>
+          <a:bodyPr vert="horz" wrap="square" lIns="0" tIns="50800" rIns="50800" bIns="50800" numCol="1" rtlCol="0" anchor="ctr" anchorCtr="0" compatLnSpc="1">
+            <a:prstTxWarp prst="textNoShape">
+              <a:avLst/>
+            </a:prstTxWarp>
+          </a:bodyPr>
+          <a:lstStyle/>
+          <a:p>
+            <a:pPr marL="342900" algn="l"/>
+            <a:r>
+              <a:rPr lang="de-DE" sz="1400" dirty="0">
+                <a:solidFill>
+                  <a:schemeClr val="bg2"/>
+                </a:solidFill>
+              </a:rPr>
+              <a:t>Verantwortlich:</a:t>
+            </a:r>
+          </a:p>
+        </p:txBody>
+      </p:sp>
+      <p:sp>
+        <p:nvSpPr>
+          <p:cNvPr id="15" name="Rechteck 14"/>
+          <p:cNvSpPr/>
+          <p:nvPr/>
+        </p:nvSpPr>
+        <p:spPr bwMode="auto">
+          <a:xfrm>
+            <a:off x="4835348" y="8929194"/>
+            <a:ext cx="3478120" cy="340094"/>
+          </a:xfrm>
+          <a:prstGeom prst="rect">
+            <a:avLst/>
+          </a:prstGeom>
+          <a:solidFill>
+            <a:srgbClr val="FFFFFF"/>
+          </a:solidFill>
+          <a:ln w="38100" cap="flat" cmpd="sng" algn="ctr">
+            <a:solidFill>
+              <a:schemeClr val="accent1">
+                <a:lumMod val="75000"/>
+              </a:schemeClr>
+            </a:solidFill>
+            <a:prstDash val="solid"/>
+            <a:miter lim="0"/>
+            <a:headEnd type="none" w="med" len="med"/>
+            <a:tailEnd type="none" w="med" len="med"/>
+          </a:ln>
+          <a:effectLst>
+            <a:innerShdw blurRad="63500" dist="50800" dir="18900000">
+              <a:prstClr val="black">
+                <a:alpha val="50000"/>
+              </a:prstClr>
+            </a:innerShdw>
+            <a:softEdge rad="12700"/>
+          </a:effectLst>
+          <a:extLst/>
+        </p:spPr>
+        <p:txBody>
+          <a:bodyPr vert="horz" wrap="square" lIns="0" tIns="50800" rIns="50800" bIns="50800" numCol="1" rtlCol="0" anchor="ctr" anchorCtr="0" compatLnSpc="1">
+            <a:prstTxWarp prst="textNoShape">
+              <a:avLst/>
+            </a:prstTxWarp>
+          </a:bodyPr>
+          <a:lstStyle/>
+          <a:p>
+            <a:pPr marL="342900" algn="l"/>
+            <a:r>
+              <a:rPr lang="de-DE" sz="1400" dirty="0">
+                <a:solidFill>
+                  <a:schemeClr val="bg2"/>
+                </a:solidFill>
+              </a:rPr>
+              <a:t>Laufzeit</a:t>
+            </a:r>
+            <a:r>
+              <a:rPr lang="de-DE" sz="1400" dirty="0" smtClean="0">
+                <a:solidFill>
+                  <a:schemeClr val="bg2"/>
+                </a:solidFill>
+              </a:rPr>
+              <a:t>:</a:t>
+            </a:r>
+            <a:endParaRPr lang="de-DE" sz="1400" dirty="0">
+              <a:solidFill>
+                <a:schemeClr val="bg2"/>
+              </a:solidFill>
+            </a:endParaRPr>
+          </a:p>
+        </p:txBody>
+      </p:sp>
+      <p:grpSp>
+        <p:nvGrpSpPr>
+          <p:cNvPr id="9" name="Gruppieren 8"/>
+          <p:cNvGrpSpPr/>
+          <p:nvPr/>
+        </p:nvGrpSpPr>
+        <p:grpSpPr>
+          <a:xfrm>
+            <a:off x="381720" y="7181056"/>
+            <a:ext cx="6140784" cy="553998"/>
+            <a:chOff x="3582064" y="7824700"/>
+            <a:chExt cx="6140784" cy="553998"/>
+          </a:xfrm>
+        </p:grpSpPr>
+        <p:sp>
+          <p:nvSpPr>
+            <p:cNvPr id="11" name="Textfeld 10"/>
+            <p:cNvSpPr txBox="1"/>
+            <p:nvPr/>
+          </p:nvSpPr>
+          <p:spPr>
+            <a:xfrm>
+              <a:off x="3582064" y="7824700"/>
+              <a:ext cx="6140784" cy="553998"/>
+            </a:xfrm>
+            <a:prstGeom prst="rect">
+              <a:avLst/>
+            </a:prstGeom>
+            <a:noFill/>
+          </p:spPr>
+          <p:txBody>
+            <a:bodyPr wrap="none" rtlCol="0">
+              <a:spAutoFit/>
+            </a:bodyPr>
+            <a:lstStyle/>
+            <a:p>
+              <a:pPr algn="l">
+                <a:lnSpc>
+                  <a:spcPct val="150000"/>
+                </a:lnSpc>
+              </a:pPr>
+              <a:r>
+                <a:rPr lang="de-DE" sz="1000" dirty="0" smtClean="0"/>
+                <a:t>Die Farbe gibt die „Ampelbewertung“ des Meilensteins zum entsprechenden Planungs-Zeitpunkt wieder: </a:t>
+              </a:r>
+            </a:p>
+            <a:p>
+              <a:pPr algn="l">
+                <a:lnSpc>
+                  <a:spcPct val="150000"/>
+                </a:lnSpc>
+              </a:pPr>
+              <a:r>
+                <a:rPr lang="de-DE" sz="1000" dirty="0" smtClean="0"/>
+                <a:t>grün, gelb, rot oder ohne Bewertung</a:t>
+              </a:r>
+              <a:endParaRPr lang="de-DE" sz="1000" dirty="0"/>
+            </a:p>
+          </p:txBody>
+        </p:sp>
+        <p:grpSp>
+          <p:nvGrpSpPr>
+            <p:cNvPr id="12" name="Gruppieren 11"/>
+            <p:cNvGrpSpPr/>
+            <p:nvPr/>
+          </p:nvGrpSpPr>
+          <p:grpSpPr>
+            <a:xfrm>
+              <a:off x="5967040" y="8154149"/>
+              <a:ext cx="774502" cy="144016"/>
+              <a:chOff x="10840466" y="7986146"/>
+              <a:chExt cx="774502" cy="144016"/>
+            </a:xfrm>
+          </p:grpSpPr>
+          <p:sp>
+            <p:nvSpPr>
+              <p:cNvPr id="13" name="Ellipse 12"/>
+              <p:cNvSpPr/>
+              <p:nvPr/>
+            </p:nvSpPr>
+            <p:spPr bwMode="auto">
+              <a:xfrm>
+                <a:off x="10840466" y="7986146"/>
+                <a:ext cx="144016" cy="144016"/>
+              </a:xfrm>
+              <a:prstGeom prst="ellipse">
+                <a:avLst/>
+              </a:prstGeom>
+              <a:solidFill>
+                <a:srgbClr val="00B050"/>
+              </a:solidFill>
+              <a:ln>
+                <a:noFill/>
+              </a:ln>
+              <a:effectLst/>
+              <a:extLst/>
+            </p:spPr>
+            <p:txBody>
+              <a:bodyPr vert="horz" wrap="square" lIns="50800" tIns="50800" rIns="50800" bIns="50800" numCol="1" rtlCol="0" anchor="ctr" anchorCtr="0" compatLnSpc="1">
+                <a:prstTxWarp prst="textNoShape">
+                  <a:avLst/>
+                </a:prstTxWarp>
+              </a:bodyPr>
+              <a:lstStyle/>
+              <a:p>
+                <a:pPr marL="342900" marR="0" indent="0" algn="ctr" defTabSz="584200" rtl="0" eaLnBrk="1" fontAlgn="base" latinLnBrk="0" hangingPunct="0">
+                  <a:lnSpc>
+                    <a:spcPct val="100000"/>
+                  </a:lnSpc>
+                  <a:spcBef>
+                    <a:spcPct val="0"/>
+                  </a:spcBef>
+                  <a:spcAft>
+                    <a:spcPct val="0"/>
+                  </a:spcAft>
+                  <a:buClrTx/>
+                  <a:buSzTx/>
+                  <a:buFontTx/>
+                  <a:buNone/>
+                  <a:tabLst/>
+                </a:pPr>
+                <a:endParaRPr kumimoji="0" lang="de-DE" sz="3600" b="0" i="0" u="none" strike="noStrike" cap="none" normalizeH="0" baseline="0" dirty="0" smtClean="0">
+                  <a:ln>
+                    <a:noFill/>
+                  </a:ln>
+                  <a:solidFill>
+                    <a:srgbClr val="414141"/>
+                  </a:solidFill>
+                  <a:effectLst/>
+                  <a:latin typeface="Gill Sans Light" charset="0"/>
+                  <a:ea typeface="Gill Sans Light" charset="0"/>
+                  <a:cs typeface="Gill Sans Light" charset="0"/>
+                  <a:sym typeface="Gill Sans Light" charset="0"/>
+                </a:endParaRPr>
+              </a:p>
+            </p:txBody>
+          </p:sp>
+          <p:sp>
+            <p:nvSpPr>
+              <p:cNvPr id="17" name="Ellipse 16"/>
+              <p:cNvSpPr/>
+              <p:nvPr/>
+            </p:nvSpPr>
+            <p:spPr bwMode="auto">
+              <a:xfrm>
+                <a:off x="11050628" y="7986146"/>
+                <a:ext cx="144016" cy="144016"/>
+              </a:xfrm>
+              <a:prstGeom prst="ellipse">
+                <a:avLst/>
+              </a:prstGeom>
+              <a:solidFill>
+                <a:srgbClr val="FFC000"/>
+              </a:solidFill>
+              <a:ln>
+                <a:noFill/>
+              </a:ln>
+              <a:effectLst/>
+              <a:extLst/>
+            </p:spPr>
+            <p:txBody>
+              <a:bodyPr vert="horz" wrap="square" lIns="50800" tIns="50800" rIns="50800" bIns="50800" numCol="1" rtlCol="0" anchor="ctr" anchorCtr="0" compatLnSpc="1">
+                <a:prstTxWarp prst="textNoShape">
+                  <a:avLst/>
+                </a:prstTxWarp>
+              </a:bodyPr>
+              <a:lstStyle/>
+              <a:p>
+                <a:pPr marL="342900" marR="0" indent="0" algn="ctr" defTabSz="584200" rtl="0" eaLnBrk="1" fontAlgn="base" latinLnBrk="0" hangingPunct="0">
+                  <a:lnSpc>
+                    <a:spcPct val="100000"/>
+                  </a:lnSpc>
+                  <a:spcBef>
+                    <a:spcPct val="0"/>
+                  </a:spcBef>
+                  <a:spcAft>
+                    <a:spcPct val="0"/>
+                  </a:spcAft>
+                  <a:buClrTx/>
+                  <a:buSzTx/>
+                  <a:buFontTx/>
+                  <a:buNone/>
+                  <a:tabLst/>
+                </a:pPr>
+                <a:endParaRPr kumimoji="0" lang="de-DE" sz="3600" b="0" i="0" u="none" strike="noStrike" cap="none" normalizeH="0" baseline="0" dirty="0" smtClean="0">
+                  <a:ln>
+                    <a:noFill/>
+                  </a:ln>
+                  <a:solidFill>
+                    <a:srgbClr val="414141"/>
+                  </a:solidFill>
+                  <a:effectLst/>
+                  <a:latin typeface="Gill Sans Light" charset="0"/>
+                  <a:ea typeface="Gill Sans Light" charset="0"/>
+                  <a:cs typeface="Gill Sans Light" charset="0"/>
+                  <a:sym typeface="Gill Sans Light" charset="0"/>
+                </a:endParaRPr>
+              </a:p>
+            </p:txBody>
+          </p:sp>
+          <p:sp>
+            <p:nvSpPr>
+              <p:cNvPr id="18" name="Ellipse 17"/>
+              <p:cNvSpPr/>
+              <p:nvPr/>
+            </p:nvSpPr>
+            <p:spPr bwMode="auto">
+              <a:xfrm>
+                <a:off x="11260790" y="7986146"/>
+                <a:ext cx="144016" cy="144016"/>
+              </a:xfrm>
+              <a:prstGeom prst="ellipse">
+                <a:avLst/>
+              </a:prstGeom>
+              <a:solidFill>
+                <a:srgbClr val="FF0000"/>
+              </a:solidFill>
+              <a:ln>
+                <a:noFill/>
+              </a:ln>
+              <a:effectLst/>
+              <a:extLst/>
+            </p:spPr>
+            <p:txBody>
+              <a:bodyPr vert="horz" wrap="square" lIns="50800" tIns="50800" rIns="50800" bIns="50800" numCol="1" rtlCol="0" anchor="ctr" anchorCtr="0" compatLnSpc="1">
+                <a:prstTxWarp prst="textNoShape">
+                  <a:avLst/>
+                </a:prstTxWarp>
+              </a:bodyPr>
+              <a:lstStyle/>
+              <a:p>
+                <a:pPr marL="342900" marR="0" indent="0" algn="ctr" defTabSz="584200" rtl="0" eaLnBrk="1" fontAlgn="base" latinLnBrk="0" hangingPunct="0">
+                  <a:lnSpc>
+                    <a:spcPct val="100000"/>
+                  </a:lnSpc>
+                  <a:spcBef>
+                    <a:spcPct val="0"/>
+                  </a:spcBef>
+                  <a:spcAft>
+                    <a:spcPct val="0"/>
+                  </a:spcAft>
+                  <a:buClrTx/>
+                  <a:buSzTx/>
+                  <a:buFontTx/>
+                  <a:buNone/>
+                  <a:tabLst/>
+                </a:pPr>
+                <a:endParaRPr kumimoji="0" lang="de-DE" sz="3600" b="0" i="0" u="none" strike="noStrike" cap="none" normalizeH="0" baseline="0" dirty="0" smtClean="0">
+                  <a:ln>
+                    <a:noFill/>
+                  </a:ln>
+                  <a:solidFill>
+                    <a:srgbClr val="414141"/>
+                  </a:solidFill>
+                  <a:effectLst/>
+                  <a:latin typeface="Gill Sans Light" charset="0"/>
+                  <a:ea typeface="Gill Sans Light" charset="0"/>
+                  <a:cs typeface="Gill Sans Light" charset="0"/>
+                  <a:sym typeface="Gill Sans Light" charset="0"/>
+                </a:endParaRPr>
+              </a:p>
+            </p:txBody>
+          </p:sp>
+          <p:sp>
+            <p:nvSpPr>
+              <p:cNvPr id="19" name="Ellipse 18"/>
+              <p:cNvSpPr/>
+              <p:nvPr/>
+            </p:nvSpPr>
+            <p:spPr bwMode="auto">
+              <a:xfrm>
+                <a:off x="11470952" y="7986146"/>
+                <a:ext cx="144016" cy="144016"/>
+              </a:xfrm>
+              <a:prstGeom prst="ellipse">
+                <a:avLst/>
+              </a:prstGeom>
+              <a:solidFill>
+                <a:schemeClr val="bg2">
+                  <a:lumMod val="60000"/>
+                  <a:lumOff val="40000"/>
+                </a:schemeClr>
+              </a:solidFill>
+              <a:ln>
+                <a:noFill/>
+              </a:ln>
+              <a:effectLst/>
+              <a:extLst/>
+            </p:spPr>
+            <p:txBody>
+              <a:bodyPr vert="horz" wrap="square" lIns="50800" tIns="50800" rIns="50800" bIns="50800" numCol="1" rtlCol="0" anchor="ctr" anchorCtr="0" compatLnSpc="1">
+                <a:prstTxWarp prst="textNoShape">
+                  <a:avLst/>
+                </a:prstTxWarp>
+              </a:bodyPr>
+              <a:lstStyle/>
+              <a:p>
+                <a:pPr marL="342900" marR="0" indent="0" algn="ctr" defTabSz="584200" rtl="0" eaLnBrk="1" fontAlgn="base" latinLnBrk="0" hangingPunct="0">
+                  <a:lnSpc>
+                    <a:spcPct val="100000"/>
+                  </a:lnSpc>
+                  <a:spcBef>
+                    <a:spcPct val="0"/>
+                  </a:spcBef>
+                  <a:spcAft>
+                    <a:spcPct val="0"/>
+                  </a:spcAft>
+                  <a:buClrTx/>
+                  <a:buSzTx/>
+                  <a:buFontTx/>
+                  <a:buNone/>
+                  <a:tabLst/>
+                </a:pPr>
+                <a:endParaRPr kumimoji="0" lang="de-DE" sz="3600" b="0" i="0" u="none" strike="noStrike" cap="none" normalizeH="0" baseline="0" dirty="0" smtClean="0">
+                  <a:ln>
+                    <a:noFill/>
+                  </a:ln>
+                  <a:solidFill>
+                    <a:srgbClr val="414141"/>
+                  </a:solidFill>
+                  <a:effectLst/>
+                  <a:latin typeface="Gill Sans Light" charset="0"/>
+                  <a:ea typeface="Gill Sans Light" charset="0"/>
+                  <a:cs typeface="Gill Sans Light" charset="0"/>
+                  <a:sym typeface="Gill Sans Light" charset="0"/>
+                </a:endParaRPr>
+              </a:p>
+            </p:txBody>
+          </p:sp>
+        </p:grpSp>
+      </p:grpSp>
+      <p:grpSp>
+        <p:nvGrpSpPr>
+          <p:cNvPr id="20" name="Gruppieren 19"/>
+          <p:cNvGrpSpPr/>
+          <p:nvPr/>
+        </p:nvGrpSpPr>
+        <p:grpSpPr>
+          <a:xfrm>
+            <a:off x="381720" y="7829128"/>
+            <a:ext cx="7348487" cy="784830"/>
+            <a:chOff x="2819400" y="8340221"/>
+            <a:chExt cx="7348487" cy="784830"/>
+          </a:xfrm>
+        </p:grpSpPr>
+        <p:sp>
+          <p:nvSpPr>
+            <p:cNvPr id="21" name="Textfeld 20"/>
+            <p:cNvSpPr txBox="1"/>
+            <p:nvPr/>
+          </p:nvSpPr>
+          <p:spPr>
+            <a:xfrm>
+              <a:off x="2819400" y="8340221"/>
+              <a:ext cx="7348487" cy="784830"/>
+            </a:xfrm>
+            <a:prstGeom prst="rect">
+              <a:avLst/>
+            </a:prstGeom>
+            <a:noFill/>
+          </p:spPr>
+          <p:txBody>
+            <a:bodyPr wrap="none" rtlCol="0">
+              <a:spAutoFit/>
+            </a:bodyPr>
+            <a:lstStyle/>
+            <a:p>
+              <a:pPr algn="l">
+                <a:lnSpc>
+                  <a:spcPct val="150000"/>
+                </a:lnSpc>
+              </a:pPr>
+              <a:r>
+                <a:rPr lang="de-DE" sz="1000" dirty="0" smtClean="0"/>
+                <a:t>Die Form gibt an, ob der Meilenstein zum jeweiligen Planungs-Stand bereits als abgeschlossen galt oder noch in der Zukunft lag</a:t>
+              </a:r>
+            </a:p>
+            <a:p>
+              <a:pPr marL="514350" lvl="1" indent="-171450" algn="l">
+                <a:lnSpc>
+                  <a:spcPct val="150000"/>
+                </a:lnSpc>
+                <a:buFontTx/>
+                <a:buChar char="-"/>
+              </a:pPr>
+              <a:r>
+                <a:rPr lang="de-DE" sz="1000" dirty="0" smtClean="0"/>
+                <a:t>Meilenstein gilt als abgeschlossen (Ergebnis mit der Ampel-Farbe bewertet)</a:t>
+              </a:r>
+            </a:p>
+            <a:p>
+              <a:pPr marL="514350" lvl="1" indent="-171450" algn="l">
+                <a:lnSpc>
+                  <a:spcPct val="150000"/>
+                </a:lnSpc>
+                <a:buFontTx/>
+                <a:buChar char="-"/>
+              </a:pPr>
+              <a:r>
+                <a:rPr lang="de-DE" sz="1000" dirty="0" smtClean="0"/>
+                <a:t>Meilenstein Prognose (Ergebnis mit der Ampel-Farbe prognostiziert)</a:t>
+              </a:r>
+              <a:endParaRPr lang="de-DE" sz="1000" dirty="0"/>
+            </a:p>
+          </p:txBody>
+        </p:sp>
+        <p:sp>
+          <p:nvSpPr>
+            <p:cNvPr id="22" name="Ellipse 21"/>
+            <p:cNvSpPr/>
+            <p:nvPr/>
+          </p:nvSpPr>
+          <p:spPr bwMode="auto">
+            <a:xfrm>
+              <a:off x="2902000" y="8881619"/>
+              <a:ext cx="144016" cy="144016"/>
+            </a:xfrm>
+            <a:prstGeom prst="ellipse">
+              <a:avLst/>
+            </a:prstGeom>
+            <a:solidFill>
+              <a:srgbClr val="00B050"/>
+            </a:solidFill>
+            <a:ln>
+              <a:noFill/>
+            </a:ln>
+            <a:effectLst/>
+            <a:extLst/>
+          </p:spPr>
+          <p:txBody>
+            <a:bodyPr vert="horz" wrap="square" lIns="50800" tIns="50800" rIns="50800" bIns="50800" numCol="1" rtlCol="0" anchor="ctr" anchorCtr="0" compatLnSpc="1">
+              <a:prstTxWarp prst="textNoShape">
+                <a:avLst/>
+              </a:prstTxWarp>
+            </a:bodyPr>
+            <a:lstStyle/>
+            <a:p>
+              <a:pPr marL="342900" marR="0" indent="0" algn="ctr" defTabSz="584200" rtl="0" eaLnBrk="1" fontAlgn="base" latinLnBrk="0" hangingPunct="0">
+                <a:lnSpc>
+                  <a:spcPct val="100000"/>
+                </a:lnSpc>
+                <a:spcBef>
+                  <a:spcPct val="0"/>
+                </a:spcBef>
+                <a:spcAft>
+                  <a:spcPct val="0"/>
+                </a:spcAft>
+                <a:buClrTx/>
+                <a:buSzTx/>
+                <a:buFontTx/>
+                <a:buNone/>
+                <a:tabLst/>
+              </a:pPr>
+              <a:endParaRPr kumimoji="0" lang="de-DE" sz="3600" b="0" i="0" u="none" strike="noStrike" cap="none" normalizeH="0" baseline="0" dirty="0" smtClean="0">
+                <a:ln>
+                  <a:noFill/>
+                </a:ln>
+                <a:solidFill>
+                  <a:srgbClr val="414141"/>
+                </a:solidFill>
+                <a:effectLst/>
+                <a:latin typeface="Gill Sans Light" charset="0"/>
+                <a:ea typeface="Gill Sans Light" charset="0"/>
+                <a:cs typeface="Gill Sans Light" charset="0"/>
+                <a:sym typeface="Gill Sans Light" charset="0"/>
+              </a:endParaRPr>
+            </a:p>
+          </p:txBody>
+        </p:sp>
+        <p:sp>
+          <p:nvSpPr>
+            <p:cNvPr id="23" name="Rechteck 22"/>
+            <p:cNvSpPr/>
+            <p:nvPr/>
+          </p:nvSpPr>
+          <p:spPr bwMode="auto">
+            <a:xfrm>
+              <a:off x="2902000" y="8649595"/>
+              <a:ext cx="144016" cy="144000"/>
+            </a:xfrm>
+            <a:prstGeom prst="rect">
+              <a:avLst/>
+            </a:prstGeom>
+            <a:solidFill>
+              <a:srgbClr val="00B050"/>
+            </a:solidFill>
+            <a:ln>
+              <a:noFill/>
+            </a:ln>
+            <a:effectLst/>
+            <a:extLst/>
+          </p:spPr>
+          <p:txBody>
+            <a:bodyPr vert="horz" wrap="square" lIns="50800" tIns="50800" rIns="50800" bIns="50800" numCol="1" rtlCol="0" anchor="ctr" anchorCtr="0" compatLnSpc="1">
+              <a:prstTxWarp prst="textNoShape">
+                <a:avLst/>
+              </a:prstTxWarp>
+            </a:bodyPr>
+            <a:lstStyle/>
+            <a:p>
+              <a:pPr marL="342900" marR="0" indent="0" algn="ctr" defTabSz="584200" rtl="0" eaLnBrk="1" fontAlgn="base" latinLnBrk="0" hangingPunct="0">
+                <a:lnSpc>
+                  <a:spcPct val="100000"/>
+                </a:lnSpc>
+                <a:spcBef>
+                  <a:spcPct val="0"/>
+                </a:spcBef>
+                <a:spcAft>
+                  <a:spcPct val="0"/>
+                </a:spcAft>
+                <a:buClrTx/>
+                <a:buSzTx/>
+                <a:buFontTx/>
+                <a:buNone/>
+                <a:tabLst/>
+              </a:pPr>
+              <a:endParaRPr kumimoji="0" lang="de-DE" sz="3600" b="0" i="0" u="none" strike="noStrike" cap="none" normalizeH="0" baseline="0" dirty="0" smtClean="0">
+                <a:ln>
+                  <a:noFill/>
+                </a:ln>
+                <a:solidFill>
+                  <a:srgbClr val="414141"/>
+                </a:solidFill>
+                <a:effectLst/>
+                <a:latin typeface="Gill Sans Light" charset="0"/>
+                <a:ea typeface="Gill Sans Light" charset="0"/>
+                <a:cs typeface="Gill Sans Light" charset="0"/>
+                <a:sym typeface="Gill Sans Light" charset="0"/>
+              </a:endParaRPr>
+            </a:p>
+          </p:txBody>
+        </p:sp>
+      </p:grpSp>
+      <p:grpSp>
+        <p:nvGrpSpPr>
+          <p:cNvPr id="24" name="Gruppieren 23"/>
+          <p:cNvGrpSpPr/>
+          <p:nvPr/>
+        </p:nvGrpSpPr>
+        <p:grpSpPr>
+          <a:xfrm>
+            <a:off x="8086576" y="7181056"/>
+            <a:ext cx="4641014" cy="1015663"/>
+            <a:chOff x="2819400" y="8340221"/>
+            <a:chExt cx="4641014" cy="1015663"/>
+          </a:xfrm>
+        </p:grpSpPr>
+        <p:sp>
+          <p:nvSpPr>
+            <p:cNvPr id="25" name="Textfeld 24"/>
+            <p:cNvSpPr txBox="1"/>
+            <p:nvPr/>
+          </p:nvSpPr>
+          <p:spPr>
+            <a:xfrm>
+              <a:off x="2819400" y="8340221"/>
+              <a:ext cx="4641014" cy="1015663"/>
+            </a:xfrm>
+            <a:prstGeom prst="rect">
+              <a:avLst/>
+            </a:prstGeom>
+            <a:noFill/>
+          </p:spPr>
+          <p:txBody>
+            <a:bodyPr wrap="none" rtlCol="0">
+              <a:spAutoFit/>
+            </a:bodyPr>
+            <a:lstStyle/>
+            <a:p>
+              <a:pPr algn="l">
+                <a:lnSpc>
+                  <a:spcPct val="150000"/>
+                </a:lnSpc>
+              </a:pPr>
+              <a:r>
+                <a:rPr lang="de-DE" sz="1000" dirty="0" smtClean="0"/>
+                <a:t>Die Größe der Form gibt an, ob der Status / die Bewertung aus dem Vormonat </a:t>
+              </a:r>
+              <a:br>
+                <a:rPr lang="de-DE" sz="1000" dirty="0" smtClean="0"/>
+              </a:br>
+              <a:r>
+                <a:rPr lang="de-DE" sz="1000" dirty="0" smtClean="0"/>
+                <a:t>übernommen wurde oder ob es eine Bewertung in dem Berichtszeitraum gab</a:t>
+              </a:r>
+            </a:p>
+            <a:p>
+              <a:pPr marL="514350" lvl="1" indent="-171450" algn="l">
+                <a:lnSpc>
+                  <a:spcPct val="150000"/>
+                </a:lnSpc>
+                <a:buFontTx/>
+                <a:buChar char="-"/>
+              </a:pPr>
+              <a:r>
+                <a:rPr lang="de-DE" sz="1000" dirty="0" smtClean="0"/>
+                <a:t>Die Bewertung ist aus dem angegebenen Berichtszeitraum</a:t>
+              </a:r>
+            </a:p>
+            <a:p>
+              <a:pPr marL="514350" lvl="1" indent="-171450" algn="l">
+                <a:lnSpc>
+                  <a:spcPct val="150000"/>
+                </a:lnSpc>
+                <a:buFontTx/>
+                <a:buChar char="-"/>
+              </a:pPr>
+              <a:r>
+                <a:rPr lang="de-DE" sz="1000" dirty="0" smtClean="0"/>
+                <a:t>Die Bewertung stammt aus dem Vormonat</a:t>
+              </a:r>
+              <a:endParaRPr lang="de-DE" sz="1000" dirty="0"/>
+            </a:p>
+          </p:txBody>
+        </p:sp>
+        <p:sp>
+          <p:nvSpPr>
+            <p:cNvPr id="26" name="Ellipse 25"/>
+            <p:cNvSpPr/>
+            <p:nvPr/>
+          </p:nvSpPr>
+          <p:spPr bwMode="auto">
+            <a:xfrm>
+              <a:off x="2902000" y="8881619"/>
+              <a:ext cx="180000" cy="180000"/>
+            </a:xfrm>
+            <a:prstGeom prst="ellipse">
+              <a:avLst/>
+            </a:prstGeom>
+            <a:solidFill>
+              <a:srgbClr val="00B050"/>
+            </a:solidFill>
+            <a:ln>
+              <a:noFill/>
+            </a:ln>
+            <a:effectLst/>
+            <a:extLst/>
+          </p:spPr>
+          <p:txBody>
+            <a:bodyPr vert="horz" wrap="square" lIns="50800" tIns="50800" rIns="50800" bIns="50800" numCol="1" rtlCol="0" anchor="ctr" anchorCtr="0" compatLnSpc="1">
+              <a:prstTxWarp prst="textNoShape">
+                <a:avLst/>
+              </a:prstTxWarp>
+            </a:bodyPr>
+            <a:lstStyle/>
+            <a:p>
+              <a:pPr marL="342900" marR="0" indent="0" algn="ctr" defTabSz="584200" rtl="0" eaLnBrk="1" fontAlgn="base" latinLnBrk="0" hangingPunct="0">
+                <a:lnSpc>
+                  <a:spcPct val="100000"/>
+                </a:lnSpc>
+                <a:spcBef>
+                  <a:spcPct val="0"/>
+                </a:spcBef>
+                <a:spcAft>
+                  <a:spcPct val="0"/>
+                </a:spcAft>
+                <a:buClrTx/>
+                <a:buSzTx/>
+                <a:buFontTx/>
+                <a:buNone/>
+                <a:tabLst/>
+              </a:pPr>
+              <a:endParaRPr kumimoji="0" lang="de-DE" sz="3600" b="0" i="0" u="none" strike="noStrike" cap="none" normalizeH="0" baseline="0" dirty="0" smtClean="0">
+                <a:ln>
+                  <a:noFill/>
+                </a:ln>
+                <a:solidFill>
+                  <a:srgbClr val="414141"/>
+                </a:solidFill>
+                <a:effectLst/>
+                <a:latin typeface="Gill Sans Light" charset="0"/>
+                <a:ea typeface="Gill Sans Light" charset="0"/>
+                <a:cs typeface="Gill Sans Light" charset="0"/>
+                <a:sym typeface="Gill Sans Light" charset="0"/>
+              </a:endParaRPr>
+            </a:p>
+          </p:txBody>
+        </p:sp>
+      </p:grpSp>
+      <p:sp>
+        <p:nvSpPr>
+          <p:cNvPr id="28" name="Ellipse 27"/>
+          <p:cNvSpPr/>
+          <p:nvPr/>
+        </p:nvSpPr>
+        <p:spPr bwMode="auto">
+          <a:xfrm>
+            <a:off x="8211412" y="7959192"/>
+            <a:ext cx="108000" cy="108000"/>
+          </a:xfrm>
+          <a:prstGeom prst="ellipse">
+            <a:avLst/>
+          </a:prstGeom>
+          <a:solidFill>
+            <a:srgbClr val="00B050"/>
+          </a:solidFill>
+          <a:ln>
+            <a:noFill/>
+          </a:ln>
+          <a:effectLst/>
+          <a:extLst/>
+        </p:spPr>
+        <p:txBody>
+          <a:bodyPr vert="horz" wrap="square" lIns="50800" tIns="50800" rIns="50800" bIns="50800" numCol="1" rtlCol="0" anchor="ctr" anchorCtr="0" compatLnSpc="1">
+            <a:prstTxWarp prst="textNoShape">
+              <a:avLst/>
+            </a:prstTxWarp>
+          </a:bodyPr>
+          <a:lstStyle/>
+          <a:p>
+            <a:pPr marL="342900" marR="0" indent="0" algn="ctr" defTabSz="584200" rtl="0" eaLnBrk="1" fontAlgn="base" latinLnBrk="0" hangingPunct="0">
+              <a:lnSpc>
+                <a:spcPct val="100000"/>
+              </a:lnSpc>
+              <a:spcBef>
+                <a:spcPct val="0"/>
+              </a:spcBef>
+              <a:spcAft>
+                <a:spcPct val="0"/>
+              </a:spcAft>
+              <a:buClrTx/>
+              <a:buSzTx/>
+              <a:buFontTx/>
+              <a:buNone/>
+              <a:tabLst/>
+            </a:pPr>
+            <a:endParaRPr kumimoji="0" lang="de-DE" sz="3600" b="0" i="0" u="none" strike="noStrike" cap="none" normalizeH="0" baseline="0" dirty="0" smtClean="0">
+              <a:ln>
+                <a:noFill/>
+              </a:ln>
+              <a:solidFill>
+                <a:srgbClr val="414141"/>
+              </a:solidFill>
+              <a:effectLst/>
+              <a:latin typeface="Gill Sans Light" charset="0"/>
+              <a:ea typeface="Gill Sans Light" charset="0"/>
+              <a:cs typeface="Gill Sans Light" charset="0"/>
+              <a:sym typeface="Gill Sans Light" charset="0"/>
+            </a:endParaRPr>
+          </a:p>
+        </p:txBody>
+      </p:sp>
+    </p:spTree>
+    <p:extLst>
+      <p:ext uri="{BB962C8B-B14F-4D97-AF65-F5344CB8AC3E}">
+        <p14:creationId xmlns:p14="http://schemas.microsoft.com/office/powerpoint/2010/main" val="1546635085"/>
+      </p:ext>
+    </p:extLst>
+  </p:cSld>
+  <p:clrMapOvr>
+    <a:masterClrMapping/>
+  </p:clrMapOvr>
+  <p:timing>
+    <p:tnLst>
+      <p:par>
+        <p:cTn id="1" dur="indefinite" restart="never" nodeType="tmRoot"/>
+      </p:par>
+    </p:tnLst>
+  </p:timing>
+</p:sld>
+</file>
+
+<file path=ppt/slides/slide6.xml><?xml version="1.0" encoding="utf-8"?>
+<p:sld xmlns:a="http://schemas.openxmlformats.org/drawingml/2006/main" xmlns:r="http://schemas.openxmlformats.org/officeDocument/2006/relationships" xmlns:p="http://schemas.openxmlformats.org/presentationml/2006/main">
+  <p:cSld>
+    <p:spTree>
+      <p:nvGrpSpPr>
+        <p:cNvPr id="1" name=""/>
+        <p:cNvGrpSpPr/>
+        <p:nvPr/>
+      </p:nvGrpSpPr>
+      <p:grpSpPr>
+        <a:xfrm>
+          <a:off x="0" y="0"/>
+          <a:ext cx="0" cy="0"/>
+          <a:chOff x="0" y="0"/>
+          <a:chExt cx="0" cy="0"/>
+        </a:xfrm>
+      </p:grpSpPr>
+      <p:sp>
+        <p:nvSpPr>
+          <p:cNvPr id="2" name="Titel 1"/>
+          <p:cNvSpPr>
+            <a:spLocks noGrp="1"/>
+          </p:cNvSpPr>
+          <p:nvPr>
+            <p:ph type="title"/>
+          </p:nvPr>
+        </p:nvSpPr>
+        <p:spPr>
+          <a:xfrm>
+            <a:off x="650875" y="390525"/>
+            <a:ext cx="11703050" cy="1245915"/>
+          </a:xfrm>
+        </p:spPr>
+        <p:txBody>
+          <a:bodyPr/>
+          <a:lstStyle/>
+          <a:p>
+            <a:r>
               <a:rPr lang="de-DE" sz="4400" dirty="0" smtClean="0"/>
-              <a:t>Vergleich mit Beauftragungs-Stand</a:t>
+              <a:t>Vergleich mit Projekt-Generik</a:t>
             </a:r>
             <a:endParaRPr lang="de-DE" dirty="0"/>
           </a:p>
@@ -7243,11 +11648,7 @@
             <a:pPr marL="342900"/>
             <a:r>
               <a:rPr lang="de-DE" sz="1400" dirty="0"/>
-              <a:t>Vergleich mit </a:t>
-            </a:r>
-            <a:r>
-              <a:rPr lang="de-DE" sz="1400" dirty="0" smtClean="0"/>
-              <a:t>Beauftragung</a:t>
+              <a:t>Vergleich mit Vorlage</a:t>
             </a:r>
             <a:endParaRPr kumimoji="0" lang="de-DE" sz="1800" b="0" i="0" u="none" strike="noStrike" cap="none" normalizeH="0" baseline="0" dirty="0" smtClean="0">
               <a:ln>
@@ -7512,6 +11913,386 @@
     </p:spTree>
     <p:extLst>
       <p:ext uri="{BB962C8B-B14F-4D97-AF65-F5344CB8AC3E}">
+        <p14:creationId xmlns:p14="http://schemas.microsoft.com/office/powerpoint/2010/main" val="1454176755"/>
+      </p:ext>
+    </p:extLst>
+  </p:cSld>
+  <p:clrMapOvr>
+    <a:masterClrMapping/>
+  </p:clrMapOvr>
+  <p:timing>
+    <p:tnLst>
+      <p:par>
+        <p:cTn id="1" dur="indefinite" restart="never" nodeType="tmRoot"/>
+      </p:par>
+    </p:tnLst>
+  </p:timing>
+</p:sld>
+</file>
+
+<file path=ppt/slides/slide7.xml><?xml version="1.0" encoding="utf-8"?>
+<p:sld xmlns:a="http://schemas.openxmlformats.org/drawingml/2006/main" xmlns:r="http://schemas.openxmlformats.org/officeDocument/2006/relationships" xmlns:p="http://schemas.openxmlformats.org/presentationml/2006/main">
+  <p:cSld>
+    <p:spTree>
+      <p:nvGrpSpPr>
+        <p:cNvPr id="1" name=""/>
+        <p:cNvGrpSpPr/>
+        <p:nvPr/>
+      </p:nvGrpSpPr>
+      <p:grpSpPr>
+        <a:xfrm>
+          <a:off x="0" y="0"/>
+          <a:ext cx="0" cy="0"/>
+          <a:chOff x="0" y="0"/>
+          <a:chExt cx="0" cy="0"/>
+        </a:xfrm>
+      </p:grpSpPr>
+      <p:sp>
+        <p:nvSpPr>
+          <p:cNvPr id="2" name="Titel 1"/>
+          <p:cNvSpPr>
+            <a:spLocks noGrp="1"/>
+          </p:cNvSpPr>
+          <p:nvPr>
+            <p:ph type="title"/>
+          </p:nvPr>
+        </p:nvSpPr>
+        <p:spPr>
+          <a:xfrm>
+            <a:off x="650875" y="390525"/>
+            <a:ext cx="11703050" cy="1245915"/>
+          </a:xfrm>
+        </p:spPr>
+        <p:txBody>
+          <a:bodyPr/>
+          <a:lstStyle/>
+          <a:p>
+            <a:r>
+              <a:rPr lang="de-DE" sz="4400" dirty="0" smtClean="0"/>
+              <a:t>Vergleich mit Beauftragungs-Stand</a:t>
+            </a:r>
+            <a:endParaRPr lang="de-DE" dirty="0"/>
+          </a:p>
+        </p:txBody>
+      </p:sp>
+      <p:sp>
+        <p:nvSpPr>
+          <p:cNvPr id="8" name="Rechteck 7"/>
+          <p:cNvSpPr/>
+          <p:nvPr/>
+        </p:nvSpPr>
+        <p:spPr bwMode="auto">
+          <a:xfrm>
+            <a:off x="453728" y="1708448"/>
+            <a:ext cx="12097344" cy="5760640"/>
+          </a:xfrm>
+          <a:prstGeom prst="rect">
+            <a:avLst/>
+          </a:prstGeom>
+          <a:solidFill>
+            <a:srgbClr val="FFFFFF"/>
+          </a:solidFill>
+          <a:ln w="38100" cap="flat" cmpd="sng" algn="ctr">
+            <a:solidFill>
+              <a:schemeClr val="accent1">
+                <a:lumMod val="75000"/>
+              </a:schemeClr>
+            </a:solidFill>
+            <a:prstDash val="solid"/>
+            <a:miter lim="0"/>
+            <a:headEnd type="none" w="med" len="med"/>
+            <a:tailEnd type="none" w="med" len="med"/>
+          </a:ln>
+          <a:effectLst>
+            <a:innerShdw blurRad="63500" dist="50800" dir="18900000">
+              <a:prstClr val="black">
+                <a:alpha val="50000"/>
+              </a:prstClr>
+            </a:innerShdw>
+            <a:softEdge rad="12700"/>
+          </a:effectLst>
+          <a:extLst/>
+        </p:spPr>
+        <p:txBody>
+          <a:bodyPr vert="horz" wrap="square" lIns="50800" tIns="50800" rIns="50800" bIns="50800" numCol="1" rtlCol="0" anchor="ctr" anchorCtr="0" compatLnSpc="1">
+            <a:prstTxWarp prst="textNoShape">
+              <a:avLst/>
+            </a:prstTxWarp>
+          </a:bodyPr>
+          <a:lstStyle/>
+          <a:p>
+            <a:pPr marL="342900"/>
+            <a:r>
+              <a:rPr lang="de-DE" sz="1400" dirty="0"/>
+              <a:t>Vergleich mit </a:t>
+            </a:r>
+            <a:r>
+              <a:rPr lang="de-DE" sz="1400" dirty="0" smtClean="0"/>
+              <a:t>Beauftragung</a:t>
+            </a:r>
+            <a:endParaRPr kumimoji="0" lang="de-DE" sz="1800" b="0" i="0" u="none" strike="noStrike" cap="none" normalizeH="0" baseline="0" dirty="0" smtClean="0">
+              <a:ln>
+                <a:noFill/>
+              </a:ln>
+              <a:solidFill>
+                <a:schemeClr val="bg2"/>
+              </a:solidFill>
+              <a:effectLst/>
+              <a:latin typeface="Gill Sans Light" charset="0"/>
+              <a:ea typeface="Gill Sans Light" charset="0"/>
+              <a:cs typeface="Gill Sans Light" charset="0"/>
+              <a:sym typeface="Gill Sans Light" charset="0"/>
+            </a:endParaRPr>
+          </a:p>
+        </p:txBody>
+      </p:sp>
+      <p:sp>
+        <p:nvSpPr>
+          <p:cNvPr id="10" name="Rechteck 9"/>
+          <p:cNvSpPr/>
+          <p:nvPr/>
+        </p:nvSpPr>
+        <p:spPr bwMode="auto">
+          <a:xfrm>
+            <a:off x="453728" y="8929194"/>
+            <a:ext cx="3478120" cy="340094"/>
+          </a:xfrm>
+          <a:prstGeom prst="rect">
+            <a:avLst/>
+          </a:prstGeom>
+          <a:solidFill>
+            <a:srgbClr val="FFFFFF"/>
+          </a:solidFill>
+          <a:ln w="38100" cap="flat" cmpd="sng" algn="ctr">
+            <a:solidFill>
+              <a:schemeClr val="accent1">
+                <a:lumMod val="75000"/>
+              </a:schemeClr>
+            </a:solidFill>
+            <a:prstDash val="solid"/>
+            <a:miter lim="0"/>
+            <a:headEnd type="none" w="med" len="med"/>
+            <a:tailEnd type="none" w="med" len="med"/>
+          </a:ln>
+          <a:effectLst>
+            <a:innerShdw blurRad="63500" dist="50800" dir="18900000">
+              <a:prstClr val="black">
+                <a:alpha val="50000"/>
+              </a:prstClr>
+            </a:innerShdw>
+            <a:softEdge rad="12700"/>
+          </a:effectLst>
+          <a:extLst/>
+        </p:spPr>
+        <p:txBody>
+          <a:bodyPr vert="horz" wrap="square" lIns="0" tIns="50800" rIns="50800" bIns="50800" numCol="1" rtlCol="0" anchor="ctr" anchorCtr="0" compatLnSpc="1">
+            <a:prstTxWarp prst="textNoShape">
+              <a:avLst/>
+            </a:prstTxWarp>
+          </a:bodyPr>
+          <a:lstStyle/>
+          <a:p>
+            <a:pPr marL="342900" algn="l"/>
+            <a:r>
+              <a:rPr lang="de-DE" sz="1400" dirty="0">
+                <a:solidFill>
+                  <a:schemeClr val="bg2"/>
+                </a:solidFill>
+              </a:rPr>
+              <a:t>Stand</a:t>
+            </a:r>
+            <a:r>
+              <a:rPr lang="de-DE" sz="1400" dirty="0" smtClean="0">
+                <a:solidFill>
+                  <a:schemeClr val="bg2"/>
+                </a:solidFill>
+              </a:rPr>
+              <a:t>:</a:t>
+            </a:r>
+            <a:endParaRPr lang="de-DE" sz="1400" dirty="0">
+              <a:solidFill>
+                <a:schemeClr val="bg2"/>
+              </a:solidFill>
+            </a:endParaRPr>
+          </a:p>
+        </p:txBody>
+      </p:sp>
+      <p:sp>
+        <p:nvSpPr>
+          <p:cNvPr id="14" name="Rechteck 13"/>
+          <p:cNvSpPr/>
+          <p:nvPr/>
+        </p:nvSpPr>
+        <p:spPr bwMode="auto">
+          <a:xfrm>
+            <a:off x="9216968" y="8929194"/>
+            <a:ext cx="3478120" cy="340094"/>
+          </a:xfrm>
+          <a:prstGeom prst="rect">
+            <a:avLst/>
+          </a:prstGeom>
+          <a:solidFill>
+            <a:srgbClr val="FFFFFF"/>
+          </a:solidFill>
+          <a:ln w="38100" cap="flat" cmpd="sng" algn="ctr">
+            <a:solidFill>
+              <a:schemeClr val="accent1">
+                <a:lumMod val="75000"/>
+              </a:schemeClr>
+            </a:solidFill>
+            <a:prstDash val="solid"/>
+            <a:miter lim="0"/>
+            <a:headEnd type="none" w="med" len="med"/>
+            <a:tailEnd type="none" w="med" len="med"/>
+          </a:ln>
+          <a:effectLst>
+            <a:innerShdw blurRad="63500" dist="50800" dir="18900000">
+              <a:prstClr val="black">
+                <a:alpha val="50000"/>
+              </a:prstClr>
+            </a:innerShdw>
+            <a:softEdge rad="12700"/>
+          </a:effectLst>
+          <a:extLst/>
+        </p:spPr>
+        <p:txBody>
+          <a:bodyPr vert="horz" wrap="square" lIns="0" tIns="50800" rIns="50800" bIns="50800" numCol="1" rtlCol="0" anchor="ctr" anchorCtr="0" compatLnSpc="1">
+            <a:prstTxWarp prst="textNoShape">
+              <a:avLst/>
+            </a:prstTxWarp>
+          </a:bodyPr>
+          <a:lstStyle/>
+          <a:p>
+            <a:pPr marL="342900" algn="l"/>
+            <a:r>
+              <a:rPr lang="de-DE" sz="1400" dirty="0">
+                <a:solidFill>
+                  <a:schemeClr val="bg2"/>
+                </a:solidFill>
+              </a:rPr>
+              <a:t>Verantwortlich:</a:t>
+            </a:r>
+          </a:p>
+        </p:txBody>
+      </p:sp>
+      <p:sp>
+        <p:nvSpPr>
+          <p:cNvPr id="15" name="Rechteck 14"/>
+          <p:cNvSpPr/>
+          <p:nvPr/>
+        </p:nvSpPr>
+        <p:spPr bwMode="auto">
+          <a:xfrm>
+            <a:off x="4835348" y="8929194"/>
+            <a:ext cx="3478120" cy="340094"/>
+          </a:xfrm>
+          <a:prstGeom prst="rect">
+            <a:avLst/>
+          </a:prstGeom>
+          <a:solidFill>
+            <a:srgbClr val="FFFFFF"/>
+          </a:solidFill>
+          <a:ln w="38100" cap="flat" cmpd="sng" algn="ctr">
+            <a:solidFill>
+              <a:schemeClr val="accent1">
+                <a:lumMod val="75000"/>
+              </a:schemeClr>
+            </a:solidFill>
+            <a:prstDash val="solid"/>
+            <a:miter lim="0"/>
+            <a:headEnd type="none" w="med" len="med"/>
+            <a:tailEnd type="none" w="med" len="med"/>
+          </a:ln>
+          <a:effectLst>
+            <a:innerShdw blurRad="63500" dist="50800" dir="18900000">
+              <a:prstClr val="black">
+                <a:alpha val="50000"/>
+              </a:prstClr>
+            </a:innerShdw>
+            <a:softEdge rad="12700"/>
+          </a:effectLst>
+          <a:extLst/>
+        </p:spPr>
+        <p:txBody>
+          <a:bodyPr vert="horz" wrap="square" lIns="0" tIns="50800" rIns="50800" bIns="50800" numCol="1" rtlCol="0" anchor="ctr" anchorCtr="0" compatLnSpc="1">
+            <a:prstTxWarp prst="textNoShape">
+              <a:avLst/>
+            </a:prstTxWarp>
+          </a:bodyPr>
+          <a:lstStyle/>
+          <a:p>
+            <a:pPr marL="342900" algn="l"/>
+            <a:r>
+              <a:rPr lang="de-DE" sz="1400" dirty="0">
+                <a:solidFill>
+                  <a:schemeClr val="bg2"/>
+                </a:solidFill>
+              </a:rPr>
+              <a:t>Laufzeit</a:t>
+            </a:r>
+            <a:r>
+              <a:rPr lang="de-DE" sz="1400" dirty="0" smtClean="0">
+                <a:solidFill>
+                  <a:schemeClr val="bg2"/>
+                </a:solidFill>
+              </a:rPr>
+              <a:t>:</a:t>
+            </a:r>
+            <a:endParaRPr lang="de-DE" sz="1400" dirty="0">
+              <a:solidFill>
+                <a:schemeClr val="bg2"/>
+              </a:solidFill>
+            </a:endParaRPr>
+          </a:p>
+        </p:txBody>
+      </p:sp>
+      <p:sp>
+        <p:nvSpPr>
+          <p:cNvPr id="3" name="Textfeld 2"/>
+          <p:cNvSpPr txBox="1"/>
+          <p:nvPr/>
+        </p:nvSpPr>
+        <p:spPr>
+          <a:xfrm>
+            <a:off x="488661" y="7807271"/>
+            <a:ext cx="5556329" cy="400110"/>
+          </a:xfrm>
+          <a:prstGeom prst="rect">
+            <a:avLst/>
+          </a:prstGeom>
+          <a:noFill/>
+        </p:spPr>
+        <p:txBody>
+          <a:bodyPr wrap="none" rtlCol="0">
+            <a:spAutoFit/>
+          </a:bodyPr>
+          <a:lstStyle/>
+          <a:p>
+            <a:pPr marL="171450" indent="-171450" algn="l">
+              <a:buFont typeface="Arial" panose="020B0604020202020204" pitchFamily="34" charset="0"/>
+              <a:buChar char="•"/>
+            </a:pPr>
+            <a:r>
+              <a:rPr lang="de-DE" sz="1000" dirty="0" smtClean="0"/>
+              <a:t>Phasen Abschnitte sind identisch, wenn die Phasen jeweils in Grau dargestellt werden</a:t>
+            </a:r>
+          </a:p>
+          <a:p>
+            <a:pPr marL="171450" indent="-171450" algn="l">
+              <a:buFont typeface="Arial" panose="020B0604020202020204" pitchFamily="34" charset="0"/>
+              <a:buChar char="•"/>
+            </a:pPr>
+            <a:r>
+              <a:rPr lang="de-DE" sz="1000" dirty="0" smtClean="0"/>
+              <a:t>Phasen abschnitte sind unterschiedlich, wenn die Phasen in Ihrer Farbe dargestellt werden   </a:t>
+            </a:r>
+            <a:endParaRPr lang="de-DE" sz="1000" dirty="0"/>
+          </a:p>
+        </p:txBody>
+      </p:sp>
+    </p:spTree>
+    <p:extLst>
+      <p:ext uri="{BB962C8B-B14F-4D97-AF65-F5344CB8AC3E}">
         <p14:creationId xmlns:p14="http://schemas.microsoft.com/office/powerpoint/2010/main" val="1580426209"/>
       </p:ext>
     </p:extLst>
@@ -7529,7 +12310,7 @@
 </p:sld>
 </file>
 
-<file path=ppt/slides/slide6.xml><?xml version="1.0" encoding="utf-8"?>
+<file path=ppt/slides/slide8.xml><?xml version="1.0" encoding="utf-8"?>
 <p:sld xmlns:a="http://schemas.openxmlformats.org/drawingml/2006/main" xmlns:r="http://schemas.openxmlformats.org/officeDocument/2006/relationships" xmlns:p="http://schemas.openxmlformats.org/presentationml/2006/main">
   <p:cSld>
     <p:spTree>
